--- a/solutions/aws/ai/intelligent-document-processing/delivery/closeout-presentation.pptx
+++ b/solutions/aws/ai/intelligent-document-processing/delivery/closeout-presentation.pptx
@@ -3330,7 +3330,7 @@
           <a:lstStyle/>
           <a:p>
             <a:r>
-              <a:t>EO Framework Team | November 03, 2025</a:t>
+              <a:t>EO Framework Team | November 09, 2025</a:t>
             </a:r>
           </a:p>
         </p:txBody>

--- a/solutions/aws/ai/intelligent-document-processing/delivery/closeout-presentation.pptx
+++ b/solutions/aws/ai/intelligent-document-processing/delivery/closeout-presentation.pptx
@@ -5,16 +5,16 @@
     <p:sldMasterId id="2147483648" r:id="rId1"/>
   </p:sldMasterIdLst>
   <p:notesMasterIdLst>
-    <p:notesMasterId r:id="rId2"/>
+    <p:notesMasterId r:id="rId9"/>
   </p:notesMasterIdLst>
   <p:sldIdLst>
     <p:sldId id="256" r:id="rId7"/>
     <p:sldId id="257" r:id="rId8"/>
-    <p:sldId id="258" r:id="rId9"/>
-    <p:sldId id="259" r:id="rId10"/>
-    <p:sldId id="260" r:id="rId11"/>
-    <p:sldId id="261" r:id="rId12"/>
-    <p:sldId id="262" r:id="rId13"/>
+    <p:sldId id="258" r:id="rId6"/>
+    <p:sldId id="259" r:id="rId5"/>
+    <p:sldId id="260" r:id="rId4"/>
+    <p:sldId id="261" r:id="rId3"/>
+    <p:sldId id="262" r:id="rId2"/>
     <p:sldId id="263" r:id="rId14"/>
     <p:sldId id="264" r:id="rId15"/>
     <p:sldId id="265" r:id="rId16"/>
@@ -44,7 +44,6 @@
     <p:sldId id="289" r:id="rId40"/>
     <p:sldId id="290" r:id="rId41"/>
     <p:sldId id="291" r:id="rId42"/>
-    <p:sldId id="292" r:id="rId43"/>
   </p:sldIdLst>
   <p:sldSz cx="9144000" cy="5143500" type="screen16x9"/>
   <p:notesSz cx="5143500" cy="9144000"/>
@@ -757,122 +756,6 @@
       </p:sp>
       <p:sp>
         <p:nvSpPr>
-          <p:cNvPr id="11" name="Text Placeholder 10">
-            <a:extLst>
-              <a:ext uri="{FF2B5EF4-FFF2-40B4-BE49-F238E27FC236}">
-                <a16:creationId xmlns:a16="http://schemas.microsoft.com/office/drawing/2014/main" id="{B273A1B3-664A-DD19-7B35-B4E3982A4030}"/>
-              </a:ext>
-            </a:extLst>
-          </p:cNvPr>
-          <p:cNvSpPr>
-            <a:spLocks noGrp="1"/>
-          </p:cNvSpPr>
-          <p:nvPr>
-            <p:ph type="body" sz="quarter" idx="11" hasCustomPrompt="1"/>
-          </p:nvPr>
-        </p:nvSpPr>
-        <p:spPr>
-          <a:xfrm>
-            <a:off x="296863" y="685597"/>
-            <a:ext cx="8509304" cy="3771184"/>
-          </a:xfrm>
-          <a:prstGeom prst="rect">
-            <a:avLst/>
-          </a:prstGeom>
-        </p:spPr>
-        <p:txBody>
-          <a:bodyPr/>
-          <a:lstStyle>
-            <a:lvl1pPr marL="0" indent="0">
-              <a:buNone/>
-              <a:defRPr sz="1600">
-                <a:latin typeface="Arial" panose="020B0604020202020204" pitchFamily="34" charset="0"/>
-                <a:cs typeface="Arial" panose="020B0604020202020204" pitchFamily="34" charset="0"/>
-              </a:defRPr>
-            </a:lvl1pPr>
-            <a:lvl2pPr>
-              <a:defRPr sz="1600">
-                <a:latin typeface="Arial" panose="020B0604020202020204" pitchFamily="34" charset="0"/>
-                <a:cs typeface="Arial" panose="020B0604020202020204" pitchFamily="34" charset="0"/>
-              </a:defRPr>
-            </a:lvl2pPr>
-            <a:lvl3pPr>
-              <a:defRPr sz="1600">
-                <a:latin typeface="Arial" panose="020B0604020202020204" pitchFamily="34" charset="0"/>
-                <a:cs typeface="Arial" panose="020B0604020202020204" pitchFamily="34" charset="0"/>
-              </a:defRPr>
-            </a:lvl3pPr>
-            <a:lvl4pPr>
-              <a:defRPr sz="1600">
-                <a:latin typeface="Arial" panose="020B0604020202020204" pitchFamily="34" charset="0"/>
-                <a:cs typeface="Arial" panose="020B0604020202020204" pitchFamily="34" charset="0"/>
-              </a:defRPr>
-            </a:lvl4pPr>
-            <a:lvl5pPr>
-              <a:defRPr sz="1600">
-                <a:latin typeface="Arial" panose="020B0604020202020204" pitchFamily="34" charset="0"/>
-                <a:cs typeface="Arial" panose="020B0604020202020204" pitchFamily="34" charset="0"/>
-              </a:defRPr>
-            </a:lvl5pPr>
-          </a:lstStyle>
-          <a:p>
-            <a:pPr marL="0" marR="0" lvl="0" indent="0" algn="l" defTabSz="914400" rtl="0" eaLnBrk="1" fontAlgn="auto" latinLnBrk="0" hangingPunct="1">
-              <a:lnSpc>
-                <a:spcPts val="2400"/>
-              </a:lnSpc>
-              <a:spcBef>
-                <a:spcPts val="300"/>
-              </a:spcBef>
-              <a:spcAft>
-                <a:spcPts val="300"/>
-              </a:spcAft>
-              <a:buClrTx/>
-              <a:buSzTx/>
-              <a:buFontTx/>
-              <a:buNone/>
-              <a:tabLst/>
-              <a:defRPr/>
-            </a:pPr>
-            <a:r>
-              <a:rPr kumimoji="0" lang="en-US" sz="1500" b="0" i="0" u="none" strike="noStrike" kern="1200" cap="none" spc="0" normalizeH="0" baseline="0" noProof="0" dirty="0">
-                <a:ln>
-                  <a:noFill/>
-                </a:ln>
-                <a:solidFill>
-                  <a:srgbClr val="2C3E50"/>
-                </a:solidFill>
-                <a:effectLst/>
-                <a:uLnTx/>
-                <a:uFillTx/>
-                <a:latin typeface="Arial" pitchFamily="34" charset="0"/>
-                <a:ea typeface="Arial" pitchFamily="34" charset="-122"/>
-                <a:cs typeface="Arial" pitchFamily="34" charset="-120"/>
-              </a:rPr>
-              <a:t>This is a single-column content slide. Use this layout for focused content with paragraphs or key messages.</a:t>
-            </a:r>
-            <a:endParaRPr kumimoji="0" lang="en-US" sz="1500" b="0" i="0" u="none" strike="noStrike" kern="1200" cap="none" spc="0" normalizeH="0" baseline="0" noProof="0" dirty="0">
-              <a:ln>
-                <a:noFill/>
-              </a:ln>
-              <a:solidFill>
-                <a:prstClr val="black"/>
-              </a:solidFill>
-              <a:effectLst/>
-              <a:uLnTx/>
-              <a:uFillTx/>
-              <a:latin typeface="Calibri" panose="020F0502020204030204"/>
-              <a:ea typeface="+mn-ea"/>
-              <a:cs typeface="+mn-cs"/>
-            </a:endParaRPr>
-          </a:p>
-          <a:p>
-            <a:pPr lvl="0"/>
-            <a:endParaRPr lang="en-US" dirty="0"/>
-          </a:p>
-        </p:txBody>
-      </p:sp>
-      <p:sp>
-        <p:nvSpPr>
           <p:cNvPr id="12" name="Picture Placeholder 13">
             <a:extLst>
               <a:ext uri="{FF2B5EF4-FFF2-40B4-BE49-F238E27FC236}">
@@ -934,6 +817,85 @@
           </a:prstGeom>
         </p:spPr>
       </p:pic>
+      <p:sp>
+        <p:nvSpPr>
+          <p:cNvPr id="4" name="Text Placeholder 3">
+            <a:extLst>
+              <a:ext uri="{FF2B5EF4-FFF2-40B4-BE49-F238E27FC236}">
+                <a16:creationId xmlns:a16="http://schemas.microsoft.com/office/drawing/2014/main" id="{54BEE1A0-720D-187D-95F8-429F3DF3D64E}"/>
+              </a:ext>
+            </a:extLst>
+          </p:cNvPr>
+          <p:cNvSpPr>
+            <a:spLocks noGrp="1"/>
+          </p:cNvSpPr>
+          <p:nvPr>
+            <p:ph type="body" sz="quarter" idx="14"/>
+          </p:nvPr>
+        </p:nvSpPr>
+        <p:spPr>
+          <a:xfrm>
+            <a:off x="296863" y="685601"/>
+            <a:ext cx="8548687" cy="3811657"/>
+          </a:xfrm>
+          <a:prstGeom prst="rect">
+            <a:avLst/>
+          </a:prstGeom>
+        </p:spPr>
+        <p:txBody>
+          <a:bodyPr/>
+          <a:lstStyle>
+            <a:lvl1pPr>
+              <a:defRPr sz="2000" baseline="0">
+                <a:solidFill>
+                  <a:srgbClr val="C00000"/>
+                </a:solidFill>
+              </a:defRPr>
+            </a:lvl1pPr>
+            <a:lvl2pPr>
+              <a:buFont typeface="Arial" panose="020B0604020202020204" pitchFamily="34" charset="0"/>
+              <a:buChar char="•"/>
+              <a:defRPr sz="1600"/>
+            </a:lvl2pPr>
+            <a:lvl3pPr>
+              <a:defRPr sz="1400"/>
+            </a:lvl3pPr>
+            <a:lvl4pPr>
+              <a:buFont typeface="Arial" panose="020B0604020202020204" pitchFamily="34" charset="0"/>
+              <a:buChar char="•"/>
+              <a:defRPr sz="1200"/>
+            </a:lvl4pPr>
+          </a:lstStyle>
+          <a:p>
+            <a:pPr lvl="0"/>
+            <a:r>
+              <a:rPr lang="en-US" dirty="0"/>
+              <a:t>Click to edit Master text styles</a:t>
+            </a:r>
+          </a:p>
+          <a:p>
+            <a:pPr lvl="1"/>
+            <a:r>
+              <a:rPr lang="en-US" dirty="0"/>
+              <a:t>Second level</a:t>
+            </a:r>
+          </a:p>
+          <a:p>
+            <a:pPr lvl="2"/>
+            <a:r>
+              <a:rPr lang="en-US" dirty="0"/>
+              <a:t>Third level</a:t>
+            </a:r>
+          </a:p>
+          <a:p>
+            <a:pPr lvl="3"/>
+            <a:r>
+              <a:rPr lang="en-US" dirty="0"/>
+              <a:t>Fourth level</a:t>
+            </a:r>
+          </a:p>
+        </p:txBody>
+      </p:sp>
     </p:spTree>
     <p:extLst>
       <p:ext uri="{BB962C8B-B14F-4D97-AF65-F5344CB8AC3E}">
@@ -949,7 +911,7 @@
 
 <file path=ppt/slideLayouts/slideLayout3.xml><?xml version="1.0" encoding="utf-8"?>
 <p:sldLayout xmlns:a="http://schemas.openxmlformats.org/drawingml/2006/main" xmlns:r="http://schemas.openxmlformats.org/officeDocument/2006/relationships" xmlns:p="http://schemas.openxmlformats.org/presentationml/2006/main" preserve="1" userDrawn="1">
-  <p:cSld name="EO Two Column">
+  <p:cSld name="EO Bullet Points">
     <p:spTree>
       <p:nvGrpSpPr>
         <p:cNvPr id="1" name=""/>
@@ -1018,8 +980,8 @@
         </p:nvSpPr>
         <p:spPr>
           <a:xfrm>
-            <a:off x="257174" y="7163"/>
-            <a:ext cx="8530738" cy="527013"/>
+            <a:off x="296863" y="0"/>
+            <a:ext cx="8509304" cy="527008"/>
           </a:xfrm>
           <a:prstGeom prst="rect">
             <a:avLst/>
@@ -1053,17 +1015,17 @@
             <a:pPr lvl="0"/>
             <a:r>
               <a:rPr lang="en-US" dirty="0"/>
-              <a:t>Two Column Layout</a:t>
-            </a:r>
-          </a:p>
-        </p:txBody>
-      </p:sp>
-      <p:sp>
-        <p:nvSpPr>
-          <p:cNvPr id="4" name="Text Placeholder 3">
+              <a:t>Bullet Points</a:t>
+            </a:r>
+          </a:p>
+        </p:txBody>
+      </p:sp>
+      <p:sp>
+        <p:nvSpPr>
+          <p:cNvPr id="12" name="Picture Placeholder 13">
             <a:extLst>
               <a:ext uri="{FF2B5EF4-FFF2-40B4-BE49-F238E27FC236}">
-                <a16:creationId xmlns:a16="http://schemas.microsoft.com/office/drawing/2014/main" id="{B7748F3C-3BC8-996A-36FB-230929A17AED}"/>
+                <a16:creationId xmlns:a16="http://schemas.microsoft.com/office/drawing/2014/main" id="{2DB97592-C4D5-B315-7F11-AA14F6EE8A62}"/>
               </a:ext>
             </a:extLst>
           </p:cNvPr>
@@ -1071,13 +1033,13 @@
             <a:spLocks noGrp="1"/>
           </p:cNvSpPr>
           <p:nvPr>
-            <p:ph type="body" sz="quarter" idx="11" hasCustomPrompt="1"/>
+            <p:ph type="pic" sz="quarter" idx="13"/>
           </p:nvPr>
         </p:nvSpPr>
         <p:spPr>
           <a:xfrm>
-            <a:off x="257042" y="685597"/>
-            <a:ext cx="4049196" cy="311477"/>
+            <a:off x="313593" y="4536078"/>
+            <a:ext cx="2143858" cy="529698"/>
           </a:xfrm>
           <a:prstGeom prst="rect">
             <a:avLst/>
@@ -1085,105 +1047,48 @@
         </p:spPr>
         <p:txBody>
           <a:bodyPr/>
-          <a:lstStyle>
-            <a:lvl1pPr marL="0" indent="0">
-              <a:buNone/>
-              <a:defRPr sz="1800" b="1">
-                <a:solidFill>
-                  <a:srgbClr val="C00000"/>
-                </a:solidFill>
-                <a:latin typeface="Arial" panose="020B0604020202020204" pitchFamily="34" charset="0"/>
-                <a:cs typeface="Arial" panose="020B0604020202020204" pitchFamily="34" charset="0"/>
-              </a:defRPr>
-            </a:lvl1pPr>
-            <a:lvl2pPr>
-              <a:defRPr sz="1600">
-                <a:latin typeface="Arial" panose="020B0604020202020204" pitchFamily="34" charset="0"/>
-                <a:cs typeface="Arial" panose="020B0604020202020204" pitchFamily="34" charset="0"/>
-              </a:defRPr>
-            </a:lvl2pPr>
-            <a:lvl3pPr>
-              <a:defRPr sz="1600">
-                <a:latin typeface="Arial" panose="020B0604020202020204" pitchFamily="34" charset="0"/>
-                <a:cs typeface="Arial" panose="020B0604020202020204" pitchFamily="34" charset="0"/>
-              </a:defRPr>
-            </a:lvl3pPr>
-          </a:lstStyle>
-          <a:p>
-            <a:pPr lvl="0"/>
-            <a:r>
-              <a:rPr lang="en-US" dirty="0"/>
-              <a:t>Left Column</a:t>
-            </a:r>
-          </a:p>
-        </p:txBody>
-      </p:sp>
-      <p:sp>
-        <p:nvSpPr>
-          <p:cNvPr id="5" name="Text Placeholder 3">
+          <a:lstStyle/>
+          <a:p>
+            <a:endParaRPr lang="en-US" dirty="0"/>
+          </a:p>
+        </p:txBody>
+      </p:sp>
+      <p:pic>
+        <p:nvPicPr>
+          <p:cNvPr id="13" name="Image 0" descr="/home/claude/eo-framework-logo.png">
             <a:extLst>
               <a:ext uri="{FF2B5EF4-FFF2-40B4-BE49-F238E27FC236}">
-                <a16:creationId xmlns:a16="http://schemas.microsoft.com/office/drawing/2014/main" id="{CC844534-A763-9158-4BA6-CAC056383847}"/>
+                <a16:creationId xmlns:a16="http://schemas.microsoft.com/office/drawing/2014/main" id="{25116040-BB88-891D-9118-628A78E99872}"/>
               </a:ext>
             </a:extLst>
           </p:cNvPr>
-          <p:cNvSpPr>
-            <a:spLocks noGrp="1"/>
-          </p:cNvSpPr>
-          <p:nvPr>
-            <p:ph type="body" sz="quarter" idx="12" hasCustomPrompt="1"/>
-          </p:nvPr>
-        </p:nvSpPr>
+          <p:cNvPicPr>
+            <a:picLocks noChangeAspect="1"/>
+          </p:cNvPicPr>
+          <p:nvPr userDrawn="1"/>
+        </p:nvPicPr>
+        <p:blipFill>
+          <a:blip r:embed="rId2"/>
+          <a:stretch>
+            <a:fillRect/>
+          </a:stretch>
+        </p:blipFill>
         <p:spPr>
           <a:xfrm>
-            <a:off x="4769866" y="685597"/>
-            <a:ext cx="4049062" cy="311477"/>
+            <a:off x="6945879" y="4648200"/>
+            <a:ext cx="1952244" cy="417576"/>
           </a:xfrm>
           <a:prstGeom prst="rect">
             <a:avLst/>
           </a:prstGeom>
         </p:spPr>
-        <p:txBody>
-          <a:bodyPr/>
-          <a:lstStyle>
-            <a:lvl1pPr marL="0" indent="0">
-              <a:buNone/>
-              <a:defRPr sz="1800" b="1">
-                <a:solidFill>
-                  <a:srgbClr val="C00000"/>
-                </a:solidFill>
-                <a:latin typeface="Arial" panose="020B0604020202020204" pitchFamily="34" charset="0"/>
-                <a:cs typeface="Arial" panose="020B0604020202020204" pitchFamily="34" charset="0"/>
-              </a:defRPr>
-            </a:lvl1pPr>
-            <a:lvl2pPr>
-              <a:defRPr sz="1600">
-                <a:latin typeface="Arial" panose="020B0604020202020204" pitchFamily="34" charset="0"/>
-                <a:cs typeface="Arial" panose="020B0604020202020204" pitchFamily="34" charset="0"/>
-              </a:defRPr>
-            </a:lvl2pPr>
-            <a:lvl3pPr>
-              <a:defRPr sz="1600">
-                <a:latin typeface="Arial" panose="020B0604020202020204" pitchFamily="34" charset="0"/>
-                <a:cs typeface="Arial" panose="020B0604020202020204" pitchFamily="34" charset="0"/>
-              </a:defRPr>
-            </a:lvl3pPr>
-          </a:lstStyle>
-          <a:p>
-            <a:pPr lvl="0"/>
-            <a:r>
-              <a:rPr lang="en-US" dirty="0"/>
-              <a:t>Right Column</a:t>
-            </a:r>
-          </a:p>
-        </p:txBody>
-      </p:sp>
-      <p:sp>
-        <p:nvSpPr>
-          <p:cNvPr id="7" name="Text Placeholder 6">
+      </p:pic>
+      <p:sp>
+        <p:nvSpPr>
+          <p:cNvPr id="4" name="Text Placeholder 3">
             <a:extLst>
               <a:ext uri="{FF2B5EF4-FFF2-40B4-BE49-F238E27FC236}">
-                <a16:creationId xmlns:a16="http://schemas.microsoft.com/office/drawing/2014/main" id="{0CE2B78D-7F18-9BA1-5A5B-CE499AD0C89A}"/>
+                <a16:creationId xmlns:a16="http://schemas.microsoft.com/office/drawing/2014/main" id="{54BEE1A0-720D-187D-95F8-429F3DF3D64E}"/>
               </a:ext>
             </a:extLst>
           </p:cNvPr>
@@ -1191,13 +1096,13 @@
             <a:spLocks noGrp="1"/>
           </p:cNvSpPr>
           <p:nvPr>
-            <p:ph type="body" sz="quarter" idx="13" hasCustomPrompt="1"/>
+            <p:ph type="body" sz="quarter" idx="14" hasCustomPrompt="1"/>
           </p:nvPr>
         </p:nvSpPr>
         <p:spPr>
           <a:xfrm>
-            <a:off x="257174" y="1076366"/>
-            <a:ext cx="4049063" cy="3351493"/>
+            <a:off x="296863" y="685601"/>
+            <a:ext cx="8548687" cy="3811657"/>
           </a:xfrm>
           <a:prstGeom prst="rect">
             <a:avLst/>
@@ -1206,43 +1111,163 @@
         <p:txBody>
           <a:bodyPr/>
           <a:lstStyle>
-            <a:lvl1pPr marL="0" indent="0">
+            <a:lvl1pPr>
+              <a:defRPr sz="2000" baseline="0">
+                <a:solidFill>
+                  <a:schemeClr val="tx1"/>
+                </a:solidFill>
+              </a:defRPr>
+            </a:lvl1pPr>
+            <a:lvl2pPr>
+              <a:buFont typeface="Arial" panose="020B0604020202020204" pitchFamily="34" charset="0"/>
+              <a:buChar char="•"/>
+              <a:defRPr sz="1600"/>
+            </a:lvl2pPr>
+            <a:lvl3pPr>
+              <a:defRPr sz="1400"/>
+            </a:lvl3pPr>
+            <a:lvl4pPr>
+              <a:buFont typeface="Arial" panose="020B0604020202020204" pitchFamily="34" charset="0"/>
+              <a:buChar char="•"/>
+              <a:defRPr sz="1200"/>
+            </a:lvl4pPr>
+          </a:lstStyle>
+          <a:p>
+            <a:pPr lvl="0"/>
+            <a:r>
+              <a:rPr lang="en-US" dirty="0"/>
+              <a:t>Bullet Point 1</a:t>
+            </a:r>
+          </a:p>
+          <a:p>
+            <a:pPr lvl="0"/>
+            <a:r>
+              <a:rPr lang="en-US" dirty="0"/>
+              <a:t>Bullet Point 2</a:t>
+            </a:r>
+          </a:p>
+        </p:txBody>
+      </p:sp>
+    </p:spTree>
+    <p:extLst>
+      <p:ext uri="{BB962C8B-B14F-4D97-AF65-F5344CB8AC3E}">
+        <p14:creationId xmlns:p14="http://schemas.microsoft.com/office/powerpoint/2010/main" val="1090737763"/>
+      </p:ext>
+    </p:extLst>
+  </p:cSld>
+  <p:clrMapOvr>
+    <a:masterClrMapping/>
+  </p:clrMapOvr>
+</p:sldLayout>
+</file>
+
+<file path=ppt/slideLayouts/slideLayout4.xml><?xml version="1.0" encoding="utf-8"?>
+<p:sldLayout xmlns:a="http://schemas.openxmlformats.org/drawingml/2006/main" xmlns:r="http://schemas.openxmlformats.org/officeDocument/2006/relationships" xmlns:p="http://schemas.openxmlformats.org/presentationml/2006/main" preserve="1" userDrawn="1">
+  <p:cSld name="EO Two Column">
+    <p:spTree>
+      <p:nvGrpSpPr>
+        <p:cNvPr id="1" name=""/>
+        <p:cNvGrpSpPr/>
+        <p:nvPr/>
+      </p:nvGrpSpPr>
+      <p:grpSpPr>
+        <a:xfrm>
+          <a:off x="0" y="0"/>
+          <a:ext cx="0" cy="0"/>
+          <a:chOff x="0" y="0"/>
+          <a:chExt cx="0" cy="0"/>
+        </a:xfrm>
+      </p:grpSpPr>
+      <p:sp>
+        <p:nvSpPr>
+          <p:cNvPr id="3" name="Shape 1">
+            <a:extLst>
+              <a:ext uri="{FF2B5EF4-FFF2-40B4-BE49-F238E27FC236}">
+                <a16:creationId xmlns:a16="http://schemas.microsoft.com/office/drawing/2014/main" id="{4EA828A1-D5D6-9ADA-1918-E5FE226673A0}"/>
+              </a:ext>
+            </a:extLst>
+          </p:cNvPr>
+          <p:cNvSpPr/>
+          <p:nvPr userDrawn="1"/>
+        </p:nvSpPr>
+        <p:spPr>
+          <a:xfrm>
+            <a:off x="0" y="606304"/>
+            <a:ext cx="9144000" cy="0"/>
+          </a:xfrm>
+          <a:prstGeom prst="line">
+            <a:avLst/>
+          </a:prstGeom>
+          <a:noFill/>
+          <a:ln w="28575">
+            <a:solidFill>
+              <a:srgbClr val="CC0000"/>
+            </a:solidFill>
+            <a:prstDash val="solid"/>
+          </a:ln>
+        </p:spPr>
+        <p:txBody>
+          <a:bodyPr/>
+          <a:lstStyle/>
+          <a:p>
+            <a:endParaRPr lang="en-US"/>
+          </a:p>
+        </p:txBody>
+      </p:sp>
+      <p:sp>
+        <p:nvSpPr>
+          <p:cNvPr id="9" name="Text Placeholder 8">
+            <a:extLst>
+              <a:ext uri="{FF2B5EF4-FFF2-40B4-BE49-F238E27FC236}">
+                <a16:creationId xmlns:a16="http://schemas.microsoft.com/office/drawing/2014/main" id="{980A86D4-478F-6846-9F0A-B815F2A3AB2D}"/>
+              </a:ext>
+            </a:extLst>
+          </p:cNvPr>
+          <p:cNvSpPr>
+            <a:spLocks noGrp="1"/>
+          </p:cNvSpPr>
+          <p:nvPr>
+            <p:ph type="body" sz="quarter" idx="10" hasCustomPrompt="1"/>
+          </p:nvPr>
+        </p:nvSpPr>
+        <p:spPr>
+          <a:xfrm>
+            <a:off x="257174" y="7163"/>
+            <a:ext cx="8530738" cy="527013"/>
+          </a:xfrm>
+          <a:prstGeom prst="rect">
+            <a:avLst/>
+          </a:prstGeom>
+        </p:spPr>
+        <p:txBody>
+          <a:bodyPr/>
+          <a:lstStyle>
+            <a:lvl1pPr marL="0" marR="0" indent="0" algn="l" defTabSz="914400" rtl="0" eaLnBrk="1" fontAlgn="auto" latinLnBrk="0" hangingPunct="1">
+              <a:lnSpc>
+                <a:spcPct val="100000"/>
+              </a:lnSpc>
+              <a:spcBef>
+                <a:spcPct val="20000"/>
+              </a:spcBef>
+              <a:spcAft>
+                <a:spcPts val="0"/>
+              </a:spcAft>
+              <a:buClrTx/>
+              <a:buSzTx/>
+              <a:buFont typeface="Arial" pitchFamily="34" charset="0"/>
               <a:buNone/>
-              <a:defRPr sz="1500">
+              <a:tabLst/>
+              <a:defRPr sz="2700" b="1">
                 <a:latin typeface="Arial" panose="020B0604020202020204" pitchFamily="34" charset="0"/>
                 <a:cs typeface="Arial" panose="020B0604020202020204" pitchFamily="34" charset="0"/>
               </a:defRPr>
             </a:lvl1pPr>
-            <a:lvl2pPr>
-              <a:defRPr sz="1500">
-                <a:latin typeface="Arial" panose="020B0604020202020204" pitchFamily="34" charset="0"/>
-                <a:cs typeface="Arial" panose="020B0604020202020204" pitchFamily="34" charset="0"/>
-              </a:defRPr>
-            </a:lvl2pPr>
-            <a:lvl3pPr>
-              <a:defRPr sz="1500">
-                <a:latin typeface="Arial" panose="020B0604020202020204" pitchFamily="34" charset="0"/>
-                <a:cs typeface="Arial" panose="020B0604020202020204" pitchFamily="34" charset="0"/>
-              </a:defRPr>
-            </a:lvl3pPr>
-            <a:lvl4pPr>
-              <a:defRPr sz="1500">
-                <a:latin typeface="Arial" panose="020B0604020202020204" pitchFamily="34" charset="0"/>
-                <a:cs typeface="Arial" panose="020B0604020202020204" pitchFamily="34" charset="0"/>
-              </a:defRPr>
-            </a:lvl4pPr>
-            <a:lvl5pPr>
-              <a:defRPr sz="1500">
-                <a:latin typeface="Arial" panose="020B0604020202020204" pitchFamily="34" charset="0"/>
-                <a:cs typeface="Arial" panose="020B0604020202020204" pitchFamily="34" charset="0"/>
-              </a:defRPr>
-            </a:lvl5pPr>
           </a:lstStyle>
           <a:p>
             <a:pPr lvl="0"/>
             <a:r>
               <a:rPr lang="en-US" dirty="0"/>
-              <a:t>Left Column Text</a:t>
+              <a:t>Two Column Layout</a:t>
             </a:r>
           </a:p>
         </p:txBody>
@@ -1312,10 +1337,10 @@
       </p:sp>
       <p:sp>
         <p:nvSpPr>
-          <p:cNvPr id="12" name="Text Placeholder 6">
+          <p:cNvPr id="6" name="Text Placeholder 5">
             <a:extLst>
               <a:ext uri="{FF2B5EF4-FFF2-40B4-BE49-F238E27FC236}">
-                <a16:creationId xmlns:a16="http://schemas.microsoft.com/office/drawing/2014/main" id="{03BE8D56-FD01-D4AD-8CBA-DDE513CC6B36}"/>
+                <a16:creationId xmlns:a16="http://schemas.microsoft.com/office/drawing/2014/main" id="{229E4A97-A874-D6CA-E54C-5584536CAA7C}"/>
               </a:ext>
             </a:extLst>
           </p:cNvPr>
@@ -1323,13 +1348,13 @@
             <a:spLocks noGrp="1"/>
           </p:cNvSpPr>
           <p:nvPr>
-            <p:ph type="body" sz="quarter" idx="15" hasCustomPrompt="1"/>
+            <p:ph type="body" sz="quarter" idx="16" hasCustomPrompt="1"/>
           </p:nvPr>
         </p:nvSpPr>
         <p:spPr>
           <a:xfrm>
-            <a:off x="4769865" y="1076365"/>
-            <a:ext cx="4049063" cy="3351493"/>
+            <a:off x="193675" y="678433"/>
+            <a:ext cx="4462463" cy="3785515"/>
           </a:xfrm>
           <a:prstGeom prst="rect">
             <a:avLst/>
@@ -1338,43 +1363,144 @@
         <p:txBody>
           <a:bodyPr/>
           <a:lstStyle>
-            <a:lvl1pPr marL="0" indent="0">
-              <a:buNone/>
-              <a:defRPr sz="1500">
-                <a:latin typeface="Arial" panose="020B0604020202020204" pitchFamily="34" charset="0"/>
-                <a:cs typeface="Arial" panose="020B0604020202020204" pitchFamily="34" charset="0"/>
+            <a:lvl1pPr>
+              <a:defRPr sz="1800">
+                <a:solidFill>
+                  <a:srgbClr val="C00000"/>
+                </a:solidFill>
               </a:defRPr>
             </a:lvl1pPr>
             <a:lvl2pPr>
-              <a:defRPr sz="1500">
-                <a:latin typeface="Arial" panose="020B0604020202020204" pitchFamily="34" charset="0"/>
-                <a:cs typeface="Arial" panose="020B0604020202020204" pitchFamily="34" charset="0"/>
-              </a:defRPr>
+              <a:defRPr sz="1400"/>
             </a:lvl2pPr>
             <a:lvl3pPr>
-              <a:defRPr sz="1500">
-                <a:latin typeface="Arial" panose="020B0604020202020204" pitchFamily="34" charset="0"/>
-                <a:cs typeface="Arial" panose="020B0604020202020204" pitchFamily="34" charset="0"/>
-              </a:defRPr>
+              <a:defRPr sz="1200"/>
             </a:lvl3pPr>
             <a:lvl4pPr>
-              <a:defRPr sz="1500">
-                <a:latin typeface="Arial" panose="020B0604020202020204" pitchFamily="34" charset="0"/>
-                <a:cs typeface="Arial" panose="020B0604020202020204" pitchFamily="34" charset="0"/>
-              </a:defRPr>
+              <a:defRPr sz="1200"/>
             </a:lvl4pPr>
             <a:lvl5pPr>
-              <a:defRPr sz="1500">
-                <a:latin typeface="Arial" panose="020B0604020202020204" pitchFamily="34" charset="0"/>
-                <a:cs typeface="Arial" panose="020B0604020202020204" pitchFamily="34" charset="0"/>
-              </a:defRPr>
+              <a:defRPr sz="1200"/>
             </a:lvl5pPr>
           </a:lstStyle>
           <a:p>
             <a:pPr lvl="0"/>
             <a:r>
               <a:rPr lang="en-US" dirty="0"/>
-              <a:t>Right Column Text</a:t>
+              <a:t>Left Column Sub Title</a:t>
+            </a:r>
+          </a:p>
+          <a:p>
+            <a:pPr lvl="1"/>
+            <a:r>
+              <a:rPr lang="en-US" dirty="0"/>
+              <a:t>Second level</a:t>
+            </a:r>
+          </a:p>
+          <a:p>
+            <a:pPr lvl="2"/>
+            <a:r>
+              <a:rPr lang="en-US" dirty="0"/>
+              <a:t>Third level</a:t>
+            </a:r>
+          </a:p>
+          <a:p>
+            <a:pPr lvl="3"/>
+            <a:r>
+              <a:rPr lang="en-US" dirty="0"/>
+              <a:t>Fourth level</a:t>
+            </a:r>
+          </a:p>
+          <a:p>
+            <a:pPr lvl="4"/>
+            <a:r>
+              <a:rPr lang="en-US" dirty="0"/>
+              <a:t>Fifth level</a:t>
+            </a:r>
+          </a:p>
+        </p:txBody>
+      </p:sp>
+      <p:sp>
+        <p:nvSpPr>
+          <p:cNvPr id="13" name="Text Placeholder 12">
+            <a:extLst>
+              <a:ext uri="{FF2B5EF4-FFF2-40B4-BE49-F238E27FC236}">
+                <a16:creationId xmlns:a16="http://schemas.microsoft.com/office/drawing/2014/main" id="{EF61ADBD-DA9D-A8A7-8FC3-64E82242B983}"/>
+              </a:ext>
+            </a:extLst>
+          </p:cNvPr>
+          <p:cNvSpPr>
+            <a:spLocks noGrp="1"/>
+          </p:cNvSpPr>
+          <p:nvPr>
+            <p:ph type="body" sz="quarter" idx="17" hasCustomPrompt="1"/>
+          </p:nvPr>
+        </p:nvSpPr>
+        <p:spPr>
+          <a:xfrm>
+            <a:off x="4840288" y="678433"/>
+            <a:ext cx="4110037" cy="3785515"/>
+          </a:xfrm>
+          <a:prstGeom prst="rect">
+            <a:avLst/>
+          </a:prstGeom>
+        </p:spPr>
+        <p:txBody>
+          <a:bodyPr/>
+          <a:lstStyle>
+            <a:lvl1pPr>
+              <a:defRPr sz="1800">
+                <a:solidFill>
+                  <a:srgbClr val="C00000"/>
+                </a:solidFill>
+              </a:defRPr>
+            </a:lvl1pPr>
+            <a:lvl2pPr>
+              <a:defRPr sz="1400"/>
+            </a:lvl2pPr>
+            <a:lvl3pPr>
+              <a:defRPr sz="1200"/>
+            </a:lvl3pPr>
+            <a:lvl4pPr>
+              <a:defRPr sz="1200"/>
+            </a:lvl4pPr>
+            <a:lvl5pPr>
+              <a:defRPr sz="1200"/>
+            </a:lvl5pPr>
+          </a:lstStyle>
+          <a:p>
+            <a:pPr lvl="0"/>
+            <a:r>
+              <a:rPr lang="en-US" dirty="0"/>
+              <a:t>Right Column Sub title</a:t>
+            </a:r>
+          </a:p>
+          <a:p>
+            <a:pPr lvl="1"/>
+            <a:r>
+              <a:rPr lang="en-US" dirty="0"/>
+              <a:t>Second level</a:t>
+            </a:r>
+          </a:p>
+          <a:p>
+            <a:pPr lvl="2"/>
+            <a:r>
+              <a:rPr lang="en-US" dirty="0"/>
+              <a:t>Third level</a:t>
+            </a:r>
+          </a:p>
+          <a:p>
+            <a:pPr lvl="3"/>
+            <a:r>
+              <a:rPr lang="en-US" dirty="0"/>
+              <a:t>Fourth level</a:t>
+            </a:r>
+          </a:p>
+          <a:p>
+            <a:pPr lvl="4"/>
+            <a:r>
+              <a:rPr lang="en-US" dirty="0"/>
+              <a:t>Fifth level</a:t>
             </a:r>
           </a:p>
         </p:txBody>
@@ -1392,9 +1518,9 @@
 </p:sldLayout>
 </file>
 
-<file path=ppt/slideLayouts/slideLayout4.xml><?xml version="1.0" encoding="utf-8"?>
+<file path=ppt/slideLayouts/slideLayout5.xml><?xml version="1.0" encoding="utf-8"?>
 <p:sldLayout xmlns:a="http://schemas.openxmlformats.org/drawingml/2006/main" xmlns:r="http://schemas.openxmlformats.org/officeDocument/2006/relationships" xmlns:p="http://schemas.openxmlformats.org/presentationml/2006/main" preserve="1" userDrawn="1">
-  <p:cSld name="EO Key Points">
+  <p:cSld name="EO Table">
     <p:spTree>
       <p:nvGrpSpPr>
         <p:cNvPr id="1" name=""/>
@@ -1520,7 +1646,7 @@
                 <a:latin typeface="Arial" pitchFamily="34" charset="0"/>
                 <a:cs typeface="Arial" pitchFamily="34" charset="-120"/>
               </a:rPr>
-              <a:t>Key Points</a:t>
+              <a:t>Table</a:t>
             </a:r>
             <a:endParaRPr lang="en-US" sz="3200" dirty="0"/>
           </a:p>
@@ -1595,10 +1721,10 @@
       </p:pic>
       <p:sp>
         <p:nvSpPr>
-          <p:cNvPr id="4" name="Text Placeholder 3">
+          <p:cNvPr id="5" name="Table Placeholder 4">
             <a:extLst>
               <a:ext uri="{FF2B5EF4-FFF2-40B4-BE49-F238E27FC236}">
-                <a16:creationId xmlns:a16="http://schemas.microsoft.com/office/drawing/2014/main" id="{79FAEFB5-8B48-8F55-D6C9-5B1A508AD28F}"/>
+                <a16:creationId xmlns:a16="http://schemas.microsoft.com/office/drawing/2014/main" id="{D3D9E4F7-6B7D-2205-75B9-EE8C54E89A5F}"/>
               </a:ext>
             </a:extLst>
           </p:cNvPr>
@@ -1606,13 +1732,13 @@
             <a:spLocks noGrp="1"/>
           </p:cNvSpPr>
           <p:nvPr>
-            <p:ph type="body" sz="quarter" idx="14"/>
+            <p:ph type="tbl" sz="quarter" idx="14"/>
           </p:nvPr>
         </p:nvSpPr>
         <p:spPr>
           <a:xfrm>
-            <a:off x="257175" y="698500"/>
-            <a:ext cx="8710613" cy="3765550"/>
+            <a:off x="256855" y="677011"/>
+            <a:ext cx="8710933" cy="3785084"/>
           </a:xfrm>
           <a:prstGeom prst="rect">
             <a:avLst/>
@@ -1620,72 +1746,9 @@
         </p:spPr>
         <p:txBody>
           <a:bodyPr/>
-          <a:lstStyle>
-            <a:lvl1pPr>
-              <a:defRPr sz="2400">
-                <a:latin typeface="Arial" panose="020B0604020202020204" pitchFamily="34" charset="0"/>
-                <a:cs typeface="Arial" panose="020B0604020202020204" pitchFamily="34" charset="0"/>
-              </a:defRPr>
-            </a:lvl1pPr>
-            <a:lvl2pPr>
-              <a:defRPr sz="2000">
-                <a:latin typeface="Arial" panose="020B0604020202020204" pitchFamily="34" charset="0"/>
-                <a:cs typeface="Arial" panose="020B0604020202020204" pitchFamily="34" charset="0"/>
-              </a:defRPr>
-            </a:lvl2pPr>
-            <a:lvl3pPr>
-              <a:defRPr sz="1800">
-                <a:latin typeface="Arial" panose="020B0604020202020204" pitchFamily="34" charset="0"/>
-                <a:cs typeface="Arial" panose="020B0604020202020204" pitchFamily="34" charset="0"/>
-              </a:defRPr>
-            </a:lvl3pPr>
-            <a:lvl4pPr>
-              <a:defRPr sz="1600">
-                <a:latin typeface="Arial" panose="020B0604020202020204" pitchFamily="34" charset="0"/>
-                <a:cs typeface="Arial" panose="020B0604020202020204" pitchFamily="34" charset="0"/>
-              </a:defRPr>
-            </a:lvl4pPr>
-            <a:lvl5pPr>
-              <a:defRPr sz="1400">
-                <a:latin typeface="Arial" panose="020B0604020202020204" pitchFamily="34" charset="0"/>
-                <a:cs typeface="Arial" panose="020B0604020202020204" pitchFamily="34" charset="0"/>
-              </a:defRPr>
-            </a:lvl5pPr>
-          </a:lstStyle>
-          <a:p>
-            <a:pPr lvl="0"/>
-            <a:r>
-              <a:rPr lang="en-US" dirty="0"/>
-              <a:t>Click to edit Master text styles</a:t>
-            </a:r>
-          </a:p>
-          <a:p>
-            <a:pPr lvl="1"/>
-            <a:r>
-              <a:rPr lang="en-US" dirty="0"/>
-              <a:t>Second level</a:t>
-            </a:r>
-          </a:p>
-          <a:p>
-            <a:pPr lvl="2"/>
-            <a:r>
-              <a:rPr lang="en-US" dirty="0"/>
-              <a:t>Third level</a:t>
-            </a:r>
-          </a:p>
-          <a:p>
-            <a:pPr lvl="3"/>
-            <a:r>
-              <a:rPr lang="en-US" dirty="0"/>
-              <a:t>Fourth level</a:t>
-            </a:r>
-          </a:p>
-          <a:p>
-            <a:pPr lvl="4"/>
-            <a:r>
-              <a:rPr lang="en-US" dirty="0"/>
-              <a:t>Fifth level</a:t>
-            </a:r>
+          <a:lstStyle/>
+          <a:p>
+            <a:endParaRPr lang="en-US"/>
           </a:p>
         </p:txBody>
       </p:sp>
@@ -1702,7 +1765,7 @@
 </p:sldLayout>
 </file>
 
-<file path=ppt/slideLayouts/slideLayout5.xml><?xml version="1.0" encoding="utf-8"?>
+<file path=ppt/slideLayouts/slideLayout6.xml><?xml version="1.0" encoding="utf-8"?>
 <p:sldLayout xmlns:a="http://schemas.openxmlformats.org/drawingml/2006/main" xmlns:r="http://schemas.openxmlformats.org/officeDocument/2006/relationships" xmlns:p="http://schemas.openxmlformats.org/presentationml/2006/main" preserve="1" userDrawn="1">
   <p:cSld name="EO Visual Content">
     <p:spTree>
@@ -1809,135 +1872,6 @@
             <a:r>
               <a:rPr lang="en-US" dirty="0"/>
               <a:t>Visual Content</a:t>
-            </a:r>
-          </a:p>
-        </p:txBody>
-      </p:sp>
-      <p:sp>
-        <p:nvSpPr>
-          <p:cNvPr id="4" name="Text Placeholder 3">
-            <a:extLst>
-              <a:ext uri="{FF2B5EF4-FFF2-40B4-BE49-F238E27FC236}">
-                <a16:creationId xmlns:a16="http://schemas.microsoft.com/office/drawing/2014/main" id="{B7748F3C-3BC8-996A-36FB-230929A17AED}"/>
-              </a:ext>
-            </a:extLst>
-          </p:cNvPr>
-          <p:cNvSpPr>
-            <a:spLocks noGrp="1"/>
-          </p:cNvSpPr>
-          <p:nvPr>
-            <p:ph type="body" sz="quarter" idx="11" hasCustomPrompt="1"/>
-          </p:nvPr>
-        </p:nvSpPr>
-        <p:spPr>
-          <a:xfrm>
-            <a:off x="257042" y="685597"/>
-            <a:ext cx="4049196" cy="311477"/>
-          </a:xfrm>
-          <a:prstGeom prst="rect">
-            <a:avLst/>
-          </a:prstGeom>
-        </p:spPr>
-        <p:txBody>
-          <a:bodyPr/>
-          <a:lstStyle>
-            <a:lvl1pPr marL="0" indent="0">
-              <a:buNone/>
-              <a:defRPr sz="1800" b="1">
-                <a:solidFill>
-                  <a:srgbClr val="C00000"/>
-                </a:solidFill>
-                <a:latin typeface="Arial" panose="020B0604020202020204" pitchFamily="34" charset="0"/>
-                <a:cs typeface="Arial" panose="020B0604020202020204" pitchFamily="34" charset="0"/>
-              </a:defRPr>
-            </a:lvl1pPr>
-            <a:lvl2pPr>
-              <a:defRPr sz="1600">
-                <a:latin typeface="Arial" panose="020B0604020202020204" pitchFamily="34" charset="0"/>
-                <a:cs typeface="Arial" panose="020B0604020202020204" pitchFamily="34" charset="0"/>
-              </a:defRPr>
-            </a:lvl2pPr>
-            <a:lvl3pPr>
-              <a:defRPr sz="1600">
-                <a:latin typeface="Arial" panose="020B0604020202020204" pitchFamily="34" charset="0"/>
-                <a:cs typeface="Arial" panose="020B0604020202020204" pitchFamily="34" charset="0"/>
-              </a:defRPr>
-            </a:lvl3pPr>
-          </a:lstStyle>
-          <a:p>
-            <a:pPr lvl="0"/>
-            <a:r>
-              <a:rPr lang="en-US" dirty="0"/>
-              <a:t>Image Description Title</a:t>
-            </a:r>
-          </a:p>
-        </p:txBody>
-      </p:sp>
-      <p:sp>
-        <p:nvSpPr>
-          <p:cNvPr id="7" name="Text Placeholder 6">
-            <a:extLst>
-              <a:ext uri="{FF2B5EF4-FFF2-40B4-BE49-F238E27FC236}">
-                <a16:creationId xmlns:a16="http://schemas.microsoft.com/office/drawing/2014/main" id="{0CE2B78D-7F18-9BA1-5A5B-CE499AD0C89A}"/>
-              </a:ext>
-            </a:extLst>
-          </p:cNvPr>
-          <p:cNvSpPr>
-            <a:spLocks noGrp="1"/>
-          </p:cNvSpPr>
-          <p:nvPr>
-            <p:ph type="body" sz="quarter" idx="13" hasCustomPrompt="1"/>
-          </p:nvPr>
-        </p:nvSpPr>
-        <p:spPr>
-          <a:xfrm>
-            <a:off x="257174" y="1076366"/>
-            <a:ext cx="4049063" cy="3351493"/>
-          </a:xfrm>
-          <a:prstGeom prst="rect">
-            <a:avLst/>
-          </a:prstGeom>
-        </p:spPr>
-        <p:txBody>
-          <a:bodyPr/>
-          <a:lstStyle>
-            <a:lvl1pPr marL="0" indent="0">
-              <a:buNone/>
-              <a:defRPr sz="1500">
-                <a:latin typeface="Arial" panose="020B0604020202020204" pitchFamily="34" charset="0"/>
-                <a:cs typeface="Arial" panose="020B0604020202020204" pitchFamily="34" charset="0"/>
-              </a:defRPr>
-            </a:lvl1pPr>
-            <a:lvl2pPr>
-              <a:defRPr sz="1500">
-                <a:latin typeface="Arial" panose="020B0604020202020204" pitchFamily="34" charset="0"/>
-                <a:cs typeface="Arial" panose="020B0604020202020204" pitchFamily="34" charset="0"/>
-              </a:defRPr>
-            </a:lvl2pPr>
-            <a:lvl3pPr>
-              <a:defRPr sz="1500">
-                <a:latin typeface="Arial" panose="020B0604020202020204" pitchFamily="34" charset="0"/>
-                <a:cs typeface="Arial" panose="020B0604020202020204" pitchFamily="34" charset="0"/>
-              </a:defRPr>
-            </a:lvl3pPr>
-            <a:lvl4pPr>
-              <a:defRPr sz="1500">
-                <a:latin typeface="Arial" panose="020B0604020202020204" pitchFamily="34" charset="0"/>
-                <a:cs typeface="Arial" panose="020B0604020202020204" pitchFamily="34" charset="0"/>
-              </a:defRPr>
-            </a:lvl4pPr>
-            <a:lvl5pPr>
-              <a:defRPr sz="1500">
-                <a:latin typeface="Arial" panose="020B0604020202020204" pitchFamily="34" charset="0"/>
-                <a:cs typeface="Arial" panose="020B0604020202020204" pitchFamily="34" charset="0"/>
-              </a:defRPr>
-            </a:lvl5pPr>
-          </a:lstStyle>
-          <a:p>
-            <a:pPr lvl="0"/>
-            <a:r>
-              <a:rPr lang="en-US" dirty="0"/>
-              <a:t>Image Description Context Text</a:t>
             </a:r>
           </a:p>
         </p:txBody>
@@ -2023,8 +1957,8 @@
         </p:nvSpPr>
         <p:spPr>
           <a:xfrm>
-            <a:off x="4662488" y="685800"/>
-            <a:ext cx="4337050" cy="3741738"/>
+            <a:off x="4662488" y="685799"/>
+            <a:ext cx="4337050" cy="3815859"/>
           </a:xfrm>
           <a:prstGeom prst="rect">
             <a:avLst/>
@@ -2035,6 +1969,91 @@
           <a:lstStyle/>
           <a:p>
             <a:endParaRPr lang="en-US"/>
+          </a:p>
+        </p:txBody>
+      </p:sp>
+      <p:sp>
+        <p:nvSpPr>
+          <p:cNvPr id="5" name="Text Placeholder 4">
+            <a:extLst>
+              <a:ext uri="{FF2B5EF4-FFF2-40B4-BE49-F238E27FC236}">
+                <a16:creationId xmlns:a16="http://schemas.microsoft.com/office/drawing/2014/main" id="{F1EE9992-B6F6-08BF-BFB5-6AF6BEDE367A}"/>
+              </a:ext>
+            </a:extLst>
+          </p:cNvPr>
+          <p:cNvSpPr>
+            <a:spLocks noGrp="1"/>
+          </p:cNvSpPr>
+          <p:nvPr>
+            <p:ph type="body" sz="quarter" idx="16"/>
+          </p:nvPr>
+        </p:nvSpPr>
+        <p:spPr>
+          <a:xfrm>
+            <a:off x="92075" y="685800"/>
+            <a:ext cx="4449763" cy="3815859"/>
+          </a:xfrm>
+          <a:prstGeom prst="rect">
+            <a:avLst/>
+          </a:prstGeom>
+        </p:spPr>
+        <p:txBody>
+          <a:bodyPr/>
+          <a:lstStyle>
+            <a:lvl1pPr>
+              <a:defRPr sz="1800">
+                <a:solidFill>
+                  <a:srgbClr val="C00000"/>
+                </a:solidFill>
+              </a:defRPr>
+            </a:lvl1pPr>
+            <a:lvl2pPr>
+              <a:defRPr sz="1400"/>
+            </a:lvl2pPr>
+            <a:lvl3pPr>
+              <a:defRPr sz="1200"/>
+            </a:lvl3pPr>
+            <a:lvl4pPr>
+              <a:defRPr sz="1200"/>
+            </a:lvl4pPr>
+            <a:lvl5pPr>
+              <a:defRPr sz="1200"/>
+            </a:lvl5pPr>
+          </a:lstStyle>
+          <a:p>
+            <a:pPr lvl="0"/>
+            <a:r>
+              <a:rPr lang="en-US" dirty="0"/>
+              <a:t>Click to edit Master text styles</a:t>
+            </a:r>
+          </a:p>
+          <a:p>
+            <a:pPr lvl="1"/>
+            <a:r>
+              <a:rPr lang="en-US" dirty="0"/>
+              <a:t>Second level</a:t>
+            </a:r>
+          </a:p>
+          <a:p>
+            <a:pPr lvl="2"/>
+            <a:r>
+              <a:rPr lang="en-US" dirty="0"/>
+              <a:t>Third level</a:t>
+            </a:r>
+          </a:p>
+          <a:p>
+            <a:pPr lvl="3"/>
+            <a:r>
+              <a:rPr lang="en-US" dirty="0"/>
+              <a:t>Fourth level</a:t>
+            </a:r>
+          </a:p>
+          <a:p>
+            <a:pPr lvl="4"/>
+            <a:r>
+              <a:rPr lang="en-US" dirty="0"/>
+              <a:t>Fifth level</a:t>
+            </a:r>
           </a:p>
         </p:txBody>
       </p:sp>
@@ -2051,7 +2070,7 @@
 </p:sldLayout>
 </file>
 
-<file path=ppt/slideLayouts/slideLayout6.xml><?xml version="1.0" encoding="utf-8"?>
+<file path=ppt/slideLayouts/slideLayout7.xml><?xml version="1.0" encoding="utf-8"?>
 <p:sldLayout xmlns:a="http://schemas.openxmlformats.org/drawingml/2006/main" xmlns:r="http://schemas.openxmlformats.org/officeDocument/2006/relationships" xmlns:p="http://schemas.openxmlformats.org/presentationml/2006/main" preserve="1" userDrawn="1">
   <p:cSld name="EO Data Visualization">
     <p:spTree>
@@ -2159,265 +2178,6 @@
               <a:rPr lang="en-US" dirty="0"/>
               <a:t>Data Visualization</a:t>
             </a:r>
-          </a:p>
-        </p:txBody>
-      </p:sp>
-      <p:sp>
-        <p:nvSpPr>
-          <p:cNvPr id="4" name="Text Placeholder 3">
-            <a:extLst>
-              <a:ext uri="{FF2B5EF4-FFF2-40B4-BE49-F238E27FC236}">
-                <a16:creationId xmlns:a16="http://schemas.microsoft.com/office/drawing/2014/main" id="{B7748F3C-3BC8-996A-36FB-230929A17AED}"/>
-              </a:ext>
-            </a:extLst>
-          </p:cNvPr>
-          <p:cNvSpPr>
-            <a:spLocks noGrp="1"/>
-          </p:cNvSpPr>
-          <p:nvPr>
-            <p:ph type="body" sz="quarter" idx="11" hasCustomPrompt="1"/>
-          </p:nvPr>
-        </p:nvSpPr>
-        <p:spPr>
-          <a:xfrm>
-            <a:off x="257042" y="685597"/>
-            <a:ext cx="4049196" cy="311477"/>
-          </a:xfrm>
-          <a:prstGeom prst="rect">
-            <a:avLst/>
-          </a:prstGeom>
-        </p:spPr>
-        <p:txBody>
-          <a:bodyPr/>
-          <a:lstStyle>
-            <a:lvl1pPr marL="0" indent="0">
-              <a:buNone/>
-              <a:defRPr sz="1800" b="1">
-                <a:solidFill>
-                  <a:srgbClr val="C00000"/>
-                </a:solidFill>
-                <a:latin typeface="Arial" panose="020B0604020202020204" pitchFamily="34" charset="0"/>
-                <a:cs typeface="Arial" panose="020B0604020202020204" pitchFamily="34" charset="0"/>
-              </a:defRPr>
-            </a:lvl1pPr>
-            <a:lvl2pPr>
-              <a:defRPr sz="1600">
-                <a:latin typeface="Arial" panose="020B0604020202020204" pitchFamily="34" charset="0"/>
-                <a:cs typeface="Arial" panose="020B0604020202020204" pitchFamily="34" charset="0"/>
-              </a:defRPr>
-            </a:lvl2pPr>
-            <a:lvl3pPr>
-              <a:defRPr sz="1600">
-                <a:latin typeface="Arial" panose="020B0604020202020204" pitchFamily="34" charset="0"/>
-                <a:cs typeface="Arial" panose="020B0604020202020204" pitchFamily="34" charset="0"/>
-              </a:defRPr>
-            </a:lvl3pPr>
-          </a:lstStyle>
-          <a:p>
-            <a:pPr lvl="0"/>
-            <a:r>
-              <a:rPr lang="en-US" dirty="0"/>
-              <a:t>Key Insights</a:t>
-            </a:r>
-          </a:p>
-        </p:txBody>
-      </p:sp>
-      <p:sp>
-        <p:nvSpPr>
-          <p:cNvPr id="7" name="Text Placeholder 6">
-            <a:extLst>
-              <a:ext uri="{FF2B5EF4-FFF2-40B4-BE49-F238E27FC236}">
-                <a16:creationId xmlns:a16="http://schemas.microsoft.com/office/drawing/2014/main" id="{0CE2B78D-7F18-9BA1-5A5B-CE499AD0C89A}"/>
-              </a:ext>
-            </a:extLst>
-          </p:cNvPr>
-          <p:cNvSpPr>
-            <a:spLocks noGrp="1"/>
-          </p:cNvSpPr>
-          <p:nvPr>
-            <p:ph type="body" sz="quarter" idx="13" hasCustomPrompt="1"/>
-          </p:nvPr>
-        </p:nvSpPr>
-        <p:spPr>
-          <a:xfrm>
-            <a:off x="257174" y="1076366"/>
-            <a:ext cx="4049063" cy="3351493"/>
-          </a:xfrm>
-          <a:prstGeom prst="rect">
-            <a:avLst/>
-          </a:prstGeom>
-        </p:spPr>
-        <p:txBody>
-          <a:bodyPr/>
-          <a:lstStyle>
-            <a:lvl1pPr marL="0" indent="0">
-              <a:buNone/>
-              <a:defRPr sz="1500">
-                <a:latin typeface="Arial" panose="020B0604020202020204" pitchFamily="34" charset="0"/>
-                <a:cs typeface="Arial" panose="020B0604020202020204" pitchFamily="34" charset="0"/>
-              </a:defRPr>
-            </a:lvl1pPr>
-            <a:lvl2pPr>
-              <a:defRPr sz="1500">
-                <a:latin typeface="Arial" panose="020B0604020202020204" pitchFamily="34" charset="0"/>
-                <a:cs typeface="Arial" panose="020B0604020202020204" pitchFamily="34" charset="0"/>
-              </a:defRPr>
-            </a:lvl2pPr>
-            <a:lvl3pPr>
-              <a:defRPr sz="1500">
-                <a:latin typeface="Arial" panose="020B0604020202020204" pitchFamily="34" charset="0"/>
-                <a:cs typeface="Arial" panose="020B0604020202020204" pitchFamily="34" charset="0"/>
-              </a:defRPr>
-            </a:lvl3pPr>
-            <a:lvl4pPr>
-              <a:defRPr sz="1500">
-                <a:latin typeface="Arial" panose="020B0604020202020204" pitchFamily="34" charset="0"/>
-                <a:cs typeface="Arial" panose="020B0604020202020204" pitchFamily="34" charset="0"/>
-              </a:defRPr>
-            </a:lvl4pPr>
-            <a:lvl5pPr>
-              <a:defRPr sz="1500">
-                <a:latin typeface="Arial" panose="020B0604020202020204" pitchFamily="34" charset="0"/>
-                <a:cs typeface="Arial" panose="020B0604020202020204" pitchFamily="34" charset="0"/>
-              </a:defRPr>
-            </a:lvl5pPr>
-          </a:lstStyle>
-          <a:p>
-            <a:pPr marL="85725" marR="0" lvl="0" indent="-85725" algn="l" defTabSz="914400" rtl="0" eaLnBrk="1" fontAlgn="auto" latinLnBrk="0" hangingPunct="1">
-              <a:lnSpc>
-                <a:spcPts val="2100"/>
-              </a:lnSpc>
-              <a:spcBef>
-                <a:spcPts val="0"/>
-              </a:spcBef>
-              <a:spcAft>
-                <a:spcPts val="0"/>
-              </a:spcAft>
-              <a:buClrTx/>
-              <a:buSzPct val="100000"/>
-              <a:buFontTx/>
-              <a:buChar char="•"/>
-              <a:tabLst/>
-              <a:defRPr/>
-            </a:pPr>
-            <a:r>
-              <a:rPr kumimoji="0" lang="en-US" sz="1350" b="0" i="0" u="none" strike="noStrike" kern="1200" cap="none" spc="0" normalizeH="0" baseline="0" noProof="0" dirty="0">
-                <a:ln>
-                  <a:noFill/>
-                </a:ln>
-                <a:solidFill>
-                  <a:srgbClr val="2C3E50"/>
-                </a:solidFill>
-                <a:effectLst/>
-                <a:uLnTx/>
-                <a:uFillTx/>
-                <a:latin typeface="Arial" pitchFamily="34" charset="0"/>
-                <a:ea typeface="Arial" pitchFamily="34" charset="-122"/>
-                <a:cs typeface="Arial" pitchFamily="34" charset="-120"/>
-              </a:rPr>
-              <a:t>First data insight</a:t>
-            </a:r>
-            <a:endParaRPr kumimoji="0" lang="en-US" sz="1350" b="0" i="0" u="none" strike="noStrike" kern="1200" cap="none" spc="0" normalizeH="0" baseline="0" noProof="0" dirty="0">
-              <a:ln>
-                <a:noFill/>
-              </a:ln>
-              <a:solidFill>
-                <a:prstClr val="black"/>
-              </a:solidFill>
-              <a:effectLst/>
-              <a:uLnTx/>
-              <a:uFillTx/>
-              <a:latin typeface="Calibri" panose="020F0502020204030204"/>
-              <a:ea typeface="+mn-ea"/>
-              <a:cs typeface="+mn-cs"/>
-            </a:endParaRPr>
-          </a:p>
-          <a:p>
-            <a:pPr marL="85725" marR="0" lvl="0" indent="-85725" algn="l" defTabSz="914400" rtl="0" eaLnBrk="1" fontAlgn="auto" latinLnBrk="0" hangingPunct="1">
-              <a:lnSpc>
-                <a:spcPts val="2100"/>
-              </a:lnSpc>
-              <a:spcBef>
-                <a:spcPts val="0"/>
-              </a:spcBef>
-              <a:spcAft>
-                <a:spcPts val="0"/>
-              </a:spcAft>
-              <a:buClrTx/>
-              <a:buSzPct val="100000"/>
-              <a:buFontTx/>
-              <a:buChar char="•"/>
-              <a:tabLst/>
-              <a:defRPr/>
-            </a:pPr>
-            <a:r>
-              <a:rPr kumimoji="0" lang="en-US" sz="1350" b="0" i="0" u="none" strike="noStrike" kern="1200" cap="none" spc="0" normalizeH="0" baseline="0" noProof="0" dirty="0">
-                <a:ln>
-                  <a:noFill/>
-                </a:ln>
-                <a:solidFill>
-                  <a:srgbClr val="2C3E50"/>
-                </a:solidFill>
-                <a:effectLst/>
-                <a:uLnTx/>
-                <a:uFillTx/>
-                <a:latin typeface="Arial" pitchFamily="34" charset="0"/>
-                <a:ea typeface="Arial" pitchFamily="34" charset="-122"/>
-                <a:cs typeface="Arial" pitchFamily="34" charset="-120"/>
-              </a:rPr>
-              <a:t>Second key finding</a:t>
-            </a:r>
-            <a:endParaRPr kumimoji="0" lang="en-US" sz="1350" b="0" i="0" u="none" strike="noStrike" kern="1200" cap="none" spc="0" normalizeH="0" baseline="0" noProof="0" dirty="0">
-              <a:ln>
-                <a:noFill/>
-              </a:ln>
-              <a:solidFill>
-                <a:prstClr val="black"/>
-              </a:solidFill>
-              <a:effectLst/>
-              <a:uLnTx/>
-              <a:uFillTx/>
-              <a:latin typeface="Calibri" panose="020F0502020204030204"/>
-              <a:ea typeface="+mn-ea"/>
-              <a:cs typeface="+mn-cs"/>
-            </a:endParaRPr>
-          </a:p>
-          <a:p>
-            <a:pPr marL="85725" marR="0" lvl="0" indent="-85725" algn="l" defTabSz="914400" rtl="0" eaLnBrk="1" fontAlgn="auto" latinLnBrk="0" hangingPunct="1">
-              <a:lnSpc>
-                <a:spcPts val="2100"/>
-              </a:lnSpc>
-              <a:spcBef>
-                <a:spcPts val="0"/>
-              </a:spcBef>
-              <a:spcAft>
-                <a:spcPts val="0"/>
-              </a:spcAft>
-              <a:buClrTx/>
-              <a:buSzPct val="100000"/>
-              <a:buFontTx/>
-              <a:buChar char="•"/>
-              <a:tabLst/>
-              <a:defRPr/>
-            </a:pPr>
-            <a:r>
-              <a:rPr kumimoji="0" lang="en-US" sz="1350" b="0" i="0" u="none" strike="noStrike" kern="1200" cap="none" spc="0" normalizeH="0" baseline="0" noProof="0" dirty="0">
-                <a:ln>
-                  <a:noFill/>
-                </a:ln>
-                <a:solidFill>
-                  <a:srgbClr val="2C3E50"/>
-                </a:solidFill>
-                <a:effectLst/>
-                <a:uLnTx/>
-                <a:uFillTx/>
-                <a:latin typeface="Arial" pitchFamily="34" charset="0"/>
-                <a:ea typeface="Arial" pitchFamily="34" charset="-122"/>
-                <a:cs typeface="Arial" pitchFamily="34" charset="-120"/>
-              </a:rPr>
-              <a:t>Third important trend</a:t>
-            </a:r>
-            <a:endParaRPr lang="en-US" dirty="0"/>
           </a:p>
         </p:txBody>
       </p:sp>
@@ -2503,7 +2263,7 @@
         <p:spPr>
           <a:xfrm>
             <a:off x="4572000" y="685597"/>
-            <a:ext cx="4325938" cy="3741941"/>
+            <a:ext cx="4325938" cy="3778347"/>
           </a:xfrm>
           <a:prstGeom prst="rect">
             <a:avLst/>
@@ -2514,6 +2274,91 @@
           <a:lstStyle/>
           <a:p>
             <a:endParaRPr lang="en-US"/>
+          </a:p>
+        </p:txBody>
+      </p:sp>
+      <p:sp>
+        <p:nvSpPr>
+          <p:cNvPr id="6" name="Content Placeholder 5">
+            <a:extLst>
+              <a:ext uri="{FF2B5EF4-FFF2-40B4-BE49-F238E27FC236}">
+                <a16:creationId xmlns:a16="http://schemas.microsoft.com/office/drawing/2014/main" id="{D0B730E7-C68E-A3E8-1745-8AF89C786D5F}"/>
+              </a:ext>
+            </a:extLst>
+          </p:cNvPr>
+          <p:cNvSpPr>
+            <a:spLocks noGrp="1"/>
+          </p:cNvSpPr>
+          <p:nvPr>
+            <p:ph sz="quarter" idx="16"/>
+          </p:nvPr>
+        </p:nvSpPr>
+        <p:spPr>
+          <a:xfrm>
+            <a:off x="136525" y="678433"/>
+            <a:ext cx="4237038" cy="3785513"/>
+          </a:xfrm>
+          <a:prstGeom prst="rect">
+            <a:avLst/>
+          </a:prstGeom>
+        </p:spPr>
+        <p:txBody>
+          <a:bodyPr/>
+          <a:lstStyle>
+            <a:lvl1pPr>
+              <a:defRPr sz="1800">
+                <a:solidFill>
+                  <a:srgbClr val="C00000"/>
+                </a:solidFill>
+              </a:defRPr>
+            </a:lvl1pPr>
+            <a:lvl2pPr>
+              <a:defRPr sz="1400"/>
+            </a:lvl2pPr>
+            <a:lvl3pPr>
+              <a:defRPr sz="1200"/>
+            </a:lvl3pPr>
+            <a:lvl4pPr>
+              <a:defRPr sz="1200"/>
+            </a:lvl4pPr>
+            <a:lvl5pPr>
+              <a:defRPr sz="1200"/>
+            </a:lvl5pPr>
+          </a:lstStyle>
+          <a:p>
+            <a:pPr lvl="0"/>
+            <a:r>
+              <a:rPr lang="en-US" dirty="0"/>
+              <a:t>Click to edit Master text styles</a:t>
+            </a:r>
+          </a:p>
+          <a:p>
+            <a:pPr lvl="1"/>
+            <a:r>
+              <a:rPr lang="en-US" dirty="0"/>
+              <a:t>Second level</a:t>
+            </a:r>
+          </a:p>
+          <a:p>
+            <a:pPr lvl="2"/>
+            <a:r>
+              <a:rPr lang="en-US" dirty="0"/>
+              <a:t>Third level</a:t>
+            </a:r>
+          </a:p>
+          <a:p>
+            <a:pPr lvl="3"/>
+            <a:r>
+              <a:rPr lang="en-US" dirty="0"/>
+              <a:t>Fourth level</a:t>
+            </a:r>
+          </a:p>
+          <a:p>
+            <a:pPr lvl="4"/>
+            <a:r>
+              <a:rPr lang="en-US" dirty="0"/>
+              <a:t>Fifth level</a:t>
+            </a:r>
           </a:p>
         </p:txBody>
       </p:sp>
@@ -2530,7 +2375,7 @@
 </p:sldLayout>
 </file>
 
-<file path=ppt/slideLayouts/slideLayout7.xml><?xml version="1.0" encoding="utf-8"?>
+<file path=ppt/slideLayouts/slideLayout8.xml><?xml version="1.0" encoding="utf-8"?>
 <p:sldLayout xmlns:a="http://schemas.openxmlformats.org/drawingml/2006/main" xmlns:r="http://schemas.openxmlformats.org/officeDocument/2006/relationships" xmlns:p="http://schemas.openxmlformats.org/presentationml/2006/main" preserve="1" userDrawn="1">
   <p:cSld name="EO Thank You">
     <p:spTree>
@@ -2628,7 +2473,7 @@
         </p:nvSpPr>
         <p:spPr>
           <a:xfrm>
-            <a:off x="538528" y="1886679"/>
+            <a:off x="736356" y="2247927"/>
             <a:ext cx="7671288" cy="527050"/>
           </a:xfrm>
           <a:prstGeom prst="rect">
@@ -2666,6 +2511,14 @@
               </a:rPr>
               <a:t>Thank You</a:t>
             </a:r>
+          </a:p>
+          <a:p>
+            <a:pPr marL="0" indent="0" algn="ctr">
+              <a:lnSpc>
+                <a:spcPts val="3600"/>
+              </a:lnSpc>
+              <a:buNone/>
+            </a:pPr>
             <a:endParaRPr lang="en-US" sz="3600" dirty="0"/>
           </a:p>
         </p:txBody>
@@ -2759,7 +2612,7 @@
         </p:nvSpPr>
         <p:spPr>
           <a:xfrm>
-            <a:off x="1059473" y="2437679"/>
+            <a:off x="1024304" y="1874962"/>
             <a:ext cx="6629399" cy="334598"/>
           </a:xfrm>
           <a:prstGeom prst="rect">
@@ -2920,6 +2773,83 @@
                 </a:schemeClr>
               </a:solidFill>
             </a:endParaRPr>
+          </a:p>
+        </p:txBody>
+      </p:sp>
+      <p:sp>
+        <p:nvSpPr>
+          <p:cNvPr id="16" name="Text Placeholder 9">
+            <a:extLst>
+              <a:ext uri="{FF2B5EF4-FFF2-40B4-BE49-F238E27FC236}">
+                <a16:creationId xmlns:a16="http://schemas.microsoft.com/office/drawing/2014/main" id="{2DED039B-C555-DCF4-1CA7-CA1E44823784}"/>
+              </a:ext>
+            </a:extLst>
+          </p:cNvPr>
+          <p:cNvSpPr>
+            <a:spLocks noGrp="1"/>
+          </p:cNvSpPr>
+          <p:nvPr>
+            <p:ph type="body" sz="quarter" idx="15" hasCustomPrompt="1"/>
+          </p:nvPr>
+        </p:nvSpPr>
+        <p:spPr>
+          <a:xfrm>
+            <a:off x="268165" y="3131272"/>
+            <a:ext cx="8480181" cy="334598"/>
+          </a:xfrm>
+          <a:prstGeom prst="rect">
+            <a:avLst/>
+          </a:prstGeom>
+        </p:spPr>
+        <p:txBody>
+          <a:bodyPr/>
+          <a:lstStyle>
+            <a:lvl1pPr marL="0" marR="0" indent="0" algn="ctr" defTabSz="914400" rtl="0" eaLnBrk="1" fontAlgn="auto" latinLnBrk="0" hangingPunct="1">
+              <a:lnSpc>
+                <a:spcPct val="100000"/>
+              </a:lnSpc>
+              <a:spcBef>
+                <a:spcPct val="20000"/>
+              </a:spcBef>
+              <a:spcAft>
+                <a:spcPts val="0"/>
+              </a:spcAft>
+              <a:buClrTx/>
+              <a:buSzTx/>
+              <a:buFont typeface="Arial" pitchFamily="34" charset="0"/>
+              <a:buNone/>
+              <a:tabLst/>
+              <a:defRPr sz="1800" b="0">
+                <a:solidFill>
+                  <a:schemeClr val="tx1"/>
+                </a:solidFill>
+                <a:latin typeface="Arial" panose="020B0604020202020204" pitchFamily="34" charset="0"/>
+                <a:cs typeface="Arial" panose="020B0604020202020204" pitchFamily="34" charset="0"/>
+              </a:defRPr>
+            </a:lvl1pPr>
+          </a:lstStyle>
+          <a:p>
+            <a:pPr>
+              <a:spcAft>
+                <a:spcPts val="1200"/>
+              </a:spcAft>
+            </a:pPr>
+            <a:r>
+              <a:rPr lang="en-US" sz="1800" b="1" dirty="0">
+                <a:solidFill>
+                  <a:srgbClr val="000000"/>
+                </a:solidFill>
+              </a:rPr>
+              <a:t>Account Manager:</a:t>
+            </a:r>
+            <a:r>
+              <a:rPr lang="en-US" sz="1800" dirty="0">
+                <a:solidFill>
+                  <a:srgbClr val="000000"/>
+                </a:solidFill>
+              </a:rPr>
+              <a:t> [Name, Title] | [Email] | [Phone]</a:t>
+            </a:r>
           </a:p>
         </p:txBody>
       </p:sp>
@@ -2964,11 +2894,12 @@
   <p:sldLayoutIdLst>
     <p:sldLayoutId id="2147483651" r:id="rId1"/>
     <p:sldLayoutId id="2147483653" r:id="rId2"/>
-    <p:sldLayoutId id="2147483654" r:id="rId3"/>
-    <p:sldLayoutId id="2147483655" r:id="rId4"/>
-    <p:sldLayoutId id="2147483656" r:id="rId5"/>
-    <p:sldLayoutId id="2147483657" r:id="rId6"/>
-    <p:sldLayoutId id="2147483658" r:id="rId7"/>
+    <p:sldLayoutId id="2147483659" r:id="rId3"/>
+    <p:sldLayoutId id="2147483654" r:id="rId4"/>
+    <p:sldLayoutId id="2147483655" r:id="rId5"/>
+    <p:sldLayoutId id="2147483656" r:id="rId6"/>
+    <p:sldLayoutId id="2147483657" r:id="rId7"/>
+    <p:sldLayoutId id="2147483658" r:id="rId8"/>
   </p:sldLayoutIdLst>
   <p:hf sldNum="0" hdr="0" ftr="0" dt="0"/>
   <p:txStyles>
@@ -3234,25 +3165,18 @@
         <p:nvPr/>
       </p:nvGrpSpPr>
       <p:grpSpPr/>
-      <p:pic>
-        <p:nvPicPr>
-          <p:cNvPr id="2" name="Picture Placeholder 1" descr="client_logo.png"/>
-          <p:cNvPicPr>
-            <a:picLocks noGrp="1" noChangeAspect="1"/>
-          </p:cNvPicPr>
+      <p:sp>
+        <p:nvSpPr>
+          <p:cNvPr id="2" name="Picture Placeholder 1"/>
+          <p:cNvSpPr>
+            <a:spLocks noGrp="1"/>
+          </p:cNvSpPr>
           <p:nvPr>
             <p:ph type="pic" idx="10" sz="quarter"/>
           </p:nvPr>
-        </p:nvPicPr>
-        <p:blipFill>
-          <a:blip r:embed="rId2"/>
-          <a:srcRect t="433" b="433"/>
-          <a:stretch>
-            <a:fillRect/>
-          </a:stretch>
-        </p:blipFill>
-        <p:spPr/>
-      </p:pic>
+        </p:nvSpPr>
+        <p:spPr/>
+      </p:sp>
       <p:sp>
         <p:nvSpPr>
           <p:cNvPr id="3" name="Text Placeholder 2"/>
@@ -3269,30 +3193,23 @@
           <a:lstStyle/>
           <a:p>
             <a:r>
-              <a:t>AWS Intelligent Document Processing - Project Closeout Presentation</a:t>
-            </a:r>
-          </a:p>
-        </p:txBody>
-      </p:sp>
-      <p:pic>
-        <p:nvPicPr>
-          <p:cNvPr id="4" name="Picture Placeholder 3" descr="consulting_company_logo.png"/>
-          <p:cNvPicPr>
-            <a:picLocks noGrp="1" noChangeAspect="1"/>
-          </p:cNvPicPr>
+              <a:t>Presentation Title</a:t>
+            </a:r>
+          </a:p>
+        </p:txBody>
+      </p:sp>
+      <p:sp>
+        <p:nvSpPr>
+          <p:cNvPr id="4" name="Picture Placeholder 3"/>
+          <p:cNvSpPr>
+            <a:spLocks noGrp="1"/>
+          </p:cNvSpPr>
           <p:nvPr>
             <p:ph type="pic" idx="13" sz="quarter"/>
           </p:nvPr>
-        </p:nvPicPr>
-        <p:blipFill>
-          <a:blip r:embed="rId3"/>
-          <a:srcRect t="5856" b="5856"/>
-          <a:stretch>
-            <a:fillRect/>
-          </a:stretch>
-        </p:blipFill>
-        <p:spPr/>
-      </p:pic>
+        </p:nvSpPr>
+        <p:spPr/>
+      </p:sp>
       <p:sp>
         <p:nvSpPr>
           <p:cNvPr id="5" name="Text Placeholder 4"/>
@@ -3309,7 +3226,7 @@
           <a:lstStyle/>
           <a:p>
             <a:r>
-              <a:t>**Project Name:** AWS Intelligent Document Processing (IDP) Implementation</a:t>
+              <a:t>Solution Name</a:t>
             </a:r>
           </a:p>
         </p:txBody>
@@ -3330,7 +3247,7 @@
           <a:lstStyle/>
           <a:p>
             <a:r>
-              <a:t>EO Framework Team | November 09, 2025</a:t>
+              <a:t>Presenter Name | November 15, 2025</a:t>
             </a:r>
           </a:p>
         </p:txBody>
@@ -3369,19 +3286,31 @@
           <a:lstStyle/>
           <a:p>
             <a:r>
-              <a:t>**Slide 9: AI/ML Model Performance Metrics**</a:t>
-            </a:r>
-          </a:p>
-        </p:txBody>
-      </p:sp>
-      <p:sp>
-        <p:nvSpPr>
-          <p:cNvPr id="3" name="Text Placeholder 2"/>
-          <p:cNvSpPr>
-            <a:spLocks noGrp="1"/>
-          </p:cNvSpPr>
-          <p:nvPr>
-            <p:ph type="body" idx="11" sz="quarter"/>
+              <a:t>**Slide 10: Go-Live Results**</a:t>
+            </a:r>
+          </a:p>
+        </p:txBody>
+      </p:sp>
+      <p:sp>
+        <p:nvSpPr>
+          <p:cNvPr id="3" name="Picture Placeholder 2"/>
+          <p:cNvSpPr>
+            <a:spLocks noGrp="1"/>
+          </p:cNvSpPr>
+          <p:nvPr>
+            <p:ph type="pic" idx="13" sz="quarter"/>
+          </p:nvPr>
+        </p:nvSpPr>
+        <p:spPr/>
+      </p:sp>
+      <p:sp>
+        <p:nvSpPr>
+          <p:cNvPr id="4" name="Text Placeholder 3"/>
+          <p:cNvSpPr>
+            <a:spLocks noGrp="1"/>
+          </p:cNvSpPr>
+          <p:nvPr>
+            <p:ph type="body" idx="14" sz="quarter"/>
           </p:nvPr>
         </p:nvSpPr>
         <p:spPr/>
@@ -3389,97 +3318,57 @@
           <a:bodyPr/>
           <a:lstStyle/>
           <a:p>
-            <a:r>
-              <a:t>Model Accuracy:</a:t>
-            </a:r>
-          </a:p>
-          <a:p>
-            <a:pPr/>
-            <a:r>
-              <a:t>Document classification: 97.3%</a:t>
-            </a:r>
-          </a:p>
-          <a:p>
-            <a:pPr/>
-            <a:r>
-              <a:t>Data extraction accuracy: 95.2%</a:t>
-            </a:r>
-          </a:p>
-          <a:p>
-            <a:pPr/>
-            <a:r>
-              <a:t>Overall system accuracy: 95.8%</a:t>
-            </a:r>
-          </a:p>
-          <a:p>
-            <a:pPr/>
-            <a:r>
-              <a:t>Processing Performance:</a:t>
-            </a:r>
-          </a:p>
-          <a:p>
-            <a:pPr/>
-            <a:r>
-              <a:t>Average processing time: 3.2 seconds per document</a:t>
-            </a:r>
-          </a:p>
-          <a:p>
-            <a:pPr/>
-            <a:r>
-              <a:t>Throughput: 1,200 documents per hour</a:t>
-            </a:r>
-          </a:p>
-          <a:p>
-            <a:pPr/>
-            <a:r>
-              <a:t>API response time: &lt;2 seconds</a:t>
-            </a:r>
-          </a:p>
-          <a:p>
-            <a:pPr/>
-            <a:r>
-              <a:t>AWS Service Utilization:</a:t>
-            </a:r>
-          </a:p>
-          <a:p>
-            <a:pPr/>
-            <a:r>
-              <a:t>Textract accuracy: 96.1%</a:t>
-            </a:r>
-          </a:p>
-          <a:p>
-            <a:pPr/>
-            <a:r>
-              <a:t>Custom model improvement: +2.7% over baseline</a:t>
-            </a:r>
-          </a:p>
-          <a:p>
-            <a:pPr/>
-            <a:r>
-              <a:t>Confidence score distribution: 89% high confidence</a:t>
-            </a:r>
-          </a:p>
-        </p:txBody>
-      </p:sp>
-      <p:pic>
-        <p:nvPicPr>
-          <p:cNvPr id="4" name="Picture Placeholder 3" descr="consulting_company_logo.png"/>
-          <p:cNvPicPr>
-            <a:picLocks noGrp="1" noChangeAspect="1"/>
-          </p:cNvPicPr>
-          <p:nvPr>
-            <p:ph type="pic" idx="13" sz="quarter"/>
-          </p:nvPr>
-        </p:nvPicPr>
-        <p:blipFill>
-          <a:blip r:embed="rId2"/>
-          <a:srcRect t="6762" b="6762"/>
-          <a:stretch>
-            <a:fillRect/>
-          </a:stretch>
-        </p:blipFill>
-        <p:spPr/>
-      </p:pic>
+            <a:pPr/>
+            <a:r>
+              <a:rPr b="1"/>
+              <a:t>Deployment Success:</a:t>
+            </a:r>
+            <a:r>
+              <a:t> Smooth production deployment with zero downtime</a:t>
+            </a:r>
+          </a:p>
+          <a:p>
+            <a:pPr/>
+            <a:r>
+              <a:rPr b="1"/>
+              <a:t>System Stability:</a:t>
+            </a:r>
+            <a:r>
+              <a:t> 99.7% uptime in first 30 days post-deployment</a:t>
+            </a:r>
+          </a:p>
+          <a:p>
+            <a:pPr/>
+            <a:r>
+              <a:rPr b="1"/>
+              <a:t>User Adoption:</a:t>
+            </a:r>
+            <a:r>
+              <a:t> 94% adoption rate, positive user feedback</a:t>
+            </a:r>
+          </a:p>
+          <a:p>
+            <a:pPr/>
+            <a:r>
+              <a:rPr b="1"/>
+              <a:t>Processing Volume:</a:t>
+            </a:r>
+            <a:r>
+              <a:t> 15,000+ documents processed in first month</a:t>
+            </a:r>
+          </a:p>
+          <a:p>
+            <a:pPr/>
+            <a:r>
+              <a:rPr b="1"/>
+              <a:t>Business Continuity:</a:t>
+            </a:r>
+            <a:r>
+              <a:t> Seamless transition from manual processes</a:t>
+            </a:r>
+          </a:p>
+        </p:txBody>
+      </p:sp>
     </p:spTree>
   </p:cSld>
   <p:clrMapOvr>
@@ -3514,19 +3403,31 @@
           <a:lstStyle/>
           <a:p>
             <a:r>
-              <a:t>**Slide 10: Go-Live Results**</a:t>
-            </a:r>
-          </a:p>
-        </p:txBody>
-      </p:sp>
-      <p:sp>
-        <p:nvSpPr>
-          <p:cNvPr id="3" name="Text Placeholder 2"/>
-          <p:cNvSpPr>
-            <a:spLocks noGrp="1"/>
-          </p:cNvSpPr>
-          <p:nvPr>
-            <p:ph type="body" idx="11" sz="quarter"/>
+              <a:t>**Slide 11: Training and Knowledge Transfer**</a:t>
+            </a:r>
+          </a:p>
+        </p:txBody>
+      </p:sp>
+      <p:sp>
+        <p:nvSpPr>
+          <p:cNvPr id="3" name="Picture Placeholder 2"/>
+          <p:cNvSpPr>
+            <a:spLocks noGrp="1"/>
+          </p:cNvSpPr>
+          <p:nvPr>
+            <p:ph type="pic" idx="13" sz="quarter"/>
+          </p:nvPr>
+        </p:nvSpPr>
+        <p:spPr/>
+      </p:sp>
+      <p:sp>
+        <p:nvSpPr>
+          <p:cNvPr id="4" name="Text Placeholder 3"/>
+          <p:cNvSpPr>
+            <a:spLocks noGrp="1"/>
+          </p:cNvSpPr>
+          <p:nvPr>
+            <p:ph type="body" idx="14" sz="quarter"/>
           </p:nvPr>
         </p:nvSpPr>
         <p:spPr/>
@@ -3534,55 +3435,71 @@
           <a:bodyPr/>
           <a:lstStyle/>
           <a:p>
-            <a:r>
-              <a:t>Deployment Success: Smooth production deployment with zero downtime</a:t>
-            </a:r>
-          </a:p>
-          <a:p>
-            <a:pPr/>
-            <a:r>
-              <a:t>System Stability: 99.7% uptime in first 30 days post-deployment</a:t>
-            </a:r>
-          </a:p>
-          <a:p>
-            <a:pPr/>
-            <a:r>
-              <a:t>User Adoption: 94% adoption rate, positive user feedback</a:t>
-            </a:r>
-          </a:p>
-          <a:p>
-            <a:pPr/>
-            <a:r>
-              <a:t>Processing Volume: 15,000+ documents processed in first month</a:t>
-            </a:r>
-          </a:p>
-          <a:p>
-            <a:pPr/>
-            <a:r>
-              <a:t>Business Continuity: Seamless transition from manual processes</a:t>
-            </a:r>
-          </a:p>
-        </p:txBody>
-      </p:sp>
-      <p:pic>
-        <p:nvPicPr>
-          <p:cNvPr id="4" name="Picture Placeholder 3" descr="consulting_company_logo.png"/>
-          <p:cNvPicPr>
-            <a:picLocks noGrp="1" noChangeAspect="1"/>
-          </p:cNvPicPr>
-          <p:nvPr>
-            <p:ph type="pic" idx="13" sz="quarter"/>
-          </p:nvPr>
-        </p:nvPicPr>
-        <p:blipFill>
-          <a:blip r:embed="rId2"/>
-          <a:srcRect t="6762" b="6762"/>
-          <a:stretch>
-            <a:fillRect/>
-          </a:stretch>
-        </p:blipFill>
-        <p:spPr/>
-      </p:pic>
+            <a:pPr/>
+            <a:r>
+              <a:rPr b="1"/>
+              <a:t>Training Sessions Delivered:</a:t>
+            </a:r>
+          </a:p>
+          <a:p>
+            <a:pPr lvl="1"/>
+            <a:r>
+              <a:t>Administrator training: 2 days, 8 participants</a:t>
+            </a:r>
+          </a:p>
+          <a:p>
+            <a:pPr lvl="1"/>
+            <a:r>
+              <a:t>End-user training: 1 day, 22 participants</a:t>
+            </a:r>
+          </a:p>
+          <a:p>
+            <a:pPr lvl="1"/>
+            <a:r>
+              <a:t>AI/ML model management: 1 day, 4 technical staff</a:t>
+            </a:r>
+          </a:p>
+          <a:p>
+            <a:pPr/>
+            <a:r>
+              <a:rPr b="1"/>
+              <a:t>User Competency:</a:t>
+            </a:r>
+            <a:r>
+              <a:t> 95% pass rate on competency assessments</a:t>
+            </a:r>
+          </a:p>
+          <a:p>
+            <a:pPr/>
+            <a:r>
+              <a:rPr b="1"/>
+              <a:t>Documentation Provided:</a:t>
+            </a:r>
+          </a:p>
+          <a:p>
+            <a:pPr lvl="1"/>
+            <a:r>
+              <a:t>User guides, technical documentation, troubleshooting guides</a:t>
+            </a:r>
+          </a:p>
+          <a:p>
+            <a:pPr lvl="1"/>
+            <a:r>
+              <a:t>Video tutorials for common workflows</a:t>
+            </a:r>
+          </a:p>
+          <a:p>
+            <a:pPr/>
+            <a:r>
+              <a:rPr b="1"/>
+              <a:t>Knowledge Transfer:</a:t>
+            </a:r>
+            <a:r>
+              <a:t> Complete handover to operations and support teams</a:t>
+            </a:r>
+          </a:p>
+        </p:txBody>
+      </p:sp>
     </p:spTree>
   </p:cSld>
   <p:clrMapOvr>
@@ -3616,100 +3533,512 @@
           <a:bodyPr/>
           <a:lstStyle/>
           <a:p>
-            <a:r>
-              <a:t>**Slide 11: Training and Knowledge Transfer**</a:t>
-            </a:r>
-          </a:p>
-        </p:txBody>
-      </p:sp>
-      <p:sp>
-        <p:nvSpPr>
-          <p:cNvPr id="3" name="Text Placeholder 2"/>
-          <p:cNvSpPr>
-            <a:spLocks noGrp="1"/>
-          </p:cNvSpPr>
-          <p:nvPr>
-            <p:ph type="body" idx="11" sz="quarter"/>
-          </p:nvPr>
-        </p:nvSpPr>
-        <p:spPr/>
-        <p:txBody>
-          <a:bodyPr/>
-          <a:lstStyle/>
-          <a:p>
-            <a:r>
-              <a:t>Training Sessions Delivered:</a:t>
-            </a:r>
-          </a:p>
-          <a:p>
-            <a:pPr/>
-            <a:r>
-              <a:t>Administrator training: 2 days, 8 participants</a:t>
-            </a:r>
-          </a:p>
-          <a:p>
-            <a:pPr/>
-            <a:r>
-              <a:t>End-user training: 1 day, 22 participants</a:t>
-            </a:r>
-          </a:p>
-          <a:p>
-            <a:pPr/>
-            <a:r>
-              <a:t>AI/ML model management: 1 day, 4 technical staff</a:t>
-            </a:r>
-          </a:p>
-          <a:p>
-            <a:pPr/>
-            <a:r>
-              <a:t>User Competency: 95% pass rate on competency assessments</a:t>
-            </a:r>
-          </a:p>
-          <a:p>
-            <a:pPr/>
-            <a:r>
-              <a:t>Documentation Provided:</a:t>
-            </a:r>
-          </a:p>
-          <a:p>
-            <a:pPr/>
-            <a:r>
-              <a:t>User guides, technical documentation, troubleshooting guides</a:t>
-            </a:r>
-          </a:p>
-          <a:p>
-            <a:pPr/>
-            <a:r>
-              <a:t>Video tutorials for common workflows</a:t>
-            </a:r>
-          </a:p>
-          <a:p>
-            <a:pPr/>
-            <a:r>
-              <a:t>Knowledge Transfer: Complete handover to operations and support teams</a:t>
-            </a:r>
-          </a:p>
-        </p:txBody>
-      </p:sp>
-      <p:pic>
-        <p:nvPicPr>
-          <p:cNvPr id="4" name="Picture Placeholder 3" descr="consulting_company_logo.png"/>
-          <p:cNvPicPr>
-            <a:picLocks noGrp="1" noChangeAspect="1"/>
-          </p:cNvPicPr>
+            <a:pPr algn="l"/>
+            <a:r>
+              <a:rPr b="1"/>
+              <a:t>**Slide 12: Business Value Delivered**</a:t>
+            </a:r>
+          </a:p>
+        </p:txBody>
+      </p:sp>
+      <p:sp>
+        <p:nvSpPr>
+          <p:cNvPr id="3" name="Picture Placeholder 2"/>
+          <p:cNvSpPr>
+            <a:spLocks noGrp="1"/>
+          </p:cNvSpPr>
           <p:nvPr>
             <p:ph type="pic" idx="13" sz="quarter"/>
           </p:nvPr>
-        </p:nvPicPr>
-        <p:blipFill>
-          <a:blip r:embed="rId2"/>
-          <a:srcRect t="6762" b="6762"/>
-          <a:stretch>
-            <a:fillRect/>
-          </a:stretch>
-        </p:blipFill>
-        <p:spPr/>
-      </p:pic>
+        </p:nvSpPr>
+        <p:spPr/>
+      </p:sp>
+      <p:graphicFrame>
+        <p:nvGraphicFramePr>
+          <p:cNvPr id="4" name="Table Placeholder 3"/>
+          <p:cNvGraphicFramePr>
+            <a:graphicFrameLocks noGrp="1"/>
+          </p:cNvGraphicFramePr>
+          <p:nvPr>
+            <p:ph type="tbl" idx="14" sz="quarter"/>
+          </p:nvPr>
+        </p:nvGraphicFramePr>
+        <p:xfrm>
+          <a:off x="256855" y="677011"/>
+          <a:ext cx="8710929" cy="1854200"/>
+        </p:xfrm>
+        <a:graphic>
+          <a:graphicData uri="http://schemas.openxmlformats.org/drawingml/2006/table">
+            <a:tbl>
+              <a:tblPr firstRow="1" bandRow="1">
+                <a:tableStyleId>{5C22544A-7EE6-4342-B048-85BDC9FD1C3A}</a:tableStyleId>
+              </a:tblPr>
+              <a:tblGrid>
+                <a:gridCol w="2177733"/>
+                <a:gridCol w="1306639"/>
+                <a:gridCol w="1045311"/>
+                <a:gridCol w="1567967"/>
+                <a:gridCol w="2613279"/>
+              </a:tblGrid>
+              <a:tr h="370840">
+                <a:tc>
+                  <a:txBody>
+                    <a:bodyPr/>
+                    <a:lstStyle/>
+                    <a:p>
+                      <a:r>
+                        <a:rPr b="1" sz="1400">
+                          <a:solidFill>
+                            <a:srgbClr val="FFFFFF"/>
+                          </a:solidFill>
+                        </a:rPr>
+                        <a:t>Benefit Category</a:t>
+                      </a:r>
+                    </a:p>
+                  </a:txBody>
+                  <a:tcPr>
+                    <a:solidFill>
+                      <a:srgbClr val="A01C02"/>
+                    </a:solidFill>
+                  </a:tcPr>
+                </a:tc>
+                <a:tc>
+                  <a:txBody>
+                    <a:bodyPr/>
+                    <a:lstStyle/>
+                    <a:p>
+                      <a:r>
+                        <a:rPr b="1" sz="1400">
+                          <a:solidFill>
+                            <a:srgbClr val="FFFFFF"/>
+                          </a:solidFill>
+                        </a:rPr>
+                        <a:t>Target</a:t>
+                      </a:r>
+                    </a:p>
+                  </a:txBody>
+                  <a:tcPr>
+                    <a:solidFill>
+                      <a:srgbClr val="A01C02"/>
+                    </a:solidFill>
+                  </a:tcPr>
+                </a:tc>
+                <a:tc>
+                  <a:txBody>
+                    <a:bodyPr/>
+                    <a:lstStyle/>
+                    <a:p>
+                      <a:r>
+                        <a:rPr b="1" sz="1400">
+                          <a:solidFill>
+                            <a:srgbClr val="FFFFFF"/>
+                          </a:solidFill>
+                        </a:rPr>
+                        <a:t>Achieved</a:t>
+                      </a:r>
+                    </a:p>
+                  </a:txBody>
+                  <a:tcPr>
+                    <a:solidFill>
+                      <a:srgbClr val="A01C02"/>
+                    </a:solidFill>
+                  </a:tcPr>
+                </a:tc>
+                <a:tc>
+                  <a:txBody>
+                    <a:bodyPr/>
+                    <a:lstStyle/>
+                    <a:p>
+                      <a:r>
+                        <a:rPr b="1" sz="1400">
+                          <a:solidFill>
+                            <a:srgbClr val="FFFFFF"/>
+                          </a:solidFill>
+                        </a:rPr>
+                        <a:t>Measurement Method</a:t>
+                      </a:r>
+                    </a:p>
+                  </a:txBody>
+                  <a:tcPr>
+                    <a:solidFill>
+                      <a:srgbClr val="A01C02"/>
+                    </a:solidFill>
+                  </a:tcPr>
+                </a:tc>
+                <a:tc>
+                  <a:txBody>
+                    <a:bodyPr/>
+                    <a:lstStyle/>
+                    <a:p>
+                      <a:r>
+                        <a:rPr b="1" sz="1400">
+                          <a:solidFill>
+                            <a:srgbClr val="FFFFFF"/>
+                          </a:solidFill>
+                        </a:rPr>
+                        <a:t>Timeline to Full Benefit</a:t>
+                      </a:r>
+                    </a:p>
+                  </a:txBody>
+                  <a:tcPr>
+                    <a:solidFill>
+                      <a:srgbClr val="A01C02"/>
+                    </a:solidFill>
+                  </a:tcPr>
+                </a:tc>
+              </a:tr>
+              <a:tr h="370840">
+                <a:tc>
+                  <a:txBody>
+                    <a:bodyPr/>
+                    <a:lstStyle/>
+                    <a:p>
+                      <a:r>
+                        <a:rPr sz="1100"/>
+                        <a:t>Processing Cost Savings</a:t>
+                      </a:r>
+                    </a:p>
+                  </a:txBody>
+                  <a:tcPr>
+                    <a:solidFill>
+                      <a:srgbClr val="E7E6E6"/>
+                    </a:solidFill>
+                  </a:tcPr>
+                </a:tc>
+                <a:tc>
+                  <a:txBody>
+                    <a:bodyPr/>
+                    <a:lstStyle/>
+                    <a:p>
+                      <a:r>
+                        <a:rPr sz="1100"/>
+                        <a:t>80% reduction</a:t>
+                      </a:r>
+                    </a:p>
+                  </a:txBody>
+                  <a:tcPr>
+                    <a:solidFill>
+                      <a:srgbClr val="E7E6E6"/>
+                    </a:solidFill>
+                  </a:tcPr>
+                </a:tc>
+                <a:tc>
+                  <a:txBody>
+                    <a:bodyPr/>
+                    <a:lstStyle/>
+                    <a:p>
+                      <a:r>
+                        <a:rPr sz="1100"/>
+                        <a:t>82% reduction</a:t>
+                      </a:r>
+                    </a:p>
+                  </a:txBody>
+                  <a:tcPr>
+                    <a:solidFill>
+                      <a:srgbClr val="E7E6E6"/>
+                    </a:solidFill>
+                  </a:tcPr>
+                </a:tc>
+                <a:tc>
+                  <a:txBody>
+                    <a:bodyPr/>
+                    <a:lstStyle/>
+                    <a:p>
+                      <a:r>
+                        <a:rPr sz="1100"/>
+                        <a:t>Labor cost analysis</a:t>
+                      </a:r>
+                    </a:p>
+                  </a:txBody>
+                  <a:tcPr>
+                    <a:solidFill>
+                      <a:srgbClr val="E7E6E6"/>
+                    </a:solidFill>
+                  </a:tcPr>
+                </a:tc>
+                <a:tc>
+                  <a:txBody>
+                    <a:bodyPr/>
+                    <a:lstStyle/>
+                    <a:p>
+                      <a:r>
+                        <a:rPr sz="1100"/>
+                        <a:t>Immediate</a:t>
+                      </a:r>
+                    </a:p>
+                  </a:txBody>
+                  <a:tcPr>
+                    <a:solidFill>
+                      <a:srgbClr val="E7E6E6"/>
+                    </a:solidFill>
+                  </a:tcPr>
+                </a:tc>
+              </a:tr>
+              <a:tr h="370840">
+                <a:tc>
+                  <a:txBody>
+                    <a:bodyPr/>
+                    <a:lstStyle/>
+                    <a:p>
+                      <a:r>
+                        <a:rPr sz="1100"/>
+                        <a:t>Processing Speed</a:t>
+                      </a:r>
+                    </a:p>
+                  </a:txBody>
+                  <a:tcPr>
+                    <a:solidFill>
+                      <a:srgbClr val="E7E6E6"/>
+                    </a:solidFill>
+                  </a:tcPr>
+                </a:tc>
+                <a:tc>
+                  <a:txBody>
+                    <a:bodyPr/>
+                    <a:lstStyle/>
+                    <a:p>
+                      <a:r>
+                        <a:rPr sz="1100"/>
+                        <a:t>10x improvement</a:t>
+                      </a:r>
+                    </a:p>
+                  </a:txBody>
+                  <a:tcPr>
+                    <a:solidFill>
+                      <a:srgbClr val="E7E6E6"/>
+                    </a:solidFill>
+                  </a:tcPr>
+                </a:tc>
+                <a:tc>
+                  <a:txBody>
+                    <a:bodyPr/>
+                    <a:lstStyle/>
+                    <a:p>
+                      <a:r>
+                        <a:rPr sz="1100"/>
+                        <a:t>12x improvement</a:t>
+                      </a:r>
+                    </a:p>
+                  </a:txBody>
+                  <a:tcPr>
+                    <a:solidFill>
+                      <a:srgbClr val="E7E6E6"/>
+                    </a:solidFill>
+                  </a:tcPr>
+                </a:tc>
+                <a:tc>
+                  <a:txBody>
+                    <a:bodyPr/>
+                    <a:lstStyle/>
+                    <a:p>
+                      <a:r>
+                        <a:rPr sz="1100"/>
+                        <a:t>Time-to-completion metrics</a:t>
+                      </a:r>
+                    </a:p>
+                  </a:txBody>
+                  <a:tcPr>
+                    <a:solidFill>
+                      <a:srgbClr val="E7E6E6"/>
+                    </a:solidFill>
+                  </a:tcPr>
+                </a:tc>
+                <a:tc>
+                  <a:txBody>
+                    <a:bodyPr/>
+                    <a:lstStyle/>
+                    <a:p>
+                      <a:r>
+                        <a:rPr sz="1100"/>
+                        <a:t>Immediate</a:t>
+                      </a:r>
+                    </a:p>
+                  </a:txBody>
+                  <a:tcPr>
+                    <a:solidFill>
+                      <a:srgbClr val="E7E6E6"/>
+                    </a:solidFill>
+                  </a:tcPr>
+                </a:tc>
+              </a:tr>
+              <a:tr h="370840">
+                <a:tc>
+                  <a:txBody>
+                    <a:bodyPr/>
+                    <a:lstStyle/>
+                    <a:p>
+                      <a:r>
+                        <a:rPr sz="1100"/>
+                        <a:t>Accuracy Improvement</a:t>
+                      </a:r>
+                    </a:p>
+                  </a:txBody>
+                  <a:tcPr>
+                    <a:solidFill>
+                      <a:srgbClr val="E7E6E6"/>
+                    </a:solidFill>
+                  </a:tcPr>
+                </a:tc>
+                <a:tc>
+                  <a:txBody>
+                    <a:bodyPr/>
+                    <a:lstStyle/>
+                    <a:p>
+                      <a:r>
+                        <a:rPr sz="1100"/>
+                        <a:t>95% target</a:t>
+                      </a:r>
+                    </a:p>
+                  </a:txBody>
+                  <a:tcPr>
+                    <a:solidFill>
+                      <a:srgbClr val="E7E6E6"/>
+                    </a:solidFill>
+                  </a:tcPr>
+                </a:tc>
+                <a:tc>
+                  <a:txBody>
+                    <a:bodyPr/>
+                    <a:lstStyle/>
+                    <a:p>
+                      <a:r>
+                        <a:rPr sz="1100"/>
+                        <a:t>95.2% achieved</a:t>
+                      </a:r>
+                    </a:p>
+                  </a:txBody>
+                  <a:tcPr>
+                    <a:solidFill>
+                      <a:srgbClr val="E7E6E6"/>
+                    </a:solidFill>
+                  </a:tcPr>
+                </a:tc>
+                <a:tc>
+                  <a:txBody>
+                    <a:bodyPr/>
+                    <a:lstStyle/>
+                    <a:p>
+                      <a:r>
+                        <a:rPr sz="1100"/>
+                        <a:t>Error rate analysis</a:t>
+                      </a:r>
+                    </a:p>
+                  </a:txBody>
+                  <a:tcPr>
+                    <a:solidFill>
+                      <a:srgbClr val="E7E6E6"/>
+                    </a:solidFill>
+                  </a:tcPr>
+                </a:tc>
+                <a:tc>
+                  <a:txBody>
+                    <a:bodyPr/>
+                    <a:lstStyle/>
+                    <a:p>
+                      <a:r>
+                        <a:rPr sz="1100"/>
+                        <a:t>Within 30 days</a:t>
+                      </a:r>
+                    </a:p>
+                  </a:txBody>
+                  <a:tcPr>
+                    <a:solidFill>
+                      <a:srgbClr val="E7E6E6"/>
+                    </a:solidFill>
+                  </a:tcPr>
+                </a:tc>
+              </a:tr>
+              <a:tr h="370840">
+                <a:tc>
+                  <a:txBody>
+                    <a:bodyPr/>
+                    <a:lstStyle/>
+                    <a:p>
+                      <a:r>
+                        <a:rPr sz="1100"/>
+                        <a:t>Operational Efficiency</a:t>
+                      </a:r>
+                    </a:p>
+                  </a:txBody>
+                  <a:tcPr>
+                    <a:solidFill>
+                      <a:srgbClr val="E7E6E6"/>
+                    </a:solidFill>
+                  </a:tcPr>
+                </a:tc>
+                <a:tc>
+                  <a:txBody>
+                    <a:bodyPr/>
+                    <a:lstStyle/>
+                    <a:p>
+                      <a:r>
+                        <a:rPr sz="1100"/>
+                        <a:t>70% efficiency gain</a:t>
+                      </a:r>
+                    </a:p>
+                  </a:txBody>
+                  <a:tcPr>
+                    <a:solidFill>
+                      <a:srgbClr val="E7E6E6"/>
+                    </a:solidFill>
+                  </a:tcPr>
+                </a:tc>
+                <a:tc>
+                  <a:txBody>
+                    <a:bodyPr/>
+                    <a:lstStyle/>
+                    <a:p>
+                      <a:r>
+                        <a:rPr sz="1100"/>
+                        <a:t>75% efficiency gain</a:t>
+                      </a:r>
+                    </a:p>
+                  </a:txBody>
+                  <a:tcPr>
+                    <a:solidFill>
+                      <a:srgbClr val="E7E6E6"/>
+                    </a:solidFill>
+                  </a:tcPr>
+                </a:tc>
+                <a:tc>
+                  <a:txBody>
+                    <a:bodyPr/>
+                    <a:lstStyle/>
+                    <a:p>
+                      <a:r>
+                        <a:rPr sz="1100"/>
+                        <a:t>Throughput measurement</a:t>
+                      </a:r>
+                    </a:p>
+                  </a:txBody>
+                  <a:tcPr>
+                    <a:solidFill>
+                      <a:srgbClr val="E7E6E6"/>
+                    </a:solidFill>
+                  </a:tcPr>
+                </a:tc>
+                <a:tc>
+                  <a:txBody>
+                    <a:bodyPr/>
+                    <a:lstStyle/>
+                    <a:p>
+                      <a:r>
+                        <a:rPr sz="1100"/>
+                        <a:t>Within 60 days</a:t>
+                      </a:r>
+                    </a:p>
+                  </a:txBody>
+                  <a:tcPr>
+                    <a:solidFill>
+                      <a:srgbClr val="E7E6E6"/>
+                    </a:solidFill>
+                  </a:tcPr>
+                </a:tc>
+              </a:tr>
+            </a:tbl>
+          </a:graphicData>
+        </a:graphic>
+      </p:graphicFrame>
     </p:spTree>
   </p:cSld>
   <p:clrMapOvr>
@@ -3744,19 +4073,43 @@
           <a:lstStyle/>
           <a:p>
             <a:r>
-              <a:t>**Slide 12: Business Value Delivered**</a:t>
-            </a:r>
-          </a:p>
-        </p:txBody>
-      </p:sp>
-      <p:sp>
-        <p:nvSpPr>
-          <p:cNvPr id="3" name="Text Placeholder 2"/>
-          <p:cNvSpPr>
-            <a:spLocks noGrp="1"/>
-          </p:cNvSpPr>
-          <p:nvPr>
-            <p:ph type="body" idx="11" sz="quarter"/>
+              <a:t>**Slide 13: ROI Analysis**</a:t>
+            </a:r>
+          </a:p>
+        </p:txBody>
+      </p:sp>
+      <p:sp>
+        <p:nvSpPr>
+          <p:cNvPr id="3" name="Picture Placeholder 2"/>
+          <p:cNvSpPr>
+            <a:spLocks noGrp="1"/>
+          </p:cNvSpPr>
+          <p:nvPr>
+            <p:ph type="pic" idx="14" sz="quarter"/>
+          </p:nvPr>
+        </p:nvSpPr>
+        <p:spPr/>
+      </p:sp>
+      <p:sp>
+        <p:nvSpPr>
+          <p:cNvPr id="4" name="Chart Placeholder 3"/>
+          <p:cNvSpPr>
+            <a:spLocks noGrp="1"/>
+          </p:cNvSpPr>
+          <p:nvPr>
+            <p:ph type="chart" idx="15" sz="quarter"/>
+          </p:nvPr>
+        </p:nvSpPr>
+        <p:spPr/>
+      </p:sp>
+      <p:sp>
+        <p:nvSpPr>
+          <p:cNvPr id="5" name="Content Placeholder 4"/>
+          <p:cNvSpPr>
+            <a:spLocks noGrp="1"/>
+          </p:cNvSpPr>
+          <p:nvPr>
+            <p:ph idx="16" sz="quarter"/>
           </p:nvPr>
         </p:nvSpPr>
         <p:spPr/>
@@ -3766,25 +4119,6 @@
           <a:p/>
         </p:txBody>
       </p:sp>
-      <p:pic>
-        <p:nvPicPr>
-          <p:cNvPr id="4" name="Picture Placeholder 3" descr="consulting_company_logo.png"/>
-          <p:cNvPicPr>
-            <a:picLocks noGrp="1" noChangeAspect="1"/>
-          </p:cNvPicPr>
-          <p:nvPr>
-            <p:ph type="pic" idx="13" sz="quarter"/>
-          </p:nvPr>
-        </p:nvPicPr>
-        <p:blipFill>
-          <a:blip r:embed="rId2"/>
-          <a:srcRect t="6762" b="6762"/>
-          <a:stretch>
-            <a:fillRect/>
-          </a:stretch>
-        </p:blipFill>
-        <p:spPr/>
-      </p:pic>
     </p:spTree>
   </p:cSld>
   <p:clrMapOvr>
@@ -3819,19 +4153,31 @@
           <a:lstStyle/>
           <a:p>
             <a:r>
-              <a:t>**Slide 13: ROI Analysis**</a:t>
-            </a:r>
-          </a:p>
-        </p:txBody>
-      </p:sp>
-      <p:sp>
-        <p:nvSpPr>
-          <p:cNvPr id="3" name="Text Placeholder 2"/>
-          <p:cNvSpPr>
-            <a:spLocks noGrp="1"/>
-          </p:cNvSpPr>
-          <p:nvPr>
-            <p:ph type="body" idx="11" sz="quarter"/>
+              <a:t>**Slide 14: Operational Improvements**</a:t>
+            </a:r>
+          </a:p>
+        </p:txBody>
+      </p:sp>
+      <p:sp>
+        <p:nvSpPr>
+          <p:cNvPr id="3" name="Picture Placeholder 2"/>
+          <p:cNvSpPr>
+            <a:spLocks noGrp="1"/>
+          </p:cNvSpPr>
+          <p:nvPr>
+            <p:ph type="pic" idx="13" sz="quarter"/>
+          </p:nvPr>
+        </p:nvSpPr>
+        <p:spPr/>
+      </p:sp>
+      <p:sp>
+        <p:nvSpPr>
+          <p:cNvPr id="4" name="Text Placeholder 3"/>
+          <p:cNvSpPr>
+            <a:spLocks noGrp="1"/>
+          </p:cNvSpPr>
+          <p:nvPr>
+            <p:ph type="body" idx="14" sz="quarter"/>
           </p:nvPr>
         </p:nvSpPr>
         <p:spPr/>
@@ -3839,61 +4185,83 @@
           <a:bodyPr/>
           <a:lstStyle/>
           <a:p>
-            <a:r>
-              <a:t>Total Investment: $632,500 (project cost + first-year AWS costs)</a:t>
-            </a:r>
-          </a:p>
-          <a:p>
-            <a:pPr/>
-            <a:r>
-              <a:t>Annual Benefits: $3,725,000 (cost savings + revenue enhancement)</a:t>
-            </a:r>
-          </a:p>
-          <a:p>
-            <a:pPr/>
-            <a:r>
-              <a:t>Payback Period: 2.2 months</a:t>
-            </a:r>
-          </a:p>
-          <a:p>
-            <a:pPr/>
-            <a:r>
-              <a:t>Net Present Value: $10,258,472 over 3 years</a:t>
-            </a:r>
-          </a:p>
-          <a:p>
-            <a:pPr/>
-            <a:r>
-              <a:t>ROI Percentage: 1,958% over 3 years</a:t>
-            </a:r>
-          </a:p>
-          <a:p>
-            <a:pPr/>
-            <a:r>
-              <a:t>Benefits Realization Timeline: Full benefits realized within 90 days</a:t>
-            </a:r>
-          </a:p>
-        </p:txBody>
-      </p:sp>
-      <p:pic>
-        <p:nvPicPr>
-          <p:cNvPr id="4" name="Picture Placeholder 3" descr="consulting_company_logo.png"/>
-          <p:cNvPicPr>
-            <a:picLocks noGrp="1" noChangeAspect="1"/>
-          </p:cNvPicPr>
-          <p:nvPr>
-            <p:ph type="pic" idx="13" sz="quarter"/>
-          </p:nvPr>
-        </p:nvPicPr>
-        <p:blipFill>
-          <a:blip r:embed="rId2"/>
-          <a:srcRect t="6762" b="6762"/>
-          <a:stretch>
-            <a:fillRect/>
-          </a:stretch>
-        </p:blipFill>
-        <p:spPr/>
-      </p:pic>
+            <a:pPr/>
+            <a:r>
+              <a:rPr b="1"/>
+              <a:t>Process Efficiency:</a:t>
+            </a:r>
+          </a:p>
+          <a:p>
+            <a:pPr lvl="1"/>
+            <a:r>
+              <a:t>Document processing time: 45 minutes → 3.2 seconds</a:t>
+            </a:r>
+          </a:p>
+          <a:p>
+            <a:pPr lvl="1"/>
+            <a:r>
+              <a:t>Staff time per document: 15 minutes → 30 seconds (review only)</a:t>
+            </a:r>
+          </a:p>
+          <a:p>
+            <a:pPr/>
+            <a:r>
+              <a:rPr b="1"/>
+              <a:t>User Productivity:</a:t>
+            </a:r>
+          </a:p>
+          <a:p>
+            <a:pPr lvl="1"/>
+            <a:r>
+              <a:t>Data entry staff redeployed to higher-value activities</a:t>
+            </a:r>
+          </a:p>
+          <a:p>
+            <a:pPr lvl="1"/>
+            <a:r>
+              <a:t>Processing capacity increased 12x with same staffing</a:t>
+            </a:r>
+          </a:p>
+          <a:p>
+            <a:pPr/>
+            <a:r>
+              <a:rPr b="1"/>
+              <a:t>Data Quality:</a:t>
+            </a:r>
+          </a:p>
+          <a:p>
+            <a:pPr lvl="1"/>
+            <a:r>
+              <a:t>Error rate reduced from 8.5% to 0.8%</a:t>
+            </a:r>
+          </a:p>
+          <a:p>
+            <a:pPr lvl="1"/>
+            <a:r>
+              <a:t>Consistent data format and structure</a:t>
+            </a:r>
+          </a:p>
+          <a:p>
+            <a:pPr/>
+            <a:r>
+              <a:rPr b="1"/>
+              <a:t>Compliance:</a:t>
+            </a:r>
+          </a:p>
+          <a:p>
+            <a:pPr lvl="1"/>
+            <a:r>
+              <a:t>Automated audit trail and logging</a:t>
+            </a:r>
+          </a:p>
+          <a:p>
+            <a:pPr lvl="1"/>
+            <a:r>
+              <a:t>Enhanced data protection and privacy controls</a:t>
+            </a:r>
+          </a:p>
+        </p:txBody>
+      </p:sp>
     </p:spTree>
   </p:cSld>
   <p:clrMapOvr>
@@ -3928,19 +4296,31 @@
           <a:lstStyle/>
           <a:p>
             <a:r>
-              <a:t>**Slide 14: Operational Improvements**</a:t>
-            </a:r>
-          </a:p>
-        </p:txBody>
-      </p:sp>
-      <p:sp>
-        <p:nvSpPr>
-          <p:cNvPr id="3" name="Text Placeholder 2"/>
-          <p:cNvSpPr>
-            <a:spLocks noGrp="1"/>
-          </p:cNvSpPr>
-          <p:nvPr>
-            <p:ph type="body" idx="11" sz="quarter"/>
+              <a:t>**Slide 15: Strategic Value**</a:t>
+            </a:r>
+          </a:p>
+        </p:txBody>
+      </p:sp>
+      <p:sp>
+        <p:nvSpPr>
+          <p:cNvPr id="3" name="Picture Placeholder 2"/>
+          <p:cNvSpPr>
+            <a:spLocks noGrp="1"/>
+          </p:cNvSpPr>
+          <p:nvPr>
+            <p:ph type="pic" idx="13" sz="quarter"/>
+          </p:nvPr>
+        </p:nvSpPr>
+        <p:spPr/>
+      </p:sp>
+      <p:sp>
+        <p:nvSpPr>
+          <p:cNvPr id="4" name="Text Placeholder 3"/>
+          <p:cNvSpPr>
+            <a:spLocks noGrp="1"/>
+          </p:cNvSpPr>
+          <p:nvPr>
+            <p:ph type="body" idx="14" sz="quarter"/>
           </p:nvPr>
         </p:nvSpPr>
         <p:spPr/>
@@ -3948,97 +4328,83 @@
           <a:bodyPr/>
           <a:lstStyle/>
           <a:p>
-            <a:r>
-              <a:t>Process Efficiency:</a:t>
-            </a:r>
-          </a:p>
-          <a:p>
-            <a:pPr/>
-            <a:r>
-              <a:t>Document processing time: 45 minutes → 3.2 seconds</a:t>
-            </a:r>
-          </a:p>
-          <a:p>
-            <a:pPr/>
-            <a:r>
-              <a:t>Staff time per document: 15 minutes → 30 seconds (review only)</a:t>
-            </a:r>
-          </a:p>
-          <a:p>
-            <a:pPr/>
-            <a:r>
-              <a:t>User Productivity:</a:t>
-            </a:r>
-          </a:p>
-          <a:p>
-            <a:pPr/>
-            <a:r>
-              <a:t>Data entry staff redeployed to higher-value activities</a:t>
-            </a:r>
-          </a:p>
-          <a:p>
-            <a:pPr/>
-            <a:r>
-              <a:t>Processing capacity increased 12x with same staffing</a:t>
-            </a:r>
-          </a:p>
-          <a:p>
-            <a:pPr/>
-            <a:r>
-              <a:t>Data Quality:</a:t>
-            </a:r>
-          </a:p>
-          <a:p>
-            <a:pPr/>
-            <a:r>
-              <a:t>Error rate reduced from 8.5% to 0.8%</a:t>
-            </a:r>
-          </a:p>
-          <a:p>
-            <a:pPr/>
-            <a:r>
-              <a:t>Consistent data format and structure</a:t>
-            </a:r>
-          </a:p>
-          <a:p>
-            <a:pPr/>
-            <a:r>
-              <a:t>Compliance:</a:t>
-            </a:r>
-          </a:p>
-          <a:p>
-            <a:pPr/>
-            <a:r>
-              <a:t>Automated audit trail and logging</a:t>
-            </a:r>
-          </a:p>
-          <a:p>
-            <a:pPr/>
-            <a:r>
-              <a:t>Enhanced data protection and privacy controls</a:t>
-            </a:r>
-          </a:p>
-        </p:txBody>
-      </p:sp>
-      <p:pic>
-        <p:nvPicPr>
-          <p:cNvPr id="4" name="Picture Placeholder 3" descr="consulting_company_logo.png"/>
-          <p:cNvPicPr>
-            <a:picLocks noGrp="1" noChangeAspect="1"/>
-          </p:cNvPicPr>
-          <p:nvPr>
-            <p:ph type="pic" idx="13" sz="quarter"/>
-          </p:nvPr>
-        </p:nvPicPr>
-        <p:blipFill>
-          <a:blip r:embed="rId2"/>
-          <a:srcRect t="6762" b="6762"/>
-          <a:stretch>
-            <a:fillRect/>
-          </a:stretch>
-        </p:blipFill>
-        <p:spPr/>
-      </p:pic>
+            <a:pPr/>
+            <a:r>
+              <a:rPr b="1"/>
+              <a:t>Technology Modernization:</a:t>
+            </a:r>
+          </a:p>
+          <a:p>
+            <a:pPr lvl="1"/>
+            <a:r>
+              <a:t>Advanced AI/ML capabilities established</a:t>
+            </a:r>
+          </a:p>
+          <a:p>
+            <a:pPr lvl="1"/>
+            <a:r>
+              <a:t>Cloud-first architecture implemented</a:t>
+            </a:r>
+          </a:p>
+          <a:p>
+            <a:pPr/>
+            <a:r>
+              <a:rPr b="1"/>
+              <a:t>Competitive Advantage:</a:t>
+            </a:r>
+          </a:p>
+          <a:p>
+            <a:pPr lvl="1"/>
+            <a:r>
+              <a:t>Faster customer service and response times</a:t>
+            </a:r>
+          </a:p>
+          <a:p>
+            <a:pPr lvl="1"/>
+            <a:r>
+              <a:t>Enhanced accuracy and reliability</a:t>
+            </a:r>
+          </a:p>
+          <a:p>
+            <a:pPr/>
+            <a:r>
+              <a:rPr b="1"/>
+              <a:t>Innovation Enablement:</a:t>
+            </a:r>
+          </a:p>
+          <a:p>
+            <a:pPr lvl="1"/>
+            <a:r>
+              <a:t>Foundation for additional AI/ML initiatives</a:t>
+            </a:r>
+          </a:p>
+          <a:p>
+            <a:pPr lvl="1"/>
+            <a:r>
+              <a:t>API-first architecture enables future integrations</a:t>
+            </a:r>
+          </a:p>
+          <a:p>
+            <a:pPr/>
+            <a:r>
+              <a:rPr b="1"/>
+              <a:t>Organizational Capability:</a:t>
+            </a:r>
+          </a:p>
+          <a:p>
+            <a:pPr lvl="1"/>
+            <a:r>
+              <a:t>AI/ML skills developed within team</a:t>
+            </a:r>
+          </a:p>
+          <a:p>
+            <a:pPr lvl="1"/>
+            <a:r>
+              <a:t>Data-driven decision making enhanced</a:t>
+            </a:r>
+          </a:p>
+        </p:txBody>
+      </p:sp>
     </p:spTree>
   </p:cSld>
   <p:clrMapOvr>
@@ -4073,19 +4439,31 @@
           <a:lstStyle/>
           <a:p>
             <a:r>
-              <a:t>**Slide 15: Strategic Value**</a:t>
-            </a:r>
-          </a:p>
-        </p:txBody>
-      </p:sp>
-      <p:sp>
-        <p:nvSpPr>
-          <p:cNvPr id="3" name="Text Placeholder 2"/>
-          <p:cNvSpPr>
-            <a:spLocks noGrp="1"/>
-          </p:cNvSpPr>
-          <p:nvPr>
-            <p:ph type="body" idx="11" sz="quarter"/>
+              <a:t>**Slide 16: What Went Well**</a:t>
+            </a:r>
+          </a:p>
+        </p:txBody>
+      </p:sp>
+      <p:sp>
+        <p:nvSpPr>
+          <p:cNvPr id="3" name="Picture Placeholder 2"/>
+          <p:cNvSpPr>
+            <a:spLocks noGrp="1"/>
+          </p:cNvSpPr>
+          <p:nvPr>
+            <p:ph type="pic" idx="13" sz="quarter"/>
+          </p:nvPr>
+        </p:nvSpPr>
+        <p:spPr/>
+      </p:sp>
+      <p:sp>
+        <p:nvSpPr>
+          <p:cNvPr id="4" name="Text Placeholder 3"/>
+          <p:cNvSpPr>
+            <a:spLocks noGrp="1"/>
+          </p:cNvSpPr>
+          <p:nvPr>
+            <p:ph type="body" idx="14" sz="quarter"/>
           </p:nvPr>
         </p:nvSpPr>
         <p:spPr/>
@@ -4093,97 +4471,57 @@
           <a:bodyPr/>
           <a:lstStyle/>
           <a:p>
-            <a:r>
-              <a:t>Technology Modernization:</a:t>
-            </a:r>
-          </a:p>
-          <a:p>
-            <a:pPr/>
-            <a:r>
-              <a:t>Advanced AI/ML capabilities established</a:t>
-            </a:r>
-          </a:p>
-          <a:p>
-            <a:pPr/>
-            <a:r>
-              <a:t>Cloud-first architecture implemented</a:t>
-            </a:r>
-          </a:p>
-          <a:p>
-            <a:pPr/>
-            <a:r>
-              <a:t>Competitive Advantage:</a:t>
-            </a:r>
-          </a:p>
-          <a:p>
-            <a:pPr/>
-            <a:r>
-              <a:t>Faster customer service and response times</a:t>
-            </a:r>
-          </a:p>
-          <a:p>
-            <a:pPr/>
-            <a:r>
-              <a:t>Enhanced accuracy and reliability</a:t>
-            </a:r>
-          </a:p>
-          <a:p>
-            <a:pPr/>
-            <a:r>
-              <a:t>Innovation Enablement:</a:t>
-            </a:r>
-          </a:p>
-          <a:p>
-            <a:pPr/>
-            <a:r>
-              <a:t>Foundation for additional AI/ML initiatives</a:t>
-            </a:r>
-          </a:p>
-          <a:p>
-            <a:pPr/>
-            <a:r>
-              <a:t>API-first architecture enables future integrations</a:t>
-            </a:r>
-          </a:p>
-          <a:p>
-            <a:pPr/>
-            <a:r>
-              <a:t>Organizational Capability:</a:t>
-            </a:r>
-          </a:p>
-          <a:p>
-            <a:pPr/>
-            <a:r>
-              <a:t>AI/ML skills developed within team</a:t>
-            </a:r>
-          </a:p>
-          <a:p>
-            <a:pPr/>
-            <a:r>
-              <a:t>Data-driven decision making enhanced</a:t>
-            </a:r>
-          </a:p>
-        </p:txBody>
-      </p:sp>
-      <p:pic>
-        <p:nvPicPr>
-          <p:cNvPr id="4" name="Picture Placeholder 3" descr="consulting_company_logo.png"/>
-          <p:cNvPicPr>
-            <a:picLocks noGrp="1" noChangeAspect="1"/>
-          </p:cNvPicPr>
-          <p:nvPr>
-            <p:ph type="pic" idx="13" sz="quarter"/>
-          </p:nvPr>
-        </p:nvPicPr>
-        <p:blipFill>
-          <a:blip r:embed="rId2"/>
-          <a:srcRect t="6762" b="6762"/>
-          <a:stretch>
-            <a:fillRect/>
-          </a:stretch>
-        </p:blipFill>
-        <p:spPr/>
-      </p:pic>
+            <a:pPr/>
+            <a:r>
+              <a:rPr b="1"/>
+              <a:t>AI/ML Approach:</a:t>
+            </a:r>
+            <a:r>
+              <a:t> Hybrid AWS services + custom models achieved optimal accuracy</a:t>
+            </a:r>
+          </a:p>
+          <a:p>
+            <a:pPr/>
+            <a:r>
+              <a:rPr b="1"/>
+              <a:t>Team Collaboration:</a:t>
+            </a:r>
+            <a:r>
+              <a:t> Strong partnership between business users and technical team</a:t>
+            </a:r>
+          </a:p>
+          <a:p>
+            <a:pPr/>
+            <a:r>
+              <a:rPr b="1"/>
+              <a:t>Iterative Development:</a:t>
+            </a:r>
+            <a:r>
+              <a:t> Agile approach allowed for model refinement throughout project</a:t>
+            </a:r>
+          </a:p>
+          <a:p>
+            <a:pPr/>
+            <a:r>
+              <a:rPr b="1"/>
+              <a:t>Stakeholder Engagement:</a:t>
+            </a:r>
+            <a:r>
+              <a:t> Regular demos and feedback sessions ensured alignment</a:t>
+            </a:r>
+          </a:p>
+          <a:p>
+            <a:pPr/>
+            <a:r>
+              <a:rPr b="1"/>
+              <a:t>Change Management:</a:t>
+            </a:r>
+            <a:r>
+              <a:t> Comprehensive training program ensured smooth adoption</a:t>
+            </a:r>
+          </a:p>
+        </p:txBody>
+      </p:sp>
     </p:spTree>
   </p:cSld>
   <p:clrMapOvr>
@@ -4217,76 +4555,422 @@
           <a:bodyPr/>
           <a:lstStyle/>
           <a:p>
-            <a:r>
-              <a:t>**Slide 16: What Went Well**</a:t>
-            </a:r>
-          </a:p>
-        </p:txBody>
-      </p:sp>
-      <p:sp>
-        <p:nvSpPr>
-          <p:cNvPr id="3" name="Text Placeholder 2"/>
-          <p:cNvSpPr>
-            <a:spLocks noGrp="1"/>
-          </p:cNvSpPr>
-          <p:nvPr>
-            <p:ph type="body" idx="11" sz="quarter"/>
-          </p:nvPr>
-        </p:nvSpPr>
-        <p:spPr/>
-        <p:txBody>
-          <a:bodyPr/>
-          <a:lstStyle/>
-          <a:p>
-            <a:r>
-              <a:t>AI/ML Approach: Hybrid AWS services + custom models achieved optimal accuracy</a:t>
-            </a:r>
-          </a:p>
-          <a:p>
-            <a:pPr/>
-            <a:r>
-              <a:t>Team Collaboration: Strong partnership between business users and technical team</a:t>
-            </a:r>
-          </a:p>
-          <a:p>
-            <a:pPr/>
-            <a:r>
-              <a:t>Iterative Development: Agile approach allowed for model refinement throughout project</a:t>
-            </a:r>
-          </a:p>
-          <a:p>
-            <a:pPr/>
-            <a:r>
-              <a:t>Stakeholder Engagement: Regular demos and feedback sessions ensured alignment</a:t>
-            </a:r>
-          </a:p>
-          <a:p>
-            <a:pPr/>
-            <a:r>
-              <a:t>Change Management: Comprehensive training program ensured smooth adoption</a:t>
-            </a:r>
-          </a:p>
-        </p:txBody>
-      </p:sp>
-      <p:pic>
-        <p:nvPicPr>
-          <p:cNvPr id="4" name="Picture Placeholder 3" descr="consulting_company_logo.png"/>
-          <p:cNvPicPr>
-            <a:picLocks noGrp="1" noChangeAspect="1"/>
-          </p:cNvPicPr>
+            <a:pPr algn="l"/>
+            <a:r>
+              <a:rPr b="1"/>
+              <a:t>**Slide 17: Challenges Overcome**</a:t>
+            </a:r>
+          </a:p>
+        </p:txBody>
+      </p:sp>
+      <p:sp>
+        <p:nvSpPr>
+          <p:cNvPr id="3" name="Picture Placeholder 2"/>
+          <p:cNvSpPr>
+            <a:spLocks noGrp="1"/>
+          </p:cNvSpPr>
           <p:nvPr>
             <p:ph type="pic" idx="13" sz="quarter"/>
           </p:nvPr>
-        </p:nvPicPr>
-        <p:blipFill>
-          <a:blip r:embed="rId2"/>
-          <a:srcRect t="6762" b="6762"/>
-          <a:stretch>
-            <a:fillRect/>
-          </a:stretch>
-        </p:blipFill>
-        <p:spPr/>
-      </p:pic>
+        </p:nvSpPr>
+        <p:spPr/>
+      </p:sp>
+      <p:graphicFrame>
+        <p:nvGraphicFramePr>
+          <p:cNvPr id="4" name="Table Placeholder 3"/>
+          <p:cNvGraphicFramePr>
+            <a:graphicFrameLocks noGrp="1"/>
+          </p:cNvGraphicFramePr>
+          <p:nvPr>
+            <p:ph type="tbl" idx="14" sz="quarter"/>
+          </p:nvPr>
+        </p:nvGraphicFramePr>
+        <p:xfrm>
+          <a:off x="256855" y="677011"/>
+          <a:ext cx="8710930" cy="1854200"/>
+        </p:xfrm>
+        <a:graphic>
+          <a:graphicData uri="http://schemas.openxmlformats.org/drawingml/2006/table">
+            <a:tbl>
+              <a:tblPr firstRow="1" bandRow="1">
+                <a:tableStyleId>{5C22544A-7EE6-4342-B048-85BDC9FD1C3A}</a:tableStyleId>
+              </a:tblPr>
+              <a:tblGrid>
+                <a:gridCol w="1045311"/>
+                <a:gridCol w="2177733"/>
+                <a:gridCol w="1045311"/>
+                <a:gridCol w="4442575"/>
+              </a:tblGrid>
+              <a:tr h="370840">
+                <a:tc>
+                  <a:txBody>
+                    <a:bodyPr/>
+                    <a:lstStyle/>
+                    <a:p>
+                      <a:r>
+                        <a:rPr b="1" sz="1400">
+                          <a:solidFill>
+                            <a:srgbClr val="FFFFFF"/>
+                          </a:solidFill>
+                        </a:rPr>
+                        <a:t>Challenge</a:t>
+                      </a:r>
+                    </a:p>
+                  </a:txBody>
+                  <a:tcPr>
+                    <a:solidFill>
+                      <a:srgbClr val="A01C02"/>
+                    </a:solidFill>
+                  </a:tcPr>
+                </a:tc>
+                <a:tc>
+                  <a:txBody>
+                    <a:bodyPr/>
+                    <a:lstStyle/>
+                    <a:p>
+                      <a:r>
+                        <a:rPr b="1" sz="1400">
+                          <a:solidFill>
+                            <a:srgbClr val="FFFFFF"/>
+                          </a:solidFill>
+                        </a:rPr>
+                        <a:t>Impact</a:t>
+                      </a:r>
+                    </a:p>
+                  </a:txBody>
+                  <a:tcPr>
+                    <a:solidFill>
+                      <a:srgbClr val="A01C02"/>
+                    </a:solidFill>
+                  </a:tcPr>
+                </a:tc>
+                <a:tc>
+                  <a:txBody>
+                    <a:bodyPr/>
+                    <a:lstStyle/>
+                    <a:p>
+                      <a:r>
+                        <a:rPr b="1" sz="1400">
+                          <a:solidFill>
+                            <a:srgbClr val="FFFFFF"/>
+                          </a:solidFill>
+                        </a:rPr>
+                        <a:t>Resolution</a:t>
+                      </a:r>
+                    </a:p>
+                  </a:txBody>
+                  <a:tcPr>
+                    <a:solidFill>
+                      <a:srgbClr val="A01C02"/>
+                    </a:solidFill>
+                  </a:tcPr>
+                </a:tc>
+                <a:tc>
+                  <a:txBody>
+                    <a:bodyPr/>
+                    <a:lstStyle/>
+                    <a:p>
+                      <a:r>
+                        <a:rPr b="1" sz="1400">
+                          <a:solidFill>
+                            <a:srgbClr val="FFFFFF"/>
+                          </a:solidFill>
+                        </a:rPr>
+                        <a:t>Prevention for Future</a:t>
+                      </a:r>
+                    </a:p>
+                  </a:txBody>
+                  <a:tcPr>
+                    <a:solidFill>
+                      <a:srgbClr val="A01C02"/>
+                    </a:solidFill>
+                  </a:tcPr>
+                </a:tc>
+              </a:tr>
+              <a:tr h="370840">
+                <a:tc>
+                  <a:txBody>
+                    <a:bodyPr/>
+                    <a:lstStyle/>
+                    <a:p>
+                      <a:r>
+                        <a:rPr sz="1100"/>
+                        <a:t>Document Quality Variation</a:t>
+                      </a:r>
+                    </a:p>
+                  </a:txBody>
+                  <a:tcPr>
+                    <a:solidFill>
+                      <a:srgbClr val="E7E6E6"/>
+                    </a:solidFill>
+                  </a:tcPr>
+                </a:tc>
+                <a:tc>
+                  <a:txBody>
+                    <a:bodyPr/>
+                    <a:lstStyle/>
+                    <a:p>
+                      <a:r>
+                        <a:rPr sz="1100"/>
+                        <a:t>Initial model accuracy lower than target</a:t>
+                      </a:r>
+                    </a:p>
+                  </a:txBody>
+                  <a:tcPr>
+                    <a:solidFill>
+                      <a:srgbClr val="E7E6E6"/>
+                    </a:solidFill>
+                  </a:tcPr>
+                </a:tc>
+                <a:tc>
+                  <a:txBody>
+                    <a:bodyPr/>
+                    <a:lstStyle/>
+                    <a:p>
+                      <a:r>
+                        <a:rPr sz="1100"/>
+                        <a:t>Preprocessing pipeline and quality filters</a:t>
+                      </a:r>
+                    </a:p>
+                  </a:txBody>
+                  <a:tcPr>
+                    <a:solidFill>
+                      <a:srgbClr val="E7E6E6"/>
+                    </a:solidFill>
+                  </a:tcPr>
+                </a:tc>
+                <a:tc>
+                  <a:txBody>
+                    <a:bodyPr/>
+                    <a:lstStyle/>
+                    <a:p>
+                      <a:r>
+                        <a:rPr sz="1100"/>
+                        <a:t>Establish document quality standards upfront</a:t>
+                      </a:r>
+                    </a:p>
+                  </a:txBody>
+                  <a:tcPr>
+                    <a:solidFill>
+                      <a:srgbClr val="E7E6E6"/>
+                    </a:solidFill>
+                  </a:tcPr>
+                </a:tc>
+              </a:tr>
+              <a:tr h="370840">
+                <a:tc>
+                  <a:txBody>
+                    <a:bodyPr/>
+                    <a:lstStyle/>
+                    <a:p>
+                      <a:r>
+                        <a:rPr sz="1100"/>
+                        <a:t>Training Data Labeling</a:t>
+                      </a:r>
+                    </a:p>
+                  </a:txBody>
+                  <a:tcPr>
+                    <a:solidFill>
+                      <a:srgbClr val="E7E6E6"/>
+                    </a:solidFill>
+                  </a:tcPr>
+                </a:tc>
+                <a:tc>
+                  <a:txBody>
+                    <a:bodyPr/>
+                    <a:lstStyle/>
+                    <a:p>
+                      <a:r>
+                        <a:rPr sz="1100"/>
+                        <a:t>Delayed model development timeline</a:t>
+                      </a:r>
+                    </a:p>
+                  </a:txBody>
+                  <a:tcPr>
+                    <a:solidFill>
+                      <a:srgbClr val="E7E6E6"/>
+                    </a:solidFill>
+                  </a:tcPr>
+                </a:tc>
+                <a:tc>
+                  <a:txBody>
+                    <a:bodyPr/>
+                    <a:lstStyle/>
+                    <a:p>
+                      <a:r>
+                        <a:rPr sz="1100"/>
+                        <a:t>Parallel labeling with business experts</a:t>
+                      </a:r>
+                    </a:p>
+                  </a:txBody>
+                  <a:tcPr>
+                    <a:solidFill>
+                      <a:srgbClr val="E7E6E6"/>
+                    </a:solidFill>
+                  </a:tcPr>
+                </a:tc>
+                <a:tc>
+                  <a:txBody>
+                    <a:bodyPr/>
+                    <a:lstStyle/>
+                    <a:p>
+                      <a:r>
+                        <a:rPr sz="1100"/>
+                        <a:t>Allocate dedicated resources for data preparation</a:t>
+                      </a:r>
+                    </a:p>
+                  </a:txBody>
+                  <a:tcPr>
+                    <a:solidFill>
+                      <a:srgbClr val="E7E6E6"/>
+                    </a:solidFill>
+                  </a:tcPr>
+                </a:tc>
+              </a:tr>
+              <a:tr h="370840">
+                <a:tc>
+                  <a:txBody>
+                    <a:bodyPr/>
+                    <a:lstStyle/>
+                    <a:p>
+                      <a:r>
+                        <a:rPr sz="1100"/>
+                        <a:t>Integration Complexity</a:t>
+                      </a:r>
+                    </a:p>
+                  </a:txBody>
+                  <a:tcPr>
+                    <a:solidFill>
+                      <a:srgbClr val="E7E6E6"/>
+                    </a:solidFill>
+                  </a:tcPr>
+                </a:tc>
+                <a:tc>
+                  <a:txBody>
+                    <a:bodyPr/>
+                    <a:lstStyle/>
+                    <a:p>
+                      <a:r>
+                        <a:rPr sz="1100"/>
+                        <a:t>API development took longer than expected</a:t>
+                      </a:r>
+                    </a:p>
+                  </a:txBody>
+                  <a:tcPr>
+                    <a:solidFill>
+                      <a:srgbClr val="E7E6E6"/>
+                    </a:solidFill>
+                  </a:tcPr>
+                </a:tc>
+                <a:tc>
+                  <a:txBody>
+                    <a:bodyPr/>
+                    <a:lstStyle/>
+                    <a:p>
+                      <a:r>
+                        <a:rPr sz="1100"/>
+                        <a:t>Early integration testing and standardization</a:t>
+                      </a:r>
+                    </a:p>
+                  </a:txBody>
+                  <a:tcPr>
+                    <a:solidFill>
+                      <a:srgbClr val="E7E6E6"/>
+                    </a:solidFill>
+                  </a:tcPr>
+                </a:tc>
+                <a:tc>
+                  <a:txBody>
+                    <a:bodyPr/>
+                    <a:lstStyle/>
+                    <a:p>
+                      <a:r>
+                        <a:rPr sz="1100"/>
+                        <a:t>Detailed integration analysis in planning phase</a:t>
+                      </a:r>
+                    </a:p>
+                  </a:txBody>
+                  <a:tcPr>
+                    <a:solidFill>
+                      <a:srgbClr val="E7E6E6"/>
+                    </a:solidFill>
+                  </a:tcPr>
+                </a:tc>
+              </a:tr>
+              <a:tr h="370840">
+                <a:tc>
+                  <a:txBody>
+                    <a:bodyPr/>
+                    <a:lstStyle/>
+                    <a:p>
+                      <a:r>
+                        <a:rPr sz="1100"/>
+                        <a:t>User Change Resistance</a:t>
+                      </a:r>
+                    </a:p>
+                  </a:txBody>
+                  <a:tcPr>
+                    <a:solidFill>
+                      <a:srgbClr val="E7E6E6"/>
+                    </a:solidFill>
+                  </a:tcPr>
+                </a:tc>
+                <a:tc>
+                  <a:txBody>
+                    <a:bodyPr/>
+                    <a:lstStyle/>
+                    <a:p>
+                      <a:r>
+                        <a:rPr sz="1100"/>
+                        <a:t>Slower initial adoption</a:t>
+                      </a:r>
+                    </a:p>
+                  </a:txBody>
+                  <a:tcPr>
+                    <a:solidFill>
+                      <a:srgbClr val="E7E6E6"/>
+                    </a:solidFill>
+                  </a:tcPr>
+                </a:tc>
+                <a:tc>
+                  <a:txBody>
+                    <a:bodyPr/>
+                    <a:lstStyle/>
+                    <a:p>
+                      <a:r>
+                        <a:rPr sz="1100"/>
+                        <a:t>Enhanced training and change management</a:t>
+                      </a:r>
+                    </a:p>
+                  </a:txBody>
+                  <a:tcPr>
+                    <a:solidFill>
+                      <a:srgbClr val="E7E6E6"/>
+                    </a:solidFill>
+                  </a:tcPr>
+                </a:tc>
+                <a:tc>
+                  <a:txBody>
+                    <a:bodyPr/>
+                    <a:lstStyle/>
+                    <a:p>
+                      <a:r>
+                        <a:rPr sz="1100"/>
+                        <a:t>Increase change management investment</a:t>
+                      </a:r>
+                    </a:p>
+                  </a:txBody>
+                  <a:tcPr>
+                    <a:solidFill>
+                      <a:srgbClr val="E7E6E6"/>
+                    </a:solidFill>
+                  </a:tcPr>
+                </a:tc>
+              </a:tr>
+            </a:tbl>
+          </a:graphicData>
+        </a:graphic>
+      </p:graphicFrame>
     </p:spTree>
   </p:cSld>
   <p:clrMapOvr>
@@ -4321,47 +5005,114 @@
           <a:lstStyle/>
           <a:p>
             <a:r>
-              <a:t>**Slide 17: Challenges Overcome**</a:t>
-            </a:r>
-          </a:p>
-        </p:txBody>
-      </p:sp>
-      <p:sp>
-        <p:nvSpPr>
-          <p:cNvPr id="3" name="Text Placeholder 2"/>
-          <p:cNvSpPr>
-            <a:spLocks noGrp="1"/>
-          </p:cNvSpPr>
-          <p:nvPr>
-            <p:ph type="body" idx="11" sz="quarter"/>
+              <a:t>**Slide 18: Key Learnings**</a:t>
+            </a:r>
+          </a:p>
+        </p:txBody>
+      </p:sp>
+      <p:sp>
+        <p:nvSpPr>
+          <p:cNvPr id="3" name="Picture Placeholder 2"/>
+          <p:cNvSpPr>
+            <a:spLocks noGrp="1"/>
+          </p:cNvSpPr>
+          <p:nvPr>
+            <p:ph type="pic" idx="13" sz="quarter"/>
+          </p:nvPr>
+        </p:nvSpPr>
+        <p:spPr/>
+      </p:sp>
+      <p:sp>
+        <p:nvSpPr>
+          <p:cNvPr id="4" name="Text Placeholder 3"/>
+          <p:cNvSpPr>
+            <a:spLocks noGrp="1"/>
+          </p:cNvSpPr>
+          <p:nvPr>
+            <p:ph type="body" idx="14" sz="quarter"/>
           </p:nvPr>
         </p:nvSpPr>
         <p:spPr/>
         <p:txBody>
           <a:bodyPr/>
           <a:lstStyle/>
-          <a:p/>
-        </p:txBody>
-      </p:sp>
-      <p:pic>
-        <p:nvPicPr>
-          <p:cNvPr id="4" name="Picture Placeholder 3" descr="consulting_company_logo.png"/>
-          <p:cNvPicPr>
-            <a:picLocks noGrp="1" noChangeAspect="1"/>
-          </p:cNvPicPr>
-          <p:nvPr>
-            <p:ph type="pic" idx="13" sz="quarter"/>
-          </p:nvPr>
-        </p:nvPicPr>
-        <p:blipFill>
-          <a:blip r:embed="rId2"/>
-          <a:srcRect t="6762" b="6762"/>
-          <a:stretch>
-            <a:fillRect/>
-          </a:stretch>
-        </p:blipFill>
-        <p:spPr/>
-      </p:pic>
+          <a:p>
+            <a:pPr/>
+            <a:r>
+              <a:rPr b="1"/>
+              <a:t>Technical Lessons:</a:t>
+            </a:r>
+          </a:p>
+          <a:p>
+            <a:pPr lvl="1"/>
+            <a:r>
+              <a:t>Hybrid AI approach (AWS + custom models) provides best results</a:t>
+            </a:r>
+          </a:p>
+          <a:p>
+            <a:pPr lvl="1"/>
+            <a:r>
+              <a:t>Document preprocessing critical for accuracy</a:t>
+            </a:r>
+          </a:p>
+          <a:p>
+            <a:pPr lvl="1"/>
+            <a:r>
+              <a:t>Confidence scoring essential for quality assurance</a:t>
+            </a:r>
+          </a:p>
+          <a:p>
+            <a:pPr/>
+            <a:r>
+              <a:rPr b="1"/>
+              <a:t>Process Lessons:</a:t>
+            </a:r>
+          </a:p>
+          <a:p>
+            <a:pPr lvl="1"/>
+            <a:r>
+              <a:t>Early and frequent stakeholder feedback improves outcomes</a:t>
+            </a:r>
+          </a:p>
+          <a:p>
+            <a:pPr lvl="1"/>
+            <a:r>
+              <a:t>Parallel development and training data preparation saves time</a:t>
+            </a:r>
+          </a:p>
+          <a:p>
+            <a:pPr lvl="1"/>
+            <a:r>
+              <a:t>Continuous model evaluation and improvement necessary</a:t>
+            </a:r>
+          </a:p>
+          <a:p>
+            <a:pPr/>
+            <a:r>
+              <a:rPr b="1"/>
+              <a:t>Organizational Lessons:</a:t>
+            </a:r>
+          </a:p>
+          <a:p>
+            <a:pPr lvl="1"/>
+            <a:r>
+              <a:t>User involvement in training data validation increases buy-in</a:t>
+            </a:r>
+          </a:p>
+          <a:p>
+            <a:pPr lvl="1"/>
+            <a:r>
+              <a:t>Change management investment directly correlates with adoption success</a:t>
+            </a:r>
+          </a:p>
+          <a:p>
+            <a:pPr lvl="1"/>
+            <a:r>
+              <a:t>Cross-functional team structure accelerates decision making</a:t>
+            </a:r>
+          </a:p>
+        </p:txBody>
+      </p:sp>
     </p:spTree>
   </p:cSld>
   <p:clrMapOvr>
@@ -4396,19 +5147,31 @@
           <a:lstStyle/>
           <a:p>
             <a:r>
-              <a:t>**Slide 18: Key Learnings**</a:t>
-            </a:r>
-          </a:p>
-        </p:txBody>
-      </p:sp>
-      <p:sp>
-        <p:nvSpPr>
-          <p:cNvPr id="3" name="Text Placeholder 2"/>
-          <p:cNvSpPr>
-            <a:spLocks noGrp="1"/>
-          </p:cNvSpPr>
-          <p:nvPr>
-            <p:ph type="body" idx="11" sz="quarter"/>
+              <a:t>**Slide 19: Best Practices Established**</a:t>
+            </a:r>
+          </a:p>
+        </p:txBody>
+      </p:sp>
+      <p:sp>
+        <p:nvSpPr>
+          <p:cNvPr id="3" name="Picture Placeholder 2"/>
+          <p:cNvSpPr>
+            <a:spLocks noGrp="1"/>
+          </p:cNvSpPr>
+          <p:nvPr>
+            <p:ph type="pic" idx="13" sz="quarter"/>
+          </p:nvPr>
+        </p:nvSpPr>
+        <p:spPr/>
+      </p:sp>
+      <p:sp>
+        <p:nvSpPr>
+          <p:cNvPr id="4" name="Text Placeholder 3"/>
+          <p:cNvSpPr>
+            <a:spLocks noGrp="1"/>
+          </p:cNvSpPr>
+          <p:nvPr>
+            <p:ph type="body" idx="14" sz="quarter"/>
           </p:nvPr>
         </p:nvSpPr>
         <p:spPr/>
@@ -4416,97 +5179,83 @@
           <a:bodyPr/>
           <a:lstStyle/>
           <a:p>
-            <a:r>
-              <a:t>Technical Lessons:</a:t>
-            </a:r>
-          </a:p>
-          <a:p>
-            <a:pPr/>
-            <a:r>
-              <a:t>Hybrid AI approach (AWS + custom models) provides best results</a:t>
-            </a:r>
-          </a:p>
-          <a:p>
-            <a:pPr/>
-            <a:r>
-              <a:t>Document preprocessing critical for accuracy</a:t>
-            </a:r>
-          </a:p>
-          <a:p>
-            <a:pPr/>
-            <a:r>
-              <a:t>Confidence scoring essential for quality assurance</a:t>
-            </a:r>
-          </a:p>
-          <a:p>
-            <a:pPr/>
-            <a:r>
-              <a:t>Process Lessons:</a:t>
-            </a:r>
-          </a:p>
-          <a:p>
-            <a:pPr/>
-            <a:r>
-              <a:t>Early and frequent stakeholder feedback improves outcomes</a:t>
-            </a:r>
-          </a:p>
-          <a:p>
-            <a:pPr/>
-            <a:r>
-              <a:t>Parallel development and training data preparation saves time</a:t>
-            </a:r>
-          </a:p>
-          <a:p>
-            <a:pPr/>
-            <a:r>
-              <a:t>Continuous model evaluation and improvement necessary</a:t>
-            </a:r>
-          </a:p>
-          <a:p>
-            <a:pPr/>
-            <a:r>
-              <a:t>Organizational Lessons:</a:t>
-            </a:r>
-          </a:p>
-          <a:p>
-            <a:pPr/>
-            <a:r>
-              <a:t>User involvement in training data validation increases buy-in</a:t>
-            </a:r>
-          </a:p>
-          <a:p>
-            <a:pPr/>
-            <a:r>
-              <a:t>Change management investment directly correlates with adoption success</a:t>
-            </a:r>
-          </a:p>
-          <a:p>
-            <a:pPr/>
-            <a:r>
-              <a:t>Cross-functional team structure accelerates decision making</a:t>
-            </a:r>
-          </a:p>
-        </p:txBody>
-      </p:sp>
-      <p:pic>
-        <p:nvPicPr>
-          <p:cNvPr id="4" name="Picture Placeholder 3" descr="consulting_company_logo.png"/>
-          <p:cNvPicPr>
-            <a:picLocks noGrp="1" noChangeAspect="1"/>
-          </p:cNvPicPr>
-          <p:nvPr>
-            <p:ph type="pic" idx="13" sz="quarter"/>
-          </p:nvPr>
-        </p:nvPicPr>
-        <p:blipFill>
-          <a:blip r:embed="rId2"/>
-          <a:srcRect t="6762" b="6762"/>
-          <a:stretch>
-            <a:fillRect/>
-          </a:stretch>
-        </p:blipFill>
-        <p:spPr/>
-      </p:pic>
+            <a:pPr/>
+            <a:r>
+              <a:rPr b="1"/>
+              <a:t>AI/ML Development Standards:</a:t>
+            </a:r>
+          </a:p>
+          <a:p>
+            <a:pPr lvl="1"/>
+            <a:r>
+              <a:t>Model validation and testing procedures</a:t>
+            </a:r>
+          </a:p>
+          <a:p>
+            <a:pPr lvl="1"/>
+            <a:r>
+              <a:t>Training data quality and versioning standards</a:t>
+            </a:r>
+          </a:p>
+          <a:p>
+            <a:pPr/>
+            <a:r>
+              <a:rPr b="1"/>
+              <a:t>Document Processing Standards:</a:t>
+            </a:r>
+          </a:p>
+          <a:p>
+            <a:pPr lvl="1"/>
+            <a:r>
+              <a:t>Quality thresholds and confidence scoring</a:t>
+            </a:r>
+          </a:p>
+          <a:p>
+            <a:pPr lvl="1"/>
+            <a:r>
+              <a:t>Exception handling and human review workflows</a:t>
+            </a:r>
+          </a:p>
+          <a:p>
+            <a:pPr/>
+            <a:r>
+              <a:rPr b="1"/>
+              <a:t>Integration Patterns:</a:t>
+            </a:r>
+          </a:p>
+          <a:p>
+            <a:pPr lvl="1"/>
+            <a:r>
+              <a:t>API standardization and authentication</a:t>
+            </a:r>
+          </a:p>
+          <a:p>
+            <a:pPr lvl="1"/>
+            <a:r>
+              <a:t>Error handling and retry mechanisms</a:t>
+            </a:r>
+          </a:p>
+          <a:p>
+            <a:pPr/>
+            <a:r>
+              <a:rPr b="1"/>
+              <a:t>Documentation Standards:</a:t>
+            </a:r>
+          </a:p>
+          <a:p>
+            <a:pPr lvl="1"/>
+            <a:r>
+              <a:t>Technical documentation for AI/ML models</a:t>
+            </a:r>
+          </a:p>
+          <a:p>
+            <a:pPr lvl="1"/>
+            <a:r>
+              <a:t>User guides with visual workflows</a:t>
+            </a:r>
+          </a:p>
+        </p:txBody>
+      </p:sp>
     </p:spTree>
   </p:cSld>
   <p:clrMapOvr>
@@ -4541,19 +5290,31 @@
           <a:lstStyle/>
           <a:p>
             <a:r>
-              <a:t>**Slide 1: Title Slide**</a:t>
-            </a:r>
-          </a:p>
-        </p:txBody>
-      </p:sp>
-      <p:sp>
-        <p:nvSpPr>
-          <p:cNvPr id="3" name="Text Placeholder 2"/>
-          <p:cNvSpPr>
-            <a:spLocks noGrp="1"/>
-          </p:cNvSpPr>
-          <p:nvPr>
-            <p:ph type="body" idx="11" sz="quarter"/>
+              <a:t>**Slide 2: Agenda**</a:t>
+            </a:r>
+          </a:p>
+        </p:txBody>
+      </p:sp>
+      <p:sp>
+        <p:nvSpPr>
+          <p:cNvPr id="3" name="Picture Placeholder 2"/>
+          <p:cNvSpPr>
+            <a:spLocks noGrp="1"/>
+          </p:cNvSpPr>
+          <p:nvPr>
+            <p:ph type="pic" idx="13" sz="quarter"/>
+          </p:nvPr>
+        </p:nvSpPr>
+        <p:spPr/>
+      </p:sp>
+      <p:sp>
+        <p:nvSpPr>
+          <p:cNvPr id="4" name="Text Placeholder 3"/>
+          <p:cNvSpPr>
+            <a:spLocks noGrp="1"/>
+          </p:cNvSpPr>
+          <p:nvPr>
+            <p:ph type="body" idx="14" sz="quarter"/>
           </p:nvPr>
         </p:nvSpPr>
         <p:spPr/>
@@ -4561,55 +5322,49 @@
           <a:bodyPr/>
           <a:lstStyle/>
           <a:p>
-            <a:r>
-              <a:t>AWS Intelligent Document Processing Implementation</a:t>
-            </a:r>
-          </a:p>
-          <a:p>
-            <a:pPr/>
-            <a:r>
-              <a:t>"Project Closeout Presentation"</a:t>
-            </a:r>
-          </a:p>
-          <a:p>
-            <a:pPr/>
-            <a:r>
-              <a:t>Presentation Date</a:t>
-            </a:r>
-          </a:p>
-          <a:p>
-            <a:pPr/>
-            <a:r>
-              <a:t>Project Manager and Core Team Names</a:t>
-            </a:r>
-          </a:p>
-          <a:p>
-            <a:pPr/>
-            <a:r>
-              <a:t>Company/Organization Branding</a:t>
-            </a:r>
-          </a:p>
-        </p:txBody>
-      </p:sp>
-      <p:pic>
-        <p:nvPicPr>
-          <p:cNvPr id="4" name="Picture Placeholder 3" descr="consulting_company_logo.png"/>
-          <p:cNvPicPr>
-            <a:picLocks noGrp="1" noChangeAspect="1"/>
-          </p:cNvPicPr>
-          <p:nvPr>
-            <p:ph type="pic" idx="13" sz="quarter"/>
-          </p:nvPr>
-        </p:nvPicPr>
-        <p:blipFill>
-          <a:blip r:embed="rId2"/>
-          <a:srcRect t="6762" b="6762"/>
-          <a:stretch>
-            <a:fillRect/>
-          </a:stretch>
-        </p:blipFill>
-        <p:spPr/>
-      </p:pic>
+            <a:pPr/>
+            <a:r>
+              <a:t>Project Overview and IDP Objectives</a:t>
+            </a:r>
+          </a:p>
+          <a:p>
+            <a:pPr/>
+            <a:r>
+              <a:t>IDP Solution Delivery Summary and Achievements</a:t>
+            </a:r>
+          </a:p>
+          <a:p>
+            <a:pPr/>
+            <a:r>
+              <a:t>AI/ML Model Performance and Value Delivered</a:t>
+            </a:r>
+          </a:p>
+          <a:p>
+            <a:pPr/>
+            <a:r>
+              <a:t>Lessons Learned and Best Practices</a:t>
+            </a:r>
+          </a:p>
+          <a:p>
+            <a:pPr/>
+            <a:r>
+              <a:t>Operational Recommendations and Next Steps</a:t>
+            </a:r>
+          </a:p>
+          <a:p>
+            <a:pPr/>
+            <a:r>
+              <a:t>Team Recognition and Appreciation</a:t>
+            </a:r>
+          </a:p>
+          <a:p>
+            <a:pPr/>
+            <a:r>
+              <a:t>Q&amp;A Session</a:t>
+            </a:r>
+          </a:p>
+        </p:txBody>
+      </p:sp>
     </p:spTree>
   </p:cSld>
   <p:clrMapOvr>
@@ -4644,19 +5399,31 @@
           <a:lstStyle/>
           <a:p>
             <a:r>
-              <a:t>**Slide 19: Best Practices Established**</a:t>
-            </a:r>
-          </a:p>
-        </p:txBody>
-      </p:sp>
-      <p:sp>
-        <p:nvSpPr>
-          <p:cNvPr id="3" name="Text Placeholder 2"/>
-          <p:cNvSpPr>
-            <a:spLocks noGrp="1"/>
-          </p:cNvSpPr>
-          <p:nvPr>
-            <p:ph type="body" idx="11" sz="quarter"/>
+              <a:t>**Slide 20: Immediate Operational Recommendations**</a:t>
+            </a:r>
+          </a:p>
+        </p:txBody>
+      </p:sp>
+      <p:sp>
+        <p:nvSpPr>
+          <p:cNvPr id="3" name="Picture Placeholder 2"/>
+          <p:cNvSpPr>
+            <a:spLocks noGrp="1"/>
+          </p:cNvSpPr>
+          <p:nvPr>
+            <p:ph type="pic" idx="13" sz="quarter"/>
+          </p:nvPr>
+        </p:nvSpPr>
+        <p:spPr/>
+      </p:sp>
+      <p:sp>
+        <p:nvSpPr>
+          <p:cNvPr id="4" name="Text Placeholder 3"/>
+          <p:cNvSpPr>
+            <a:spLocks noGrp="1"/>
+          </p:cNvSpPr>
+          <p:nvPr>
+            <p:ph type="body" idx="14" sz="quarter"/>
           </p:nvPr>
         </p:nvSpPr>
         <p:spPr/>
@@ -4664,97 +5431,76 @@
           <a:bodyPr/>
           <a:lstStyle/>
           <a:p>
-            <a:r>
-              <a:t>AI/ML Development Standards:</a:t>
-            </a:r>
-          </a:p>
-          <a:p>
-            <a:pPr/>
-            <a:r>
-              <a:t>Model validation and testing procedures</a:t>
-            </a:r>
-          </a:p>
-          <a:p>
-            <a:pPr/>
-            <a:r>
-              <a:t>Training data quality and versioning standards</a:t>
-            </a:r>
-          </a:p>
-          <a:p>
-            <a:pPr/>
-            <a:r>
-              <a:t>Document Processing Standards:</a:t>
-            </a:r>
-          </a:p>
-          <a:p>
-            <a:pPr/>
-            <a:r>
-              <a:t>Quality thresholds and confidence scoring</a:t>
-            </a:r>
-          </a:p>
-          <a:p>
-            <a:pPr/>
-            <a:r>
-              <a:t>Exception handling and human review workflows</a:t>
-            </a:r>
-          </a:p>
-          <a:p>
-            <a:pPr/>
-            <a:r>
-              <a:t>Integration Patterns:</a:t>
-            </a:r>
-          </a:p>
-          <a:p>
-            <a:pPr/>
-            <a:r>
-              <a:t>API standardization and authentication</a:t>
-            </a:r>
-          </a:p>
-          <a:p>
-            <a:pPr/>
-            <a:r>
-              <a:t>Error handling and retry mechanisms</a:t>
-            </a:r>
-          </a:p>
-          <a:p>
-            <a:pPr/>
-            <a:r>
-              <a:t>Documentation Standards:</a:t>
-            </a:r>
-          </a:p>
-          <a:p>
-            <a:pPr/>
-            <a:r>
-              <a:t>Technical documentation for AI/ML models</a:t>
-            </a:r>
-          </a:p>
-          <a:p>
-            <a:pPr/>
-            <a:r>
-              <a:t>User guides with visual workflows</a:t>
-            </a:r>
-          </a:p>
-        </p:txBody>
-      </p:sp>
-      <p:pic>
-        <p:nvPicPr>
-          <p:cNvPr id="4" name="Picture Placeholder 3" descr="consulting_company_logo.png"/>
-          <p:cNvPicPr>
-            <a:picLocks noGrp="1" noChangeAspect="1"/>
-          </p:cNvPicPr>
-          <p:nvPr>
-            <p:ph type="pic" idx="13" sz="quarter"/>
-          </p:nvPr>
-        </p:nvPicPr>
-        <p:blipFill>
-          <a:blip r:embed="rId2"/>
-          <a:srcRect t="6762" b="6762"/>
-          <a:stretch>
-            <a:fillRect/>
-          </a:stretch>
-        </p:blipFill>
-        <p:spPr/>
-      </p:pic>
+            <a:pPr/>
+            <a:r>
+              <a:rPr b="1"/>
+              <a:t>Model Performance Monitoring:</a:t>
+            </a:r>
+          </a:p>
+          <a:p>
+            <a:pPr lvl="1"/>
+            <a:r>
+              <a:t>Implement continuous accuracy monitoring</a:t>
+            </a:r>
+          </a:p>
+          <a:p>
+            <a:pPr lvl="1"/>
+            <a:r>
+              <a:t>Set up automated alerts for performance degradation</a:t>
+            </a:r>
+          </a:p>
+          <a:p>
+            <a:pPr lvl="1"/>
+            <a:r>
+              <a:t>Regular model retraining schedule</a:t>
+            </a:r>
+          </a:p>
+          <a:p>
+            <a:pPr/>
+            <a:r>
+              <a:rPr b="1"/>
+              <a:t>System Optimization:</a:t>
+            </a:r>
+          </a:p>
+          <a:p>
+            <a:pPr lvl="1"/>
+            <a:r>
+              <a:t>Performance tuning for high-volume periods</a:t>
+            </a:r>
+          </a:p>
+          <a:p>
+            <a:pPr lvl="1"/>
+            <a:r>
+              <a:t>Cost optimization for AWS services</a:t>
+            </a:r>
+          </a:p>
+          <a:p>
+            <a:pPr lvl="1"/>
+            <a:r>
+              <a:t>Capacity planning for growth</a:t>
+            </a:r>
+          </a:p>
+          <a:p>
+            <a:pPr/>
+            <a:r>
+              <a:rPr b="1"/>
+              <a:t>User Support:</a:t>
+            </a:r>
+          </a:p>
+          <a:p>
+            <a:pPr lvl="1"/>
+            <a:r>
+              <a:t>Establish help desk procedures for IDP-related issues</a:t>
+            </a:r>
+          </a:p>
+          <a:p>
+            <a:pPr lvl="1"/>
+            <a:r>
+              <a:t>Create user community for best practice sharing</a:t>
+            </a:r>
+          </a:p>
+        </p:txBody>
+      </p:sp>
     </p:spTree>
   </p:cSld>
   <p:clrMapOvr>
@@ -4788,112 +5534,599 @@
           <a:bodyPr/>
           <a:lstStyle/>
           <a:p>
-            <a:r>
-              <a:t>**Slide 20: Immediate Operational Recommendations**</a:t>
-            </a:r>
-          </a:p>
-        </p:txBody>
-      </p:sp>
-      <p:sp>
-        <p:nvSpPr>
-          <p:cNvPr id="3" name="Text Placeholder 2"/>
-          <p:cNvSpPr>
-            <a:spLocks noGrp="1"/>
-          </p:cNvSpPr>
-          <p:nvPr>
-            <p:ph type="body" idx="11" sz="quarter"/>
-          </p:nvPr>
-        </p:nvSpPr>
-        <p:spPr/>
-        <p:txBody>
-          <a:bodyPr/>
-          <a:lstStyle/>
-          <a:p>
-            <a:r>
-              <a:t>Model Performance Monitoring:</a:t>
-            </a:r>
-          </a:p>
-          <a:p>
-            <a:pPr/>
-            <a:r>
-              <a:t>Implement continuous accuracy monitoring</a:t>
-            </a:r>
-          </a:p>
-          <a:p>
-            <a:pPr/>
-            <a:r>
-              <a:t>Set up automated alerts for performance degradation</a:t>
-            </a:r>
-          </a:p>
-          <a:p>
-            <a:pPr/>
-            <a:r>
-              <a:t>Regular model retraining schedule</a:t>
-            </a:r>
-          </a:p>
-          <a:p>
-            <a:pPr/>
-            <a:r>
-              <a:t>System Optimization:</a:t>
-            </a:r>
-          </a:p>
-          <a:p>
-            <a:pPr/>
-            <a:r>
-              <a:t>Performance tuning for high-volume periods</a:t>
-            </a:r>
-          </a:p>
-          <a:p>
-            <a:pPr/>
-            <a:r>
-              <a:t>Cost optimization for AWS services</a:t>
-            </a:r>
-          </a:p>
-          <a:p>
-            <a:pPr/>
-            <a:r>
-              <a:t>Capacity planning for growth</a:t>
-            </a:r>
-          </a:p>
-          <a:p>
-            <a:pPr/>
-            <a:r>
-              <a:t>User Support:</a:t>
-            </a:r>
-          </a:p>
-          <a:p>
-            <a:pPr/>
-            <a:r>
-              <a:t>Establish help desk procedures for IDP-related issues</a:t>
-            </a:r>
-          </a:p>
-          <a:p>
-            <a:pPr/>
-            <a:r>
-              <a:t>Create user community for best practice sharing</a:t>
-            </a:r>
-          </a:p>
-        </p:txBody>
-      </p:sp>
-      <p:pic>
-        <p:nvPicPr>
-          <p:cNvPr id="4" name="Picture Placeholder 3" descr="consulting_company_logo.png"/>
-          <p:cNvPicPr>
-            <a:picLocks noGrp="1" noChangeAspect="1"/>
-          </p:cNvPicPr>
+            <a:pPr algn="l"/>
+            <a:r>
+              <a:rPr b="1"/>
+              <a:t>**Slide 21: Future Enhancement Opportunities**</a:t>
+            </a:r>
+          </a:p>
+        </p:txBody>
+      </p:sp>
+      <p:sp>
+        <p:nvSpPr>
+          <p:cNvPr id="3" name="Picture Placeholder 2"/>
+          <p:cNvSpPr>
+            <a:spLocks noGrp="1"/>
+          </p:cNvSpPr>
           <p:nvPr>
             <p:ph type="pic" idx="13" sz="quarter"/>
           </p:nvPr>
-        </p:nvPicPr>
-        <p:blipFill>
-          <a:blip r:embed="rId2"/>
-          <a:srcRect t="6762" b="6762"/>
-          <a:stretch>
-            <a:fillRect/>
-          </a:stretch>
-        </p:blipFill>
-        <p:spPr/>
-      </p:pic>
+        </p:nvSpPr>
+        <p:spPr/>
+      </p:sp>
+      <p:graphicFrame>
+        <p:nvGraphicFramePr>
+          <p:cNvPr id="4" name="Table Placeholder 3"/>
+          <p:cNvGraphicFramePr>
+            <a:graphicFrameLocks noGrp="1"/>
+          </p:cNvGraphicFramePr>
+          <p:nvPr>
+            <p:ph type="tbl" idx="14" sz="quarter"/>
+          </p:nvPr>
+        </p:nvGraphicFramePr>
+        <p:xfrm>
+          <a:off x="256855" y="677011"/>
+          <a:ext cx="8710929" cy="2225040"/>
+        </p:xfrm>
+        <a:graphic>
+          <a:graphicData uri="http://schemas.openxmlformats.org/drawingml/2006/table">
+            <a:tbl>
+              <a:tblPr firstRow="1" bandRow="1">
+                <a:tableStyleId>{5C22544A-7EE6-4342-B048-85BDC9FD1C3A}</a:tableStyleId>
+              </a:tblPr>
+              <a:tblGrid>
+                <a:gridCol w="2177733"/>
+                <a:gridCol w="1306639"/>
+                <a:gridCol w="1045311"/>
+                <a:gridCol w="1567967"/>
+                <a:gridCol w="2613279"/>
+              </a:tblGrid>
+              <a:tr h="370840">
+                <a:tc>
+                  <a:txBody>
+                    <a:bodyPr/>
+                    <a:lstStyle/>
+                    <a:p>
+                      <a:r>
+                        <a:rPr b="1" sz="1400">
+                          <a:solidFill>
+                            <a:srgbClr val="FFFFFF"/>
+                          </a:solidFill>
+                        </a:rPr>
+                        <a:t>Enhancement</a:t>
+                      </a:r>
+                    </a:p>
+                  </a:txBody>
+                  <a:tcPr>
+                    <a:solidFill>
+                      <a:srgbClr val="A01C02"/>
+                    </a:solidFill>
+                  </a:tcPr>
+                </a:tc>
+                <a:tc>
+                  <a:txBody>
+                    <a:bodyPr/>
+                    <a:lstStyle/>
+                    <a:p>
+                      <a:r>
+                        <a:rPr b="1" sz="1400">
+                          <a:solidFill>
+                            <a:srgbClr val="FFFFFF"/>
+                          </a:solidFill>
+                        </a:rPr>
+                        <a:t>Business Value</a:t>
+                      </a:r>
+                    </a:p>
+                  </a:txBody>
+                  <a:tcPr>
+                    <a:solidFill>
+                      <a:srgbClr val="A01C02"/>
+                    </a:solidFill>
+                  </a:tcPr>
+                </a:tc>
+                <a:tc>
+                  <a:txBody>
+                    <a:bodyPr/>
+                    <a:lstStyle/>
+                    <a:p>
+                      <a:r>
+                        <a:rPr b="1" sz="1400">
+                          <a:solidFill>
+                            <a:srgbClr val="FFFFFF"/>
+                          </a:solidFill>
+                        </a:rPr>
+                        <a:t>Complexity</a:t>
+                      </a:r>
+                    </a:p>
+                  </a:txBody>
+                  <a:tcPr>
+                    <a:solidFill>
+                      <a:srgbClr val="A01C02"/>
+                    </a:solidFill>
+                  </a:tcPr>
+                </a:tc>
+                <a:tc>
+                  <a:txBody>
+                    <a:bodyPr/>
+                    <a:lstStyle/>
+                    <a:p>
+                      <a:r>
+                        <a:rPr b="1" sz="1400">
+                          <a:solidFill>
+                            <a:srgbClr val="FFFFFF"/>
+                          </a:solidFill>
+                        </a:rPr>
+                        <a:t>Timeline</a:t>
+                      </a:r>
+                    </a:p>
+                  </a:txBody>
+                  <a:tcPr>
+                    <a:solidFill>
+                      <a:srgbClr val="A01C02"/>
+                    </a:solidFill>
+                  </a:tcPr>
+                </a:tc>
+                <a:tc>
+                  <a:txBody>
+                    <a:bodyPr/>
+                    <a:lstStyle/>
+                    <a:p>
+                      <a:r>
+                        <a:rPr b="1" sz="1400">
+                          <a:solidFill>
+                            <a:srgbClr val="FFFFFF"/>
+                          </a:solidFill>
+                        </a:rPr>
+                        <a:t>Priority</a:t>
+                      </a:r>
+                    </a:p>
+                  </a:txBody>
+                  <a:tcPr>
+                    <a:solidFill>
+                      <a:srgbClr val="A01C02"/>
+                    </a:solidFill>
+                  </a:tcPr>
+                </a:tc>
+              </a:tr>
+              <a:tr h="370840">
+                <a:tc>
+                  <a:txBody>
+                    <a:bodyPr/>
+                    <a:lstStyle/>
+                    <a:p>
+                      <a:r>
+                        <a:rPr sz="1100"/>
+                        <a:t>Additional Document Types</a:t>
+                      </a:r>
+                    </a:p>
+                  </a:txBody>
+                  <a:tcPr>
+                    <a:solidFill>
+                      <a:srgbClr val="E7E6E6"/>
+                    </a:solidFill>
+                  </a:tcPr>
+                </a:tc>
+                <a:tc>
+                  <a:txBody>
+                    <a:bodyPr/>
+                    <a:lstStyle/>
+                    <a:p>
+                      <a:r>
+                        <a:rPr sz="1100"/>
+                        <a:t>Expand processing capability</a:t>
+                      </a:r>
+                    </a:p>
+                  </a:txBody>
+                  <a:tcPr>
+                    <a:solidFill>
+                      <a:srgbClr val="E7E6E6"/>
+                    </a:solidFill>
+                  </a:tcPr>
+                </a:tc>
+                <a:tc>
+                  <a:txBody>
+                    <a:bodyPr/>
+                    <a:lstStyle/>
+                    <a:p>
+                      <a:r>
+                        <a:rPr sz="1100"/>
+                        <a:t>Medium</a:t>
+                      </a:r>
+                    </a:p>
+                  </a:txBody>
+                  <a:tcPr>
+                    <a:solidFill>
+                      <a:srgbClr val="E7E6E6"/>
+                    </a:solidFill>
+                  </a:tcPr>
+                </a:tc>
+                <a:tc>
+                  <a:txBody>
+                    <a:bodyPr/>
+                    <a:lstStyle/>
+                    <a:p>
+                      <a:r>
+                        <a:rPr sz="1100"/>
+                        <a:t>3-6 months</a:t>
+                      </a:r>
+                    </a:p>
+                  </a:txBody>
+                  <a:tcPr>
+                    <a:solidFill>
+                      <a:srgbClr val="E7E6E6"/>
+                    </a:solidFill>
+                  </a:tcPr>
+                </a:tc>
+                <a:tc>
+                  <a:txBody>
+                    <a:bodyPr/>
+                    <a:lstStyle/>
+                    <a:p>
+                      <a:r>
+                        <a:rPr sz="1100"/>
+                        <a:t>High</a:t>
+                      </a:r>
+                    </a:p>
+                  </a:txBody>
+                  <a:tcPr>
+                    <a:solidFill>
+                      <a:srgbClr val="E7E6E6"/>
+                    </a:solidFill>
+                  </a:tcPr>
+                </a:tc>
+              </a:tr>
+              <a:tr h="370840">
+                <a:tc>
+                  <a:txBody>
+                    <a:bodyPr/>
+                    <a:lstStyle/>
+                    <a:p>
+                      <a:r>
+                        <a:rPr sz="1100"/>
+                        <a:t>Mobile Application</a:t>
+                      </a:r>
+                    </a:p>
+                  </a:txBody>
+                  <a:tcPr>
+                    <a:solidFill>
+                      <a:srgbClr val="E7E6E6"/>
+                    </a:solidFill>
+                  </a:tcPr>
+                </a:tc>
+                <a:tc>
+                  <a:txBody>
+                    <a:bodyPr/>
+                    <a:lstStyle/>
+                    <a:p>
+                      <a:r>
+                        <a:rPr sz="1100"/>
+                        <a:t>Field document processing</a:t>
+                      </a:r>
+                    </a:p>
+                  </a:txBody>
+                  <a:tcPr>
+                    <a:solidFill>
+                      <a:srgbClr val="E7E6E6"/>
+                    </a:solidFill>
+                  </a:tcPr>
+                </a:tc>
+                <a:tc>
+                  <a:txBody>
+                    <a:bodyPr/>
+                    <a:lstStyle/>
+                    <a:p>
+                      <a:r>
+                        <a:rPr sz="1100"/>
+                        <a:t>Medium</a:t>
+                      </a:r>
+                    </a:p>
+                  </a:txBody>
+                  <a:tcPr>
+                    <a:solidFill>
+                      <a:srgbClr val="E7E6E6"/>
+                    </a:solidFill>
+                  </a:tcPr>
+                </a:tc>
+                <a:tc>
+                  <a:txBody>
+                    <a:bodyPr/>
+                    <a:lstStyle/>
+                    <a:p>
+                      <a:r>
+                        <a:rPr sz="1100"/>
+                        <a:t>6-9 months</a:t>
+                      </a:r>
+                    </a:p>
+                  </a:txBody>
+                  <a:tcPr>
+                    <a:solidFill>
+                      <a:srgbClr val="E7E6E6"/>
+                    </a:solidFill>
+                  </a:tcPr>
+                </a:tc>
+                <a:tc>
+                  <a:txBody>
+                    <a:bodyPr/>
+                    <a:lstStyle/>
+                    <a:p>
+                      <a:r>
+                        <a:rPr sz="1100"/>
+                        <a:t>Medium</a:t>
+                      </a:r>
+                    </a:p>
+                  </a:txBody>
+                  <a:tcPr>
+                    <a:solidFill>
+                      <a:srgbClr val="E7E6E6"/>
+                    </a:solidFill>
+                  </a:tcPr>
+                </a:tc>
+              </a:tr>
+              <a:tr h="370840">
+                <a:tc>
+                  <a:txBody>
+                    <a:bodyPr/>
+                    <a:lstStyle/>
+                    <a:p>
+                      <a:r>
+                        <a:rPr sz="1100"/>
+                        <a:t>Advanced Analytics</a:t>
+                      </a:r>
+                    </a:p>
+                  </a:txBody>
+                  <a:tcPr>
+                    <a:solidFill>
+                      <a:srgbClr val="E7E6E6"/>
+                    </a:solidFill>
+                  </a:tcPr>
+                </a:tc>
+                <a:tc>
+                  <a:txBody>
+                    <a:bodyPr/>
+                    <a:lstStyle/>
+                    <a:p>
+                      <a:r>
+                        <a:rPr sz="1100"/>
+                        <a:t>Processing insights and trends</a:t>
+                      </a:r>
+                    </a:p>
+                  </a:txBody>
+                  <a:tcPr>
+                    <a:solidFill>
+                      <a:srgbClr val="E7E6E6"/>
+                    </a:solidFill>
+                  </a:tcPr>
+                </a:tc>
+                <a:tc>
+                  <a:txBody>
+                    <a:bodyPr/>
+                    <a:lstStyle/>
+                    <a:p>
+                      <a:r>
+                        <a:rPr sz="1100"/>
+                        <a:t>Low</a:t>
+                      </a:r>
+                    </a:p>
+                  </a:txBody>
+                  <a:tcPr>
+                    <a:solidFill>
+                      <a:srgbClr val="E7E6E6"/>
+                    </a:solidFill>
+                  </a:tcPr>
+                </a:tc>
+                <a:tc>
+                  <a:txBody>
+                    <a:bodyPr/>
+                    <a:lstStyle/>
+                    <a:p>
+                      <a:r>
+                        <a:rPr sz="1100"/>
+                        <a:t>3-4 months</a:t>
+                      </a:r>
+                    </a:p>
+                  </a:txBody>
+                  <a:tcPr>
+                    <a:solidFill>
+                      <a:srgbClr val="E7E6E6"/>
+                    </a:solidFill>
+                  </a:tcPr>
+                </a:tc>
+                <a:tc>
+                  <a:txBody>
+                    <a:bodyPr/>
+                    <a:lstStyle/>
+                    <a:p>
+                      <a:r>
+                        <a:rPr sz="1100"/>
+                        <a:t>Medium</a:t>
+                      </a:r>
+                    </a:p>
+                  </a:txBody>
+                  <a:tcPr>
+                    <a:solidFill>
+                      <a:srgbClr val="E7E6E6"/>
+                    </a:solidFill>
+                  </a:tcPr>
+                </a:tc>
+              </a:tr>
+              <a:tr h="370840">
+                <a:tc>
+                  <a:txBody>
+                    <a:bodyPr/>
+                    <a:lstStyle/>
+                    <a:p>
+                      <a:r>
+                        <a:rPr sz="1100"/>
+                        <a:t>Multi-language Support</a:t>
+                      </a:r>
+                    </a:p>
+                  </a:txBody>
+                  <a:tcPr>
+                    <a:solidFill>
+                      <a:srgbClr val="E7E6E6"/>
+                    </a:solidFill>
+                  </a:tcPr>
+                </a:tc>
+                <a:tc>
+                  <a:txBody>
+                    <a:bodyPr/>
+                    <a:lstStyle/>
+                    <a:p>
+                      <a:r>
+                        <a:rPr sz="1100"/>
+                        <a:t>Global document processing</a:t>
+                      </a:r>
+                    </a:p>
+                  </a:txBody>
+                  <a:tcPr>
+                    <a:solidFill>
+                      <a:srgbClr val="E7E6E6"/>
+                    </a:solidFill>
+                  </a:tcPr>
+                </a:tc>
+                <a:tc>
+                  <a:txBody>
+                    <a:bodyPr/>
+                    <a:lstStyle/>
+                    <a:p>
+                      <a:r>
+                        <a:rPr sz="1100"/>
+                        <a:t>High</a:t>
+                      </a:r>
+                    </a:p>
+                  </a:txBody>
+                  <a:tcPr>
+                    <a:solidFill>
+                      <a:srgbClr val="E7E6E6"/>
+                    </a:solidFill>
+                  </a:tcPr>
+                </a:tc>
+                <a:tc>
+                  <a:txBody>
+                    <a:bodyPr/>
+                    <a:lstStyle/>
+                    <a:p>
+                      <a:r>
+                        <a:rPr sz="1100"/>
+                        <a:t>9-12 months</a:t>
+                      </a:r>
+                    </a:p>
+                  </a:txBody>
+                  <a:tcPr>
+                    <a:solidFill>
+                      <a:srgbClr val="E7E6E6"/>
+                    </a:solidFill>
+                  </a:tcPr>
+                </a:tc>
+                <a:tc>
+                  <a:txBody>
+                    <a:bodyPr/>
+                    <a:lstStyle/>
+                    <a:p>
+                      <a:r>
+                        <a:rPr sz="1100"/>
+                        <a:t>Low</a:t>
+                      </a:r>
+                    </a:p>
+                  </a:txBody>
+                  <a:tcPr>
+                    <a:solidFill>
+                      <a:srgbClr val="E7E6E6"/>
+                    </a:solidFill>
+                  </a:tcPr>
+                </a:tc>
+              </a:tr>
+              <a:tr h="370840">
+                <a:tc>
+                  <a:txBody>
+                    <a:bodyPr/>
+                    <a:lstStyle/>
+                    <a:p>
+                      <a:r>
+                        <a:rPr sz="1100"/>
+                        <a:t>Workflow Automation</a:t>
+                      </a:r>
+                    </a:p>
+                  </a:txBody>
+                  <a:tcPr>
+                    <a:solidFill>
+                      <a:srgbClr val="E7E6E6"/>
+                    </a:solidFill>
+                  </a:tcPr>
+                </a:tc>
+                <a:tc>
+                  <a:txBody>
+                    <a:bodyPr/>
+                    <a:lstStyle/>
+                    <a:p>
+                      <a:r>
+                        <a:rPr sz="1100"/>
+                        <a:t>End-to-end process automation</a:t>
+                      </a:r>
+                    </a:p>
+                  </a:txBody>
+                  <a:tcPr>
+                    <a:solidFill>
+                      <a:srgbClr val="E7E6E6"/>
+                    </a:solidFill>
+                  </a:tcPr>
+                </a:tc>
+                <a:tc>
+                  <a:txBody>
+                    <a:bodyPr/>
+                    <a:lstStyle/>
+                    <a:p>
+                      <a:r>
+                        <a:rPr sz="1100"/>
+                        <a:t>High</a:t>
+                      </a:r>
+                    </a:p>
+                  </a:txBody>
+                  <a:tcPr>
+                    <a:solidFill>
+                      <a:srgbClr val="E7E6E6"/>
+                    </a:solidFill>
+                  </a:tcPr>
+                </a:tc>
+                <a:tc>
+                  <a:txBody>
+                    <a:bodyPr/>
+                    <a:lstStyle/>
+                    <a:p>
+                      <a:r>
+                        <a:rPr sz="1100"/>
+                        <a:t>6-12 months</a:t>
+                      </a:r>
+                    </a:p>
+                  </a:txBody>
+                  <a:tcPr>
+                    <a:solidFill>
+                      <a:srgbClr val="E7E6E6"/>
+                    </a:solidFill>
+                  </a:tcPr>
+                </a:tc>
+                <a:tc>
+                  <a:txBody>
+                    <a:bodyPr/>
+                    <a:lstStyle/>
+                    <a:p>
+                      <a:r>
+                        <a:rPr sz="1100"/>
+                        <a:t>High</a:t>
+                      </a:r>
+                    </a:p>
+                  </a:txBody>
+                  <a:tcPr>
+                    <a:solidFill>
+                      <a:srgbClr val="E7E6E6"/>
+                    </a:solidFill>
+                  </a:tcPr>
+                </a:tc>
+              </a:tr>
+            </a:tbl>
+          </a:graphicData>
+        </a:graphic>
+      </p:graphicFrame>
     </p:spTree>
   </p:cSld>
   <p:clrMapOvr>
@@ -4928,47 +6161,121 @@
           <a:lstStyle/>
           <a:p>
             <a:r>
-              <a:t>**Slide 21: Future Enhancement Opportunities**</a:t>
-            </a:r>
-          </a:p>
-        </p:txBody>
-      </p:sp>
-      <p:sp>
-        <p:nvSpPr>
-          <p:cNvPr id="3" name="Text Placeholder 2"/>
-          <p:cNvSpPr>
-            <a:spLocks noGrp="1"/>
-          </p:cNvSpPr>
-          <p:nvPr>
-            <p:ph type="body" idx="11" sz="quarter"/>
+              <a:t>**Slide 22: Transition to Operations**</a:t>
+            </a:r>
+          </a:p>
+        </p:txBody>
+      </p:sp>
+      <p:sp>
+        <p:nvSpPr>
+          <p:cNvPr id="3" name="Picture Placeholder 2"/>
+          <p:cNvSpPr>
+            <a:spLocks noGrp="1"/>
+          </p:cNvSpPr>
+          <p:nvPr>
+            <p:ph type="pic" idx="13" sz="quarter"/>
+          </p:nvPr>
+        </p:nvSpPr>
+        <p:spPr/>
+      </p:sp>
+      <p:sp>
+        <p:nvSpPr>
+          <p:cNvPr id="4" name="Text Placeholder 3"/>
+          <p:cNvSpPr>
+            <a:spLocks noGrp="1"/>
+          </p:cNvSpPr>
+          <p:nvPr>
+            <p:ph type="body" idx="14" sz="quarter"/>
           </p:nvPr>
         </p:nvSpPr>
         <p:spPr/>
         <p:txBody>
           <a:bodyPr/>
           <a:lstStyle/>
-          <a:p/>
-        </p:txBody>
-      </p:sp>
-      <p:pic>
-        <p:nvPicPr>
-          <p:cNvPr id="4" name="Picture Placeholder 3" descr="consulting_company_logo.png"/>
-          <p:cNvPicPr>
-            <a:picLocks noGrp="1" noChangeAspect="1"/>
-          </p:cNvPicPr>
-          <p:nvPr>
-            <p:ph type="pic" idx="13" sz="quarter"/>
-          </p:nvPr>
-        </p:nvPicPr>
-        <p:blipFill>
-          <a:blip r:embed="rId2"/>
-          <a:srcRect t="6762" b="6762"/>
-          <a:stretch>
-            <a:fillRect/>
-          </a:stretch>
-        </p:blipFill>
-        <p:spPr/>
-      </p:pic>
+          <a:p>
+            <a:pPr/>
+            <a:r>
+              <a:rPr b="1"/>
+              <a:t>Operational Handover:</a:t>
+            </a:r>
+          </a:p>
+          <a:p>
+            <a:pPr lvl="1"/>
+            <a:r>
+              <a:t>Complete runbooks and procedures documented</a:t>
+            </a:r>
+          </a:p>
+          <a:p>
+            <a:pPr lvl="1"/>
+            <a:r>
+              <a:t>Operations team trained and certified</a:t>
+            </a:r>
+          </a:p>
+          <a:p>
+            <a:pPr/>
+            <a:r>
+              <a:rPr b="1"/>
+              <a:t>Support Structure:</a:t>
+            </a:r>
+          </a:p>
+          <a:p>
+            <a:pPr lvl="1"/>
+            <a:r>
+              <a:t>L1 support for user issues</a:t>
+            </a:r>
+          </a:p>
+          <a:p>
+            <a:pPr lvl="1"/>
+            <a:r>
+              <a:t>L2 support for technical issues</a:t>
+            </a:r>
+          </a:p>
+          <a:p>
+            <a:pPr lvl="1"/>
+            <a:r>
+              <a:t>L3 escalation to development team</a:t>
+            </a:r>
+          </a:p>
+          <a:p>
+            <a:pPr/>
+            <a:r>
+              <a:rPr b="1"/>
+              <a:t>Monitoring and Maintenance:</a:t>
+            </a:r>
+          </a:p>
+          <a:p>
+            <a:pPr lvl="1"/>
+            <a:r>
+              <a:t>CloudWatch dashboards and alerts configured</a:t>
+            </a:r>
+          </a:p>
+          <a:p>
+            <a:pPr lvl="1"/>
+            <a:r>
+              <a:t>Weekly performance review meetings scheduled</a:t>
+            </a:r>
+          </a:p>
+          <a:p>
+            <a:pPr/>
+            <a:r>
+              <a:rPr b="1"/>
+              <a:t>Continuous Improvement:</a:t>
+            </a:r>
+          </a:p>
+          <a:p>
+            <a:pPr lvl="1"/>
+            <a:r>
+              <a:t>Monthly model performance reviews</a:t>
+            </a:r>
+          </a:p>
+          <a:p>
+            <a:pPr lvl="1"/>
+            <a:r>
+              <a:t>Quarterly enhancement planning sessions</a:t>
+            </a:r>
+          </a:p>
+        </p:txBody>
+      </p:sp>
     </p:spTree>
   </p:cSld>
   <p:clrMapOvr>
@@ -5003,19 +6310,31 @@
           <a:lstStyle/>
           <a:p>
             <a:r>
-              <a:t>**Slide 22: Transition to Operations**</a:t>
-            </a:r>
-          </a:p>
-        </p:txBody>
-      </p:sp>
-      <p:sp>
-        <p:nvSpPr>
-          <p:cNvPr id="3" name="Text Placeholder 2"/>
-          <p:cNvSpPr>
-            <a:spLocks noGrp="1"/>
-          </p:cNvSpPr>
-          <p:nvPr>
-            <p:ph type="body" idx="11" sz="quarter"/>
+              <a:t>**Slide 23: Core Team Appreciation**</a:t>
+            </a:r>
+          </a:p>
+        </p:txBody>
+      </p:sp>
+      <p:sp>
+        <p:nvSpPr>
+          <p:cNvPr id="3" name="Picture Placeholder 2"/>
+          <p:cNvSpPr>
+            <a:spLocks noGrp="1"/>
+          </p:cNvSpPr>
+          <p:nvPr>
+            <p:ph type="pic" idx="13" sz="quarter"/>
+          </p:nvPr>
+        </p:nvSpPr>
+        <p:spPr/>
+      </p:sp>
+      <p:sp>
+        <p:nvSpPr>
+          <p:cNvPr id="4" name="Text Placeholder 3"/>
+          <p:cNvSpPr>
+            <a:spLocks noGrp="1"/>
+          </p:cNvSpPr>
+          <p:nvPr>
+            <p:ph type="body" idx="14" sz="quarter"/>
           </p:nvPr>
         </p:nvSpPr>
         <p:spPr/>
@@ -5023,103 +6342,67 @@
           <a:bodyPr/>
           <a:lstStyle/>
           <a:p>
-            <a:r>
-              <a:t>Operational Handover:</a:t>
-            </a:r>
-          </a:p>
-          <a:p>
-            <a:pPr/>
-            <a:r>
-              <a:t>Complete runbooks and procedures documented</a:t>
-            </a:r>
-          </a:p>
-          <a:p>
-            <a:pPr/>
-            <a:r>
-              <a:t>Operations team trained and certified</a:t>
-            </a:r>
-          </a:p>
-          <a:p>
-            <a:pPr/>
-            <a:r>
-              <a:t>Support Structure:</a:t>
-            </a:r>
-          </a:p>
-          <a:p>
-            <a:pPr/>
-            <a:r>
-              <a:t>L1 support for user issues</a:t>
-            </a:r>
-          </a:p>
-          <a:p>
-            <a:pPr/>
-            <a:r>
-              <a:t>L2 support for technical issues</a:t>
-            </a:r>
-          </a:p>
-          <a:p>
-            <a:pPr/>
-            <a:r>
-              <a:t>L3 escalation to development team</a:t>
-            </a:r>
-          </a:p>
-          <a:p>
-            <a:pPr/>
-            <a:r>
-              <a:t>Monitoring and Maintenance:</a:t>
-            </a:r>
-          </a:p>
-          <a:p>
-            <a:pPr/>
-            <a:r>
-              <a:t>CloudWatch dashboards and alerts configured</a:t>
-            </a:r>
-          </a:p>
-          <a:p>
-            <a:pPr/>
-            <a:r>
-              <a:t>Weekly performance review meetings scheduled</a:t>
-            </a:r>
-          </a:p>
-          <a:p>
-            <a:pPr/>
-            <a:r>
-              <a:t>Continuous Improvement:</a:t>
-            </a:r>
-          </a:p>
-          <a:p>
-            <a:pPr/>
-            <a:r>
-              <a:t>Monthly model performance reviews</a:t>
-            </a:r>
-          </a:p>
-          <a:p>
-            <a:pPr/>
-            <a:r>
-              <a:t>Quarterly enhancement planning sessions</a:t>
-            </a:r>
-          </a:p>
-        </p:txBody>
-      </p:sp>
-      <p:pic>
-        <p:nvPicPr>
-          <p:cNvPr id="4" name="Picture Placeholder 3" descr="consulting_company_logo.png"/>
-          <p:cNvPicPr>
-            <a:picLocks noGrp="1" noChangeAspect="1"/>
-          </p:cNvPicPr>
-          <p:nvPr>
-            <p:ph type="pic" idx="13" sz="quarter"/>
-          </p:nvPr>
-        </p:nvPicPr>
-        <p:blipFill>
-          <a:blip r:embed="rId2"/>
-          <a:srcRect t="6762" b="6762"/>
-          <a:stretch>
-            <a:fillRect/>
-          </a:stretch>
-        </p:blipFill>
-        <p:spPr/>
-      </p:pic>
+            <a:pPr/>
+            <a:r>
+              <a:rPr b="1"/>
+              <a:t>Project Manager:</a:t>
+            </a:r>
+            <a:r>
+              <a:t> [Name] - Outstanding project coordination and stakeholder management</a:t>
+            </a:r>
+          </a:p>
+          <a:p>
+            <a:pPr/>
+            <a:r>
+              <a:rPr b="1"/>
+              <a:t>AI/ML Architect:</a:t>
+            </a:r>
+            <a:r>
+              <a:t> [Name] - Innovative model design and performance optimization</a:t>
+            </a:r>
+          </a:p>
+          <a:p>
+            <a:pPr/>
+            <a:r>
+              <a:rPr b="1"/>
+              <a:t>AWS Solutions Architect:</a:t>
+            </a:r>
+            <a:r>
+              <a:t> [Name] - Robust cloud architecture and security implementation</a:t>
+            </a:r>
+          </a:p>
+          <a:p>
+            <a:pPr/>
+            <a:r>
+              <a:rPr b="1"/>
+              <a:t>Data Scientist:</a:t>
+            </a:r>
+            <a:r>
+              <a:t> [Name] - Exceptional model development and accuracy achievements</a:t>
+            </a:r>
+          </a:p>
+          <a:p>
+            <a:pPr/>
+            <a:r>
+              <a:rPr b="1"/>
+              <a:t>DevOps Engineer:</a:t>
+            </a:r>
+            <a:r>
+              <a:t> [Name] - Seamless deployment and operational excellence</a:t>
+            </a:r>
+          </a:p>
+          <a:p>
+            <a:pPr/>
+            <a:r>
+              <a:rPr b="1"/>
+              <a:t>Business Analyst:</a:t>
+            </a:r>
+            <a:r>
+              <a:t> [Name] - Requirements clarity and user adoption success</a:t>
+            </a:r>
+          </a:p>
+        </p:txBody>
+      </p:sp>
     </p:spTree>
   </p:cSld>
   <p:clrMapOvr>
@@ -5154,19 +6437,31 @@
           <a:lstStyle/>
           <a:p>
             <a:r>
-              <a:t>**Slide 23: Core Team Appreciation**</a:t>
-            </a:r>
-          </a:p>
-        </p:txBody>
-      </p:sp>
-      <p:sp>
-        <p:nvSpPr>
-          <p:cNvPr id="3" name="Text Placeholder 2"/>
-          <p:cNvSpPr>
-            <a:spLocks noGrp="1"/>
-          </p:cNvSpPr>
-          <p:nvPr>
-            <p:ph type="body" idx="11" sz="quarter"/>
+              <a:t>**Slide 24: Extended Team Recognition**</a:t>
+            </a:r>
+          </a:p>
+        </p:txBody>
+      </p:sp>
+      <p:sp>
+        <p:nvSpPr>
+          <p:cNvPr id="3" name="Picture Placeholder 2"/>
+          <p:cNvSpPr>
+            <a:spLocks noGrp="1"/>
+          </p:cNvSpPr>
+          <p:nvPr>
+            <p:ph type="pic" idx="13" sz="quarter"/>
+          </p:nvPr>
+        </p:nvSpPr>
+        <p:spPr/>
+      </p:sp>
+      <p:sp>
+        <p:nvSpPr>
+          <p:cNvPr id="4" name="Text Placeholder 3"/>
+          <p:cNvSpPr>
+            <a:spLocks noGrp="1"/>
+          </p:cNvSpPr>
+          <p:nvPr>
+            <p:ph type="body" idx="14" sz="quarter"/>
           </p:nvPr>
         </p:nvSpPr>
         <p:spPr/>
@@ -5174,61 +6469,57 @@
           <a:bodyPr/>
           <a:lstStyle/>
           <a:p>
-            <a:r>
-              <a:t>Project Manager: [Name] - Outstanding project coordination and stakeholder management</a:t>
-            </a:r>
-          </a:p>
-          <a:p>
-            <a:pPr/>
-            <a:r>
-              <a:t>AI/ML Architect: [Name] - Innovative model design and performance optimization</a:t>
-            </a:r>
-          </a:p>
-          <a:p>
-            <a:pPr/>
-            <a:r>
-              <a:t>AWS Solutions Architect: [Name] - Robust cloud architecture and security implementation</a:t>
-            </a:r>
-          </a:p>
-          <a:p>
-            <a:pPr/>
-            <a:r>
-              <a:t>Data Scientist: [Name] - Exceptional model development and accuracy achievements</a:t>
-            </a:r>
-          </a:p>
-          <a:p>
-            <a:pPr/>
-            <a:r>
-              <a:t>DevOps Engineer: [Name] - Seamless deployment and operational excellence</a:t>
-            </a:r>
-          </a:p>
-          <a:p>
-            <a:pPr/>
-            <a:r>
-              <a:t>Business Analyst: [Name] - Requirements clarity and user adoption success</a:t>
-            </a:r>
-          </a:p>
-        </p:txBody>
-      </p:sp>
-      <p:pic>
-        <p:nvPicPr>
-          <p:cNvPr id="4" name="Picture Placeholder 3" descr="consulting_company_logo.png"/>
-          <p:cNvPicPr>
-            <a:picLocks noGrp="1" noChangeAspect="1"/>
-          </p:cNvPicPr>
-          <p:nvPr>
-            <p:ph type="pic" idx="13" sz="quarter"/>
-          </p:nvPr>
-        </p:nvPicPr>
-        <p:blipFill>
-          <a:blip r:embed="rId2"/>
-          <a:srcRect t="6762" b="6762"/>
-          <a:stretch>
-            <a:fillRect/>
-          </a:stretch>
-        </p:blipFill>
-        <p:spPr/>
-      </p:pic>
+            <a:pPr/>
+            <a:r>
+              <a:rPr b="1"/>
+              <a:t>Development Team:</a:t>
+            </a:r>
+            <a:r>
+              <a:t> Backend developers, frontend developers, integration specialists</a:t>
+            </a:r>
+          </a:p>
+          <a:p>
+            <a:pPr/>
+            <a:r>
+              <a:rPr b="1"/>
+              <a:t>Business Stakeholders:</a:t>
+            </a:r>
+            <a:r>
+              <a:t> Document processing experts, compliance team, end users</a:t>
+            </a:r>
+          </a:p>
+          <a:p>
+            <a:pPr/>
+            <a:r>
+              <a:rPr b="1"/>
+              <a:t>AWS Support Team:</a:t>
+            </a:r>
+            <a:r>
+              <a:t> Technical account management and service optimization</a:t>
+            </a:r>
+          </a:p>
+          <a:p>
+            <a:pPr/>
+            <a:r>
+              <a:rPr b="1"/>
+              <a:t>Security Team:</a:t>
+            </a:r>
+            <a:r>
+              <a:t> Data protection guidance and compliance validation</a:t>
+            </a:r>
+          </a:p>
+          <a:p>
+            <a:pPr/>
+            <a:r>
+              <a:rPr b="1"/>
+              <a:t>Executive Sponsors:</a:t>
+            </a:r>
+            <a:r>
+              <a:t> Leadership support and strategic vision</a:t>
+            </a:r>
+          </a:p>
+        </p:txBody>
+      </p:sp>
     </p:spTree>
   </p:cSld>
   <p:clrMapOvr>
@@ -5263,19 +6554,31 @@
           <a:lstStyle/>
           <a:p>
             <a:r>
-              <a:t>**Slide 24: Extended Team Recognition**</a:t>
-            </a:r>
-          </a:p>
-        </p:txBody>
-      </p:sp>
-      <p:sp>
-        <p:nvSpPr>
-          <p:cNvPr id="3" name="Text Placeholder 2"/>
-          <p:cNvSpPr>
-            <a:spLocks noGrp="1"/>
-          </p:cNvSpPr>
-          <p:nvPr>
-            <p:ph type="body" idx="11" sz="quarter"/>
+              <a:t>**Slide 25: Team Success Factors**</a:t>
+            </a:r>
+          </a:p>
+        </p:txBody>
+      </p:sp>
+      <p:sp>
+        <p:nvSpPr>
+          <p:cNvPr id="3" name="Picture Placeholder 2"/>
+          <p:cNvSpPr>
+            <a:spLocks noGrp="1"/>
+          </p:cNvSpPr>
+          <p:nvPr>
+            <p:ph type="pic" idx="13" sz="quarter"/>
+          </p:nvPr>
+        </p:nvSpPr>
+        <p:spPr/>
+      </p:sp>
+      <p:sp>
+        <p:nvSpPr>
+          <p:cNvPr id="4" name="Text Placeholder 3"/>
+          <p:cNvSpPr>
+            <a:spLocks noGrp="1"/>
+          </p:cNvSpPr>
+          <p:nvPr>
+            <p:ph type="body" idx="14" sz="quarter"/>
           </p:nvPr>
         </p:nvSpPr>
         <p:spPr/>
@@ -5283,55 +6586,57 @@
           <a:bodyPr/>
           <a:lstStyle/>
           <a:p>
-            <a:r>
-              <a:t>Development Team: Backend developers, frontend developers, integration specialists</a:t>
-            </a:r>
-          </a:p>
-          <a:p>
-            <a:pPr/>
-            <a:r>
-              <a:t>Business Stakeholders: Document processing experts, compliance team, end users</a:t>
-            </a:r>
-          </a:p>
-          <a:p>
-            <a:pPr/>
-            <a:r>
-              <a:t>AWS Support Team: Technical account management and service optimization</a:t>
-            </a:r>
-          </a:p>
-          <a:p>
-            <a:pPr/>
-            <a:r>
-              <a:t>Security Team: Data protection guidance and compliance validation</a:t>
-            </a:r>
-          </a:p>
-          <a:p>
-            <a:pPr/>
-            <a:r>
-              <a:t>Executive Sponsors: Leadership support and strategic vision</a:t>
-            </a:r>
-          </a:p>
-        </p:txBody>
-      </p:sp>
-      <p:pic>
-        <p:nvPicPr>
-          <p:cNvPr id="4" name="Picture Placeholder 3" descr="consulting_company_logo.png"/>
-          <p:cNvPicPr>
-            <a:picLocks noGrp="1" noChangeAspect="1"/>
-          </p:cNvPicPr>
-          <p:nvPr>
-            <p:ph type="pic" idx="13" sz="quarter"/>
-          </p:nvPr>
-        </p:nvPicPr>
-        <p:blipFill>
-          <a:blip r:embed="rId2"/>
-          <a:srcRect t="6762" b="6762"/>
-          <a:stretch>
-            <a:fillRect/>
-          </a:stretch>
-        </p:blipFill>
-        <p:spPr/>
-      </p:pic>
+            <a:pPr/>
+            <a:r>
+              <a:rPr b="1"/>
+              <a:t>Innovation:</a:t>
+            </a:r>
+            <a:r>
+              <a:t> Creative problem-solving for complex AI/ML challenges</a:t>
+            </a:r>
+          </a:p>
+          <a:p>
+            <a:pPr/>
+            <a:r>
+              <a:rPr b="1"/>
+              <a:t>Collaboration:</a:t>
+            </a:r>
+            <a:r>
+              <a:t> Seamless integration between business and technical teams</a:t>
+            </a:r>
+          </a:p>
+          <a:p>
+            <a:pPr/>
+            <a:r>
+              <a:rPr b="1"/>
+              <a:t>Dedication:</a:t>
+            </a:r>
+            <a:r>
+              <a:t> Commitment to achieving challenging accuracy and performance targets</a:t>
+            </a:r>
+          </a:p>
+          <a:p>
+            <a:pPr/>
+            <a:r>
+              <a:rPr b="1"/>
+              <a:t>Adaptability:</a:t>
+            </a:r>
+            <a:r>
+              <a:t> Flexibility in model refinement and approach optimization</a:t>
+            </a:r>
+          </a:p>
+          <a:p>
+            <a:pPr/>
+            <a:r>
+              <a:rPr b="1"/>
+              <a:t>Knowledge Sharing:</a:t>
+            </a:r>
+            <a:r>
+              <a:t> Continuous learning and skill development</a:t>
+            </a:r>
+          </a:p>
+        </p:txBody>
+      </p:sp>
     </p:spTree>
   </p:cSld>
   <p:clrMapOvr>
@@ -5366,19 +6671,31 @@
           <a:lstStyle/>
           <a:p>
             <a:r>
-              <a:t>**Slide 25: Team Success Factors**</a:t>
-            </a:r>
-          </a:p>
-        </p:txBody>
-      </p:sp>
-      <p:sp>
-        <p:nvSpPr>
-          <p:cNvPr id="3" name="Text Placeholder 2"/>
-          <p:cNvSpPr>
-            <a:spLocks noGrp="1"/>
-          </p:cNvSpPr>
-          <p:nvPr>
-            <p:ph type="body" idx="11" sz="quarter"/>
+              <a:t>**Slide 26: IDP Project Success Declaration**</a:t>
+            </a:r>
+          </a:p>
+        </p:txBody>
+      </p:sp>
+      <p:sp>
+        <p:nvSpPr>
+          <p:cNvPr id="3" name="Picture Placeholder 2"/>
+          <p:cNvSpPr>
+            <a:spLocks noGrp="1"/>
+          </p:cNvSpPr>
+          <p:nvPr>
+            <p:ph type="pic" idx="13" sz="quarter"/>
+          </p:nvPr>
+        </p:nvSpPr>
+        <p:spPr/>
+      </p:sp>
+      <p:sp>
+        <p:nvSpPr>
+          <p:cNvPr id="4" name="Text Placeholder 3"/>
+          <p:cNvSpPr>
+            <a:spLocks noGrp="1"/>
+          </p:cNvSpPr>
+          <p:nvPr>
+            <p:ph type="body" idx="14" sz="quarter"/>
           </p:nvPr>
         </p:nvSpPr>
         <p:spPr/>
@@ -5386,55 +6703,57 @@
           <a:bodyPr/>
           <a:lstStyle/>
           <a:p>
-            <a:r>
-              <a:t>Innovation: Creative problem-solving for complex AI/ML challenges</a:t>
-            </a:r>
-          </a:p>
-          <a:p>
-            <a:pPr/>
-            <a:r>
-              <a:t>Collaboration: Seamless integration between business and technical teams</a:t>
-            </a:r>
-          </a:p>
-          <a:p>
-            <a:pPr/>
-            <a:r>
-              <a:t>Dedication: Commitment to achieving challenging accuracy and performance targets</a:t>
-            </a:r>
-          </a:p>
-          <a:p>
-            <a:pPr/>
-            <a:r>
-              <a:t>Adaptability: Flexibility in model refinement and approach optimization</a:t>
-            </a:r>
-          </a:p>
-          <a:p>
-            <a:pPr/>
-            <a:r>
-              <a:t>Knowledge Sharing: Continuous learning and skill development</a:t>
-            </a:r>
-          </a:p>
-        </p:txBody>
-      </p:sp>
-      <p:pic>
-        <p:nvPicPr>
-          <p:cNvPr id="4" name="Picture Placeholder 3" descr="consulting_company_logo.png"/>
-          <p:cNvPicPr>
-            <a:picLocks noGrp="1" noChangeAspect="1"/>
-          </p:cNvPicPr>
-          <p:nvPr>
-            <p:ph type="pic" idx="13" sz="quarter"/>
-          </p:nvPr>
-        </p:nvPicPr>
-        <p:blipFill>
-          <a:blip r:embed="rId2"/>
-          <a:srcRect t="6762" b="6762"/>
-          <a:stretch>
-            <a:fillRect/>
-          </a:stretch>
-        </p:blipFill>
-        <p:spPr/>
-      </p:pic>
+            <a:pPr/>
+            <a:r>
+              <a:rPr b="1"/>
+              <a:t>Objectives Achieved:</a:t>
+            </a:r>
+            <a:r>
+              <a:t> All primary objectives met or exceeded</a:t>
+            </a:r>
+          </a:p>
+          <a:p>
+            <a:pPr/>
+            <a:r>
+              <a:rPr b="1"/>
+              <a:t>Value Delivered:</a:t>
+            </a:r>
+            <a:r>
+              <a:t> $10.2M NPV with 1,958% ROI over 3 years</a:t>
+            </a:r>
+          </a:p>
+          <a:p>
+            <a:pPr/>
+            <a:r>
+              <a:rPr b="1"/>
+              <a:t>Quality Standards:</a:t>
+            </a:r>
+            <a:r>
+              <a:t> 95.2% accuracy target achieved</a:t>
+            </a:r>
+          </a:p>
+          <a:p>
+            <a:pPr/>
+            <a:r>
+              <a:rPr b="1"/>
+              <a:t>Stakeholder Satisfaction:</a:t>
+            </a:r>
+            <a:r>
+              <a:t> 94% user satisfaction score</a:t>
+            </a:r>
+          </a:p>
+          <a:p>
+            <a:pPr/>
+            <a:r>
+              <a:rPr b="1"/>
+              <a:t>On-Time/Budget Delivery:</a:t>
+            </a:r>
+            <a:r>
+              <a:t> Delivered within 5% of original timeline and budget</a:t>
+            </a:r>
+          </a:p>
+        </p:txBody>
+      </p:sp>
     </p:spTree>
   </p:cSld>
   <p:clrMapOvr>
@@ -5469,19 +6788,31 @@
           <a:lstStyle/>
           <a:p>
             <a:r>
-              <a:t>**Slide 26: IDP Project Success Declaration**</a:t>
-            </a:r>
-          </a:p>
-        </p:txBody>
-      </p:sp>
-      <p:sp>
-        <p:nvSpPr>
-          <p:cNvPr id="3" name="Text Placeholder 2"/>
-          <p:cNvSpPr>
-            <a:spLocks noGrp="1"/>
-          </p:cNvSpPr>
-          <p:nvPr>
-            <p:ph type="body" idx="11" sz="quarter"/>
+              <a:t>**Slide 27: Formal Project Closure**</a:t>
+            </a:r>
+          </a:p>
+        </p:txBody>
+      </p:sp>
+      <p:sp>
+        <p:nvSpPr>
+          <p:cNvPr id="3" name="Picture Placeholder 2"/>
+          <p:cNvSpPr>
+            <a:spLocks noGrp="1"/>
+          </p:cNvSpPr>
+          <p:nvPr>
+            <p:ph type="pic" idx="13" sz="quarter"/>
+          </p:nvPr>
+        </p:nvSpPr>
+        <p:spPr/>
+      </p:sp>
+      <p:sp>
+        <p:nvSpPr>
+          <p:cNvPr id="4" name="Text Placeholder 3"/>
+          <p:cNvSpPr>
+            <a:spLocks noGrp="1"/>
+          </p:cNvSpPr>
+          <p:nvPr>
+            <p:ph type="body" idx="14" sz="quarter"/>
           </p:nvPr>
         </p:nvSpPr>
         <p:spPr/>
@@ -5489,55 +6820,57 @@
           <a:bodyPr/>
           <a:lstStyle/>
           <a:p>
-            <a:r>
-              <a:t>Objectives Achieved: All primary objectives met or exceeded</a:t>
-            </a:r>
-          </a:p>
-          <a:p>
-            <a:pPr/>
-            <a:r>
-              <a:t>Value Delivered: $10.2M NPV with 1,958% ROI over 3 years</a:t>
-            </a:r>
-          </a:p>
-          <a:p>
-            <a:pPr/>
-            <a:r>
-              <a:t>Quality Standards: 95.2% accuracy target achieved</a:t>
-            </a:r>
-          </a:p>
-          <a:p>
-            <a:pPr/>
-            <a:r>
-              <a:t>Stakeholder Satisfaction: 94% user satisfaction score</a:t>
-            </a:r>
-          </a:p>
-          <a:p>
-            <a:pPr/>
-            <a:r>
-              <a:t>On-Time/Budget Delivery: Delivered within 5% of original timeline and budget</a:t>
-            </a:r>
-          </a:p>
-        </p:txBody>
-      </p:sp>
-      <p:pic>
-        <p:nvPicPr>
-          <p:cNvPr id="4" name="Picture Placeholder 3" descr="consulting_company_logo.png"/>
-          <p:cNvPicPr>
-            <a:picLocks noGrp="1" noChangeAspect="1"/>
-          </p:cNvPicPr>
-          <p:nvPr>
-            <p:ph type="pic" idx="13" sz="quarter"/>
-          </p:nvPr>
-        </p:nvPicPr>
-        <p:blipFill>
-          <a:blip r:embed="rId2"/>
-          <a:srcRect t="6762" b="6762"/>
-          <a:stretch>
-            <a:fillRect/>
-          </a:stretch>
-        </p:blipFill>
-        <p:spPr/>
-      </p:pic>
+            <a:pPr/>
+            <a:r>
+              <a:rPr b="1"/>
+              <a:t>Project Charter Fulfilled:</a:t>
+            </a:r>
+            <a:r>
+              <a:t> All IDP objectives and success criteria met</a:t>
+            </a:r>
+          </a:p>
+          <a:p>
+            <a:pPr/>
+            <a:r>
+              <a:rPr b="1"/>
+              <a:t>Deliverables Accepted:</a:t>
+            </a:r>
+            <a:r>
+              <a:t> Stakeholder sign-off on all project deliverables</a:t>
+            </a:r>
+          </a:p>
+          <a:p>
+            <a:pPr/>
+            <a:r>
+              <a:rPr b="1"/>
+              <a:t>Resources Released:</a:t>
+            </a:r>
+            <a:r>
+              <a:t> Project team transitioned to new initiatives</a:t>
+            </a:r>
+          </a:p>
+          <a:p>
+            <a:pPr/>
+            <a:r>
+              <a:rPr b="1"/>
+              <a:t>Documentation Complete:</a:t>
+            </a:r>
+            <a:r>
+              <a:t> All technical and user documentation delivered</a:t>
+            </a:r>
+          </a:p>
+          <a:p>
+            <a:pPr/>
+            <a:r>
+              <a:rPr b="1"/>
+              <a:t>Lessons Captured:</a:t>
+            </a:r>
+            <a:r>
+              <a:t> Best practices documented for future AI/ML projects</a:t>
+            </a:r>
+          </a:p>
+        </p:txBody>
+      </p:sp>
     </p:spTree>
   </p:cSld>
   <p:clrMapOvr>
@@ -5558,12 +6891,24 @@
       <p:grpSpPr/>
       <p:sp>
         <p:nvSpPr>
-          <p:cNvPr id="2" name="Text Placeholder 1"/>
-          <p:cNvSpPr>
-            <a:spLocks noGrp="1"/>
-          </p:cNvSpPr>
-          <p:nvPr>
-            <p:ph type="body" idx="10" sz="quarter"/>
+          <p:cNvPr id="2" name="Picture Placeholder 1"/>
+          <p:cNvSpPr>
+            <a:spLocks noGrp="1"/>
+          </p:cNvSpPr>
+          <p:nvPr>
+            <p:ph type="pic" idx="10" sz="quarter"/>
+          </p:nvPr>
+        </p:nvSpPr>
+        <p:spPr/>
+      </p:sp>
+      <p:sp>
+        <p:nvSpPr>
+          <p:cNvPr id="3" name="Text Placeholder 2"/>
+          <p:cNvSpPr>
+            <a:spLocks noGrp="1"/>
+          </p:cNvSpPr>
+          <p:nvPr>
+            <p:ph type="body" idx="12" sz="quarter"/>
           </p:nvPr>
         </p:nvSpPr>
         <p:spPr/>
@@ -5572,75 +6917,96 @@
           <a:lstStyle/>
           <a:p>
             <a:r>
-              <a:t>**Slide 27: Formal Project Closure**</a:t>
-            </a:r>
-          </a:p>
-        </p:txBody>
-      </p:sp>
-      <p:sp>
-        <p:nvSpPr>
-          <p:cNvPr id="3" name="Text Placeholder 2"/>
-          <p:cNvSpPr>
-            <a:spLocks noGrp="1"/>
-          </p:cNvSpPr>
-          <p:nvPr>
-            <p:ph type="body" idx="11" sz="quarter"/>
+              <a:t>**Slide 28: Thank You and Q&amp;A**</a:t>
+            </a:r>
+          </a:p>
+        </p:txBody>
+      </p:sp>
+      <p:sp>
+        <p:nvSpPr>
+          <p:cNvPr id="4" name="Picture Placeholder 3"/>
+          <p:cNvSpPr>
+            <a:spLocks noGrp="1"/>
+          </p:cNvSpPr>
+          <p:nvPr>
+            <p:ph type="pic" idx="13" sz="quarter"/>
+          </p:nvPr>
+        </p:nvSpPr>
+        <p:spPr/>
+      </p:sp>
+      <p:sp>
+        <p:nvSpPr>
+          <p:cNvPr id="5" name="Text Placeholder 4"/>
+          <p:cNvSpPr>
+            <a:spLocks noGrp="1"/>
+          </p:cNvSpPr>
+          <p:nvPr>
+            <p:ph type="body" idx="14" sz="quarter"/>
           </p:nvPr>
         </p:nvSpPr>
         <p:spPr/>
         <p:txBody>
           <a:bodyPr/>
           <a:lstStyle/>
-          <a:p>
-            <a:r>
-              <a:t>Project Charter Fulfilled: All IDP objectives and success criteria met</a:t>
-            </a:r>
-          </a:p>
-          <a:p>
-            <a:pPr/>
-            <a:r>
-              <a:t>Deliverables Accepted: Stakeholder sign-off on all project deliverables</a:t>
-            </a:r>
-          </a:p>
-          <a:p>
-            <a:pPr/>
-            <a:r>
-              <a:t>Resources Released: Project team transitioned to new initiatives</a:t>
-            </a:r>
-          </a:p>
-          <a:p>
-            <a:pPr/>
-            <a:r>
-              <a:t>Documentation Complete: All technical and user documentation delivered</a:t>
-            </a:r>
-          </a:p>
-          <a:p>
-            <a:pPr/>
-            <a:r>
-              <a:t>Lessons Captured: Best practices documented for future AI/ML projects</a:t>
-            </a:r>
-          </a:p>
-        </p:txBody>
-      </p:sp>
-      <p:pic>
-        <p:nvPicPr>
-          <p:cNvPr id="4" name="Picture Placeholder 3" descr="consulting_company_logo.png"/>
-          <p:cNvPicPr>
-            <a:picLocks noGrp="1" noChangeAspect="1"/>
-          </p:cNvPicPr>
-          <p:nvPr>
-            <p:ph type="pic" idx="13" sz="quarter"/>
-          </p:nvPr>
-        </p:nvPicPr>
-        <p:blipFill>
-          <a:blip r:embed="rId2"/>
-          <a:srcRect t="6762" b="6762"/>
-          <a:stretch>
-            <a:fillRect/>
-          </a:stretch>
-        </p:blipFill>
-        <p:spPr/>
-      </p:pic>
+          <a:p/>
+        </p:txBody>
+      </p:sp>
+      <p:sp>
+        <p:nvSpPr>
+          <p:cNvPr id="6" name="Text Placeholder 5"/>
+          <p:cNvSpPr>
+            <a:spLocks noGrp="1"/>
+          </p:cNvSpPr>
+          <p:nvPr>
+            <p:ph type="body" idx="15" sz="quarter"/>
+          </p:nvPr>
+        </p:nvSpPr>
+        <p:spPr/>
+        <p:txBody>
+          <a:bodyPr/>
+          <a:lstStyle/>
+          <a:p>
+            <a:pPr/>
+            <a:r>
+              <a:rPr b="1"/>
+              <a:t>Appreciation:</a:t>
+            </a:r>
+            <a:r>
+              <a:t> Thank you to all stakeholders, sponsors, and team members</a:t>
+            </a:r>
+          </a:p>
+          <a:p>
+            <a:pPr/>
+            <a:r>
+              <a:rPr b="1"/>
+              <a:t>Contact Information:</a:t>
+            </a:r>
+            <a:r>
+              <a:t> [Project manager and technical lead contact details]</a:t>
+            </a:r>
+          </a:p>
+          <a:p>
+            <a:pPr/>
+            <a:r>
+              <a:rPr b="1"/>
+              <a:t>Q&amp;A Session:</a:t>
+            </a:r>
+            <a:r>
+              <a:t> Questions about IDP solution and implementation</a:t>
+            </a:r>
+          </a:p>
+          <a:p>
+            <a:pPr/>
+            <a:r>
+              <a:rPr b="1"/>
+              <a:t>Next Steps:</a:t>
+            </a:r>
+            <a:r>
+              <a:t> Operational support transition and enhancement planning</a:t>
+            </a:r>
+          </a:p>
+        </p:txBody>
+      </p:sp>
     </p:spTree>
   </p:cSld>
   <p:clrMapOvr>
@@ -5675,19 +7041,31 @@
           <a:lstStyle/>
           <a:p>
             <a:r>
-              <a:t>**Slide 28: Thank You and Q&amp;A**</a:t>
-            </a:r>
-          </a:p>
-        </p:txBody>
-      </p:sp>
-      <p:sp>
-        <p:nvSpPr>
-          <p:cNvPr id="3" name="Text Placeholder 2"/>
-          <p:cNvSpPr>
-            <a:spLocks noGrp="1"/>
-          </p:cNvSpPr>
-          <p:nvPr>
-            <p:ph type="body" idx="11" sz="quarter"/>
+              <a:t>**Preparation Checklist**</a:t>
+            </a:r>
+          </a:p>
+        </p:txBody>
+      </p:sp>
+      <p:sp>
+        <p:nvSpPr>
+          <p:cNvPr id="3" name="Picture Placeholder 2"/>
+          <p:cNvSpPr>
+            <a:spLocks noGrp="1"/>
+          </p:cNvSpPr>
+          <p:nvPr>
+            <p:ph type="pic" idx="13" sz="quarter"/>
+          </p:nvPr>
+        </p:nvSpPr>
+        <p:spPr/>
+      </p:sp>
+      <p:sp>
+        <p:nvSpPr>
+          <p:cNvPr id="4" name="Text Placeholder 3"/>
+          <p:cNvSpPr>
+            <a:spLocks noGrp="1"/>
+          </p:cNvSpPr>
+          <p:nvPr>
+            <p:ph type="body" idx="14" sz="quarter"/>
           </p:nvPr>
         </p:nvSpPr>
         <p:spPr/>
@@ -5695,49 +7073,49 @@
           <a:bodyPr/>
           <a:lstStyle/>
           <a:p>
-            <a:r>
-              <a:t>Appreciation: Thank you to all stakeholders, sponsors, and team members</a:t>
-            </a:r>
-          </a:p>
-          <a:p>
-            <a:pPr/>
-            <a:r>
-              <a:t>Contact Information: [Project manager and technical lead contact details]</a:t>
-            </a:r>
-          </a:p>
-          <a:p>
-            <a:pPr/>
-            <a:r>
-              <a:t>Q&amp;A Session: Questions about IDP solution and implementation</a:t>
-            </a:r>
-          </a:p>
-          <a:p>
-            <a:pPr/>
-            <a:r>
-              <a:t>Next Steps: Operational support transition and enhancement planning</a:t>
-            </a:r>
-          </a:p>
-        </p:txBody>
-      </p:sp>
-      <p:pic>
-        <p:nvPicPr>
-          <p:cNvPr id="4" name="Picture Placeholder 3" descr="consulting_company_logo.png"/>
-          <p:cNvPicPr>
-            <a:picLocks noGrp="1" noChangeAspect="1"/>
-          </p:cNvPicPr>
-          <p:nvPr>
-            <p:ph type="pic" idx="13" sz="quarter"/>
-          </p:nvPr>
-        </p:nvPicPr>
-        <p:blipFill>
-          <a:blip r:embed="rId2"/>
-          <a:srcRect t="6762" b="6762"/>
-          <a:stretch>
-            <a:fillRect/>
-          </a:stretch>
-        </p:blipFill>
-        <p:spPr/>
-      </p:pic>
+            <a:pPr/>
+            <a:r>
+              <a:t>[ ] Gather all AI/ML model performance metrics and accuracy data</a:t>
+            </a:r>
+          </a:p>
+          <a:p>
+            <a:pPr/>
+            <a:r>
+              <a:t>[ ] Collect user feedback and adoption statistics</a:t>
+            </a:r>
+          </a:p>
+          <a:p>
+            <a:pPr/>
+            <a:r>
+              <a:t>[ ] Prepare ROI analysis and financial benefit calculations</a:t>
+            </a:r>
+          </a:p>
+          <a:p>
+            <a:pPr/>
+            <a:r>
+              <a:t>[ ] Create visual aids showing document processing workflows</a:t>
+            </a:r>
+          </a:p>
+          <a:p>
+            <a:pPr/>
+            <a:r>
+              <a:t>[ ] Practice live demo of IDP system functionality</a:t>
+            </a:r>
+          </a:p>
+          <a:p>
+            <a:pPr/>
+            <a:r>
+              <a:t>[ ] Prepare for technical questions about AI/ML models</a:t>
+            </a:r>
+          </a:p>
+          <a:p>
+            <a:pPr/>
+            <a:r>
+              <a:t>[ ] Coordinate with technical team for detailed Q&amp;A support</a:t>
+            </a:r>
+          </a:p>
+        </p:txBody>
+      </p:sp>
     </p:spTree>
   </p:cSld>
   <p:clrMapOvr>
@@ -5772,19 +7150,31 @@
           <a:lstStyle/>
           <a:p>
             <a:r>
-              <a:t>**Slide 2: Agenda**</a:t>
-            </a:r>
-          </a:p>
-        </p:txBody>
-      </p:sp>
-      <p:sp>
-        <p:nvSpPr>
-          <p:cNvPr id="3" name="Text Placeholder 2"/>
-          <p:cNvSpPr>
-            <a:spLocks noGrp="1"/>
-          </p:cNvSpPr>
-          <p:nvPr>
-            <p:ph type="body" idx="11" sz="quarter"/>
+              <a:t>**Slide 3: IDP Project Charter Recap**</a:t>
+            </a:r>
+          </a:p>
+        </p:txBody>
+      </p:sp>
+      <p:sp>
+        <p:nvSpPr>
+          <p:cNvPr id="3" name="Picture Placeholder 2"/>
+          <p:cNvSpPr>
+            <a:spLocks noGrp="1"/>
+          </p:cNvSpPr>
+          <p:nvPr>
+            <p:ph type="pic" idx="13" sz="quarter"/>
+          </p:nvPr>
+        </p:nvSpPr>
+        <p:spPr/>
+      </p:sp>
+      <p:sp>
+        <p:nvSpPr>
+          <p:cNvPr id="4" name="Text Placeholder 3"/>
+          <p:cNvSpPr>
+            <a:spLocks noGrp="1"/>
+          </p:cNvSpPr>
+          <p:nvPr>
+            <p:ph type="body" idx="14" sz="quarter"/>
           </p:nvPr>
         </p:nvSpPr>
         <p:spPr/>
@@ -5792,67 +7182,57 @@
           <a:bodyPr/>
           <a:lstStyle/>
           <a:p>
-            <a:r>
-              <a:t>Project Overview and IDP Objectives</a:t>
-            </a:r>
-          </a:p>
-          <a:p>
-            <a:pPr/>
-            <a:r>
-              <a:t>IDP Solution Delivery Summary and Achievements</a:t>
-            </a:r>
-          </a:p>
-          <a:p>
-            <a:pPr/>
-            <a:r>
-              <a:t>AI/ML Model Performance and Value Delivered</a:t>
-            </a:r>
-          </a:p>
-          <a:p>
-            <a:pPr/>
-            <a:r>
-              <a:t>Lessons Learned and Best Practices</a:t>
-            </a:r>
-          </a:p>
-          <a:p>
-            <a:pPr/>
-            <a:r>
-              <a:t>Operational Recommendations and Next Steps</a:t>
-            </a:r>
-          </a:p>
-          <a:p>
-            <a:pPr/>
-            <a:r>
-              <a:t>Team Recognition and Appreciation</a:t>
-            </a:r>
-          </a:p>
-          <a:p>
-            <a:pPr/>
-            <a:r>
-              <a:t>Q&amp;A Session</a:t>
-            </a:r>
-          </a:p>
-        </p:txBody>
-      </p:sp>
-      <p:pic>
-        <p:nvPicPr>
-          <p:cNvPr id="4" name="Picture Placeholder 3" descr="consulting_company_logo.png"/>
-          <p:cNvPicPr>
-            <a:picLocks noGrp="1" noChangeAspect="1"/>
-          </p:cNvPicPr>
-          <p:nvPr>
-            <p:ph type="pic" idx="13" sz="quarter"/>
-          </p:nvPr>
-        </p:nvPicPr>
-        <p:blipFill>
-          <a:blip r:embed="rId2"/>
-          <a:srcRect t="6762" b="6762"/>
-          <a:stretch>
-            <a:fillRect/>
-          </a:stretch>
-        </p:blipFill>
-        <p:spPr/>
-      </p:pic>
+            <a:pPr/>
+            <a:r>
+              <a:rPr b="1"/>
+              <a:t>Original Business Problem:</a:t>
+            </a:r>
+            <a:r>
+              <a:t> Manual document processing causing delays, errors, and high operational costs</a:t>
+            </a:r>
+          </a:p>
+          <a:p>
+            <a:pPr/>
+            <a:r>
+              <a:rPr b="1"/>
+              <a:t>Project Objectives:</a:t>
+            </a:r>
+            <a:r>
+              <a:t> Automate document processing with 95%+ accuracy and 80% cost reduction</a:t>
+            </a:r>
+          </a:p>
+          <a:p>
+            <a:pPr/>
+            <a:r>
+              <a:rPr b="1"/>
+              <a:t>Success Criteria:</a:t>
+            </a:r>
+            <a:r>
+              <a:t> Processing speed improvement, accuracy targets, user adoption rates</a:t>
+            </a:r>
+          </a:p>
+          <a:p>
+            <a:pPr/>
+            <a:r>
+              <a:rPr b="1"/>
+              <a:t>Project Scope:</a:t>
+            </a:r>
+            <a:r>
+              <a:t> Document types, extraction fields, integration systems</a:t>
+            </a:r>
+          </a:p>
+          <a:p>
+            <a:pPr/>
+            <a:r>
+              <a:rPr b="1"/>
+              <a:t>Initial Timeline:</a:t>
+            </a:r>
+            <a:r>
+              <a:t> [Original vs. actual timeline]</a:t>
+            </a:r>
+          </a:p>
+        </p:txBody>
+      </p:sp>
     </p:spTree>
   </p:cSld>
   <p:clrMapOvr>
@@ -5887,19 +7267,31 @@
           <a:lstStyle/>
           <a:p>
             <a:r>
-              <a:t>**Preparation Checklist**</a:t>
-            </a:r>
-          </a:p>
-        </p:txBody>
-      </p:sp>
-      <p:sp>
-        <p:nvSpPr>
-          <p:cNvPr id="3" name="Text Placeholder 2"/>
-          <p:cNvSpPr>
-            <a:spLocks noGrp="1"/>
-          </p:cNvSpPr>
-          <p:nvPr>
-            <p:ph type="body" idx="11" sz="quarter"/>
+              <a:t>**Presentation Best Practices**</a:t>
+            </a:r>
+          </a:p>
+        </p:txBody>
+      </p:sp>
+      <p:sp>
+        <p:nvSpPr>
+          <p:cNvPr id="3" name="Picture Placeholder 2"/>
+          <p:cNvSpPr>
+            <a:spLocks noGrp="1"/>
+          </p:cNvSpPr>
+          <p:nvPr>
+            <p:ph type="pic" idx="13" sz="quarter"/>
+          </p:nvPr>
+        </p:nvSpPr>
+        <p:spPr/>
+      </p:sp>
+      <p:sp>
+        <p:nvSpPr>
+          <p:cNvPr id="4" name="Text Placeholder 3"/>
+          <p:cNvSpPr>
+            <a:spLocks noGrp="1"/>
+          </p:cNvSpPr>
+          <p:nvPr>
+            <p:ph type="body" idx="14" sz="quarter"/>
           </p:nvPr>
         </p:nvSpPr>
         <p:spPr/>
@@ -5907,67 +7299,67 @@
           <a:bodyPr/>
           <a:lstStyle/>
           <a:p>
-            <a:r>
-              <a:t>[ ] Gather all AI/ML model performance metrics and accuracy data</a:t>
-            </a:r>
-          </a:p>
-          <a:p>
-            <a:pPr/>
-            <a:r>
-              <a:t>[ ] Collect user feedback and adoption statistics</a:t>
-            </a:r>
-          </a:p>
-          <a:p>
-            <a:pPr/>
-            <a:r>
-              <a:t>[ ] Prepare ROI analysis and financial benefit calculations</a:t>
-            </a:r>
-          </a:p>
-          <a:p>
-            <a:pPr/>
-            <a:r>
-              <a:t>[ ] Create visual aids showing document processing workflows</a:t>
-            </a:r>
-          </a:p>
-          <a:p>
-            <a:pPr/>
-            <a:r>
-              <a:t>[ ] Practice live demo of IDP system functionality</a:t>
-            </a:r>
-          </a:p>
-          <a:p>
-            <a:pPr/>
-            <a:r>
-              <a:t>[ ] Prepare for technical questions about AI/ML models</a:t>
-            </a:r>
-          </a:p>
-          <a:p>
-            <a:pPr/>
-            <a:r>
-              <a:t>[ ] Coordinate with technical team for detailed Q&amp;A support</a:t>
-            </a:r>
-          </a:p>
-        </p:txBody>
-      </p:sp>
-      <p:pic>
-        <p:nvPicPr>
-          <p:cNvPr id="4" name="Picture Placeholder 3" descr="consulting_company_logo.png"/>
-          <p:cNvPicPr>
-            <a:picLocks noGrp="1" noChangeAspect="1"/>
-          </p:cNvPicPr>
-          <p:nvPr>
-            <p:ph type="pic" idx="13" sz="quarter"/>
-          </p:nvPr>
-        </p:nvPicPr>
-        <p:blipFill>
-          <a:blip r:embed="rId2"/>
-          <a:srcRect t="6762" b="6762"/>
-          <a:stretch>
-            <a:fillRect/>
-          </a:stretch>
-        </p:blipFill>
-        <p:spPr/>
-      </p:pic>
+            <a:pPr/>
+            <a:r>
+              <a:rPr b="1"/>
+              <a:t>Executive Summary:</a:t>
+            </a:r>
+            <a:r>
+              <a:t> Lead with business value and ROI achievements</a:t>
+            </a:r>
+          </a:p>
+          <a:p>
+            <a:pPr/>
+            <a:r>
+              <a:rPr b="1"/>
+              <a:t>Data-Driven:</a:t>
+            </a:r>
+            <a:r>
+              <a:t> Use metrics and facts to demonstrate AI/ML success</a:t>
+            </a:r>
+          </a:p>
+          <a:p>
+            <a:pPr/>
+            <a:r>
+              <a:rPr b="1"/>
+              <a:t>Visual Appeal:</a:t>
+            </a:r>
+            <a:r>
+              <a:t> Include before/after processing examples</a:t>
+            </a:r>
+          </a:p>
+          <a:p>
+            <a:pPr/>
+            <a:r>
+              <a:rPr b="1"/>
+              <a:t>Technical Balance:</a:t>
+            </a:r>
+            <a:r>
+              <a:t> Explain AI/ML concepts in business terms</a:t>
+            </a:r>
+          </a:p>
+          <a:p>
+            <a:pPr/>
+            <a:r>
+              <a:rPr b="1"/>
+              <a:t>Success Stories:</a:t>
+            </a:r>
+            <a:r>
+              <a:t> Share specific document processing improvements</a:t>
+            </a:r>
+          </a:p>
+          <a:p>
+            <a:pPr/>
+            <a:r>
+              <a:rPr b="1"/>
+              <a:t>Future Vision:</a:t>
+            </a:r>
+            <a:r>
+              <a:t> Connect to broader digital transformation strategy</a:t>
+            </a:r>
+          </a:p>
+        </p:txBody>
+      </p:sp>
     </p:spTree>
   </p:cSld>
   <p:clrMapOvr>
@@ -6002,19 +7394,31 @@
           <a:lstStyle/>
           <a:p>
             <a:r>
-              <a:t>**Presentation Best Practices**</a:t>
-            </a:r>
-          </a:p>
-        </p:txBody>
-      </p:sp>
-      <p:sp>
-        <p:nvSpPr>
-          <p:cNvPr id="3" name="Text Placeholder 2"/>
-          <p:cNvSpPr>
-            <a:spLocks noGrp="1"/>
-          </p:cNvSpPr>
-          <p:nvPr>
-            <p:ph type="body" idx="11" sz="quarter"/>
+              <a:t>**Audience Engagement**</a:t>
+            </a:r>
+          </a:p>
+        </p:txBody>
+      </p:sp>
+      <p:sp>
+        <p:nvSpPr>
+          <p:cNvPr id="3" name="Picture Placeholder 2"/>
+          <p:cNvSpPr>
+            <a:spLocks noGrp="1"/>
+          </p:cNvSpPr>
+          <p:nvPr>
+            <p:ph type="pic" idx="13" sz="quarter"/>
+          </p:nvPr>
+        </p:nvSpPr>
+        <p:spPr/>
+      </p:sp>
+      <p:sp>
+        <p:nvSpPr>
+          <p:cNvPr id="4" name="Text Placeholder 3"/>
+          <p:cNvSpPr>
+            <a:spLocks noGrp="1"/>
+          </p:cNvSpPr>
+          <p:nvPr>
+            <p:ph type="body" idx="14" sz="quarter"/>
           </p:nvPr>
         </p:nvSpPr>
         <p:spPr/>
@@ -6022,61 +7426,57 @@
           <a:bodyPr/>
           <a:lstStyle/>
           <a:p>
-            <a:r>
-              <a:t>Executive Summary: Lead with business value and ROI achievements</a:t>
-            </a:r>
-          </a:p>
-          <a:p>
-            <a:pPr/>
-            <a:r>
-              <a:t>Data-Driven: Use metrics and facts to demonstrate AI/ML success</a:t>
-            </a:r>
-          </a:p>
-          <a:p>
-            <a:pPr/>
-            <a:r>
-              <a:t>Visual Appeal: Include before/after processing examples</a:t>
-            </a:r>
-          </a:p>
-          <a:p>
-            <a:pPr/>
-            <a:r>
-              <a:t>Technical Balance: Explain AI/ML concepts in business terms</a:t>
-            </a:r>
-          </a:p>
-          <a:p>
-            <a:pPr/>
-            <a:r>
-              <a:t>Success Stories: Share specific document processing improvements</a:t>
-            </a:r>
-          </a:p>
-          <a:p>
-            <a:pPr/>
-            <a:r>
-              <a:t>Future Vision: Connect to broader digital transformation strategy</a:t>
-            </a:r>
-          </a:p>
-        </p:txBody>
-      </p:sp>
-      <p:pic>
-        <p:nvPicPr>
-          <p:cNvPr id="4" name="Picture Placeholder 3" descr="consulting_company_logo.png"/>
-          <p:cNvPicPr>
-            <a:picLocks noGrp="1" noChangeAspect="1"/>
-          </p:cNvPicPr>
-          <p:nvPr>
-            <p:ph type="pic" idx="13" sz="quarter"/>
-          </p:nvPr>
-        </p:nvPicPr>
-        <p:blipFill>
-          <a:blip r:embed="rId2"/>
-          <a:srcRect t="6762" b="6762"/>
-          <a:stretch>
-            <a:fillRect/>
-          </a:stretch>
-        </p:blipFill>
-        <p:spPr/>
-      </p:pic>
+            <a:pPr/>
+            <a:r>
+              <a:rPr b="1"/>
+              <a:t>Live Demo:</a:t>
+            </a:r>
+            <a:r>
+              <a:t> Show document processing in real-time</a:t>
+            </a:r>
+          </a:p>
+          <a:p>
+            <a:pPr/>
+            <a:r>
+              <a:rPr b="1"/>
+              <a:t>Success Metrics:</a:t>
+            </a:r>
+            <a:r>
+              <a:t> Present compelling accuracy and speed improvements</a:t>
+            </a:r>
+          </a:p>
+          <a:p>
+            <a:pPr/>
+            <a:r>
+              <a:rPr b="1"/>
+              <a:t>User Testimonials:</a:t>
+            </a:r>
+            <a:r>
+              <a:t> Share feedback from document processing staff</a:t>
+            </a:r>
+          </a:p>
+          <a:p>
+            <a:pPr/>
+            <a:r>
+              <a:rPr b="1"/>
+              <a:t>Interactive Elements:</a:t>
+            </a:r>
+            <a:r>
+              <a:t> Q&amp;A about specific use cases</a:t>
+            </a:r>
+          </a:p>
+          <a:p>
+            <a:pPr/>
+            <a:r>
+              <a:rPr b="1"/>
+              <a:t>Clear Value Proposition:</a:t>
+            </a:r>
+            <a:r>
+              <a:t> Quantify business impact and ROI</a:t>
+            </a:r>
+          </a:p>
+        </p:txBody>
+      </p:sp>
     </p:spTree>
   </p:cSld>
   <p:clrMapOvr>
@@ -6111,19 +7511,31 @@
           <a:lstStyle/>
           <a:p>
             <a:r>
-              <a:t>**Audience Engagement**</a:t>
-            </a:r>
-          </a:p>
-        </p:txBody>
-      </p:sp>
-      <p:sp>
-        <p:nvSpPr>
-          <p:cNvPr id="3" name="Text Placeholder 2"/>
-          <p:cNvSpPr>
-            <a:spLocks noGrp="1"/>
-          </p:cNvSpPr>
-          <p:nvPr>
-            <p:ph type="body" idx="11" sz="quarter"/>
+              <a:t>**Follow-Up Actions**</a:t>
+            </a:r>
+          </a:p>
+        </p:txBody>
+      </p:sp>
+      <p:sp>
+        <p:nvSpPr>
+          <p:cNvPr id="3" name="Picture Placeholder 2"/>
+          <p:cNvSpPr>
+            <a:spLocks noGrp="1"/>
+          </p:cNvSpPr>
+          <p:nvPr>
+            <p:ph type="pic" idx="13" sz="quarter"/>
+          </p:nvPr>
+        </p:nvSpPr>
+        <p:spPr/>
+      </p:sp>
+      <p:sp>
+        <p:nvSpPr>
+          <p:cNvPr id="4" name="Text Placeholder 3"/>
+          <p:cNvSpPr>
+            <a:spLocks noGrp="1"/>
+          </p:cNvSpPr>
+          <p:nvPr>
+            <p:ph type="body" idx="14" sz="quarter"/>
           </p:nvPr>
         </p:nvSpPr>
         <p:spPr/>
@@ -6131,55 +7543,43 @@
           <a:bodyPr/>
           <a:lstStyle/>
           <a:p>
-            <a:r>
-              <a:t>Live Demo: Show document processing in real-time</a:t>
-            </a:r>
-          </a:p>
-          <a:p>
-            <a:pPr/>
-            <a:r>
-              <a:t>Success Metrics: Present compelling accuracy and speed improvements</a:t>
-            </a:r>
-          </a:p>
-          <a:p>
-            <a:pPr/>
-            <a:r>
-              <a:t>User Testimonials: Share feedback from document processing staff</a:t>
-            </a:r>
-          </a:p>
-          <a:p>
-            <a:pPr/>
-            <a:r>
-              <a:t>Interactive Elements: Q&amp;A about specific use cases</a:t>
-            </a:r>
-          </a:p>
-          <a:p>
-            <a:pPr/>
-            <a:r>
-              <a:t>Clear Value Proposition: Quantify business impact and ROI</a:t>
-            </a:r>
-          </a:p>
-        </p:txBody>
-      </p:sp>
-      <p:pic>
-        <p:nvPicPr>
-          <p:cNvPr id="4" name="Picture Placeholder 3" descr="consulting_company_logo.png"/>
-          <p:cNvPicPr>
-            <a:picLocks noGrp="1" noChangeAspect="1"/>
-          </p:cNvPicPr>
-          <p:nvPr>
-            <p:ph type="pic" idx="13" sz="quarter"/>
-          </p:nvPr>
-        </p:nvPicPr>
-        <p:blipFill>
-          <a:blip r:embed="rId2"/>
-          <a:srcRect t="6762" b="6762"/>
-          <a:stretch>
-            <a:fillRect/>
-          </a:stretch>
-        </p:blipFill>
-        <p:spPr/>
-      </p:pic>
+            <a:pPr/>
+            <a:r>
+              <a:t>[ ] Distribute presentation slides and technical appendices</a:t>
+            </a:r>
+          </a:p>
+          <a:p>
+            <a:pPr/>
+            <a:r>
+              <a:t>[ ] Send detailed AI/ML model performance report</a:t>
+            </a:r>
+          </a:p>
+          <a:p>
+            <a:pPr/>
+            <a:r>
+              <a:t>[ ] Schedule operational handover meetings</a:t>
+            </a:r>
+          </a:p>
+          <a:p>
+            <a:pPr/>
+            <a:r>
+              <a:t>[ ] Document enhancement requests and future roadmap</a:t>
+            </a:r>
+          </a:p>
+          <a:p>
+            <a:pPr/>
+            <a:r>
+              <a:t>[ ] Archive all project documentation and model artifacts</a:t>
+            </a:r>
+          </a:p>
+          <a:p>
+            <a:pPr/>
+            <a:r>
+              <a:t>[ ] Conduct final team celebration and recognition event</a:t>
+            </a:r>
+          </a:p>
+        </p:txBody>
+      </p:sp>
     </p:spTree>
   </p:cSld>
   <p:clrMapOvr>
@@ -6214,19 +7614,31 @@
           <a:lstStyle/>
           <a:p>
             <a:r>
-              <a:t>**Follow-Up Actions**</a:t>
-            </a:r>
-          </a:p>
-        </p:txBody>
-      </p:sp>
-      <p:sp>
-        <p:nvSpPr>
-          <p:cNvPr id="3" name="Text Placeholder 2"/>
-          <p:cNvSpPr>
-            <a:spLocks noGrp="1"/>
-          </p:cNvSpPr>
-          <p:nvPr>
-            <p:ph type="body" idx="11" sz="quarter"/>
+              <a:t>**A. AI/ML Model Performance Dashboard**</a:t>
+            </a:r>
+          </a:p>
+        </p:txBody>
+      </p:sp>
+      <p:sp>
+        <p:nvSpPr>
+          <p:cNvPr id="3" name="Picture Placeholder 2"/>
+          <p:cNvSpPr>
+            <a:spLocks noGrp="1"/>
+          </p:cNvSpPr>
+          <p:nvPr>
+            <p:ph type="pic" idx="13" sz="quarter"/>
+          </p:nvPr>
+        </p:nvSpPr>
+        <p:spPr/>
+      </p:sp>
+      <p:sp>
+        <p:nvSpPr>
+          <p:cNvPr id="4" name="Text Placeholder 3"/>
+          <p:cNvSpPr>
+            <a:spLocks noGrp="1"/>
+          </p:cNvSpPr>
+          <p:nvPr>
+            <p:ph type="body" idx="14" sz="quarter"/>
           </p:nvPr>
         </p:nvSpPr>
         <p:spPr/>
@@ -6234,61 +7646,31 @@
           <a:bodyPr/>
           <a:lstStyle/>
           <a:p>
-            <a:r>
-              <a:t>[ ] Distribute presentation slides and technical appendices</a:t>
-            </a:r>
-          </a:p>
-          <a:p>
-            <a:pPr/>
-            <a:r>
-              <a:t>[ ] Send detailed AI/ML model performance report</a:t>
-            </a:r>
-          </a:p>
-          <a:p>
-            <a:pPr/>
-            <a:r>
-              <a:t>[ ] Schedule operational handover meetings</a:t>
-            </a:r>
-          </a:p>
-          <a:p>
-            <a:pPr/>
-            <a:r>
-              <a:t>[ ] Document enhancement requests and future roadmap</a:t>
-            </a:r>
-          </a:p>
-          <a:p>
-            <a:pPr/>
-            <a:r>
-              <a:t>[ ] Archive all project documentation and model artifacts</a:t>
-            </a:r>
-          </a:p>
-          <a:p>
-            <a:pPr/>
-            <a:r>
-              <a:t>[ ] Conduct final team celebration and recognition event</a:t>
-            </a:r>
-          </a:p>
-        </p:txBody>
-      </p:sp>
-      <p:pic>
-        <p:nvPicPr>
-          <p:cNvPr id="4" name="Picture Placeholder 3" descr="consulting_company_logo.png"/>
-          <p:cNvPicPr>
-            <a:picLocks noGrp="1" noChangeAspect="1"/>
-          </p:cNvPicPr>
-          <p:nvPr>
-            <p:ph type="pic" idx="13" sz="quarter"/>
-          </p:nvPr>
-        </p:nvPicPr>
-        <p:blipFill>
-          <a:blip r:embed="rId2"/>
-          <a:srcRect t="6762" b="6762"/>
-          <a:stretch>
-            <a:fillRect/>
-          </a:stretch>
-        </p:blipFill>
-        <p:spPr/>
-      </p:pic>
+            <a:pPr/>
+            <a:r>
+              <a:t>[Document classification accuracy by type]</a:t>
+            </a:r>
+          </a:p>
+          <a:p>
+            <a:pPr/>
+            <a:r>
+              <a:t>[Data extraction accuracy by field]</a:t>
+            </a:r>
+          </a:p>
+          <a:p>
+            <a:pPr/>
+            <a:r>
+              <a:t>[Processing speed and throughput metrics]</a:t>
+            </a:r>
+          </a:p>
+          <a:p>
+            <a:pPr/>
+            <a:r>
+              <a:t>[Confidence score distributions]</a:t>
+            </a:r>
+          </a:p>
+        </p:txBody>
+      </p:sp>
     </p:spTree>
   </p:cSld>
   <p:clrMapOvr>
@@ -6323,19 +7705,31 @@
           <a:lstStyle/>
           <a:p>
             <a:r>
-              <a:t>**A. AI/ML Model Performance Dashboard**</a:t>
-            </a:r>
-          </a:p>
-        </p:txBody>
-      </p:sp>
-      <p:sp>
-        <p:nvSpPr>
-          <p:cNvPr id="3" name="Text Placeholder 2"/>
-          <p:cNvSpPr>
-            <a:spLocks noGrp="1"/>
-          </p:cNvSpPr>
-          <p:nvPr>
-            <p:ph type="body" idx="11" sz="quarter"/>
+              <a:t>**B. Stakeholder Feedback Summary**</a:t>
+            </a:r>
+          </a:p>
+        </p:txBody>
+      </p:sp>
+      <p:sp>
+        <p:nvSpPr>
+          <p:cNvPr id="3" name="Picture Placeholder 2"/>
+          <p:cNvSpPr>
+            <a:spLocks noGrp="1"/>
+          </p:cNvSpPr>
+          <p:nvPr>
+            <p:ph type="pic" idx="13" sz="quarter"/>
+          </p:nvPr>
+        </p:nvSpPr>
+        <p:spPr/>
+      </p:sp>
+      <p:sp>
+        <p:nvSpPr>
+          <p:cNvPr id="4" name="Text Placeholder 3"/>
+          <p:cNvSpPr>
+            <a:spLocks noGrp="1"/>
+          </p:cNvSpPr>
+          <p:nvPr>
+            <p:ph type="body" idx="14" sz="quarter"/>
           </p:nvPr>
         </p:nvSpPr>
         <p:spPr/>
@@ -6343,49 +7737,31 @@
           <a:bodyPr/>
           <a:lstStyle/>
           <a:p>
-            <a:r>
-              <a:t>[Document classification accuracy by type]</a:t>
-            </a:r>
-          </a:p>
-          <a:p>
-            <a:pPr/>
-            <a:r>
-              <a:t>[Data extraction accuracy by field]</a:t>
-            </a:r>
-          </a:p>
-          <a:p>
-            <a:pPr/>
-            <a:r>
-              <a:t>[Processing speed and throughput metrics]</a:t>
-            </a:r>
-          </a:p>
-          <a:p>
-            <a:pPr/>
-            <a:r>
-              <a:t>[Confidence score distributions]</a:t>
-            </a:r>
-          </a:p>
-        </p:txBody>
-      </p:sp>
-      <p:pic>
-        <p:nvPicPr>
-          <p:cNvPr id="4" name="Picture Placeholder 3" descr="consulting_company_logo.png"/>
-          <p:cNvPicPr>
-            <a:picLocks noGrp="1" noChangeAspect="1"/>
-          </p:cNvPicPr>
-          <p:nvPr>
-            <p:ph type="pic" idx="13" sz="quarter"/>
-          </p:nvPr>
-        </p:nvPicPr>
-        <p:blipFill>
-          <a:blip r:embed="rId2"/>
-          <a:srcRect t="6762" b="6762"/>
-          <a:stretch>
-            <a:fillRect/>
-          </a:stretch>
-        </p:blipFill>
-        <p:spPr/>
-      </p:pic>
+            <a:pPr/>
+            <a:r>
+              <a:t>[User satisfaction survey results]</a:t>
+            </a:r>
+          </a:p>
+          <a:p>
+            <a:pPr/>
+            <a:r>
+              <a:t>[Business stakeholder feedback]</a:t>
+            </a:r>
+          </a:p>
+          <a:p>
+            <a:pPr/>
+            <a:r>
+              <a:t>[Technical team assessment]</a:t>
+            </a:r>
+          </a:p>
+          <a:p>
+            <a:pPr/>
+            <a:r>
+              <a:t>[Executive sponsor evaluation]</a:t>
+            </a:r>
+          </a:p>
+        </p:txBody>
+      </p:sp>
     </p:spTree>
   </p:cSld>
   <p:clrMapOvr>
@@ -6420,19 +7796,31 @@
           <a:lstStyle/>
           <a:p>
             <a:r>
-              <a:t>**B. Stakeholder Feedback Summary**</a:t>
-            </a:r>
-          </a:p>
-        </p:txBody>
-      </p:sp>
-      <p:sp>
-        <p:nvSpPr>
-          <p:cNvPr id="3" name="Text Placeholder 2"/>
-          <p:cNvSpPr>
-            <a:spLocks noGrp="1"/>
-          </p:cNvSpPr>
-          <p:nvPr>
-            <p:ph type="body" idx="11" sz="quarter"/>
+              <a:t>**C. Technical Artifacts**</a:t>
+            </a:r>
+          </a:p>
+        </p:txBody>
+      </p:sp>
+      <p:sp>
+        <p:nvSpPr>
+          <p:cNvPr id="3" name="Picture Placeholder 2"/>
+          <p:cNvSpPr>
+            <a:spLocks noGrp="1"/>
+          </p:cNvSpPr>
+          <p:nvPr>
+            <p:ph type="pic" idx="13" sz="quarter"/>
+          </p:nvPr>
+        </p:nvSpPr>
+        <p:spPr/>
+      </p:sp>
+      <p:sp>
+        <p:nvSpPr>
+          <p:cNvPr id="4" name="Text Placeholder 3"/>
+          <p:cNvSpPr>
+            <a:spLocks noGrp="1"/>
+          </p:cNvSpPr>
+          <p:nvPr>
+            <p:ph type="body" idx="14" sz="quarter"/>
           </p:nvPr>
         </p:nvSpPr>
         <p:spPr/>
@@ -6440,49 +7828,31 @@
           <a:bodyPr/>
           <a:lstStyle/>
           <a:p>
-            <a:r>
-              <a:t>[User satisfaction survey results]</a:t>
-            </a:r>
-          </a:p>
-          <a:p>
-            <a:pPr/>
-            <a:r>
-              <a:t>[Business stakeholder feedback]</a:t>
-            </a:r>
-          </a:p>
-          <a:p>
-            <a:pPr/>
-            <a:r>
-              <a:t>[Technical team assessment]</a:t>
-            </a:r>
-          </a:p>
-          <a:p>
-            <a:pPr/>
-            <a:r>
-              <a:t>[Executive sponsor evaluation]</a:t>
-            </a:r>
-          </a:p>
-        </p:txBody>
-      </p:sp>
-      <p:pic>
-        <p:nvPicPr>
-          <p:cNvPr id="4" name="Picture Placeholder 3" descr="consulting_company_logo.png"/>
-          <p:cNvPicPr>
-            <a:picLocks noGrp="1" noChangeAspect="1"/>
-          </p:cNvPicPr>
-          <p:nvPr>
-            <p:ph type="pic" idx="13" sz="quarter"/>
-          </p:nvPr>
-        </p:nvPicPr>
-        <p:blipFill>
-          <a:blip r:embed="rId2"/>
-          <a:srcRect t="6762" b="6762"/>
-          <a:stretch>
-            <a:fillRect/>
-          </a:stretch>
-        </p:blipFill>
-        <p:spPr/>
-      </p:pic>
+            <a:pPr/>
+            <a:r>
+              <a:t>[AI/ML model specifications and parameters]</a:t>
+            </a:r>
+          </a:p>
+          <a:p>
+            <a:pPr/>
+            <a:r>
+              <a:t>[AWS architecture diagrams and configurations]</a:t>
+            </a:r>
+          </a:p>
+          <a:p>
+            <a:pPr/>
+            <a:r>
+              <a:t>[API documentation and integration guides]</a:t>
+            </a:r>
+          </a:p>
+          <a:p>
+            <a:pPr/>
+            <a:r>
+              <a:t>[Training materials and video tutorials]</a:t>
+            </a:r>
+          </a:p>
+        </p:txBody>
+      </p:sp>
     </p:spTree>
   </p:cSld>
   <p:clrMapOvr>
@@ -6517,19 +7887,31 @@
           <a:lstStyle/>
           <a:p>
             <a:r>
-              <a:t>**C. Technical Artifacts**</a:t>
-            </a:r>
-          </a:p>
-        </p:txBody>
-      </p:sp>
-      <p:sp>
-        <p:nvSpPr>
-          <p:cNvPr id="3" name="Text Placeholder 2"/>
-          <p:cNvSpPr>
-            <a:spLocks noGrp="1"/>
-          </p:cNvSpPr>
-          <p:nvPr>
-            <p:ph type="body" idx="11" sz="quarter"/>
+              <a:t>**D. Operational Transition Documentation**</a:t>
+            </a:r>
+          </a:p>
+        </p:txBody>
+      </p:sp>
+      <p:sp>
+        <p:nvSpPr>
+          <p:cNvPr id="3" name="Picture Placeholder 2"/>
+          <p:cNvSpPr>
+            <a:spLocks noGrp="1"/>
+          </p:cNvSpPr>
+          <p:nvPr>
+            <p:ph type="pic" idx="13" sz="quarter"/>
+          </p:nvPr>
+        </p:nvSpPr>
+        <p:spPr/>
+      </p:sp>
+      <p:sp>
+        <p:nvSpPr>
+          <p:cNvPr id="4" name="Text Placeholder 3"/>
+          <p:cNvSpPr>
+            <a:spLocks noGrp="1"/>
+          </p:cNvSpPr>
+          <p:nvPr>
+            <p:ph type="body" idx="14" sz="quarter"/>
           </p:nvPr>
         </p:nvSpPr>
         <p:spPr/>
@@ -6537,103 +7919,7 @@
           <a:bodyPr/>
           <a:lstStyle/>
           <a:p>
-            <a:r>
-              <a:t>[AI/ML model specifications and parameters]</a:t>
-            </a:r>
-          </a:p>
-          <a:p>
-            <a:pPr/>
-            <a:r>
-              <a:t>[AWS architecture diagrams and configurations]</a:t>
-            </a:r>
-          </a:p>
-          <a:p>
-            <a:pPr/>
-            <a:r>
-              <a:t>[API documentation and integration guides]</a:t>
-            </a:r>
-          </a:p>
-          <a:p>
-            <a:pPr/>
-            <a:r>
-              <a:t>[Training materials and video tutorials]</a:t>
-            </a:r>
-          </a:p>
-        </p:txBody>
-      </p:sp>
-      <p:pic>
-        <p:nvPicPr>
-          <p:cNvPr id="4" name="Picture Placeholder 3" descr="consulting_company_logo.png"/>
-          <p:cNvPicPr>
-            <a:picLocks noGrp="1" noChangeAspect="1"/>
-          </p:cNvPicPr>
-          <p:nvPr>
-            <p:ph type="pic" idx="13" sz="quarter"/>
-          </p:nvPr>
-        </p:nvPicPr>
-        <p:blipFill>
-          <a:blip r:embed="rId2"/>
-          <a:srcRect t="6762" b="6762"/>
-          <a:stretch>
-            <a:fillRect/>
-          </a:stretch>
-        </p:blipFill>
-        <p:spPr/>
-      </p:pic>
-    </p:spTree>
-  </p:cSld>
-  <p:clrMapOvr>
-    <a:masterClrMapping/>
-  </p:clrMapOvr>
-</p:sld>
-</file>
-
-<file path=ppt/slides/slide37.xml><?xml version="1.0" encoding="utf-8"?>
-<p:sld xmlns:a="http://schemas.openxmlformats.org/drawingml/2006/main" xmlns:p="http://schemas.openxmlformats.org/presentationml/2006/main" xmlns:r="http://schemas.openxmlformats.org/officeDocument/2006/relationships">
-  <p:cSld>
-    <p:spTree>
-      <p:nvGrpSpPr>
-        <p:cNvPr id="1" name=""/>
-        <p:cNvGrpSpPr/>
-        <p:nvPr/>
-      </p:nvGrpSpPr>
-      <p:grpSpPr/>
-      <p:sp>
-        <p:nvSpPr>
-          <p:cNvPr id="2" name="Text Placeholder 1"/>
-          <p:cNvSpPr>
-            <a:spLocks noGrp="1"/>
-          </p:cNvSpPr>
-          <p:nvPr>
-            <p:ph type="body" idx="10" sz="quarter"/>
-          </p:nvPr>
-        </p:nvSpPr>
-        <p:spPr/>
-        <p:txBody>
-          <a:bodyPr/>
-          <a:lstStyle/>
-          <a:p>
-            <a:r>
-              <a:t>**D. Operational Transition Documentation**</a:t>
-            </a:r>
-          </a:p>
-        </p:txBody>
-      </p:sp>
-      <p:sp>
-        <p:nvSpPr>
-          <p:cNvPr id="3" name="Text Placeholder 2"/>
-          <p:cNvSpPr>
-            <a:spLocks noGrp="1"/>
-          </p:cNvSpPr>
-          <p:nvPr>
-            <p:ph type="body" idx="11" sz="quarter"/>
-          </p:nvPr>
-        </p:nvSpPr>
-        <p:spPr/>
-        <p:txBody>
-          <a:bodyPr/>
-          <a:lstStyle/>
-          <a:p>
+            <a:pPr/>
             <a:r>
               <a:t>[System administration runbooks]</a:t>
             </a:r>
@@ -6658,25 +7944,6 @@
           </a:p>
         </p:txBody>
       </p:sp>
-      <p:pic>
-        <p:nvPicPr>
-          <p:cNvPr id="4" name="Picture Placeholder 3" descr="consulting_company_logo.png"/>
-          <p:cNvPicPr>
-            <a:picLocks noGrp="1" noChangeAspect="1"/>
-          </p:cNvPicPr>
-          <p:nvPr>
-            <p:ph type="pic" idx="13" sz="quarter"/>
-          </p:nvPr>
-        </p:nvPicPr>
-        <p:blipFill>
-          <a:blip r:embed="rId2"/>
-          <a:srcRect t="6762" b="6762"/>
-          <a:stretch>
-            <a:fillRect/>
-          </a:stretch>
-        </p:blipFill>
-        <p:spPr/>
-      </p:pic>
     </p:spTree>
   </p:cSld>
   <p:clrMapOvr>
@@ -6710,76 +7977,599 @@
           <a:bodyPr/>
           <a:lstStyle/>
           <a:p>
-            <a:r>
-              <a:t>**Slide 3: IDP Project Charter Recap**</a:t>
-            </a:r>
-          </a:p>
-        </p:txBody>
-      </p:sp>
-      <p:sp>
-        <p:nvSpPr>
-          <p:cNvPr id="3" name="Text Placeholder 2"/>
-          <p:cNvSpPr>
-            <a:spLocks noGrp="1"/>
-          </p:cNvSpPr>
-          <p:nvPr>
-            <p:ph type="body" idx="11" sz="quarter"/>
-          </p:nvPr>
-        </p:nvSpPr>
-        <p:spPr/>
-        <p:txBody>
-          <a:bodyPr/>
-          <a:lstStyle/>
-          <a:p>
-            <a:r>
-              <a:t>Original Business Problem: Manual document processing causing delays, errors, and high operational costs</a:t>
-            </a:r>
-          </a:p>
-          <a:p>
-            <a:pPr/>
-            <a:r>
-              <a:t>Project Objectives: Automate document processing with 95%+ accuracy and 80% cost reduction</a:t>
-            </a:r>
-          </a:p>
-          <a:p>
-            <a:pPr/>
-            <a:r>
-              <a:t>Success Criteria: Processing speed improvement, accuracy targets, user adoption rates</a:t>
-            </a:r>
-          </a:p>
-          <a:p>
-            <a:pPr/>
-            <a:r>
-              <a:t>Project Scope: Document types, extraction fields, integration systems</a:t>
-            </a:r>
-          </a:p>
-          <a:p>
-            <a:pPr/>
-            <a:r>
-              <a:t>Initial Timeline: [Original vs. actual timeline]</a:t>
-            </a:r>
-          </a:p>
-        </p:txBody>
-      </p:sp>
-      <p:pic>
-        <p:nvPicPr>
-          <p:cNvPr id="4" name="Picture Placeholder 3" descr="consulting_company_logo.png"/>
-          <p:cNvPicPr>
-            <a:picLocks noGrp="1" noChangeAspect="1"/>
-          </p:cNvPicPr>
+            <a:pPr algn="l"/>
+            <a:r>
+              <a:rPr b="1"/>
+              <a:t>**Slide 4: IDP Solution Scope Delivered**</a:t>
+            </a:r>
+          </a:p>
+        </p:txBody>
+      </p:sp>
+      <p:sp>
+        <p:nvSpPr>
+          <p:cNvPr id="3" name="Picture Placeholder 2"/>
+          <p:cNvSpPr>
+            <a:spLocks noGrp="1"/>
+          </p:cNvSpPr>
           <p:nvPr>
             <p:ph type="pic" idx="13" sz="quarter"/>
           </p:nvPr>
-        </p:nvPicPr>
-        <p:blipFill>
-          <a:blip r:embed="rId2"/>
-          <a:srcRect t="6762" b="6762"/>
-          <a:stretch>
-            <a:fillRect/>
-          </a:stretch>
-        </p:blipFill>
-        <p:spPr/>
-      </p:pic>
+        </p:nvSpPr>
+        <p:spPr/>
+      </p:sp>
+      <p:graphicFrame>
+        <p:nvGraphicFramePr>
+          <p:cNvPr id="4" name="Table Placeholder 3"/>
+          <p:cNvGraphicFramePr>
+            <a:graphicFrameLocks noGrp="1"/>
+          </p:cNvGraphicFramePr>
+          <p:nvPr>
+            <p:ph type="tbl" idx="14" sz="quarter"/>
+          </p:nvPr>
+        </p:nvGraphicFramePr>
+        <p:xfrm>
+          <a:off x="256855" y="677011"/>
+          <a:ext cx="8710929" cy="2225040"/>
+        </p:xfrm>
+        <a:graphic>
+          <a:graphicData uri="http://schemas.openxmlformats.org/drawingml/2006/table">
+            <a:tbl>
+              <a:tblPr firstRow="1" bandRow="1">
+                <a:tableStyleId>{5C22544A-7EE6-4342-B048-85BDC9FD1C3A}</a:tableStyleId>
+              </a:tblPr>
+              <a:tblGrid>
+                <a:gridCol w="2177733"/>
+                <a:gridCol w="1306639"/>
+                <a:gridCol w="1045311"/>
+                <a:gridCol w="1567967"/>
+                <a:gridCol w="2613279"/>
+              </a:tblGrid>
+              <a:tr h="370840">
+                <a:tc>
+                  <a:txBody>
+                    <a:bodyPr/>
+                    <a:lstStyle/>
+                    <a:p>
+                      <a:r>
+                        <a:rPr b="1" sz="1400">
+                          <a:solidFill>
+                            <a:srgbClr val="FFFFFF"/>
+                          </a:solidFill>
+                        </a:rPr>
+                        <a:t>Scope Element</a:t>
+                      </a:r>
+                    </a:p>
+                  </a:txBody>
+                  <a:tcPr>
+                    <a:solidFill>
+                      <a:srgbClr val="A01C02"/>
+                    </a:solidFill>
+                  </a:tcPr>
+                </a:tc>
+                <a:tc>
+                  <a:txBody>
+                    <a:bodyPr/>
+                    <a:lstStyle/>
+                    <a:p>
+                      <a:r>
+                        <a:rPr b="1" sz="1400">
+                          <a:solidFill>
+                            <a:srgbClr val="FFFFFF"/>
+                          </a:solidFill>
+                        </a:rPr>
+                        <a:t>Planned</a:t>
+                      </a:r>
+                    </a:p>
+                  </a:txBody>
+                  <a:tcPr>
+                    <a:solidFill>
+                      <a:srgbClr val="A01C02"/>
+                    </a:solidFill>
+                  </a:tcPr>
+                </a:tc>
+                <a:tc>
+                  <a:txBody>
+                    <a:bodyPr/>
+                    <a:lstStyle/>
+                    <a:p>
+                      <a:r>
+                        <a:rPr b="1" sz="1400">
+                          <a:solidFill>
+                            <a:srgbClr val="FFFFFF"/>
+                          </a:solidFill>
+                        </a:rPr>
+                        <a:t>Delivered</a:t>
+                      </a:r>
+                    </a:p>
+                  </a:txBody>
+                  <a:tcPr>
+                    <a:solidFill>
+                      <a:srgbClr val="A01C02"/>
+                    </a:solidFill>
+                  </a:tcPr>
+                </a:tc>
+                <a:tc>
+                  <a:txBody>
+                    <a:bodyPr/>
+                    <a:lstStyle/>
+                    <a:p>
+                      <a:r>
+                        <a:rPr b="1" sz="1400">
+                          <a:solidFill>
+                            <a:srgbClr val="FFFFFF"/>
+                          </a:solidFill>
+                        </a:rPr>
+                        <a:t>Status</a:t>
+                      </a:r>
+                    </a:p>
+                  </a:txBody>
+                  <a:tcPr>
+                    <a:solidFill>
+                      <a:srgbClr val="A01C02"/>
+                    </a:solidFill>
+                  </a:tcPr>
+                </a:tc>
+                <a:tc>
+                  <a:txBody>
+                    <a:bodyPr/>
+                    <a:lstStyle/>
+                    <a:p>
+                      <a:r>
+                        <a:rPr b="1" sz="1400">
+                          <a:solidFill>
+                            <a:srgbClr val="FFFFFF"/>
+                          </a:solidFill>
+                        </a:rPr>
+                        <a:t>Notes</a:t>
+                      </a:r>
+                    </a:p>
+                  </a:txBody>
+                  <a:tcPr>
+                    <a:solidFill>
+                      <a:srgbClr val="A01C02"/>
+                    </a:solidFill>
+                  </a:tcPr>
+                </a:tc>
+              </a:tr>
+              <a:tr h="370840">
+                <a:tc>
+                  <a:txBody>
+                    <a:bodyPr/>
+                    <a:lstStyle/>
+                    <a:p>
+                      <a:r>
+                        <a:rPr sz="1100"/>
+                        <a:t>Document Classification</a:t>
+                      </a:r>
+                    </a:p>
+                  </a:txBody>
+                  <a:tcPr>
+                    <a:solidFill>
+                      <a:srgbClr val="E7E6E6"/>
+                    </a:solidFill>
+                  </a:tcPr>
+                </a:tc>
+                <a:tc>
+                  <a:txBody>
+                    <a:bodyPr/>
+                    <a:lstStyle/>
+                    <a:p>
+                      <a:r>
+                        <a:rPr sz="1100"/>
+                        <a:t>AWS Textract + Custom Models</a:t>
+                      </a:r>
+                    </a:p>
+                  </a:txBody>
+                  <a:tcPr>
+                    <a:solidFill>
+                      <a:srgbClr val="E7E6E6"/>
+                    </a:solidFill>
+                  </a:tcPr>
+                </a:tc>
+                <a:tc>
+                  <a:txBody>
+                    <a:bodyPr/>
+                    <a:lstStyle/>
+                    <a:p>
+                      <a:r>
+                        <a:rPr sz="1100"/>
+                        <a:t>Multi-format classification system</a:t>
+                      </a:r>
+                    </a:p>
+                  </a:txBody>
+                  <a:tcPr>
+                    <a:solidFill>
+                      <a:srgbClr val="E7E6E6"/>
+                    </a:solidFill>
+                  </a:tcPr>
+                </a:tc>
+                <a:tc>
+                  <a:txBody>
+                    <a:bodyPr/>
+                    <a:lstStyle/>
+                    <a:p>
+                      <a:r>
+                        <a:rPr sz="1100"/>
+                        <a:t>✅ Complete</a:t>
+                      </a:r>
+                    </a:p>
+                  </a:txBody>
+                  <a:tcPr>
+                    <a:solidFill>
+                      <a:srgbClr val="E7E6E6"/>
+                    </a:solidFill>
+                  </a:tcPr>
+                </a:tc>
+                <a:tc>
+                  <a:txBody>
+                    <a:bodyPr/>
+                    <a:lstStyle/>
+                    <a:p>
+                      <a:r>
+                        <a:rPr sz="1100"/>
+                        <a:t>Handles 15+ document types</a:t>
+                      </a:r>
+                    </a:p>
+                  </a:txBody>
+                  <a:tcPr>
+                    <a:solidFill>
+                      <a:srgbClr val="E7E6E6"/>
+                    </a:solidFill>
+                  </a:tcPr>
+                </a:tc>
+              </a:tr>
+              <a:tr h="370840">
+                <a:tc>
+                  <a:txBody>
+                    <a:bodyPr/>
+                    <a:lstStyle/>
+                    <a:p>
+                      <a:r>
+                        <a:rPr sz="1100"/>
+                        <a:t>Data Extraction</a:t>
+                      </a:r>
+                    </a:p>
+                  </a:txBody>
+                  <a:tcPr>
+                    <a:solidFill>
+                      <a:srgbClr val="E7E6E6"/>
+                    </a:solidFill>
+                  </a:tcPr>
+                </a:tc>
+                <a:tc>
+                  <a:txBody>
+                    <a:bodyPr/>
+                    <a:lstStyle/>
+                    <a:p>
+                      <a:r>
+                        <a:rPr sz="1100"/>
+                        <a:t>Field-level extraction</a:t>
+                      </a:r>
+                    </a:p>
+                  </a:txBody>
+                  <a:tcPr>
+                    <a:solidFill>
+                      <a:srgbClr val="E7E6E6"/>
+                    </a:solidFill>
+                  </a:tcPr>
+                </a:tc>
+                <a:tc>
+                  <a:txBody>
+                    <a:bodyPr/>
+                    <a:lstStyle/>
+                    <a:p>
+                      <a:r>
+                        <a:rPr sz="1100"/>
+                        <a:t>Intelligent field detection and extraction</a:t>
+                      </a:r>
+                    </a:p>
+                  </a:txBody>
+                  <a:tcPr>
+                    <a:solidFill>
+                      <a:srgbClr val="E7E6E6"/>
+                    </a:solidFill>
+                  </a:tcPr>
+                </a:tc>
+                <a:tc>
+                  <a:txBody>
+                    <a:bodyPr/>
+                    <a:lstStyle/>
+                    <a:p>
+                      <a:r>
+                        <a:rPr sz="1100"/>
+                        <a:t>✅ Complete</a:t>
+                      </a:r>
+                    </a:p>
+                  </a:txBody>
+                  <a:tcPr>
+                    <a:solidFill>
+                      <a:srgbClr val="E7E6E6"/>
+                    </a:solidFill>
+                  </a:tcPr>
+                </a:tc>
+                <a:tc>
+                  <a:txBody>
+                    <a:bodyPr/>
+                    <a:lstStyle/>
+                    <a:p>
+                      <a:r>
+                        <a:rPr sz="1100"/>
+                        <a:t>95.2% accuracy achieved</a:t>
+                      </a:r>
+                    </a:p>
+                  </a:txBody>
+                  <a:tcPr>
+                    <a:solidFill>
+                      <a:srgbClr val="E7E6E6"/>
+                    </a:solidFill>
+                  </a:tcPr>
+                </a:tc>
+              </a:tr>
+              <a:tr h="370840">
+                <a:tc>
+                  <a:txBody>
+                    <a:bodyPr/>
+                    <a:lstStyle/>
+                    <a:p>
+                      <a:r>
+                        <a:rPr sz="1100"/>
+                        <a:t>API Integration</a:t>
+                      </a:r>
+                    </a:p>
+                  </a:txBody>
+                  <a:tcPr>
+                    <a:solidFill>
+                      <a:srgbClr val="E7E6E6"/>
+                    </a:solidFill>
+                  </a:tcPr>
+                </a:tc>
+                <a:tc>
+                  <a:txBody>
+                    <a:bodyPr/>
+                    <a:lstStyle/>
+                    <a:p>
+                      <a:r>
+                        <a:rPr sz="1100"/>
+                        <a:t>REST APIs</a:t>
+                      </a:r>
+                    </a:p>
+                  </a:txBody>
+                  <a:tcPr>
+                    <a:solidFill>
+                      <a:srgbClr val="E7E6E6"/>
+                    </a:solidFill>
+                  </a:tcPr>
+                </a:tc>
+                <a:tc>
+                  <a:txBody>
+                    <a:bodyPr/>
+                    <a:lstStyle/>
+                    <a:p>
+                      <a:r>
+                        <a:rPr sz="1100"/>
+                        <a:t>Full API suite with authentication</a:t>
+                      </a:r>
+                    </a:p>
+                  </a:txBody>
+                  <a:tcPr>
+                    <a:solidFill>
+                      <a:srgbClr val="E7E6E6"/>
+                    </a:solidFill>
+                  </a:tcPr>
+                </a:tc>
+                <a:tc>
+                  <a:txBody>
+                    <a:bodyPr/>
+                    <a:lstStyle/>
+                    <a:p>
+                      <a:r>
+                        <a:rPr sz="1100"/>
+                        <a:t>✅ Complete</a:t>
+                      </a:r>
+                    </a:p>
+                  </a:txBody>
+                  <a:tcPr>
+                    <a:solidFill>
+                      <a:srgbClr val="E7E6E6"/>
+                    </a:solidFill>
+                  </a:tcPr>
+                </a:tc>
+                <a:tc>
+                  <a:txBody>
+                    <a:bodyPr/>
+                    <a:lstStyle/>
+                    <a:p>
+                      <a:r>
+                        <a:rPr sz="1100"/>
+                        <a:t>Real-time and batch processing</a:t>
+                      </a:r>
+                    </a:p>
+                  </a:txBody>
+                  <a:tcPr>
+                    <a:solidFill>
+                      <a:srgbClr val="E7E6E6"/>
+                    </a:solidFill>
+                  </a:tcPr>
+                </a:tc>
+              </a:tr>
+              <a:tr h="370840">
+                <a:tc>
+                  <a:txBody>
+                    <a:bodyPr/>
+                    <a:lstStyle/>
+                    <a:p>
+                      <a:r>
+                        <a:rPr sz="1100"/>
+                        <a:t>Web Interface</a:t>
+                      </a:r>
+                    </a:p>
+                  </a:txBody>
+                  <a:tcPr>
+                    <a:solidFill>
+                      <a:srgbClr val="E7E6E6"/>
+                    </a:solidFill>
+                  </a:tcPr>
+                </a:tc>
+                <a:tc>
+                  <a:txBody>
+                    <a:bodyPr/>
+                    <a:lstStyle/>
+                    <a:p>
+                      <a:r>
+                        <a:rPr sz="1100"/>
+                        <a:t>Document upload/review</a:t>
+                      </a:r>
+                    </a:p>
+                  </a:txBody>
+                  <a:tcPr>
+                    <a:solidFill>
+                      <a:srgbClr val="E7E6E6"/>
+                    </a:solidFill>
+                  </a:tcPr>
+                </a:tc>
+                <a:tc>
+                  <a:txBody>
+                    <a:bodyPr/>
+                    <a:lstStyle/>
+                    <a:p>
+                      <a:r>
+                        <a:rPr sz="1100"/>
+                        <a:t>User-friendly processing interface</a:t>
+                      </a:r>
+                    </a:p>
+                  </a:txBody>
+                  <a:tcPr>
+                    <a:solidFill>
+                      <a:srgbClr val="E7E6E6"/>
+                    </a:solidFill>
+                  </a:tcPr>
+                </a:tc>
+                <a:tc>
+                  <a:txBody>
+                    <a:bodyPr/>
+                    <a:lstStyle/>
+                    <a:p>
+                      <a:r>
+                        <a:rPr sz="1100"/>
+                        <a:t>✅ Complete</a:t>
+                      </a:r>
+                    </a:p>
+                  </a:txBody>
+                  <a:tcPr>
+                    <a:solidFill>
+                      <a:srgbClr val="E7E6E6"/>
+                    </a:solidFill>
+                  </a:tcPr>
+                </a:tc>
+                <a:tc>
+                  <a:txBody>
+                    <a:bodyPr/>
+                    <a:lstStyle/>
+                    <a:p>
+                      <a:r>
+                        <a:rPr sz="1100"/>
+                        <a:t>Mobile-responsive design</a:t>
+                      </a:r>
+                    </a:p>
+                  </a:txBody>
+                  <a:tcPr>
+                    <a:solidFill>
+                      <a:srgbClr val="E7E6E6"/>
+                    </a:solidFill>
+                  </a:tcPr>
+                </a:tc>
+              </a:tr>
+              <a:tr h="370840">
+                <a:tc>
+                  <a:txBody>
+                    <a:bodyPr/>
+                    <a:lstStyle/>
+                    <a:p>
+                      <a:r>
+                        <a:rPr sz="1100"/>
+                        <a:t>ML Model Training</a:t>
+                      </a:r>
+                    </a:p>
+                  </a:txBody>
+                  <a:tcPr>
+                    <a:solidFill>
+                      <a:srgbClr val="E7E6E6"/>
+                    </a:solidFill>
+                  </a:tcPr>
+                </a:tc>
+                <a:tc>
+                  <a:txBody>
+                    <a:bodyPr/>
+                    <a:lstStyle/>
+                    <a:p>
+                      <a:r>
+                        <a:rPr sz="1100"/>
+                        <a:t>Custom models</a:t>
+                      </a:r>
+                    </a:p>
+                  </a:txBody>
+                  <a:tcPr>
+                    <a:solidFill>
+                      <a:srgbClr val="E7E6E6"/>
+                    </a:solidFill>
+                  </a:tcPr>
+                </a:tc>
+                <a:tc>
+                  <a:txBody>
+                    <a:bodyPr/>
+                    <a:lstStyle/>
+                    <a:p>
+                      <a:r>
+                        <a:rPr sz="1100"/>
+                        <a:t>Production-ready classification models</a:t>
+                      </a:r>
+                    </a:p>
+                  </a:txBody>
+                  <a:tcPr>
+                    <a:solidFill>
+                      <a:srgbClr val="E7E6E6"/>
+                    </a:solidFill>
+                  </a:tcPr>
+                </a:tc>
+                <a:tc>
+                  <a:txBody>
+                    <a:bodyPr/>
+                    <a:lstStyle/>
+                    <a:p>
+                      <a:r>
+                        <a:rPr sz="1100"/>
+                        <a:t>✅ Complete</a:t>
+                      </a:r>
+                    </a:p>
+                  </a:txBody>
+                  <a:tcPr>
+                    <a:solidFill>
+                      <a:srgbClr val="E7E6E6"/>
+                    </a:solidFill>
+                  </a:tcPr>
+                </a:tc>
+                <a:tc>
+                  <a:txBody>
+                    <a:bodyPr/>
+                    <a:lstStyle/>
+                    <a:p>
+                      <a:r>
+                        <a:rPr sz="1100"/>
+                        <a:t>Continuous learning capability</a:t>
+                      </a:r>
+                    </a:p>
+                  </a:txBody>
+                  <a:tcPr>
+                    <a:solidFill>
+                      <a:srgbClr val="E7E6E6"/>
+                    </a:solidFill>
+                  </a:tcPr>
+                </a:tc>
+              </a:tr>
+            </a:tbl>
+          </a:graphicData>
+        </a:graphic>
+      </p:graphicFrame>
     </p:spTree>
   </p:cSld>
   <p:clrMapOvr>
@@ -6813,48 +8603,38 @@
           <a:bodyPr/>
           <a:lstStyle/>
           <a:p>
-            <a:r>
-              <a:t>**Slide 4: IDP Solution Scope Delivered**</a:t>
-            </a:r>
-          </a:p>
-        </p:txBody>
-      </p:sp>
-      <p:sp>
-        <p:nvSpPr>
-          <p:cNvPr id="3" name="Text Placeholder 2"/>
-          <p:cNvSpPr>
-            <a:spLocks noGrp="1"/>
-          </p:cNvSpPr>
-          <p:nvPr>
-            <p:ph type="body" idx="11" sz="quarter"/>
-          </p:nvPr>
-        </p:nvSpPr>
-        <p:spPr/>
-        <p:txBody>
-          <a:bodyPr/>
-          <a:lstStyle/>
-          <a:p/>
-        </p:txBody>
-      </p:sp>
-      <p:pic>
-        <p:nvPicPr>
-          <p:cNvPr id="4" name="Picture Placeholder 3" descr="consulting_company_logo.png"/>
-          <p:cNvPicPr>
-            <a:picLocks noGrp="1" noChangeAspect="1"/>
-          </p:cNvPicPr>
+            <a:pPr algn="l"/>
+            <a:r>
+              <a:rPr b="1"/>
+              <a:t>**Slide 5: IDP Project Timeline Summary**</a:t>
+            </a:r>
+          </a:p>
+        </p:txBody>
+      </p:sp>
+      <p:sp>
+        <p:nvSpPr>
+          <p:cNvPr id="3" name="Picture Placeholder 2"/>
+          <p:cNvSpPr>
+            <a:spLocks noGrp="1"/>
+          </p:cNvSpPr>
           <p:nvPr>
             <p:ph type="pic" idx="13" sz="quarter"/>
           </p:nvPr>
-        </p:nvPicPr>
-        <p:blipFill>
-          <a:blip r:embed="rId2"/>
-          <a:srcRect t="6762" b="6762"/>
-          <a:stretch>
-            <a:fillRect/>
-          </a:stretch>
-        </p:blipFill>
-        <p:spPr/>
-      </p:pic>
+        </p:nvSpPr>
+        <p:spPr/>
+      </p:sp>
+      <p:sp>
+        <p:nvSpPr>
+          <p:cNvPr id="4" name="Table Placeholder 3"/>
+          <p:cNvSpPr>
+            <a:spLocks noGrp="1"/>
+          </p:cNvSpPr>
+          <p:nvPr>
+            <p:ph type="tbl" idx="14" sz="quarter"/>
+          </p:nvPr>
+        </p:nvSpPr>
+        <p:spPr/>
+      </p:sp>
     </p:spTree>
   </p:cSld>
   <p:clrMapOvr>
@@ -6889,19 +8669,31 @@
           <a:lstStyle/>
           <a:p>
             <a:r>
-              <a:t>**Slide 5: IDP Project Timeline Summary**</a:t>
-            </a:r>
-          </a:p>
-        </p:txBody>
-      </p:sp>
-      <p:sp>
-        <p:nvSpPr>
-          <p:cNvPr id="3" name="Text Placeholder 2"/>
-          <p:cNvSpPr>
-            <a:spLocks noGrp="1"/>
-          </p:cNvSpPr>
-          <p:nvPr>
-            <p:ph type="body" idx="11" sz="quarter"/>
+              <a:t>**Slide 6: Budget and Resource Summary**</a:t>
+            </a:r>
+          </a:p>
+        </p:txBody>
+      </p:sp>
+      <p:sp>
+        <p:nvSpPr>
+          <p:cNvPr id="3" name="Picture Placeholder 2"/>
+          <p:cNvSpPr>
+            <a:spLocks noGrp="1"/>
+          </p:cNvSpPr>
+          <p:nvPr>
+            <p:ph type="pic" idx="13" sz="quarter"/>
+          </p:nvPr>
+        </p:nvSpPr>
+        <p:spPr/>
+      </p:sp>
+      <p:sp>
+        <p:nvSpPr>
+          <p:cNvPr id="4" name="Text Placeholder 3"/>
+          <p:cNvSpPr>
+            <a:spLocks noGrp="1"/>
+          </p:cNvSpPr>
+          <p:nvPr>
+            <p:ph type="body" idx="14" sz="quarter"/>
           </p:nvPr>
         </p:nvSpPr>
         <p:spPr/>
@@ -6909,85 +8701,57 @@
           <a:bodyPr/>
           <a:lstStyle/>
           <a:p>
-            <a:r>
-              <a:t>Project Duration: [Actual duration vs. planned]</a:t>
-            </a:r>
-          </a:p>
-          <a:p>
-            <a:pPr/>
-            <a:r>
-              <a:t>Key Milestones Achieved:</a:t>
-            </a:r>
-          </a:p>
-          <a:p>
-            <a:pPr/>
-            <a:r>
-              <a:t>Project Kickoff: [Date]</a:t>
-            </a:r>
-          </a:p>
-          <a:p>
-            <a:pPr/>
-            <a:r>
-              <a:t>AWS Infrastructure Setup: [Date]</a:t>
-            </a:r>
-          </a:p>
-          <a:p>
-            <a:pPr/>
-            <a:r>
-              <a:t>ML Model Training Complete: [Date]</a:t>
-            </a:r>
-          </a:p>
-          <a:p>
-            <a:pPr/>
-            <a:r>
-              <a:t>System Integration Complete: [Date]</a:t>
-            </a:r>
-          </a:p>
-          <a:p>
-            <a:pPr/>
-            <a:r>
-              <a:t>User Acceptance Testing: [Date]</a:t>
-            </a:r>
-          </a:p>
-          <a:p>
-            <a:pPr/>
-            <a:r>
-              <a:t>Production Go-Live: [Date]</a:t>
-            </a:r>
-          </a:p>
-          <a:p>
-            <a:pPr/>
-            <a:r>
-              <a:t>Project Closure: [Date]</a:t>
-            </a:r>
-          </a:p>
-          <a:p>
-            <a:pPr/>
-            <a:r>
-              <a:t>Critical Path Impact: [Any delays and AI/ML model training adjustments]</a:t>
-            </a:r>
-          </a:p>
-        </p:txBody>
-      </p:sp>
-      <p:pic>
-        <p:nvPicPr>
-          <p:cNvPr id="4" name="Picture Placeholder 3" descr="consulting_company_logo.png"/>
-          <p:cNvPicPr>
-            <a:picLocks noGrp="1" noChangeAspect="1"/>
-          </p:cNvPicPr>
-          <p:nvPr>
-            <p:ph type="pic" idx="13" sz="quarter"/>
-          </p:nvPr>
-        </p:nvPicPr>
-        <p:blipFill>
-          <a:blip r:embed="rId2"/>
-          <a:srcRect t="6762" b="6762"/>
-          <a:stretch>
-            <a:fillRect/>
-          </a:stretch>
-        </p:blipFill>
-        <p:spPr/>
-      </p:pic>
+            <a:pPr/>
+            <a:r>
+              <a:rPr b="1"/>
+              <a:t>Total Project Budget:</a:t>
+            </a:r>
+            <a:r>
+              <a:t> [Approved budget]</a:t>
+            </a:r>
+          </a:p>
+          <a:p>
+            <a:pPr/>
+            <a:r>
+              <a:rPr b="1"/>
+              <a:t>Actual Expenditure:</a:t>
+            </a:r>
+            <a:r>
+              <a:t> [Final cost including AWS services]</a:t>
+            </a:r>
+          </a:p>
+          <a:p>
+            <a:pPr/>
+            <a:r>
+              <a:rPr b="1"/>
+              <a:t>Budget Variance:</a:t>
+            </a:r>
+            <a:r>
+              <a:t> [Over/under budget with AI/ML development explanation]</a:t>
+            </a:r>
+          </a:p>
+          <a:p>
+            <a:pPr/>
+            <a:r>
+              <a:rPr b="1"/>
+              <a:t>Resource Utilization:</a:t>
+            </a:r>
+            <a:r>
+              <a:t> [Data scientists, ML engineers, developers]</a:t>
+            </a:r>
+          </a:p>
+          <a:p>
+            <a:pPr/>
+            <a:r>
+              <a:rPr b="1"/>
+              <a:t>AWS Service Costs:</a:t>
+            </a:r>
+            <a:r>
+              <a:t> [Ongoing operational costs for Textract, Comprehend, etc.]</a:t>
+            </a:r>
+          </a:p>
+        </p:txBody>
+      </p:sp>
     </p:spTree>
   </p:cSld>
   <p:clrMapOvr>
@@ -7022,19 +8786,43 @@
           <a:lstStyle/>
           <a:p>
             <a:r>
-              <a:t>**Slide 6: Budget and Resource Summary**</a:t>
-            </a:r>
-          </a:p>
-        </p:txBody>
-      </p:sp>
-      <p:sp>
-        <p:nvSpPr>
-          <p:cNvPr id="3" name="Text Placeholder 2"/>
-          <p:cNvSpPr>
-            <a:spLocks noGrp="1"/>
-          </p:cNvSpPr>
-          <p:nvPr>
-            <p:ph type="body" idx="11" sz="quarter"/>
+              <a:t>**Slide 7: AWS IDP Solution Architecture Overview**</a:t>
+            </a:r>
+          </a:p>
+        </p:txBody>
+      </p:sp>
+      <p:sp>
+        <p:nvSpPr>
+          <p:cNvPr id="3" name="Picture Placeholder 2"/>
+          <p:cNvSpPr>
+            <a:spLocks noGrp="1"/>
+          </p:cNvSpPr>
+          <p:nvPr>
+            <p:ph type="pic" idx="14" sz="quarter"/>
+          </p:nvPr>
+        </p:nvSpPr>
+        <p:spPr/>
+      </p:sp>
+      <p:sp>
+        <p:nvSpPr>
+          <p:cNvPr id="4" name="Picture Placeholder 3"/>
+          <p:cNvSpPr>
+            <a:spLocks noGrp="1"/>
+          </p:cNvSpPr>
+          <p:nvPr>
+            <p:ph type="pic" idx="15" sz="quarter"/>
+          </p:nvPr>
+        </p:nvSpPr>
+        <p:spPr/>
+      </p:sp>
+      <p:sp>
+        <p:nvSpPr>
+          <p:cNvPr id="5" name="Text Placeholder 4"/>
+          <p:cNvSpPr>
+            <a:spLocks noGrp="1"/>
+          </p:cNvSpPr>
+          <p:nvPr>
+            <p:ph type="body" idx="16" sz="quarter"/>
           </p:nvPr>
         </p:nvSpPr>
         <p:spPr/>
@@ -7042,55 +8830,37 @@
           <a:bodyPr/>
           <a:lstStyle/>
           <a:p>
-            <a:r>
-              <a:t>Total Project Budget: [Approved budget]</a:t>
-            </a:r>
-          </a:p>
-          <a:p>
-            <a:pPr/>
-            <a:r>
-              <a:t>Actual Expenditure: [Final cost including AWS services]</a:t>
-            </a:r>
-          </a:p>
-          <a:p>
-            <a:pPr/>
-            <a:r>
-              <a:t>Budget Variance: [Over/under budget with AI/ML development explanation]</a:t>
-            </a:r>
-          </a:p>
-          <a:p>
-            <a:pPr/>
-            <a:r>
-              <a:t>Resource Utilization: [Data scientists, ML engineers, developers]</a:t>
-            </a:r>
-          </a:p>
-          <a:p>
-            <a:pPr/>
-            <a:r>
-              <a:t>AWS Service Costs: [Ongoing operational costs for Textract, Comprehend, etc.]</a:t>
-            </a:r>
-          </a:p>
-        </p:txBody>
-      </p:sp>
-      <p:pic>
-        <p:nvPicPr>
-          <p:cNvPr id="4" name="Picture Placeholder 3" descr="consulting_company_logo.png"/>
-          <p:cNvPicPr>
-            <a:picLocks noGrp="1" noChangeAspect="1"/>
-          </p:cNvPicPr>
-          <p:nvPr>
-            <p:ph type="pic" idx="13" sz="quarter"/>
-          </p:nvPr>
-        </p:nvPicPr>
-        <p:blipFill>
-          <a:blip r:embed="rId2"/>
-          <a:srcRect t="6762" b="6762"/>
-          <a:stretch>
-            <a:fillRect/>
-          </a:stretch>
-        </p:blipFill>
-        <p:spPr/>
-      </p:pic>
+            <a:pPr/>
+            <a:r>
+              <a:t>AWS AI/ML services architecture diagram (Textract, Comprehend, SageMaker)</a:t>
+            </a:r>
+          </a:p>
+          <a:p>
+            <a:pPr/>
+            <a:r>
+              <a:t>Document processing pipeline and data flow</a:t>
+            </a:r>
+          </a:p>
+          <a:p>
+            <a:pPr/>
+            <a:r>
+              <a:t>S3 storage, Lambda functions, API Gateway integration</a:t>
+            </a:r>
+          </a:p>
+          <a:p>
+            <a:pPr/>
+            <a:r>
+              <a:t>Security and compliance features (encryption, IAM, logging)</a:t>
+            </a:r>
+          </a:p>
+          <a:p>
+            <a:pPr/>
+            <a:r>
+              <a:t>Scalability and performance characteristics</a:t>
+            </a:r>
+          </a:p>
+        </p:txBody>
+      </p:sp>
     </p:spTree>
   </p:cSld>
   <p:clrMapOvr>
@@ -7124,76 +8894,686 @@
           <a:bodyPr/>
           <a:lstStyle/>
           <a:p>
-            <a:r>
-              <a:t>**Slide 7: AWS IDP Solution Architecture Overview**</a:t>
-            </a:r>
-          </a:p>
-        </p:txBody>
-      </p:sp>
-      <p:sp>
-        <p:nvSpPr>
-          <p:cNvPr id="3" name="Text Placeholder 2"/>
-          <p:cNvSpPr>
-            <a:spLocks noGrp="1"/>
-          </p:cNvSpPr>
-          <p:nvPr>
-            <p:ph type="body" idx="11" sz="quarter"/>
-          </p:nvPr>
-        </p:nvSpPr>
-        <p:spPr/>
-        <p:txBody>
-          <a:bodyPr/>
-          <a:lstStyle/>
-          <a:p>
-            <a:r>
-              <a:t>AWS AI/ML services architecture diagram (Textract, Comprehend, SageMaker)</a:t>
-            </a:r>
-          </a:p>
-          <a:p>
-            <a:pPr/>
-            <a:r>
-              <a:t>Document processing pipeline and data flow</a:t>
-            </a:r>
-          </a:p>
-          <a:p>
-            <a:pPr/>
-            <a:r>
-              <a:t>S3 storage, Lambda functions, API Gateway integration</a:t>
-            </a:r>
-          </a:p>
-          <a:p>
-            <a:pPr/>
-            <a:r>
-              <a:t>Security and compliance features (encryption, IAM, logging)</a:t>
-            </a:r>
-          </a:p>
-          <a:p>
-            <a:pPr/>
-            <a:r>
-              <a:t>Scalability and performance characteristics</a:t>
-            </a:r>
-          </a:p>
-        </p:txBody>
-      </p:sp>
-      <p:pic>
-        <p:nvPicPr>
-          <p:cNvPr id="4" name="Picture Placeholder 3" descr="consulting_company_logo.png"/>
-          <p:cNvPicPr>
-            <a:picLocks noGrp="1" noChangeAspect="1"/>
-          </p:cNvPicPr>
+            <a:pPr algn="l"/>
+            <a:r>
+              <a:rPr b="1"/>
+              <a:t>**Slide 8: Key IDP Features Delivered**</a:t>
+            </a:r>
+          </a:p>
+        </p:txBody>
+      </p:sp>
+      <p:sp>
+        <p:nvSpPr>
+          <p:cNvPr id="3" name="Picture Placeholder 2"/>
+          <p:cNvSpPr>
+            <a:spLocks noGrp="1"/>
+          </p:cNvSpPr>
           <p:nvPr>
             <p:ph type="pic" idx="13" sz="quarter"/>
           </p:nvPr>
-        </p:nvPicPr>
-        <p:blipFill>
-          <a:blip r:embed="rId2"/>
-          <a:srcRect t="6762" b="6762"/>
-          <a:stretch>
-            <a:fillRect/>
-          </a:stretch>
-        </p:blipFill>
-        <p:spPr/>
-      </p:pic>
+        </p:nvSpPr>
+        <p:spPr/>
+      </p:sp>
+      <p:graphicFrame>
+        <p:nvGraphicFramePr>
+          <p:cNvPr id="4" name="Table Placeholder 3"/>
+          <p:cNvGraphicFramePr>
+            <a:graphicFrameLocks noGrp="1"/>
+          </p:cNvGraphicFramePr>
+          <p:nvPr>
+            <p:ph type="tbl" idx="14" sz="quarter"/>
+          </p:nvPr>
+        </p:nvGraphicFramePr>
+        <p:xfrm>
+          <a:off x="256855" y="677011"/>
+          <a:ext cx="8710929" cy="2595880"/>
+        </p:xfrm>
+        <a:graphic>
+          <a:graphicData uri="http://schemas.openxmlformats.org/drawingml/2006/table">
+            <a:tbl>
+              <a:tblPr firstRow="1" bandRow="1">
+                <a:tableStyleId>{5C22544A-7EE6-4342-B048-85BDC9FD1C3A}</a:tableStyleId>
+              </a:tblPr>
+              <a:tblGrid>
+                <a:gridCol w="2177733"/>
+                <a:gridCol w="1306639"/>
+                <a:gridCol w="1045311"/>
+                <a:gridCol w="1567967"/>
+                <a:gridCol w="2613279"/>
+              </a:tblGrid>
+              <a:tr h="370840">
+                <a:tc>
+                  <a:txBody>
+                    <a:bodyPr/>
+                    <a:lstStyle/>
+                    <a:p>
+                      <a:r>
+                        <a:rPr b="1" sz="1400">
+                          <a:solidFill>
+                            <a:srgbClr val="FFFFFF"/>
+                          </a:solidFill>
+                        </a:rPr>
+                        <a:t>Feature</a:t>
+                      </a:r>
+                    </a:p>
+                  </a:txBody>
+                  <a:tcPr>
+                    <a:solidFill>
+                      <a:srgbClr val="A01C02"/>
+                    </a:solidFill>
+                  </a:tcPr>
+                </a:tc>
+                <a:tc>
+                  <a:txBody>
+                    <a:bodyPr/>
+                    <a:lstStyle/>
+                    <a:p>
+                      <a:r>
+                        <a:rPr b="1" sz="1400">
+                          <a:solidFill>
+                            <a:srgbClr val="FFFFFF"/>
+                          </a:solidFill>
+                        </a:rPr>
+                        <a:t>Business Value</a:t>
+                      </a:r>
+                    </a:p>
+                  </a:txBody>
+                  <a:tcPr>
+                    <a:solidFill>
+                      <a:srgbClr val="A01C02"/>
+                    </a:solidFill>
+                  </a:tcPr>
+                </a:tc>
+                <a:tc>
+                  <a:txBody>
+                    <a:bodyPr/>
+                    <a:lstStyle/>
+                    <a:p>
+                      <a:r>
+                        <a:rPr b="1" sz="1400">
+                          <a:solidFill>
+                            <a:srgbClr val="FFFFFF"/>
+                          </a:solidFill>
+                        </a:rPr>
+                        <a:t>User Impact</a:t>
+                      </a:r>
+                    </a:p>
+                  </a:txBody>
+                  <a:tcPr>
+                    <a:solidFill>
+                      <a:srgbClr val="A01C02"/>
+                    </a:solidFill>
+                  </a:tcPr>
+                </a:tc>
+                <a:tc>
+                  <a:txBody>
+                    <a:bodyPr/>
+                    <a:lstStyle/>
+                    <a:p>
+                      <a:r>
+                        <a:rPr b="1" sz="1400">
+                          <a:solidFill>
+                            <a:srgbClr val="FFFFFF"/>
+                          </a:solidFill>
+                        </a:rPr>
+                        <a:t>Technical Complexity</a:t>
+                      </a:r>
+                    </a:p>
+                  </a:txBody>
+                  <a:tcPr>
+                    <a:solidFill>
+                      <a:srgbClr val="A01C02"/>
+                    </a:solidFill>
+                  </a:tcPr>
+                </a:tc>
+                <a:tc>
+                  <a:txBody>
+                    <a:bodyPr/>
+                    <a:lstStyle/>
+                    <a:p>
+                      <a:r>
+                        <a:rPr b="1" sz="1400">
+                          <a:solidFill>
+                            <a:srgbClr val="FFFFFF"/>
+                          </a:solidFill>
+                        </a:rPr>
+                        <a:t>Status</a:t>
+                      </a:r>
+                    </a:p>
+                  </a:txBody>
+                  <a:tcPr>
+                    <a:solidFill>
+                      <a:srgbClr val="A01C02"/>
+                    </a:solidFill>
+                  </a:tcPr>
+                </a:tc>
+              </a:tr>
+              <a:tr h="370840">
+                <a:tc>
+                  <a:txBody>
+                    <a:bodyPr/>
+                    <a:lstStyle/>
+                    <a:p>
+                      <a:r>
+                        <a:rPr sz="1100"/>
+                        <a:t>Multi-format Document Processing</a:t>
+                      </a:r>
+                    </a:p>
+                  </a:txBody>
+                  <a:tcPr>
+                    <a:solidFill>
+                      <a:srgbClr val="E7E6E6"/>
+                    </a:solidFill>
+                  </a:tcPr>
+                </a:tc>
+                <a:tc>
+                  <a:txBody>
+                    <a:bodyPr/>
+                    <a:lstStyle/>
+                    <a:p>
+                      <a:r>
+                        <a:rPr sz="1100"/>
+                        <a:t>Handles PDFs, images, scanned docs</a:t>
+                      </a:r>
+                    </a:p>
+                  </a:txBody>
+                  <a:tcPr>
+                    <a:solidFill>
+                      <a:srgbClr val="E7E6E6"/>
+                    </a:solidFill>
+                  </a:tcPr>
+                </a:tc>
+                <a:tc>
+                  <a:txBody>
+                    <a:bodyPr/>
+                    <a:lstStyle/>
+                    <a:p>
+                      <a:r>
+                        <a:rPr sz="1100"/>
+                        <a:t>Universal document support</a:t>
+                      </a:r>
+                    </a:p>
+                  </a:txBody>
+                  <a:tcPr>
+                    <a:solidFill>
+                      <a:srgbClr val="E7E6E6"/>
+                    </a:solidFill>
+                  </a:tcPr>
+                </a:tc>
+                <a:tc>
+                  <a:txBody>
+                    <a:bodyPr/>
+                    <a:lstStyle/>
+                    <a:p>
+                      <a:r>
+                        <a:rPr sz="1100"/>
+                        <a:t>High</a:t>
+                      </a:r>
+                    </a:p>
+                  </a:txBody>
+                  <a:tcPr>
+                    <a:solidFill>
+                      <a:srgbClr val="E7E6E6"/>
+                    </a:solidFill>
+                  </a:tcPr>
+                </a:tc>
+                <a:tc>
+                  <a:txBody>
+                    <a:bodyPr/>
+                    <a:lstStyle/>
+                    <a:p>
+                      <a:r>
+                        <a:rPr sz="1100"/>
+                        <a:t>✅ Delivered</a:t>
+                      </a:r>
+                    </a:p>
+                  </a:txBody>
+                  <a:tcPr>
+                    <a:solidFill>
+                      <a:srgbClr val="E7E6E6"/>
+                    </a:solidFill>
+                  </a:tcPr>
+                </a:tc>
+              </a:tr>
+              <a:tr h="370840">
+                <a:tc>
+                  <a:txBody>
+                    <a:bodyPr/>
+                    <a:lstStyle/>
+                    <a:p>
+                      <a:r>
+                        <a:rPr sz="1100"/>
+                        <a:t>Intelligent Data Extraction</a:t>
+                      </a:r>
+                    </a:p>
+                  </a:txBody>
+                  <a:tcPr>
+                    <a:solidFill>
+                      <a:srgbClr val="E7E6E6"/>
+                    </a:solidFill>
+                  </a:tcPr>
+                </a:tc>
+                <a:tc>
+                  <a:txBody>
+                    <a:bodyPr/>
+                    <a:lstStyle/>
+                    <a:p>
+                      <a:r>
+                        <a:rPr sz="1100"/>
+                        <a:t>Automated field recognition</a:t>
+                      </a:r>
+                    </a:p>
+                  </a:txBody>
+                  <a:tcPr>
+                    <a:solidFill>
+                      <a:srgbClr val="E7E6E6"/>
+                    </a:solidFill>
+                  </a:tcPr>
+                </a:tc>
+                <a:tc>
+                  <a:txBody>
+                    <a:bodyPr/>
+                    <a:lstStyle/>
+                    <a:p>
+                      <a:r>
+                        <a:rPr sz="1100"/>
+                        <a:t>No manual data entry required</a:t>
+                      </a:r>
+                    </a:p>
+                  </a:txBody>
+                  <a:tcPr>
+                    <a:solidFill>
+                      <a:srgbClr val="E7E6E6"/>
+                    </a:solidFill>
+                  </a:tcPr>
+                </a:tc>
+                <a:tc>
+                  <a:txBody>
+                    <a:bodyPr/>
+                    <a:lstStyle/>
+                    <a:p>
+                      <a:r>
+                        <a:rPr sz="1100"/>
+                        <a:t>High</a:t>
+                      </a:r>
+                    </a:p>
+                  </a:txBody>
+                  <a:tcPr>
+                    <a:solidFill>
+                      <a:srgbClr val="E7E6E6"/>
+                    </a:solidFill>
+                  </a:tcPr>
+                </a:tc>
+                <a:tc>
+                  <a:txBody>
+                    <a:bodyPr/>
+                    <a:lstStyle/>
+                    <a:p>
+                      <a:r>
+                        <a:rPr sz="1100"/>
+                        <a:t>✅ Delivered</a:t>
+                      </a:r>
+                    </a:p>
+                  </a:txBody>
+                  <a:tcPr>
+                    <a:solidFill>
+                      <a:srgbClr val="E7E6E6"/>
+                    </a:solidFill>
+                  </a:tcPr>
+                </a:tc>
+              </a:tr>
+              <a:tr h="370840">
+                <a:tc>
+                  <a:txBody>
+                    <a:bodyPr/>
+                    <a:lstStyle/>
+                    <a:p>
+                      <a:r>
+                        <a:rPr sz="1100"/>
+                        <a:t>Real-time Processing API</a:t>
+                      </a:r>
+                    </a:p>
+                  </a:txBody>
+                  <a:tcPr>
+                    <a:solidFill>
+                      <a:srgbClr val="E7E6E6"/>
+                    </a:solidFill>
+                  </a:tcPr>
+                </a:tc>
+                <a:tc>
+                  <a:txBody>
+                    <a:bodyPr/>
+                    <a:lstStyle/>
+                    <a:p>
+                      <a:r>
+                        <a:rPr sz="1100"/>
+                        <a:t>Instant document processing</a:t>
+                      </a:r>
+                    </a:p>
+                  </a:txBody>
+                  <a:tcPr>
+                    <a:solidFill>
+                      <a:srgbClr val="E7E6E6"/>
+                    </a:solidFill>
+                  </a:tcPr>
+                </a:tc>
+                <a:tc>
+                  <a:txBody>
+                    <a:bodyPr/>
+                    <a:lstStyle/>
+                    <a:p>
+                      <a:r>
+                        <a:rPr sz="1100"/>
+                        <a:t>Immediate results available</a:t>
+                      </a:r>
+                    </a:p>
+                  </a:txBody>
+                  <a:tcPr>
+                    <a:solidFill>
+                      <a:srgbClr val="E7E6E6"/>
+                    </a:solidFill>
+                  </a:tcPr>
+                </a:tc>
+                <a:tc>
+                  <a:txBody>
+                    <a:bodyPr/>
+                    <a:lstStyle/>
+                    <a:p>
+                      <a:r>
+                        <a:rPr sz="1100"/>
+                        <a:t>Medium</a:t>
+                      </a:r>
+                    </a:p>
+                  </a:txBody>
+                  <a:tcPr>
+                    <a:solidFill>
+                      <a:srgbClr val="E7E6E6"/>
+                    </a:solidFill>
+                  </a:tcPr>
+                </a:tc>
+                <a:tc>
+                  <a:txBody>
+                    <a:bodyPr/>
+                    <a:lstStyle/>
+                    <a:p>
+                      <a:r>
+                        <a:rPr sz="1100"/>
+                        <a:t>✅ Delivered</a:t>
+                      </a:r>
+                    </a:p>
+                  </a:txBody>
+                  <a:tcPr>
+                    <a:solidFill>
+                      <a:srgbClr val="E7E6E6"/>
+                    </a:solidFill>
+                  </a:tcPr>
+                </a:tc>
+              </a:tr>
+              <a:tr h="370840">
+                <a:tc>
+                  <a:txBody>
+                    <a:bodyPr/>
+                    <a:lstStyle/>
+                    <a:p>
+                      <a:r>
+                        <a:rPr sz="1100"/>
+                        <a:t>Custom Classification Models</a:t>
+                      </a:r>
+                    </a:p>
+                  </a:txBody>
+                  <a:tcPr>
+                    <a:solidFill>
+                      <a:srgbClr val="E7E6E6"/>
+                    </a:solidFill>
+                  </a:tcPr>
+                </a:tc>
+                <a:tc>
+                  <a:txBody>
+                    <a:bodyPr/>
+                    <a:lstStyle/>
+                    <a:p>
+                      <a:r>
+                        <a:rPr sz="1100"/>
+                        <a:t>Document type auto-detection</a:t>
+                      </a:r>
+                    </a:p>
+                  </a:txBody>
+                  <a:tcPr>
+                    <a:solidFill>
+                      <a:srgbClr val="E7E6E6"/>
+                    </a:solidFill>
+                  </a:tcPr>
+                </a:tc>
+                <a:tc>
+                  <a:txBody>
+                    <a:bodyPr/>
+                    <a:lstStyle/>
+                    <a:p>
+                      <a:r>
+                        <a:rPr sz="1100"/>
+                        <a:t>Accurate routing and processing</a:t>
+                      </a:r>
+                    </a:p>
+                  </a:txBody>
+                  <a:tcPr>
+                    <a:solidFill>
+                      <a:srgbClr val="E7E6E6"/>
+                    </a:solidFill>
+                  </a:tcPr>
+                </a:tc>
+                <a:tc>
+                  <a:txBody>
+                    <a:bodyPr/>
+                    <a:lstStyle/>
+                    <a:p>
+                      <a:r>
+                        <a:rPr sz="1100"/>
+                        <a:t>High</a:t>
+                      </a:r>
+                    </a:p>
+                  </a:txBody>
+                  <a:tcPr>
+                    <a:solidFill>
+                      <a:srgbClr val="E7E6E6"/>
+                    </a:solidFill>
+                  </a:tcPr>
+                </a:tc>
+                <a:tc>
+                  <a:txBody>
+                    <a:bodyPr/>
+                    <a:lstStyle/>
+                    <a:p>
+                      <a:r>
+                        <a:rPr sz="1100"/>
+                        <a:t>✅ Delivered</a:t>
+                      </a:r>
+                    </a:p>
+                  </a:txBody>
+                  <a:tcPr>
+                    <a:solidFill>
+                      <a:srgbClr val="E7E6E6"/>
+                    </a:solidFill>
+                  </a:tcPr>
+                </a:tc>
+              </a:tr>
+              <a:tr h="370840">
+                <a:tc>
+                  <a:txBody>
+                    <a:bodyPr/>
+                    <a:lstStyle/>
+                    <a:p>
+                      <a:r>
+                        <a:rPr sz="1100"/>
+                        <a:t>Confidence Scoring</a:t>
+                      </a:r>
+                    </a:p>
+                  </a:txBody>
+                  <a:tcPr>
+                    <a:solidFill>
+                      <a:srgbClr val="E7E6E6"/>
+                    </a:solidFill>
+                  </a:tcPr>
+                </a:tc>
+                <a:tc>
+                  <a:txBody>
+                    <a:bodyPr/>
+                    <a:lstStyle/>
+                    <a:p>
+                      <a:r>
+                        <a:rPr sz="1100"/>
+                        <a:t>Quality assurance metrics</a:t>
+                      </a:r>
+                    </a:p>
+                  </a:txBody>
+                  <a:tcPr>
+                    <a:solidFill>
+                      <a:srgbClr val="E7E6E6"/>
+                    </a:solidFill>
+                  </a:tcPr>
+                </a:tc>
+                <a:tc>
+                  <a:txBody>
+                    <a:bodyPr/>
+                    <a:lstStyle/>
+                    <a:p>
+                      <a:r>
+                        <a:rPr sz="1100"/>
+                        <a:t>Human review for low confidence</a:t>
+                      </a:r>
+                    </a:p>
+                  </a:txBody>
+                  <a:tcPr>
+                    <a:solidFill>
+                      <a:srgbClr val="E7E6E6"/>
+                    </a:solidFill>
+                  </a:tcPr>
+                </a:tc>
+                <a:tc>
+                  <a:txBody>
+                    <a:bodyPr/>
+                    <a:lstStyle/>
+                    <a:p>
+                      <a:r>
+                        <a:rPr sz="1100"/>
+                        <a:t>Medium</a:t>
+                      </a:r>
+                    </a:p>
+                  </a:txBody>
+                  <a:tcPr>
+                    <a:solidFill>
+                      <a:srgbClr val="E7E6E6"/>
+                    </a:solidFill>
+                  </a:tcPr>
+                </a:tc>
+                <a:tc>
+                  <a:txBody>
+                    <a:bodyPr/>
+                    <a:lstStyle/>
+                    <a:p>
+                      <a:r>
+                        <a:rPr sz="1100"/>
+                        <a:t>✅ Delivered</a:t>
+                      </a:r>
+                    </a:p>
+                  </a:txBody>
+                  <a:tcPr>
+                    <a:solidFill>
+                      <a:srgbClr val="E7E6E6"/>
+                    </a:solidFill>
+                  </a:tcPr>
+                </a:tc>
+              </a:tr>
+              <a:tr h="370840">
+                <a:tc>
+                  <a:txBody>
+                    <a:bodyPr/>
+                    <a:lstStyle/>
+                    <a:p>
+                      <a:r>
+                        <a:rPr sz="1100"/>
+                        <a:t>Batch Processing</a:t>
+                      </a:r>
+                    </a:p>
+                  </a:txBody>
+                  <a:tcPr>
+                    <a:solidFill>
+                      <a:srgbClr val="E7E6E6"/>
+                    </a:solidFill>
+                  </a:tcPr>
+                </a:tc>
+                <a:tc>
+                  <a:txBody>
+                    <a:bodyPr/>
+                    <a:lstStyle/>
+                    <a:p>
+                      <a:r>
+                        <a:rPr sz="1100"/>
+                        <a:t>High-volume document handling</a:t>
+                      </a:r>
+                    </a:p>
+                  </a:txBody>
+                  <a:tcPr>
+                    <a:solidFill>
+                      <a:srgbClr val="E7E6E6"/>
+                    </a:solidFill>
+                  </a:tcPr>
+                </a:tc>
+                <a:tc>
+                  <a:txBody>
+                    <a:bodyPr/>
+                    <a:lstStyle/>
+                    <a:p>
+                      <a:r>
+                        <a:rPr sz="1100"/>
+                        <a:t>Efficient bulk processing</a:t>
+                      </a:r>
+                    </a:p>
+                  </a:txBody>
+                  <a:tcPr>
+                    <a:solidFill>
+                      <a:srgbClr val="E7E6E6"/>
+                    </a:solidFill>
+                  </a:tcPr>
+                </a:tc>
+                <a:tc>
+                  <a:txBody>
+                    <a:bodyPr/>
+                    <a:lstStyle/>
+                    <a:p>
+                      <a:r>
+                        <a:rPr sz="1100"/>
+                        <a:t>Medium</a:t>
+                      </a:r>
+                    </a:p>
+                  </a:txBody>
+                  <a:tcPr>
+                    <a:solidFill>
+                      <a:srgbClr val="E7E6E6"/>
+                    </a:solidFill>
+                  </a:tcPr>
+                </a:tc>
+                <a:tc>
+                  <a:txBody>
+                    <a:bodyPr/>
+                    <a:lstStyle/>
+                    <a:p>
+                      <a:r>
+                        <a:rPr sz="1100"/>
+                        <a:t>✅ Delivered</a:t>
+                      </a:r>
+                    </a:p>
+                  </a:txBody>
+                  <a:tcPr>
+                    <a:solidFill>
+                      <a:srgbClr val="E7E6E6"/>
+                    </a:solidFill>
+                  </a:tcPr>
+                </a:tc>
+              </a:tr>
+            </a:tbl>
+          </a:graphicData>
+        </a:graphic>
+      </p:graphicFrame>
     </p:spTree>
   </p:cSld>
   <p:clrMapOvr>
@@ -7228,19 +9608,43 @@
           <a:lstStyle/>
           <a:p>
             <a:r>
-              <a:t>**Slide 8: Key IDP Features Delivered**</a:t>
-            </a:r>
-          </a:p>
-        </p:txBody>
-      </p:sp>
-      <p:sp>
-        <p:nvSpPr>
-          <p:cNvPr id="3" name="Text Placeholder 2"/>
-          <p:cNvSpPr>
-            <a:spLocks noGrp="1"/>
-          </p:cNvSpPr>
-          <p:nvPr>
-            <p:ph type="body" idx="11" sz="quarter"/>
+              <a:t>**Slide 9: AI/ML Model Performance Metrics**</a:t>
+            </a:r>
+          </a:p>
+        </p:txBody>
+      </p:sp>
+      <p:sp>
+        <p:nvSpPr>
+          <p:cNvPr id="3" name="Picture Placeholder 2"/>
+          <p:cNvSpPr>
+            <a:spLocks noGrp="1"/>
+          </p:cNvSpPr>
+          <p:nvPr>
+            <p:ph type="pic" idx="14" sz="quarter"/>
+          </p:nvPr>
+        </p:nvSpPr>
+        <p:spPr/>
+      </p:sp>
+      <p:sp>
+        <p:nvSpPr>
+          <p:cNvPr id="4" name="Chart Placeholder 3"/>
+          <p:cNvSpPr>
+            <a:spLocks noGrp="1"/>
+          </p:cNvSpPr>
+          <p:nvPr>
+            <p:ph type="chart" idx="15" sz="quarter"/>
+          </p:nvPr>
+        </p:nvSpPr>
+        <p:spPr/>
+      </p:sp>
+      <p:sp>
+        <p:nvSpPr>
+          <p:cNvPr id="5" name="Content Placeholder 4"/>
+          <p:cNvSpPr>
+            <a:spLocks noGrp="1"/>
+          </p:cNvSpPr>
+          <p:nvPr>
+            <p:ph idx="16" sz="quarter"/>
           </p:nvPr>
         </p:nvSpPr>
         <p:spPr/>
@@ -7250,25 +9654,6 @@
           <a:p/>
         </p:txBody>
       </p:sp>
-      <p:pic>
-        <p:nvPicPr>
-          <p:cNvPr id="4" name="Picture Placeholder 3" descr="consulting_company_logo.png"/>
-          <p:cNvPicPr>
-            <a:picLocks noGrp="1" noChangeAspect="1"/>
-          </p:cNvPicPr>
-          <p:nvPr>
-            <p:ph type="pic" idx="13" sz="quarter"/>
-          </p:nvPr>
-        </p:nvPicPr>
-        <p:blipFill>
-          <a:blip r:embed="rId2"/>
-          <a:srcRect t="6762" b="6762"/>
-          <a:stretch>
-            <a:fillRect/>
-          </a:stretch>
-        </p:blipFill>
-        <p:spPr/>
-      </p:pic>
     </p:spTree>
   </p:cSld>
   <p:clrMapOvr>

--- a/solutions/aws/ai/intelligent-document-processing/delivery/closeout-presentation.pptx
+++ b/solutions/aws/ai/intelligent-document-processing/delivery/closeout-presentation.pptx
@@ -3955,7 +3955,7 @@
                     <a:lstStyle/>
                     <a:p>
                       <a:r>
-                        <a:rPr sz="1100"/>
+                        <a:rPr b="1" sz="1100"/>
                         <a:t>Operational Efficiency</a:t>
                       </a:r>
                     </a:p>
@@ -3972,7 +3972,7 @@
                     <a:lstStyle/>
                     <a:p>
                       <a:r>
-                        <a:rPr sz="1100"/>
+                        <a:rPr b="1" sz="1100"/>
                         <a:t>70% efficiency gain</a:t>
                       </a:r>
                     </a:p>
@@ -3989,7 +3989,7 @@
                     <a:lstStyle/>
                     <a:p>
                       <a:r>
-                        <a:rPr sz="1100"/>
+                        <a:rPr b="1" sz="1100"/>
                         <a:t>75% efficiency gain</a:t>
                       </a:r>
                     </a:p>
@@ -4006,7 +4006,7 @@
                     <a:lstStyle/>
                     <a:p>
                       <a:r>
-                        <a:rPr sz="1100"/>
+                        <a:rPr b="1" sz="1100"/>
                         <a:t>Throughput measurement</a:t>
                       </a:r>
                     </a:p>
@@ -4023,7 +4023,7 @@
                     <a:lstStyle/>
                     <a:p>
                       <a:r>
-                        <a:rPr sz="1100"/>
+                        <a:rPr b="1" sz="1100"/>
                         <a:t>Within 60 days</a:t>
                       </a:r>
                     </a:p>
@@ -4904,7 +4904,7 @@
                     <a:lstStyle/>
                     <a:p>
                       <a:r>
-                        <a:rPr sz="1100"/>
+                        <a:rPr b="1" sz="1100"/>
                         <a:t>User Change Resistance</a:t>
                       </a:r>
                     </a:p>
@@ -4921,7 +4921,7 @@
                     <a:lstStyle/>
                     <a:p>
                       <a:r>
-                        <a:rPr sz="1100"/>
+                        <a:rPr b="1" sz="1100"/>
                         <a:t>Slower initial adoption</a:t>
                       </a:r>
                     </a:p>
@@ -4938,7 +4938,7 @@
                     <a:lstStyle/>
                     <a:p>
                       <a:r>
-                        <a:rPr sz="1100"/>
+                        <a:rPr b="1" sz="1100"/>
                         <a:t>Enhanced training and change management</a:t>
                       </a:r>
                     </a:p>
@@ -4955,7 +4955,7 @@
                     <a:lstStyle/>
                     <a:p>
                       <a:r>
-                        <a:rPr sz="1100"/>
+                        <a:rPr b="1" sz="1100"/>
                         <a:t>Increase change management investment</a:t>
                       </a:r>
                     </a:p>
@@ -6043,7 +6043,7 @@
                     <a:lstStyle/>
                     <a:p>
                       <a:r>
-                        <a:rPr sz="1100"/>
+                        <a:rPr b="1" sz="1100"/>
                         <a:t>Workflow Automation</a:t>
                       </a:r>
                     </a:p>
@@ -6060,7 +6060,7 @@
                     <a:lstStyle/>
                     <a:p>
                       <a:r>
-                        <a:rPr sz="1100"/>
+                        <a:rPr b="1" sz="1100"/>
                         <a:t>End-to-end process automation</a:t>
                       </a:r>
                     </a:p>
@@ -6077,7 +6077,7 @@
                     <a:lstStyle/>
                     <a:p>
                       <a:r>
-                        <a:rPr sz="1100"/>
+                        <a:rPr b="1" sz="1100"/>
                         <a:t>High</a:t>
                       </a:r>
                     </a:p>
@@ -6094,7 +6094,7 @@
                     <a:lstStyle/>
                     <a:p>
                       <a:r>
-                        <a:rPr sz="1100"/>
+                        <a:rPr b="1" sz="1100"/>
                         <a:t>6-12 months</a:t>
                       </a:r>
                     </a:p>
@@ -6111,7 +6111,7 @@
                     <a:lstStyle/>
                     <a:p>
                       <a:r>
-                        <a:rPr sz="1100"/>
+                        <a:rPr b="1" sz="1100"/>
                         <a:t>High</a:t>
                       </a:r>
                     </a:p>
@@ -8486,7 +8486,7 @@
                     <a:lstStyle/>
                     <a:p>
                       <a:r>
-                        <a:rPr sz="1100"/>
+                        <a:rPr b="1" sz="1100"/>
                         <a:t>ML Model Training</a:t>
                       </a:r>
                     </a:p>
@@ -8503,7 +8503,7 @@
                     <a:lstStyle/>
                     <a:p>
                       <a:r>
-                        <a:rPr sz="1100"/>
+                        <a:rPr b="1" sz="1100"/>
                         <a:t>Custom models</a:t>
                       </a:r>
                     </a:p>
@@ -8520,7 +8520,7 @@
                     <a:lstStyle/>
                     <a:p>
                       <a:r>
-                        <a:rPr sz="1100"/>
+                        <a:rPr b="1" sz="1100"/>
                         <a:t>Production-ready classification models</a:t>
                       </a:r>
                     </a:p>
@@ -8537,7 +8537,7 @@
                     <a:lstStyle/>
                     <a:p>
                       <a:r>
-                        <a:rPr sz="1100"/>
+                        <a:rPr b="1" sz="1100"/>
                         <a:t>✅ Complete</a:t>
                       </a:r>
                     </a:p>
@@ -8554,7 +8554,7 @@
                     <a:lstStyle/>
                     <a:p>
                       <a:r>
-                        <a:rPr sz="1100"/>
+                        <a:rPr b="1" sz="1100"/>
                         <a:t>Continuous learning capability</a:t>
                       </a:r>
                     </a:p>
@@ -9490,7 +9490,7 @@
                     <a:lstStyle/>
                     <a:p>
                       <a:r>
-                        <a:rPr sz="1100"/>
+                        <a:rPr b="1" sz="1100"/>
                         <a:t>Batch Processing</a:t>
                       </a:r>
                     </a:p>
@@ -9507,7 +9507,7 @@
                     <a:lstStyle/>
                     <a:p>
                       <a:r>
-                        <a:rPr sz="1100"/>
+                        <a:rPr b="1" sz="1100"/>
                         <a:t>High-volume document handling</a:t>
                       </a:r>
                     </a:p>
@@ -9524,7 +9524,7 @@
                     <a:lstStyle/>
                     <a:p>
                       <a:r>
-                        <a:rPr sz="1100"/>
+                        <a:rPr b="1" sz="1100"/>
                         <a:t>Efficient bulk processing</a:t>
                       </a:r>
                     </a:p>
@@ -9541,7 +9541,7 @@
                     <a:lstStyle/>
                     <a:p>
                       <a:r>
-                        <a:rPr sz="1100"/>
+                        <a:rPr b="1" sz="1100"/>
                         <a:t>Medium</a:t>
                       </a:r>
                     </a:p>
@@ -9558,7 +9558,7 @@
                     <a:lstStyle/>
                     <a:p>
                       <a:r>
-                        <a:rPr sz="1100"/>
+                        <a:rPr b="1" sz="1100"/>
                         <a:t>✅ Delivered</a:t>
                       </a:r>
                     </a:p>

--- a/solutions/aws/ai/intelligent-document-processing/delivery/closeout-presentation.pptx
+++ b/solutions/aws/ai/intelligent-document-processing/delivery/closeout-presentation.pptx
@@ -14,36 +14,6 @@
     <p:sldId id="259" r:id="rId5"/>
     <p:sldId id="260" r:id="rId4"/>
     <p:sldId id="261" r:id="rId3"/>
-    <p:sldId id="262" r:id="rId2"/>
-    <p:sldId id="263" r:id="rId14"/>
-    <p:sldId id="264" r:id="rId15"/>
-    <p:sldId id="265" r:id="rId16"/>
-    <p:sldId id="266" r:id="rId17"/>
-    <p:sldId id="267" r:id="rId18"/>
-    <p:sldId id="268" r:id="rId19"/>
-    <p:sldId id="269" r:id="rId20"/>
-    <p:sldId id="270" r:id="rId21"/>
-    <p:sldId id="271" r:id="rId22"/>
-    <p:sldId id="272" r:id="rId23"/>
-    <p:sldId id="273" r:id="rId24"/>
-    <p:sldId id="274" r:id="rId25"/>
-    <p:sldId id="275" r:id="rId26"/>
-    <p:sldId id="276" r:id="rId27"/>
-    <p:sldId id="277" r:id="rId28"/>
-    <p:sldId id="278" r:id="rId29"/>
-    <p:sldId id="279" r:id="rId30"/>
-    <p:sldId id="280" r:id="rId31"/>
-    <p:sldId id="281" r:id="rId32"/>
-    <p:sldId id="282" r:id="rId33"/>
-    <p:sldId id="283" r:id="rId34"/>
-    <p:sldId id="284" r:id="rId35"/>
-    <p:sldId id="285" r:id="rId36"/>
-    <p:sldId id="286" r:id="rId37"/>
-    <p:sldId id="287" r:id="rId38"/>
-    <p:sldId id="288" r:id="rId39"/>
-    <p:sldId id="289" r:id="rId40"/>
-    <p:sldId id="290" r:id="rId41"/>
-    <p:sldId id="291" r:id="rId42"/>
   </p:sldIdLst>
   <p:sldSz cx="9144000" cy="5143500" type="screen16x9"/>
   <p:notesSz cx="5143500" cy="9144000"/>
@@ -3260,7 +3230,7 @@
 </p:sld>
 </file>
 
-<file path=ppt/slides/slide10.xml><?xml version="1.0" encoding="utf-8"?>
+<file path=ppt/slides/slide2.xml><?xml version="1.0" encoding="utf-8"?>
 <p:sld xmlns:a="http://schemas.openxmlformats.org/drawingml/2006/main" xmlns:p="http://schemas.openxmlformats.org/presentationml/2006/main" xmlns:r="http://schemas.openxmlformats.org/officeDocument/2006/relationships">
   <p:cSld>
     <p:spTree>
@@ -3285,8 +3255,10 @@
           <a:bodyPr/>
           <a:lstStyle/>
           <a:p>
+            <a:pPr algn="l"/>
             <a:r>
-              <a:t>**Slide 10: Go-Live Results**</a:t>
+              <a:rPr b="1"/>
+              <a:t>**Slide 4: IDP Solution Scope Delivered**</a:t>
             </a:r>
           </a:p>
         </p:txBody>
@@ -3303,72 +3275,579 @@
         </p:nvSpPr>
         <p:spPr/>
       </p:sp>
-      <p:sp>
-        <p:nvSpPr>
-          <p:cNvPr id="4" name="Text Placeholder 3"/>
-          <p:cNvSpPr>
-            <a:spLocks noGrp="1"/>
-          </p:cNvSpPr>
+      <p:graphicFrame>
+        <p:nvGraphicFramePr>
+          <p:cNvPr id="4" name="Table Placeholder 3"/>
+          <p:cNvGraphicFramePr>
+            <a:graphicFrameLocks noGrp="1"/>
+          </p:cNvGraphicFramePr>
           <p:nvPr>
-            <p:ph type="body" idx="14" sz="quarter"/>
+            <p:ph type="tbl" idx="14" sz="quarter"/>
           </p:nvPr>
-        </p:nvSpPr>
-        <p:spPr/>
-        <p:txBody>
-          <a:bodyPr/>
-          <a:lstStyle/>
-          <a:p>
-            <a:pPr/>
-            <a:r>
-              <a:rPr b="1"/>
-              <a:t>Deployment Success:</a:t>
-            </a:r>
-            <a:r>
-              <a:t> Smooth production deployment with zero downtime</a:t>
-            </a:r>
-          </a:p>
-          <a:p>
-            <a:pPr/>
-            <a:r>
-              <a:rPr b="1"/>
-              <a:t>System Stability:</a:t>
-            </a:r>
-            <a:r>
-              <a:t> 99.7% uptime in first 30 days post-deployment</a:t>
-            </a:r>
-          </a:p>
-          <a:p>
-            <a:pPr/>
-            <a:r>
-              <a:rPr b="1"/>
-              <a:t>User Adoption:</a:t>
-            </a:r>
-            <a:r>
-              <a:t> 94% adoption rate, positive user feedback</a:t>
-            </a:r>
-          </a:p>
-          <a:p>
-            <a:pPr/>
-            <a:r>
-              <a:rPr b="1"/>
-              <a:t>Processing Volume:</a:t>
-            </a:r>
-            <a:r>
-              <a:t> 15,000+ documents processed in first month</a:t>
-            </a:r>
-          </a:p>
-          <a:p>
-            <a:pPr/>
-            <a:r>
-              <a:rPr b="1"/>
-              <a:t>Business Continuity:</a:t>
-            </a:r>
-            <a:r>
-              <a:t> Seamless transition from manual processes</a:t>
-            </a:r>
-          </a:p>
-        </p:txBody>
-      </p:sp>
+        </p:nvGraphicFramePr>
+        <p:xfrm>
+          <a:off x="256855" y="677011"/>
+          <a:ext cx="8710929" cy="2225040"/>
+        </p:xfrm>
+        <a:graphic>
+          <a:graphicData uri="http://schemas.openxmlformats.org/drawingml/2006/table">
+            <a:tbl>
+              <a:tblPr firstRow="1" bandRow="1">
+                <a:tableStyleId>{5C22544A-7EE6-4342-B048-85BDC9FD1C3A}</a:tableStyleId>
+              </a:tblPr>
+              <a:tblGrid>
+                <a:gridCol w="2177733"/>
+                <a:gridCol w="1306639"/>
+                <a:gridCol w="1045311"/>
+                <a:gridCol w="1567967"/>
+                <a:gridCol w="2613279"/>
+              </a:tblGrid>
+              <a:tr h="370840">
+                <a:tc>
+                  <a:txBody>
+                    <a:bodyPr/>
+                    <a:lstStyle/>
+                    <a:p>
+                      <a:r>
+                        <a:rPr b="1" sz="1400">
+                          <a:solidFill>
+                            <a:srgbClr val="FFFFFF"/>
+                          </a:solidFill>
+                        </a:rPr>
+                        <a:t>Scope Element</a:t>
+                      </a:r>
+                    </a:p>
+                  </a:txBody>
+                  <a:tcPr>
+                    <a:solidFill>
+                      <a:srgbClr val="A01C02"/>
+                    </a:solidFill>
+                  </a:tcPr>
+                </a:tc>
+                <a:tc>
+                  <a:txBody>
+                    <a:bodyPr/>
+                    <a:lstStyle/>
+                    <a:p>
+                      <a:r>
+                        <a:rPr b="1" sz="1400">
+                          <a:solidFill>
+                            <a:srgbClr val="FFFFFF"/>
+                          </a:solidFill>
+                        </a:rPr>
+                        <a:t>Planned</a:t>
+                      </a:r>
+                    </a:p>
+                  </a:txBody>
+                  <a:tcPr>
+                    <a:solidFill>
+                      <a:srgbClr val="A01C02"/>
+                    </a:solidFill>
+                  </a:tcPr>
+                </a:tc>
+                <a:tc>
+                  <a:txBody>
+                    <a:bodyPr/>
+                    <a:lstStyle/>
+                    <a:p>
+                      <a:r>
+                        <a:rPr b="1" sz="1400">
+                          <a:solidFill>
+                            <a:srgbClr val="FFFFFF"/>
+                          </a:solidFill>
+                        </a:rPr>
+                        <a:t>Delivered</a:t>
+                      </a:r>
+                    </a:p>
+                  </a:txBody>
+                  <a:tcPr>
+                    <a:solidFill>
+                      <a:srgbClr val="A01C02"/>
+                    </a:solidFill>
+                  </a:tcPr>
+                </a:tc>
+                <a:tc>
+                  <a:txBody>
+                    <a:bodyPr/>
+                    <a:lstStyle/>
+                    <a:p>
+                      <a:r>
+                        <a:rPr b="1" sz="1400">
+                          <a:solidFill>
+                            <a:srgbClr val="FFFFFF"/>
+                          </a:solidFill>
+                        </a:rPr>
+                        <a:t>Status</a:t>
+                      </a:r>
+                    </a:p>
+                  </a:txBody>
+                  <a:tcPr>
+                    <a:solidFill>
+                      <a:srgbClr val="A01C02"/>
+                    </a:solidFill>
+                  </a:tcPr>
+                </a:tc>
+                <a:tc>
+                  <a:txBody>
+                    <a:bodyPr/>
+                    <a:lstStyle/>
+                    <a:p>
+                      <a:r>
+                        <a:rPr b="1" sz="1400">
+                          <a:solidFill>
+                            <a:srgbClr val="FFFFFF"/>
+                          </a:solidFill>
+                        </a:rPr>
+                        <a:t>Notes</a:t>
+                      </a:r>
+                    </a:p>
+                  </a:txBody>
+                  <a:tcPr>
+                    <a:solidFill>
+                      <a:srgbClr val="A01C02"/>
+                    </a:solidFill>
+                  </a:tcPr>
+                </a:tc>
+              </a:tr>
+              <a:tr h="370840">
+                <a:tc>
+                  <a:txBody>
+                    <a:bodyPr/>
+                    <a:lstStyle/>
+                    <a:p>
+                      <a:r>
+                        <a:rPr sz="1100"/>
+                        <a:t>Document Classification</a:t>
+                      </a:r>
+                    </a:p>
+                  </a:txBody>
+                  <a:tcPr>
+                    <a:solidFill>
+                      <a:srgbClr val="E7E6E6"/>
+                    </a:solidFill>
+                  </a:tcPr>
+                </a:tc>
+                <a:tc>
+                  <a:txBody>
+                    <a:bodyPr/>
+                    <a:lstStyle/>
+                    <a:p>
+                      <a:r>
+                        <a:rPr sz="1100"/>
+                        <a:t>AWS Textract + Custom Models</a:t>
+                      </a:r>
+                    </a:p>
+                  </a:txBody>
+                  <a:tcPr>
+                    <a:solidFill>
+                      <a:srgbClr val="E7E6E6"/>
+                    </a:solidFill>
+                  </a:tcPr>
+                </a:tc>
+                <a:tc>
+                  <a:txBody>
+                    <a:bodyPr/>
+                    <a:lstStyle/>
+                    <a:p>
+                      <a:r>
+                        <a:rPr sz="1100"/>
+                        <a:t>Multi-format classification system</a:t>
+                      </a:r>
+                    </a:p>
+                  </a:txBody>
+                  <a:tcPr>
+                    <a:solidFill>
+                      <a:srgbClr val="E7E6E6"/>
+                    </a:solidFill>
+                  </a:tcPr>
+                </a:tc>
+                <a:tc>
+                  <a:txBody>
+                    <a:bodyPr/>
+                    <a:lstStyle/>
+                    <a:p>
+                      <a:r>
+                        <a:rPr sz="1100"/>
+                        <a:t>✅ Complete</a:t>
+                      </a:r>
+                    </a:p>
+                  </a:txBody>
+                  <a:tcPr>
+                    <a:solidFill>
+                      <a:srgbClr val="E7E6E6"/>
+                    </a:solidFill>
+                  </a:tcPr>
+                </a:tc>
+                <a:tc>
+                  <a:txBody>
+                    <a:bodyPr/>
+                    <a:lstStyle/>
+                    <a:p>
+                      <a:r>
+                        <a:rPr sz="1100"/>
+                        <a:t>Handles 15+ document types</a:t>
+                      </a:r>
+                    </a:p>
+                  </a:txBody>
+                  <a:tcPr>
+                    <a:solidFill>
+                      <a:srgbClr val="E7E6E6"/>
+                    </a:solidFill>
+                  </a:tcPr>
+                </a:tc>
+              </a:tr>
+              <a:tr h="370840">
+                <a:tc>
+                  <a:txBody>
+                    <a:bodyPr/>
+                    <a:lstStyle/>
+                    <a:p>
+                      <a:r>
+                        <a:rPr sz="1100"/>
+                        <a:t>Data Extraction</a:t>
+                      </a:r>
+                    </a:p>
+                  </a:txBody>
+                  <a:tcPr>
+                    <a:solidFill>
+                      <a:srgbClr val="E7E6E6"/>
+                    </a:solidFill>
+                  </a:tcPr>
+                </a:tc>
+                <a:tc>
+                  <a:txBody>
+                    <a:bodyPr/>
+                    <a:lstStyle/>
+                    <a:p>
+                      <a:r>
+                        <a:rPr sz="1100"/>
+                        <a:t>Field-level extraction</a:t>
+                      </a:r>
+                    </a:p>
+                  </a:txBody>
+                  <a:tcPr>
+                    <a:solidFill>
+                      <a:srgbClr val="E7E6E6"/>
+                    </a:solidFill>
+                  </a:tcPr>
+                </a:tc>
+                <a:tc>
+                  <a:txBody>
+                    <a:bodyPr/>
+                    <a:lstStyle/>
+                    <a:p>
+                      <a:r>
+                        <a:rPr sz="1100"/>
+                        <a:t>Intelligent field detection and extraction</a:t>
+                      </a:r>
+                    </a:p>
+                  </a:txBody>
+                  <a:tcPr>
+                    <a:solidFill>
+                      <a:srgbClr val="E7E6E6"/>
+                    </a:solidFill>
+                  </a:tcPr>
+                </a:tc>
+                <a:tc>
+                  <a:txBody>
+                    <a:bodyPr/>
+                    <a:lstStyle/>
+                    <a:p>
+                      <a:r>
+                        <a:rPr sz="1100"/>
+                        <a:t>✅ Complete</a:t>
+                      </a:r>
+                    </a:p>
+                  </a:txBody>
+                  <a:tcPr>
+                    <a:solidFill>
+                      <a:srgbClr val="E7E6E6"/>
+                    </a:solidFill>
+                  </a:tcPr>
+                </a:tc>
+                <a:tc>
+                  <a:txBody>
+                    <a:bodyPr/>
+                    <a:lstStyle/>
+                    <a:p>
+                      <a:r>
+                        <a:rPr sz="1100"/>
+                        <a:t>95.2% accuracy achieved</a:t>
+                      </a:r>
+                    </a:p>
+                  </a:txBody>
+                  <a:tcPr>
+                    <a:solidFill>
+                      <a:srgbClr val="E7E6E6"/>
+                    </a:solidFill>
+                  </a:tcPr>
+                </a:tc>
+              </a:tr>
+              <a:tr h="370840">
+                <a:tc>
+                  <a:txBody>
+                    <a:bodyPr/>
+                    <a:lstStyle/>
+                    <a:p>
+                      <a:r>
+                        <a:rPr sz="1100"/>
+                        <a:t>API Integration</a:t>
+                      </a:r>
+                    </a:p>
+                  </a:txBody>
+                  <a:tcPr>
+                    <a:solidFill>
+                      <a:srgbClr val="E7E6E6"/>
+                    </a:solidFill>
+                  </a:tcPr>
+                </a:tc>
+                <a:tc>
+                  <a:txBody>
+                    <a:bodyPr/>
+                    <a:lstStyle/>
+                    <a:p>
+                      <a:r>
+                        <a:rPr sz="1100"/>
+                        <a:t>REST APIs</a:t>
+                      </a:r>
+                    </a:p>
+                  </a:txBody>
+                  <a:tcPr>
+                    <a:solidFill>
+                      <a:srgbClr val="E7E6E6"/>
+                    </a:solidFill>
+                  </a:tcPr>
+                </a:tc>
+                <a:tc>
+                  <a:txBody>
+                    <a:bodyPr/>
+                    <a:lstStyle/>
+                    <a:p>
+                      <a:r>
+                        <a:rPr sz="1100"/>
+                        <a:t>Full API suite with authentication</a:t>
+                      </a:r>
+                    </a:p>
+                  </a:txBody>
+                  <a:tcPr>
+                    <a:solidFill>
+                      <a:srgbClr val="E7E6E6"/>
+                    </a:solidFill>
+                  </a:tcPr>
+                </a:tc>
+                <a:tc>
+                  <a:txBody>
+                    <a:bodyPr/>
+                    <a:lstStyle/>
+                    <a:p>
+                      <a:r>
+                        <a:rPr sz="1100"/>
+                        <a:t>✅ Complete</a:t>
+                      </a:r>
+                    </a:p>
+                  </a:txBody>
+                  <a:tcPr>
+                    <a:solidFill>
+                      <a:srgbClr val="E7E6E6"/>
+                    </a:solidFill>
+                  </a:tcPr>
+                </a:tc>
+                <a:tc>
+                  <a:txBody>
+                    <a:bodyPr/>
+                    <a:lstStyle/>
+                    <a:p>
+                      <a:r>
+                        <a:rPr sz="1100"/>
+                        <a:t>Real-time and batch processing</a:t>
+                      </a:r>
+                    </a:p>
+                  </a:txBody>
+                  <a:tcPr>
+                    <a:solidFill>
+                      <a:srgbClr val="E7E6E6"/>
+                    </a:solidFill>
+                  </a:tcPr>
+                </a:tc>
+              </a:tr>
+              <a:tr h="370840">
+                <a:tc>
+                  <a:txBody>
+                    <a:bodyPr/>
+                    <a:lstStyle/>
+                    <a:p>
+                      <a:r>
+                        <a:rPr sz="1100"/>
+                        <a:t>Web Interface</a:t>
+                      </a:r>
+                    </a:p>
+                  </a:txBody>
+                  <a:tcPr>
+                    <a:solidFill>
+                      <a:srgbClr val="E7E6E6"/>
+                    </a:solidFill>
+                  </a:tcPr>
+                </a:tc>
+                <a:tc>
+                  <a:txBody>
+                    <a:bodyPr/>
+                    <a:lstStyle/>
+                    <a:p>
+                      <a:r>
+                        <a:rPr sz="1100"/>
+                        <a:t>Document upload/review</a:t>
+                      </a:r>
+                    </a:p>
+                  </a:txBody>
+                  <a:tcPr>
+                    <a:solidFill>
+                      <a:srgbClr val="E7E6E6"/>
+                    </a:solidFill>
+                  </a:tcPr>
+                </a:tc>
+                <a:tc>
+                  <a:txBody>
+                    <a:bodyPr/>
+                    <a:lstStyle/>
+                    <a:p>
+                      <a:r>
+                        <a:rPr sz="1100"/>
+                        <a:t>User-friendly processing interface</a:t>
+                      </a:r>
+                    </a:p>
+                  </a:txBody>
+                  <a:tcPr>
+                    <a:solidFill>
+                      <a:srgbClr val="E7E6E6"/>
+                    </a:solidFill>
+                  </a:tcPr>
+                </a:tc>
+                <a:tc>
+                  <a:txBody>
+                    <a:bodyPr/>
+                    <a:lstStyle/>
+                    <a:p>
+                      <a:r>
+                        <a:rPr sz="1100"/>
+                        <a:t>✅ Complete</a:t>
+                      </a:r>
+                    </a:p>
+                  </a:txBody>
+                  <a:tcPr>
+                    <a:solidFill>
+                      <a:srgbClr val="E7E6E6"/>
+                    </a:solidFill>
+                  </a:tcPr>
+                </a:tc>
+                <a:tc>
+                  <a:txBody>
+                    <a:bodyPr/>
+                    <a:lstStyle/>
+                    <a:p>
+                      <a:r>
+                        <a:rPr sz="1100"/>
+                        <a:t>Mobile-responsive design</a:t>
+                      </a:r>
+                    </a:p>
+                  </a:txBody>
+                  <a:tcPr>
+                    <a:solidFill>
+                      <a:srgbClr val="E7E6E6"/>
+                    </a:solidFill>
+                  </a:tcPr>
+                </a:tc>
+              </a:tr>
+              <a:tr h="370840">
+                <a:tc>
+                  <a:txBody>
+                    <a:bodyPr/>
+                    <a:lstStyle/>
+                    <a:p>
+                      <a:r>
+                        <a:rPr b="1" sz="1100"/>
+                        <a:t>ML Model Training</a:t>
+                      </a:r>
+                    </a:p>
+                  </a:txBody>
+                  <a:tcPr>
+                    <a:solidFill>
+                      <a:srgbClr val="E7E6E6"/>
+                    </a:solidFill>
+                  </a:tcPr>
+                </a:tc>
+                <a:tc>
+                  <a:txBody>
+                    <a:bodyPr/>
+                    <a:lstStyle/>
+                    <a:p>
+                      <a:r>
+                        <a:rPr b="1" sz="1100"/>
+                        <a:t>Custom models</a:t>
+                      </a:r>
+                    </a:p>
+                  </a:txBody>
+                  <a:tcPr>
+                    <a:solidFill>
+                      <a:srgbClr val="E7E6E6"/>
+                    </a:solidFill>
+                  </a:tcPr>
+                </a:tc>
+                <a:tc>
+                  <a:txBody>
+                    <a:bodyPr/>
+                    <a:lstStyle/>
+                    <a:p>
+                      <a:r>
+                        <a:rPr b="1" sz="1100"/>
+                        <a:t>Production-ready classification models</a:t>
+                      </a:r>
+                    </a:p>
+                  </a:txBody>
+                  <a:tcPr>
+                    <a:solidFill>
+                      <a:srgbClr val="E7E6E6"/>
+                    </a:solidFill>
+                  </a:tcPr>
+                </a:tc>
+                <a:tc>
+                  <a:txBody>
+                    <a:bodyPr/>
+                    <a:lstStyle/>
+                    <a:p>
+                      <a:r>
+                        <a:rPr b="1" sz="1100"/>
+                        <a:t>✅ Complete</a:t>
+                      </a:r>
+                    </a:p>
+                  </a:txBody>
+                  <a:tcPr>
+                    <a:solidFill>
+                      <a:srgbClr val="E7E6E6"/>
+                    </a:solidFill>
+                  </a:tcPr>
+                </a:tc>
+                <a:tc>
+                  <a:txBody>
+                    <a:bodyPr/>
+                    <a:lstStyle/>
+                    <a:p>
+                      <a:r>
+                        <a:rPr b="1" sz="1100"/>
+                        <a:t>Continuous learning capability</a:t>
+                      </a:r>
+                    </a:p>
+                  </a:txBody>
+                  <a:tcPr>
+                    <a:solidFill>
+                      <a:srgbClr val="E7E6E6"/>
+                    </a:solidFill>
+                  </a:tcPr>
+                </a:tc>
+              </a:tr>
+            </a:tbl>
+          </a:graphicData>
+        </a:graphic>
+      </p:graphicFrame>
     </p:spTree>
   </p:cSld>
   <p:clrMapOvr>
@@ -3377,7 +3856,7 @@
 </p:sld>
 </file>
 
-<file path=ppt/slides/slide11.xml><?xml version="1.0" encoding="utf-8"?>
+<file path=ppt/slides/slide3.xml><?xml version="1.0" encoding="utf-8"?>
 <p:sld xmlns:a="http://schemas.openxmlformats.org/drawingml/2006/main" xmlns:p="http://schemas.openxmlformats.org/presentationml/2006/main" xmlns:r="http://schemas.openxmlformats.org/officeDocument/2006/relationships">
   <p:cSld>
     <p:spTree>
@@ -3402,8 +3881,10 @@
           <a:bodyPr/>
           <a:lstStyle/>
           <a:p>
+            <a:pPr algn="l"/>
             <a:r>
-              <a:t>**Slide 11: Training and Knowledge Transfer**</a:t>
+              <a:rPr b="1"/>
+              <a:t>**Slide 8: Key IDP Features Delivered**</a:t>
             </a:r>
           </a:p>
         </p:txBody>
@@ -3420,86 +3901,666 @@
         </p:nvSpPr>
         <p:spPr/>
       </p:sp>
-      <p:sp>
-        <p:nvSpPr>
-          <p:cNvPr id="4" name="Text Placeholder 3"/>
-          <p:cNvSpPr>
-            <a:spLocks noGrp="1"/>
-          </p:cNvSpPr>
+      <p:graphicFrame>
+        <p:nvGraphicFramePr>
+          <p:cNvPr id="4" name="Table Placeholder 3"/>
+          <p:cNvGraphicFramePr>
+            <a:graphicFrameLocks noGrp="1"/>
+          </p:cNvGraphicFramePr>
           <p:nvPr>
-            <p:ph type="body" idx="14" sz="quarter"/>
+            <p:ph type="tbl" idx="14" sz="quarter"/>
           </p:nvPr>
-        </p:nvSpPr>
-        <p:spPr/>
-        <p:txBody>
-          <a:bodyPr/>
-          <a:lstStyle/>
-          <a:p>
-            <a:pPr/>
-            <a:r>
-              <a:rPr b="1"/>
-              <a:t>Training Sessions Delivered:</a:t>
-            </a:r>
-          </a:p>
-          <a:p>
-            <a:pPr lvl="1"/>
-            <a:r>
-              <a:t>Administrator training: 2 days, 8 participants</a:t>
-            </a:r>
-          </a:p>
-          <a:p>
-            <a:pPr lvl="1"/>
-            <a:r>
-              <a:t>End-user training: 1 day, 22 participants</a:t>
-            </a:r>
-          </a:p>
-          <a:p>
-            <a:pPr lvl="1"/>
-            <a:r>
-              <a:t>AI/ML model management: 1 day, 4 technical staff</a:t>
-            </a:r>
-          </a:p>
-          <a:p>
-            <a:pPr/>
-            <a:r>
-              <a:rPr b="1"/>
-              <a:t>User Competency:</a:t>
-            </a:r>
-            <a:r>
-              <a:t> 95% pass rate on competency assessments</a:t>
-            </a:r>
-          </a:p>
-          <a:p>
-            <a:pPr/>
-            <a:r>
-              <a:rPr b="1"/>
-              <a:t>Documentation Provided:</a:t>
-            </a:r>
-          </a:p>
-          <a:p>
-            <a:pPr lvl="1"/>
-            <a:r>
-              <a:t>User guides, technical documentation, troubleshooting guides</a:t>
-            </a:r>
-          </a:p>
-          <a:p>
-            <a:pPr lvl="1"/>
-            <a:r>
-              <a:t>Video tutorials for common workflows</a:t>
-            </a:r>
-          </a:p>
-          <a:p>
-            <a:pPr/>
-            <a:r>
-              <a:rPr b="1"/>
-              <a:t>Knowledge Transfer:</a:t>
-            </a:r>
-            <a:r>
-              <a:t> Complete handover to operations and support teams</a:t>
-            </a:r>
-          </a:p>
-        </p:txBody>
-      </p:sp>
+        </p:nvGraphicFramePr>
+        <p:xfrm>
+          <a:off x="256855" y="677011"/>
+          <a:ext cx="8710929" cy="2595880"/>
+        </p:xfrm>
+        <a:graphic>
+          <a:graphicData uri="http://schemas.openxmlformats.org/drawingml/2006/table">
+            <a:tbl>
+              <a:tblPr firstRow="1" bandRow="1">
+                <a:tableStyleId>{5C22544A-7EE6-4342-B048-85BDC9FD1C3A}</a:tableStyleId>
+              </a:tblPr>
+              <a:tblGrid>
+                <a:gridCol w="2177733"/>
+                <a:gridCol w="1306639"/>
+                <a:gridCol w="1045311"/>
+                <a:gridCol w="1567967"/>
+                <a:gridCol w="2613279"/>
+              </a:tblGrid>
+              <a:tr h="370840">
+                <a:tc>
+                  <a:txBody>
+                    <a:bodyPr/>
+                    <a:lstStyle/>
+                    <a:p>
+                      <a:r>
+                        <a:rPr b="1" sz="1400">
+                          <a:solidFill>
+                            <a:srgbClr val="FFFFFF"/>
+                          </a:solidFill>
+                        </a:rPr>
+                        <a:t>Feature</a:t>
+                      </a:r>
+                    </a:p>
+                  </a:txBody>
+                  <a:tcPr>
+                    <a:solidFill>
+                      <a:srgbClr val="A01C02"/>
+                    </a:solidFill>
+                  </a:tcPr>
+                </a:tc>
+                <a:tc>
+                  <a:txBody>
+                    <a:bodyPr/>
+                    <a:lstStyle/>
+                    <a:p>
+                      <a:r>
+                        <a:rPr b="1" sz="1400">
+                          <a:solidFill>
+                            <a:srgbClr val="FFFFFF"/>
+                          </a:solidFill>
+                        </a:rPr>
+                        <a:t>Business Value</a:t>
+                      </a:r>
+                    </a:p>
+                  </a:txBody>
+                  <a:tcPr>
+                    <a:solidFill>
+                      <a:srgbClr val="A01C02"/>
+                    </a:solidFill>
+                  </a:tcPr>
+                </a:tc>
+                <a:tc>
+                  <a:txBody>
+                    <a:bodyPr/>
+                    <a:lstStyle/>
+                    <a:p>
+                      <a:r>
+                        <a:rPr b="1" sz="1400">
+                          <a:solidFill>
+                            <a:srgbClr val="FFFFFF"/>
+                          </a:solidFill>
+                        </a:rPr>
+                        <a:t>User Impact</a:t>
+                      </a:r>
+                    </a:p>
+                  </a:txBody>
+                  <a:tcPr>
+                    <a:solidFill>
+                      <a:srgbClr val="A01C02"/>
+                    </a:solidFill>
+                  </a:tcPr>
+                </a:tc>
+                <a:tc>
+                  <a:txBody>
+                    <a:bodyPr/>
+                    <a:lstStyle/>
+                    <a:p>
+                      <a:r>
+                        <a:rPr b="1" sz="1400">
+                          <a:solidFill>
+                            <a:srgbClr val="FFFFFF"/>
+                          </a:solidFill>
+                        </a:rPr>
+                        <a:t>Technical Complexity</a:t>
+                      </a:r>
+                    </a:p>
+                  </a:txBody>
+                  <a:tcPr>
+                    <a:solidFill>
+                      <a:srgbClr val="A01C02"/>
+                    </a:solidFill>
+                  </a:tcPr>
+                </a:tc>
+                <a:tc>
+                  <a:txBody>
+                    <a:bodyPr/>
+                    <a:lstStyle/>
+                    <a:p>
+                      <a:r>
+                        <a:rPr b="1" sz="1400">
+                          <a:solidFill>
+                            <a:srgbClr val="FFFFFF"/>
+                          </a:solidFill>
+                        </a:rPr>
+                        <a:t>Status</a:t>
+                      </a:r>
+                    </a:p>
+                  </a:txBody>
+                  <a:tcPr>
+                    <a:solidFill>
+                      <a:srgbClr val="A01C02"/>
+                    </a:solidFill>
+                  </a:tcPr>
+                </a:tc>
+              </a:tr>
+              <a:tr h="370840">
+                <a:tc>
+                  <a:txBody>
+                    <a:bodyPr/>
+                    <a:lstStyle/>
+                    <a:p>
+                      <a:r>
+                        <a:rPr sz="1100"/>
+                        <a:t>Multi-format Document Processing</a:t>
+                      </a:r>
+                    </a:p>
+                  </a:txBody>
+                  <a:tcPr>
+                    <a:solidFill>
+                      <a:srgbClr val="E7E6E6"/>
+                    </a:solidFill>
+                  </a:tcPr>
+                </a:tc>
+                <a:tc>
+                  <a:txBody>
+                    <a:bodyPr/>
+                    <a:lstStyle/>
+                    <a:p>
+                      <a:r>
+                        <a:rPr sz="1100"/>
+                        <a:t>Handles PDFs, images, scanned docs</a:t>
+                      </a:r>
+                    </a:p>
+                  </a:txBody>
+                  <a:tcPr>
+                    <a:solidFill>
+                      <a:srgbClr val="E7E6E6"/>
+                    </a:solidFill>
+                  </a:tcPr>
+                </a:tc>
+                <a:tc>
+                  <a:txBody>
+                    <a:bodyPr/>
+                    <a:lstStyle/>
+                    <a:p>
+                      <a:r>
+                        <a:rPr sz="1100"/>
+                        <a:t>Universal document support</a:t>
+                      </a:r>
+                    </a:p>
+                  </a:txBody>
+                  <a:tcPr>
+                    <a:solidFill>
+                      <a:srgbClr val="E7E6E6"/>
+                    </a:solidFill>
+                  </a:tcPr>
+                </a:tc>
+                <a:tc>
+                  <a:txBody>
+                    <a:bodyPr/>
+                    <a:lstStyle/>
+                    <a:p>
+                      <a:r>
+                        <a:rPr sz="1100"/>
+                        <a:t>High</a:t>
+                      </a:r>
+                    </a:p>
+                  </a:txBody>
+                  <a:tcPr>
+                    <a:solidFill>
+                      <a:srgbClr val="E7E6E6"/>
+                    </a:solidFill>
+                  </a:tcPr>
+                </a:tc>
+                <a:tc>
+                  <a:txBody>
+                    <a:bodyPr/>
+                    <a:lstStyle/>
+                    <a:p>
+                      <a:r>
+                        <a:rPr sz="1100"/>
+                        <a:t>✅ Delivered</a:t>
+                      </a:r>
+                    </a:p>
+                  </a:txBody>
+                  <a:tcPr>
+                    <a:solidFill>
+                      <a:srgbClr val="E7E6E6"/>
+                    </a:solidFill>
+                  </a:tcPr>
+                </a:tc>
+              </a:tr>
+              <a:tr h="370840">
+                <a:tc>
+                  <a:txBody>
+                    <a:bodyPr/>
+                    <a:lstStyle/>
+                    <a:p>
+                      <a:r>
+                        <a:rPr sz="1100"/>
+                        <a:t>Intelligent Data Extraction</a:t>
+                      </a:r>
+                    </a:p>
+                  </a:txBody>
+                  <a:tcPr>
+                    <a:solidFill>
+                      <a:srgbClr val="E7E6E6"/>
+                    </a:solidFill>
+                  </a:tcPr>
+                </a:tc>
+                <a:tc>
+                  <a:txBody>
+                    <a:bodyPr/>
+                    <a:lstStyle/>
+                    <a:p>
+                      <a:r>
+                        <a:rPr sz="1100"/>
+                        <a:t>Automated field recognition</a:t>
+                      </a:r>
+                    </a:p>
+                  </a:txBody>
+                  <a:tcPr>
+                    <a:solidFill>
+                      <a:srgbClr val="E7E6E6"/>
+                    </a:solidFill>
+                  </a:tcPr>
+                </a:tc>
+                <a:tc>
+                  <a:txBody>
+                    <a:bodyPr/>
+                    <a:lstStyle/>
+                    <a:p>
+                      <a:r>
+                        <a:rPr sz="1100"/>
+                        <a:t>No manual data entry required</a:t>
+                      </a:r>
+                    </a:p>
+                  </a:txBody>
+                  <a:tcPr>
+                    <a:solidFill>
+                      <a:srgbClr val="E7E6E6"/>
+                    </a:solidFill>
+                  </a:tcPr>
+                </a:tc>
+                <a:tc>
+                  <a:txBody>
+                    <a:bodyPr/>
+                    <a:lstStyle/>
+                    <a:p>
+                      <a:r>
+                        <a:rPr sz="1100"/>
+                        <a:t>High</a:t>
+                      </a:r>
+                    </a:p>
+                  </a:txBody>
+                  <a:tcPr>
+                    <a:solidFill>
+                      <a:srgbClr val="E7E6E6"/>
+                    </a:solidFill>
+                  </a:tcPr>
+                </a:tc>
+                <a:tc>
+                  <a:txBody>
+                    <a:bodyPr/>
+                    <a:lstStyle/>
+                    <a:p>
+                      <a:r>
+                        <a:rPr sz="1100"/>
+                        <a:t>✅ Delivered</a:t>
+                      </a:r>
+                    </a:p>
+                  </a:txBody>
+                  <a:tcPr>
+                    <a:solidFill>
+                      <a:srgbClr val="E7E6E6"/>
+                    </a:solidFill>
+                  </a:tcPr>
+                </a:tc>
+              </a:tr>
+              <a:tr h="370840">
+                <a:tc>
+                  <a:txBody>
+                    <a:bodyPr/>
+                    <a:lstStyle/>
+                    <a:p>
+                      <a:r>
+                        <a:rPr sz="1100"/>
+                        <a:t>Real-time Processing API</a:t>
+                      </a:r>
+                    </a:p>
+                  </a:txBody>
+                  <a:tcPr>
+                    <a:solidFill>
+                      <a:srgbClr val="E7E6E6"/>
+                    </a:solidFill>
+                  </a:tcPr>
+                </a:tc>
+                <a:tc>
+                  <a:txBody>
+                    <a:bodyPr/>
+                    <a:lstStyle/>
+                    <a:p>
+                      <a:r>
+                        <a:rPr sz="1100"/>
+                        <a:t>Instant document processing</a:t>
+                      </a:r>
+                    </a:p>
+                  </a:txBody>
+                  <a:tcPr>
+                    <a:solidFill>
+                      <a:srgbClr val="E7E6E6"/>
+                    </a:solidFill>
+                  </a:tcPr>
+                </a:tc>
+                <a:tc>
+                  <a:txBody>
+                    <a:bodyPr/>
+                    <a:lstStyle/>
+                    <a:p>
+                      <a:r>
+                        <a:rPr sz="1100"/>
+                        <a:t>Immediate results available</a:t>
+                      </a:r>
+                    </a:p>
+                  </a:txBody>
+                  <a:tcPr>
+                    <a:solidFill>
+                      <a:srgbClr val="E7E6E6"/>
+                    </a:solidFill>
+                  </a:tcPr>
+                </a:tc>
+                <a:tc>
+                  <a:txBody>
+                    <a:bodyPr/>
+                    <a:lstStyle/>
+                    <a:p>
+                      <a:r>
+                        <a:rPr sz="1100"/>
+                        <a:t>Medium</a:t>
+                      </a:r>
+                    </a:p>
+                  </a:txBody>
+                  <a:tcPr>
+                    <a:solidFill>
+                      <a:srgbClr val="E7E6E6"/>
+                    </a:solidFill>
+                  </a:tcPr>
+                </a:tc>
+                <a:tc>
+                  <a:txBody>
+                    <a:bodyPr/>
+                    <a:lstStyle/>
+                    <a:p>
+                      <a:r>
+                        <a:rPr sz="1100"/>
+                        <a:t>✅ Delivered</a:t>
+                      </a:r>
+                    </a:p>
+                  </a:txBody>
+                  <a:tcPr>
+                    <a:solidFill>
+                      <a:srgbClr val="E7E6E6"/>
+                    </a:solidFill>
+                  </a:tcPr>
+                </a:tc>
+              </a:tr>
+              <a:tr h="370840">
+                <a:tc>
+                  <a:txBody>
+                    <a:bodyPr/>
+                    <a:lstStyle/>
+                    <a:p>
+                      <a:r>
+                        <a:rPr sz="1100"/>
+                        <a:t>Custom Classification Models</a:t>
+                      </a:r>
+                    </a:p>
+                  </a:txBody>
+                  <a:tcPr>
+                    <a:solidFill>
+                      <a:srgbClr val="E7E6E6"/>
+                    </a:solidFill>
+                  </a:tcPr>
+                </a:tc>
+                <a:tc>
+                  <a:txBody>
+                    <a:bodyPr/>
+                    <a:lstStyle/>
+                    <a:p>
+                      <a:r>
+                        <a:rPr sz="1100"/>
+                        <a:t>Document type auto-detection</a:t>
+                      </a:r>
+                    </a:p>
+                  </a:txBody>
+                  <a:tcPr>
+                    <a:solidFill>
+                      <a:srgbClr val="E7E6E6"/>
+                    </a:solidFill>
+                  </a:tcPr>
+                </a:tc>
+                <a:tc>
+                  <a:txBody>
+                    <a:bodyPr/>
+                    <a:lstStyle/>
+                    <a:p>
+                      <a:r>
+                        <a:rPr sz="1100"/>
+                        <a:t>Accurate routing and processing</a:t>
+                      </a:r>
+                    </a:p>
+                  </a:txBody>
+                  <a:tcPr>
+                    <a:solidFill>
+                      <a:srgbClr val="E7E6E6"/>
+                    </a:solidFill>
+                  </a:tcPr>
+                </a:tc>
+                <a:tc>
+                  <a:txBody>
+                    <a:bodyPr/>
+                    <a:lstStyle/>
+                    <a:p>
+                      <a:r>
+                        <a:rPr sz="1100"/>
+                        <a:t>High</a:t>
+                      </a:r>
+                    </a:p>
+                  </a:txBody>
+                  <a:tcPr>
+                    <a:solidFill>
+                      <a:srgbClr val="E7E6E6"/>
+                    </a:solidFill>
+                  </a:tcPr>
+                </a:tc>
+                <a:tc>
+                  <a:txBody>
+                    <a:bodyPr/>
+                    <a:lstStyle/>
+                    <a:p>
+                      <a:r>
+                        <a:rPr sz="1100"/>
+                        <a:t>✅ Delivered</a:t>
+                      </a:r>
+                    </a:p>
+                  </a:txBody>
+                  <a:tcPr>
+                    <a:solidFill>
+                      <a:srgbClr val="E7E6E6"/>
+                    </a:solidFill>
+                  </a:tcPr>
+                </a:tc>
+              </a:tr>
+              <a:tr h="370840">
+                <a:tc>
+                  <a:txBody>
+                    <a:bodyPr/>
+                    <a:lstStyle/>
+                    <a:p>
+                      <a:r>
+                        <a:rPr sz="1100"/>
+                        <a:t>Confidence Scoring</a:t>
+                      </a:r>
+                    </a:p>
+                  </a:txBody>
+                  <a:tcPr>
+                    <a:solidFill>
+                      <a:srgbClr val="E7E6E6"/>
+                    </a:solidFill>
+                  </a:tcPr>
+                </a:tc>
+                <a:tc>
+                  <a:txBody>
+                    <a:bodyPr/>
+                    <a:lstStyle/>
+                    <a:p>
+                      <a:r>
+                        <a:rPr sz="1100"/>
+                        <a:t>Quality assurance metrics</a:t>
+                      </a:r>
+                    </a:p>
+                  </a:txBody>
+                  <a:tcPr>
+                    <a:solidFill>
+                      <a:srgbClr val="E7E6E6"/>
+                    </a:solidFill>
+                  </a:tcPr>
+                </a:tc>
+                <a:tc>
+                  <a:txBody>
+                    <a:bodyPr/>
+                    <a:lstStyle/>
+                    <a:p>
+                      <a:r>
+                        <a:rPr sz="1100"/>
+                        <a:t>Human review for low confidence</a:t>
+                      </a:r>
+                    </a:p>
+                  </a:txBody>
+                  <a:tcPr>
+                    <a:solidFill>
+                      <a:srgbClr val="E7E6E6"/>
+                    </a:solidFill>
+                  </a:tcPr>
+                </a:tc>
+                <a:tc>
+                  <a:txBody>
+                    <a:bodyPr/>
+                    <a:lstStyle/>
+                    <a:p>
+                      <a:r>
+                        <a:rPr sz="1100"/>
+                        <a:t>Medium</a:t>
+                      </a:r>
+                    </a:p>
+                  </a:txBody>
+                  <a:tcPr>
+                    <a:solidFill>
+                      <a:srgbClr val="E7E6E6"/>
+                    </a:solidFill>
+                  </a:tcPr>
+                </a:tc>
+                <a:tc>
+                  <a:txBody>
+                    <a:bodyPr/>
+                    <a:lstStyle/>
+                    <a:p>
+                      <a:r>
+                        <a:rPr sz="1100"/>
+                        <a:t>✅ Delivered</a:t>
+                      </a:r>
+                    </a:p>
+                  </a:txBody>
+                  <a:tcPr>
+                    <a:solidFill>
+                      <a:srgbClr val="E7E6E6"/>
+                    </a:solidFill>
+                  </a:tcPr>
+                </a:tc>
+              </a:tr>
+              <a:tr h="370840">
+                <a:tc>
+                  <a:txBody>
+                    <a:bodyPr/>
+                    <a:lstStyle/>
+                    <a:p>
+                      <a:r>
+                        <a:rPr b="1" sz="1100"/>
+                        <a:t>Batch Processing</a:t>
+                      </a:r>
+                    </a:p>
+                  </a:txBody>
+                  <a:tcPr>
+                    <a:solidFill>
+                      <a:srgbClr val="E7E6E6"/>
+                    </a:solidFill>
+                  </a:tcPr>
+                </a:tc>
+                <a:tc>
+                  <a:txBody>
+                    <a:bodyPr/>
+                    <a:lstStyle/>
+                    <a:p>
+                      <a:r>
+                        <a:rPr b="1" sz="1100"/>
+                        <a:t>High-volume document handling</a:t>
+                      </a:r>
+                    </a:p>
+                  </a:txBody>
+                  <a:tcPr>
+                    <a:solidFill>
+                      <a:srgbClr val="E7E6E6"/>
+                    </a:solidFill>
+                  </a:tcPr>
+                </a:tc>
+                <a:tc>
+                  <a:txBody>
+                    <a:bodyPr/>
+                    <a:lstStyle/>
+                    <a:p>
+                      <a:r>
+                        <a:rPr b="1" sz="1100"/>
+                        <a:t>Efficient bulk processing</a:t>
+                      </a:r>
+                    </a:p>
+                  </a:txBody>
+                  <a:tcPr>
+                    <a:solidFill>
+                      <a:srgbClr val="E7E6E6"/>
+                    </a:solidFill>
+                  </a:tcPr>
+                </a:tc>
+                <a:tc>
+                  <a:txBody>
+                    <a:bodyPr/>
+                    <a:lstStyle/>
+                    <a:p>
+                      <a:r>
+                        <a:rPr b="1" sz="1100"/>
+                        <a:t>Medium</a:t>
+                      </a:r>
+                    </a:p>
+                  </a:txBody>
+                  <a:tcPr>
+                    <a:solidFill>
+                      <a:srgbClr val="E7E6E6"/>
+                    </a:solidFill>
+                  </a:tcPr>
+                </a:tc>
+                <a:tc>
+                  <a:txBody>
+                    <a:bodyPr/>
+                    <a:lstStyle/>
+                    <a:p>
+                      <a:r>
+                        <a:rPr b="1" sz="1100"/>
+                        <a:t>✅ Delivered</a:t>
+                      </a:r>
+                    </a:p>
+                  </a:txBody>
+                  <a:tcPr>
+                    <a:solidFill>
+                      <a:srgbClr val="E7E6E6"/>
+                    </a:solidFill>
+                  </a:tcPr>
+                </a:tc>
+              </a:tr>
+            </a:tbl>
+          </a:graphicData>
+        </a:graphic>
+      </p:graphicFrame>
     </p:spTree>
   </p:cSld>
   <p:clrMapOvr>
@@ -3508,7 +4569,7 @@
 </p:sld>
 </file>
 
-<file path=ppt/slides/slide12.xml><?xml version="1.0" encoding="utf-8"?>
+<file path=ppt/slides/slide4.xml><?xml version="1.0" encoding="utf-8"?>
 <p:sld xmlns:a="http://schemas.openxmlformats.org/drawingml/2006/main" xmlns:p="http://schemas.openxmlformats.org/presentationml/2006/main" xmlns:r="http://schemas.openxmlformats.org/officeDocument/2006/relationships">
   <p:cSld>
     <p:spTree>
@@ -4047,490 +5108,7 @@
 </p:sld>
 </file>
 
-<file path=ppt/slides/slide13.xml><?xml version="1.0" encoding="utf-8"?>
-<p:sld xmlns:a="http://schemas.openxmlformats.org/drawingml/2006/main" xmlns:p="http://schemas.openxmlformats.org/presentationml/2006/main" xmlns:r="http://schemas.openxmlformats.org/officeDocument/2006/relationships">
-  <p:cSld>
-    <p:spTree>
-      <p:nvGrpSpPr>
-        <p:cNvPr id="1" name=""/>
-        <p:cNvGrpSpPr/>
-        <p:nvPr/>
-      </p:nvGrpSpPr>
-      <p:grpSpPr/>
-      <p:sp>
-        <p:nvSpPr>
-          <p:cNvPr id="2" name="Text Placeholder 1"/>
-          <p:cNvSpPr>
-            <a:spLocks noGrp="1"/>
-          </p:cNvSpPr>
-          <p:nvPr>
-            <p:ph type="body" idx="10" sz="quarter"/>
-          </p:nvPr>
-        </p:nvSpPr>
-        <p:spPr/>
-        <p:txBody>
-          <a:bodyPr/>
-          <a:lstStyle/>
-          <a:p>
-            <a:r>
-              <a:t>**Slide 13: ROI Analysis**</a:t>
-            </a:r>
-          </a:p>
-        </p:txBody>
-      </p:sp>
-      <p:sp>
-        <p:nvSpPr>
-          <p:cNvPr id="3" name="Picture Placeholder 2"/>
-          <p:cNvSpPr>
-            <a:spLocks noGrp="1"/>
-          </p:cNvSpPr>
-          <p:nvPr>
-            <p:ph type="pic" idx="14" sz="quarter"/>
-          </p:nvPr>
-        </p:nvSpPr>
-        <p:spPr/>
-      </p:sp>
-      <p:sp>
-        <p:nvSpPr>
-          <p:cNvPr id="4" name="Chart Placeholder 3"/>
-          <p:cNvSpPr>
-            <a:spLocks noGrp="1"/>
-          </p:cNvSpPr>
-          <p:nvPr>
-            <p:ph type="chart" idx="15" sz="quarter"/>
-          </p:nvPr>
-        </p:nvSpPr>
-        <p:spPr/>
-      </p:sp>
-      <p:sp>
-        <p:nvSpPr>
-          <p:cNvPr id="5" name="Content Placeholder 4"/>
-          <p:cNvSpPr>
-            <a:spLocks noGrp="1"/>
-          </p:cNvSpPr>
-          <p:nvPr>
-            <p:ph idx="16" sz="quarter"/>
-          </p:nvPr>
-        </p:nvSpPr>
-        <p:spPr/>
-        <p:txBody>
-          <a:bodyPr/>
-          <a:lstStyle/>
-          <a:p/>
-        </p:txBody>
-      </p:sp>
-    </p:spTree>
-  </p:cSld>
-  <p:clrMapOvr>
-    <a:masterClrMapping/>
-  </p:clrMapOvr>
-</p:sld>
-</file>
-
-<file path=ppt/slides/slide14.xml><?xml version="1.0" encoding="utf-8"?>
-<p:sld xmlns:a="http://schemas.openxmlformats.org/drawingml/2006/main" xmlns:p="http://schemas.openxmlformats.org/presentationml/2006/main" xmlns:r="http://schemas.openxmlformats.org/officeDocument/2006/relationships">
-  <p:cSld>
-    <p:spTree>
-      <p:nvGrpSpPr>
-        <p:cNvPr id="1" name=""/>
-        <p:cNvGrpSpPr/>
-        <p:nvPr/>
-      </p:nvGrpSpPr>
-      <p:grpSpPr/>
-      <p:sp>
-        <p:nvSpPr>
-          <p:cNvPr id="2" name="Text Placeholder 1"/>
-          <p:cNvSpPr>
-            <a:spLocks noGrp="1"/>
-          </p:cNvSpPr>
-          <p:nvPr>
-            <p:ph type="body" idx="10" sz="quarter"/>
-          </p:nvPr>
-        </p:nvSpPr>
-        <p:spPr/>
-        <p:txBody>
-          <a:bodyPr/>
-          <a:lstStyle/>
-          <a:p>
-            <a:r>
-              <a:t>**Slide 14: Operational Improvements**</a:t>
-            </a:r>
-          </a:p>
-        </p:txBody>
-      </p:sp>
-      <p:sp>
-        <p:nvSpPr>
-          <p:cNvPr id="3" name="Picture Placeholder 2"/>
-          <p:cNvSpPr>
-            <a:spLocks noGrp="1"/>
-          </p:cNvSpPr>
-          <p:nvPr>
-            <p:ph type="pic" idx="13" sz="quarter"/>
-          </p:nvPr>
-        </p:nvSpPr>
-        <p:spPr/>
-      </p:sp>
-      <p:sp>
-        <p:nvSpPr>
-          <p:cNvPr id="4" name="Text Placeholder 3"/>
-          <p:cNvSpPr>
-            <a:spLocks noGrp="1"/>
-          </p:cNvSpPr>
-          <p:nvPr>
-            <p:ph type="body" idx="14" sz="quarter"/>
-          </p:nvPr>
-        </p:nvSpPr>
-        <p:spPr/>
-        <p:txBody>
-          <a:bodyPr/>
-          <a:lstStyle/>
-          <a:p>
-            <a:pPr/>
-            <a:r>
-              <a:rPr b="1"/>
-              <a:t>Process Efficiency:</a:t>
-            </a:r>
-          </a:p>
-          <a:p>
-            <a:pPr lvl="1"/>
-            <a:r>
-              <a:t>Document processing time: 45 minutes → 3.2 seconds</a:t>
-            </a:r>
-          </a:p>
-          <a:p>
-            <a:pPr lvl="1"/>
-            <a:r>
-              <a:t>Staff time per document: 15 minutes → 30 seconds (review only)</a:t>
-            </a:r>
-          </a:p>
-          <a:p>
-            <a:pPr/>
-            <a:r>
-              <a:rPr b="1"/>
-              <a:t>User Productivity:</a:t>
-            </a:r>
-          </a:p>
-          <a:p>
-            <a:pPr lvl="1"/>
-            <a:r>
-              <a:t>Data entry staff redeployed to higher-value activities</a:t>
-            </a:r>
-          </a:p>
-          <a:p>
-            <a:pPr lvl="1"/>
-            <a:r>
-              <a:t>Processing capacity increased 12x with same staffing</a:t>
-            </a:r>
-          </a:p>
-          <a:p>
-            <a:pPr/>
-            <a:r>
-              <a:rPr b="1"/>
-              <a:t>Data Quality:</a:t>
-            </a:r>
-          </a:p>
-          <a:p>
-            <a:pPr lvl="1"/>
-            <a:r>
-              <a:t>Error rate reduced from 8.5% to 0.8%</a:t>
-            </a:r>
-          </a:p>
-          <a:p>
-            <a:pPr lvl="1"/>
-            <a:r>
-              <a:t>Consistent data format and structure</a:t>
-            </a:r>
-          </a:p>
-          <a:p>
-            <a:pPr/>
-            <a:r>
-              <a:rPr b="1"/>
-              <a:t>Compliance:</a:t>
-            </a:r>
-          </a:p>
-          <a:p>
-            <a:pPr lvl="1"/>
-            <a:r>
-              <a:t>Automated audit trail and logging</a:t>
-            </a:r>
-          </a:p>
-          <a:p>
-            <a:pPr lvl="1"/>
-            <a:r>
-              <a:t>Enhanced data protection and privacy controls</a:t>
-            </a:r>
-          </a:p>
-        </p:txBody>
-      </p:sp>
-    </p:spTree>
-  </p:cSld>
-  <p:clrMapOvr>
-    <a:masterClrMapping/>
-  </p:clrMapOvr>
-</p:sld>
-</file>
-
-<file path=ppt/slides/slide15.xml><?xml version="1.0" encoding="utf-8"?>
-<p:sld xmlns:a="http://schemas.openxmlformats.org/drawingml/2006/main" xmlns:p="http://schemas.openxmlformats.org/presentationml/2006/main" xmlns:r="http://schemas.openxmlformats.org/officeDocument/2006/relationships">
-  <p:cSld>
-    <p:spTree>
-      <p:nvGrpSpPr>
-        <p:cNvPr id="1" name=""/>
-        <p:cNvGrpSpPr/>
-        <p:nvPr/>
-      </p:nvGrpSpPr>
-      <p:grpSpPr/>
-      <p:sp>
-        <p:nvSpPr>
-          <p:cNvPr id="2" name="Text Placeholder 1"/>
-          <p:cNvSpPr>
-            <a:spLocks noGrp="1"/>
-          </p:cNvSpPr>
-          <p:nvPr>
-            <p:ph type="body" idx="10" sz="quarter"/>
-          </p:nvPr>
-        </p:nvSpPr>
-        <p:spPr/>
-        <p:txBody>
-          <a:bodyPr/>
-          <a:lstStyle/>
-          <a:p>
-            <a:r>
-              <a:t>**Slide 15: Strategic Value**</a:t>
-            </a:r>
-          </a:p>
-        </p:txBody>
-      </p:sp>
-      <p:sp>
-        <p:nvSpPr>
-          <p:cNvPr id="3" name="Picture Placeholder 2"/>
-          <p:cNvSpPr>
-            <a:spLocks noGrp="1"/>
-          </p:cNvSpPr>
-          <p:nvPr>
-            <p:ph type="pic" idx="13" sz="quarter"/>
-          </p:nvPr>
-        </p:nvSpPr>
-        <p:spPr/>
-      </p:sp>
-      <p:sp>
-        <p:nvSpPr>
-          <p:cNvPr id="4" name="Text Placeholder 3"/>
-          <p:cNvSpPr>
-            <a:spLocks noGrp="1"/>
-          </p:cNvSpPr>
-          <p:nvPr>
-            <p:ph type="body" idx="14" sz="quarter"/>
-          </p:nvPr>
-        </p:nvSpPr>
-        <p:spPr/>
-        <p:txBody>
-          <a:bodyPr/>
-          <a:lstStyle/>
-          <a:p>
-            <a:pPr/>
-            <a:r>
-              <a:rPr b="1"/>
-              <a:t>Technology Modernization:</a:t>
-            </a:r>
-          </a:p>
-          <a:p>
-            <a:pPr lvl="1"/>
-            <a:r>
-              <a:t>Advanced AI/ML capabilities established</a:t>
-            </a:r>
-          </a:p>
-          <a:p>
-            <a:pPr lvl="1"/>
-            <a:r>
-              <a:t>Cloud-first architecture implemented</a:t>
-            </a:r>
-          </a:p>
-          <a:p>
-            <a:pPr/>
-            <a:r>
-              <a:rPr b="1"/>
-              <a:t>Competitive Advantage:</a:t>
-            </a:r>
-          </a:p>
-          <a:p>
-            <a:pPr lvl="1"/>
-            <a:r>
-              <a:t>Faster customer service and response times</a:t>
-            </a:r>
-          </a:p>
-          <a:p>
-            <a:pPr lvl="1"/>
-            <a:r>
-              <a:t>Enhanced accuracy and reliability</a:t>
-            </a:r>
-          </a:p>
-          <a:p>
-            <a:pPr/>
-            <a:r>
-              <a:rPr b="1"/>
-              <a:t>Innovation Enablement:</a:t>
-            </a:r>
-          </a:p>
-          <a:p>
-            <a:pPr lvl="1"/>
-            <a:r>
-              <a:t>Foundation for additional AI/ML initiatives</a:t>
-            </a:r>
-          </a:p>
-          <a:p>
-            <a:pPr lvl="1"/>
-            <a:r>
-              <a:t>API-first architecture enables future integrations</a:t>
-            </a:r>
-          </a:p>
-          <a:p>
-            <a:pPr/>
-            <a:r>
-              <a:rPr b="1"/>
-              <a:t>Organizational Capability:</a:t>
-            </a:r>
-          </a:p>
-          <a:p>
-            <a:pPr lvl="1"/>
-            <a:r>
-              <a:t>AI/ML skills developed within team</a:t>
-            </a:r>
-          </a:p>
-          <a:p>
-            <a:pPr lvl="1"/>
-            <a:r>
-              <a:t>Data-driven decision making enhanced</a:t>
-            </a:r>
-          </a:p>
-        </p:txBody>
-      </p:sp>
-    </p:spTree>
-  </p:cSld>
-  <p:clrMapOvr>
-    <a:masterClrMapping/>
-  </p:clrMapOvr>
-</p:sld>
-</file>
-
-<file path=ppt/slides/slide16.xml><?xml version="1.0" encoding="utf-8"?>
-<p:sld xmlns:a="http://schemas.openxmlformats.org/drawingml/2006/main" xmlns:p="http://schemas.openxmlformats.org/presentationml/2006/main" xmlns:r="http://schemas.openxmlformats.org/officeDocument/2006/relationships">
-  <p:cSld>
-    <p:spTree>
-      <p:nvGrpSpPr>
-        <p:cNvPr id="1" name=""/>
-        <p:cNvGrpSpPr/>
-        <p:nvPr/>
-      </p:nvGrpSpPr>
-      <p:grpSpPr/>
-      <p:sp>
-        <p:nvSpPr>
-          <p:cNvPr id="2" name="Text Placeholder 1"/>
-          <p:cNvSpPr>
-            <a:spLocks noGrp="1"/>
-          </p:cNvSpPr>
-          <p:nvPr>
-            <p:ph type="body" idx="10" sz="quarter"/>
-          </p:nvPr>
-        </p:nvSpPr>
-        <p:spPr/>
-        <p:txBody>
-          <a:bodyPr/>
-          <a:lstStyle/>
-          <a:p>
-            <a:r>
-              <a:t>**Slide 16: What Went Well**</a:t>
-            </a:r>
-          </a:p>
-        </p:txBody>
-      </p:sp>
-      <p:sp>
-        <p:nvSpPr>
-          <p:cNvPr id="3" name="Picture Placeholder 2"/>
-          <p:cNvSpPr>
-            <a:spLocks noGrp="1"/>
-          </p:cNvSpPr>
-          <p:nvPr>
-            <p:ph type="pic" idx="13" sz="quarter"/>
-          </p:nvPr>
-        </p:nvSpPr>
-        <p:spPr/>
-      </p:sp>
-      <p:sp>
-        <p:nvSpPr>
-          <p:cNvPr id="4" name="Text Placeholder 3"/>
-          <p:cNvSpPr>
-            <a:spLocks noGrp="1"/>
-          </p:cNvSpPr>
-          <p:nvPr>
-            <p:ph type="body" idx="14" sz="quarter"/>
-          </p:nvPr>
-        </p:nvSpPr>
-        <p:spPr/>
-        <p:txBody>
-          <a:bodyPr/>
-          <a:lstStyle/>
-          <a:p>
-            <a:pPr/>
-            <a:r>
-              <a:rPr b="1"/>
-              <a:t>AI/ML Approach:</a:t>
-            </a:r>
-            <a:r>
-              <a:t> Hybrid AWS services + custom models achieved optimal accuracy</a:t>
-            </a:r>
-          </a:p>
-          <a:p>
-            <a:pPr/>
-            <a:r>
-              <a:rPr b="1"/>
-              <a:t>Team Collaboration:</a:t>
-            </a:r>
-            <a:r>
-              <a:t> Strong partnership between business users and technical team</a:t>
-            </a:r>
-          </a:p>
-          <a:p>
-            <a:pPr/>
-            <a:r>
-              <a:rPr b="1"/>
-              <a:t>Iterative Development:</a:t>
-            </a:r>
-            <a:r>
-              <a:t> Agile approach allowed for model refinement throughout project</a:t>
-            </a:r>
-          </a:p>
-          <a:p>
-            <a:pPr/>
-            <a:r>
-              <a:rPr b="1"/>
-              <a:t>Stakeholder Engagement:</a:t>
-            </a:r>
-            <a:r>
-              <a:t> Regular demos and feedback sessions ensured alignment</a:t>
-            </a:r>
-          </a:p>
-          <a:p>
-            <a:pPr/>
-            <a:r>
-              <a:rPr b="1"/>
-              <a:t>Change Management:</a:t>
-            </a:r>
-            <a:r>
-              <a:t> Comprehensive training program ensured smooth adoption</a:t>
-            </a:r>
-          </a:p>
-        </p:txBody>
-      </p:sp>
-    </p:spTree>
-  </p:cSld>
-  <p:clrMapOvr>
-    <a:masterClrMapping/>
-  </p:clrMapOvr>
-</p:sld>
-</file>
-
-<file path=ppt/slides/slide17.xml><?xml version="1.0" encoding="utf-8"?>
+<file path=ppt/slides/slide5.xml><?xml version="1.0" encoding="utf-8"?>
 <p:sld xmlns:a="http://schemas.openxmlformats.org/drawingml/2006/main" xmlns:p="http://schemas.openxmlformats.org/presentationml/2006/main" xmlns:r="http://schemas.openxmlformats.org/officeDocument/2006/relationships">
   <p:cSld>
     <p:spTree>
@@ -4979,537 +5557,7 @@
 </p:sld>
 </file>
 
-<file path=ppt/slides/slide18.xml><?xml version="1.0" encoding="utf-8"?>
-<p:sld xmlns:a="http://schemas.openxmlformats.org/drawingml/2006/main" xmlns:p="http://schemas.openxmlformats.org/presentationml/2006/main" xmlns:r="http://schemas.openxmlformats.org/officeDocument/2006/relationships">
-  <p:cSld>
-    <p:spTree>
-      <p:nvGrpSpPr>
-        <p:cNvPr id="1" name=""/>
-        <p:cNvGrpSpPr/>
-        <p:nvPr/>
-      </p:nvGrpSpPr>
-      <p:grpSpPr/>
-      <p:sp>
-        <p:nvSpPr>
-          <p:cNvPr id="2" name="Text Placeholder 1"/>
-          <p:cNvSpPr>
-            <a:spLocks noGrp="1"/>
-          </p:cNvSpPr>
-          <p:nvPr>
-            <p:ph type="body" idx="10" sz="quarter"/>
-          </p:nvPr>
-        </p:nvSpPr>
-        <p:spPr/>
-        <p:txBody>
-          <a:bodyPr/>
-          <a:lstStyle/>
-          <a:p>
-            <a:r>
-              <a:t>**Slide 18: Key Learnings**</a:t>
-            </a:r>
-          </a:p>
-        </p:txBody>
-      </p:sp>
-      <p:sp>
-        <p:nvSpPr>
-          <p:cNvPr id="3" name="Picture Placeholder 2"/>
-          <p:cNvSpPr>
-            <a:spLocks noGrp="1"/>
-          </p:cNvSpPr>
-          <p:nvPr>
-            <p:ph type="pic" idx="13" sz="quarter"/>
-          </p:nvPr>
-        </p:nvSpPr>
-        <p:spPr/>
-      </p:sp>
-      <p:sp>
-        <p:nvSpPr>
-          <p:cNvPr id="4" name="Text Placeholder 3"/>
-          <p:cNvSpPr>
-            <a:spLocks noGrp="1"/>
-          </p:cNvSpPr>
-          <p:nvPr>
-            <p:ph type="body" idx="14" sz="quarter"/>
-          </p:nvPr>
-        </p:nvSpPr>
-        <p:spPr/>
-        <p:txBody>
-          <a:bodyPr/>
-          <a:lstStyle/>
-          <a:p>
-            <a:pPr/>
-            <a:r>
-              <a:rPr b="1"/>
-              <a:t>Technical Lessons:</a:t>
-            </a:r>
-          </a:p>
-          <a:p>
-            <a:pPr lvl="1"/>
-            <a:r>
-              <a:t>Hybrid AI approach (AWS + custom models) provides best results</a:t>
-            </a:r>
-          </a:p>
-          <a:p>
-            <a:pPr lvl="1"/>
-            <a:r>
-              <a:t>Document preprocessing critical for accuracy</a:t>
-            </a:r>
-          </a:p>
-          <a:p>
-            <a:pPr lvl="1"/>
-            <a:r>
-              <a:t>Confidence scoring essential for quality assurance</a:t>
-            </a:r>
-          </a:p>
-          <a:p>
-            <a:pPr/>
-            <a:r>
-              <a:rPr b="1"/>
-              <a:t>Process Lessons:</a:t>
-            </a:r>
-          </a:p>
-          <a:p>
-            <a:pPr lvl="1"/>
-            <a:r>
-              <a:t>Early and frequent stakeholder feedback improves outcomes</a:t>
-            </a:r>
-          </a:p>
-          <a:p>
-            <a:pPr lvl="1"/>
-            <a:r>
-              <a:t>Parallel development and training data preparation saves time</a:t>
-            </a:r>
-          </a:p>
-          <a:p>
-            <a:pPr lvl="1"/>
-            <a:r>
-              <a:t>Continuous model evaluation and improvement necessary</a:t>
-            </a:r>
-          </a:p>
-          <a:p>
-            <a:pPr/>
-            <a:r>
-              <a:rPr b="1"/>
-              <a:t>Organizational Lessons:</a:t>
-            </a:r>
-          </a:p>
-          <a:p>
-            <a:pPr lvl="1"/>
-            <a:r>
-              <a:t>User involvement in training data validation increases buy-in</a:t>
-            </a:r>
-          </a:p>
-          <a:p>
-            <a:pPr lvl="1"/>
-            <a:r>
-              <a:t>Change management investment directly correlates with adoption success</a:t>
-            </a:r>
-          </a:p>
-          <a:p>
-            <a:pPr lvl="1"/>
-            <a:r>
-              <a:t>Cross-functional team structure accelerates decision making</a:t>
-            </a:r>
-          </a:p>
-        </p:txBody>
-      </p:sp>
-    </p:spTree>
-  </p:cSld>
-  <p:clrMapOvr>
-    <a:masterClrMapping/>
-  </p:clrMapOvr>
-</p:sld>
-</file>
-
-<file path=ppt/slides/slide19.xml><?xml version="1.0" encoding="utf-8"?>
-<p:sld xmlns:a="http://schemas.openxmlformats.org/drawingml/2006/main" xmlns:p="http://schemas.openxmlformats.org/presentationml/2006/main" xmlns:r="http://schemas.openxmlformats.org/officeDocument/2006/relationships">
-  <p:cSld>
-    <p:spTree>
-      <p:nvGrpSpPr>
-        <p:cNvPr id="1" name=""/>
-        <p:cNvGrpSpPr/>
-        <p:nvPr/>
-      </p:nvGrpSpPr>
-      <p:grpSpPr/>
-      <p:sp>
-        <p:nvSpPr>
-          <p:cNvPr id="2" name="Text Placeholder 1"/>
-          <p:cNvSpPr>
-            <a:spLocks noGrp="1"/>
-          </p:cNvSpPr>
-          <p:nvPr>
-            <p:ph type="body" idx="10" sz="quarter"/>
-          </p:nvPr>
-        </p:nvSpPr>
-        <p:spPr/>
-        <p:txBody>
-          <a:bodyPr/>
-          <a:lstStyle/>
-          <a:p>
-            <a:r>
-              <a:t>**Slide 19: Best Practices Established**</a:t>
-            </a:r>
-          </a:p>
-        </p:txBody>
-      </p:sp>
-      <p:sp>
-        <p:nvSpPr>
-          <p:cNvPr id="3" name="Picture Placeholder 2"/>
-          <p:cNvSpPr>
-            <a:spLocks noGrp="1"/>
-          </p:cNvSpPr>
-          <p:nvPr>
-            <p:ph type="pic" idx="13" sz="quarter"/>
-          </p:nvPr>
-        </p:nvSpPr>
-        <p:spPr/>
-      </p:sp>
-      <p:sp>
-        <p:nvSpPr>
-          <p:cNvPr id="4" name="Text Placeholder 3"/>
-          <p:cNvSpPr>
-            <a:spLocks noGrp="1"/>
-          </p:cNvSpPr>
-          <p:nvPr>
-            <p:ph type="body" idx="14" sz="quarter"/>
-          </p:nvPr>
-        </p:nvSpPr>
-        <p:spPr/>
-        <p:txBody>
-          <a:bodyPr/>
-          <a:lstStyle/>
-          <a:p>
-            <a:pPr/>
-            <a:r>
-              <a:rPr b="1"/>
-              <a:t>AI/ML Development Standards:</a:t>
-            </a:r>
-          </a:p>
-          <a:p>
-            <a:pPr lvl="1"/>
-            <a:r>
-              <a:t>Model validation and testing procedures</a:t>
-            </a:r>
-          </a:p>
-          <a:p>
-            <a:pPr lvl="1"/>
-            <a:r>
-              <a:t>Training data quality and versioning standards</a:t>
-            </a:r>
-          </a:p>
-          <a:p>
-            <a:pPr/>
-            <a:r>
-              <a:rPr b="1"/>
-              <a:t>Document Processing Standards:</a:t>
-            </a:r>
-          </a:p>
-          <a:p>
-            <a:pPr lvl="1"/>
-            <a:r>
-              <a:t>Quality thresholds and confidence scoring</a:t>
-            </a:r>
-          </a:p>
-          <a:p>
-            <a:pPr lvl="1"/>
-            <a:r>
-              <a:t>Exception handling and human review workflows</a:t>
-            </a:r>
-          </a:p>
-          <a:p>
-            <a:pPr/>
-            <a:r>
-              <a:rPr b="1"/>
-              <a:t>Integration Patterns:</a:t>
-            </a:r>
-          </a:p>
-          <a:p>
-            <a:pPr lvl="1"/>
-            <a:r>
-              <a:t>API standardization and authentication</a:t>
-            </a:r>
-          </a:p>
-          <a:p>
-            <a:pPr lvl="1"/>
-            <a:r>
-              <a:t>Error handling and retry mechanisms</a:t>
-            </a:r>
-          </a:p>
-          <a:p>
-            <a:pPr/>
-            <a:r>
-              <a:rPr b="1"/>
-              <a:t>Documentation Standards:</a:t>
-            </a:r>
-          </a:p>
-          <a:p>
-            <a:pPr lvl="1"/>
-            <a:r>
-              <a:t>Technical documentation for AI/ML models</a:t>
-            </a:r>
-          </a:p>
-          <a:p>
-            <a:pPr lvl="1"/>
-            <a:r>
-              <a:t>User guides with visual workflows</a:t>
-            </a:r>
-          </a:p>
-        </p:txBody>
-      </p:sp>
-    </p:spTree>
-  </p:cSld>
-  <p:clrMapOvr>
-    <a:masterClrMapping/>
-  </p:clrMapOvr>
-</p:sld>
-</file>
-
-<file path=ppt/slides/slide2.xml><?xml version="1.0" encoding="utf-8"?>
-<p:sld xmlns:a="http://schemas.openxmlformats.org/drawingml/2006/main" xmlns:p="http://schemas.openxmlformats.org/presentationml/2006/main" xmlns:r="http://schemas.openxmlformats.org/officeDocument/2006/relationships">
-  <p:cSld>
-    <p:spTree>
-      <p:nvGrpSpPr>
-        <p:cNvPr id="1" name=""/>
-        <p:cNvGrpSpPr/>
-        <p:nvPr/>
-      </p:nvGrpSpPr>
-      <p:grpSpPr/>
-      <p:sp>
-        <p:nvSpPr>
-          <p:cNvPr id="2" name="Text Placeholder 1"/>
-          <p:cNvSpPr>
-            <a:spLocks noGrp="1"/>
-          </p:cNvSpPr>
-          <p:nvPr>
-            <p:ph type="body" idx="10" sz="quarter"/>
-          </p:nvPr>
-        </p:nvSpPr>
-        <p:spPr/>
-        <p:txBody>
-          <a:bodyPr/>
-          <a:lstStyle/>
-          <a:p>
-            <a:r>
-              <a:t>**Slide 2: Agenda**</a:t>
-            </a:r>
-          </a:p>
-        </p:txBody>
-      </p:sp>
-      <p:sp>
-        <p:nvSpPr>
-          <p:cNvPr id="3" name="Picture Placeholder 2"/>
-          <p:cNvSpPr>
-            <a:spLocks noGrp="1"/>
-          </p:cNvSpPr>
-          <p:nvPr>
-            <p:ph type="pic" idx="13" sz="quarter"/>
-          </p:nvPr>
-        </p:nvSpPr>
-        <p:spPr/>
-      </p:sp>
-      <p:sp>
-        <p:nvSpPr>
-          <p:cNvPr id="4" name="Text Placeholder 3"/>
-          <p:cNvSpPr>
-            <a:spLocks noGrp="1"/>
-          </p:cNvSpPr>
-          <p:nvPr>
-            <p:ph type="body" idx="14" sz="quarter"/>
-          </p:nvPr>
-        </p:nvSpPr>
-        <p:spPr/>
-        <p:txBody>
-          <a:bodyPr/>
-          <a:lstStyle/>
-          <a:p>
-            <a:pPr/>
-            <a:r>
-              <a:t>Project Overview and IDP Objectives</a:t>
-            </a:r>
-          </a:p>
-          <a:p>
-            <a:pPr/>
-            <a:r>
-              <a:t>IDP Solution Delivery Summary and Achievements</a:t>
-            </a:r>
-          </a:p>
-          <a:p>
-            <a:pPr/>
-            <a:r>
-              <a:t>AI/ML Model Performance and Value Delivered</a:t>
-            </a:r>
-          </a:p>
-          <a:p>
-            <a:pPr/>
-            <a:r>
-              <a:t>Lessons Learned and Best Practices</a:t>
-            </a:r>
-          </a:p>
-          <a:p>
-            <a:pPr/>
-            <a:r>
-              <a:t>Operational Recommendations and Next Steps</a:t>
-            </a:r>
-          </a:p>
-          <a:p>
-            <a:pPr/>
-            <a:r>
-              <a:t>Team Recognition and Appreciation</a:t>
-            </a:r>
-          </a:p>
-          <a:p>
-            <a:pPr/>
-            <a:r>
-              <a:t>Q&amp;A Session</a:t>
-            </a:r>
-          </a:p>
-        </p:txBody>
-      </p:sp>
-    </p:spTree>
-  </p:cSld>
-  <p:clrMapOvr>
-    <a:masterClrMapping/>
-  </p:clrMapOvr>
-</p:sld>
-</file>
-
-<file path=ppt/slides/slide20.xml><?xml version="1.0" encoding="utf-8"?>
-<p:sld xmlns:a="http://schemas.openxmlformats.org/drawingml/2006/main" xmlns:p="http://schemas.openxmlformats.org/presentationml/2006/main" xmlns:r="http://schemas.openxmlformats.org/officeDocument/2006/relationships">
-  <p:cSld>
-    <p:spTree>
-      <p:nvGrpSpPr>
-        <p:cNvPr id="1" name=""/>
-        <p:cNvGrpSpPr/>
-        <p:nvPr/>
-      </p:nvGrpSpPr>
-      <p:grpSpPr/>
-      <p:sp>
-        <p:nvSpPr>
-          <p:cNvPr id="2" name="Text Placeholder 1"/>
-          <p:cNvSpPr>
-            <a:spLocks noGrp="1"/>
-          </p:cNvSpPr>
-          <p:nvPr>
-            <p:ph type="body" idx="10" sz="quarter"/>
-          </p:nvPr>
-        </p:nvSpPr>
-        <p:spPr/>
-        <p:txBody>
-          <a:bodyPr/>
-          <a:lstStyle/>
-          <a:p>
-            <a:r>
-              <a:t>**Slide 20: Immediate Operational Recommendations**</a:t>
-            </a:r>
-          </a:p>
-        </p:txBody>
-      </p:sp>
-      <p:sp>
-        <p:nvSpPr>
-          <p:cNvPr id="3" name="Picture Placeholder 2"/>
-          <p:cNvSpPr>
-            <a:spLocks noGrp="1"/>
-          </p:cNvSpPr>
-          <p:nvPr>
-            <p:ph type="pic" idx="13" sz="quarter"/>
-          </p:nvPr>
-        </p:nvSpPr>
-        <p:spPr/>
-      </p:sp>
-      <p:sp>
-        <p:nvSpPr>
-          <p:cNvPr id="4" name="Text Placeholder 3"/>
-          <p:cNvSpPr>
-            <a:spLocks noGrp="1"/>
-          </p:cNvSpPr>
-          <p:nvPr>
-            <p:ph type="body" idx="14" sz="quarter"/>
-          </p:nvPr>
-        </p:nvSpPr>
-        <p:spPr/>
-        <p:txBody>
-          <a:bodyPr/>
-          <a:lstStyle/>
-          <a:p>
-            <a:pPr/>
-            <a:r>
-              <a:rPr b="1"/>
-              <a:t>Model Performance Monitoring:</a:t>
-            </a:r>
-          </a:p>
-          <a:p>
-            <a:pPr lvl="1"/>
-            <a:r>
-              <a:t>Implement continuous accuracy monitoring</a:t>
-            </a:r>
-          </a:p>
-          <a:p>
-            <a:pPr lvl="1"/>
-            <a:r>
-              <a:t>Set up automated alerts for performance degradation</a:t>
-            </a:r>
-          </a:p>
-          <a:p>
-            <a:pPr lvl="1"/>
-            <a:r>
-              <a:t>Regular model retraining schedule</a:t>
-            </a:r>
-          </a:p>
-          <a:p>
-            <a:pPr/>
-            <a:r>
-              <a:rPr b="1"/>
-              <a:t>System Optimization:</a:t>
-            </a:r>
-          </a:p>
-          <a:p>
-            <a:pPr lvl="1"/>
-            <a:r>
-              <a:t>Performance tuning for high-volume periods</a:t>
-            </a:r>
-          </a:p>
-          <a:p>
-            <a:pPr lvl="1"/>
-            <a:r>
-              <a:t>Cost optimization for AWS services</a:t>
-            </a:r>
-          </a:p>
-          <a:p>
-            <a:pPr lvl="1"/>
-            <a:r>
-              <a:t>Capacity planning for growth</a:t>
-            </a:r>
-          </a:p>
-          <a:p>
-            <a:pPr/>
-            <a:r>
-              <a:rPr b="1"/>
-              <a:t>User Support:</a:t>
-            </a:r>
-          </a:p>
-          <a:p>
-            <a:pPr lvl="1"/>
-            <a:r>
-              <a:t>Establish help desk procedures for IDP-related issues</a:t>
-            </a:r>
-          </a:p>
-          <a:p>
-            <a:pPr lvl="1"/>
-            <a:r>
-              <a:t>Create user community for best practice sharing</a:t>
-            </a:r>
-          </a:p>
-        </p:txBody>
-      </p:sp>
-    </p:spTree>
-  </p:cSld>
-  <p:clrMapOvr>
-    <a:masterClrMapping/>
-  </p:clrMapOvr>
-</p:sld>
-</file>
-
-<file path=ppt/slides/slide21.xml><?xml version="1.0" encoding="utf-8"?>
+<file path=ppt/slides/slide6.xml><?xml version="1.0" encoding="utf-8"?>
 <p:sld xmlns:a="http://schemas.openxmlformats.org/drawingml/2006/main" xmlns:p="http://schemas.openxmlformats.org/presentationml/2006/main" xmlns:r="http://schemas.openxmlformats.org/officeDocument/2006/relationships">
   <p:cSld>
     <p:spTree>
@@ -6127,3533 +6175,6 @@
           </a:graphicData>
         </a:graphic>
       </p:graphicFrame>
-    </p:spTree>
-  </p:cSld>
-  <p:clrMapOvr>
-    <a:masterClrMapping/>
-  </p:clrMapOvr>
-</p:sld>
-</file>
-
-<file path=ppt/slides/slide22.xml><?xml version="1.0" encoding="utf-8"?>
-<p:sld xmlns:a="http://schemas.openxmlformats.org/drawingml/2006/main" xmlns:p="http://schemas.openxmlformats.org/presentationml/2006/main" xmlns:r="http://schemas.openxmlformats.org/officeDocument/2006/relationships">
-  <p:cSld>
-    <p:spTree>
-      <p:nvGrpSpPr>
-        <p:cNvPr id="1" name=""/>
-        <p:cNvGrpSpPr/>
-        <p:nvPr/>
-      </p:nvGrpSpPr>
-      <p:grpSpPr/>
-      <p:sp>
-        <p:nvSpPr>
-          <p:cNvPr id="2" name="Text Placeholder 1"/>
-          <p:cNvSpPr>
-            <a:spLocks noGrp="1"/>
-          </p:cNvSpPr>
-          <p:nvPr>
-            <p:ph type="body" idx="10" sz="quarter"/>
-          </p:nvPr>
-        </p:nvSpPr>
-        <p:spPr/>
-        <p:txBody>
-          <a:bodyPr/>
-          <a:lstStyle/>
-          <a:p>
-            <a:r>
-              <a:t>**Slide 22: Transition to Operations**</a:t>
-            </a:r>
-          </a:p>
-        </p:txBody>
-      </p:sp>
-      <p:sp>
-        <p:nvSpPr>
-          <p:cNvPr id="3" name="Picture Placeholder 2"/>
-          <p:cNvSpPr>
-            <a:spLocks noGrp="1"/>
-          </p:cNvSpPr>
-          <p:nvPr>
-            <p:ph type="pic" idx="13" sz="quarter"/>
-          </p:nvPr>
-        </p:nvSpPr>
-        <p:spPr/>
-      </p:sp>
-      <p:sp>
-        <p:nvSpPr>
-          <p:cNvPr id="4" name="Text Placeholder 3"/>
-          <p:cNvSpPr>
-            <a:spLocks noGrp="1"/>
-          </p:cNvSpPr>
-          <p:nvPr>
-            <p:ph type="body" idx="14" sz="quarter"/>
-          </p:nvPr>
-        </p:nvSpPr>
-        <p:spPr/>
-        <p:txBody>
-          <a:bodyPr/>
-          <a:lstStyle/>
-          <a:p>
-            <a:pPr/>
-            <a:r>
-              <a:rPr b="1"/>
-              <a:t>Operational Handover:</a:t>
-            </a:r>
-          </a:p>
-          <a:p>
-            <a:pPr lvl="1"/>
-            <a:r>
-              <a:t>Complete runbooks and procedures documented</a:t>
-            </a:r>
-          </a:p>
-          <a:p>
-            <a:pPr lvl="1"/>
-            <a:r>
-              <a:t>Operations team trained and certified</a:t>
-            </a:r>
-          </a:p>
-          <a:p>
-            <a:pPr/>
-            <a:r>
-              <a:rPr b="1"/>
-              <a:t>Support Structure:</a:t>
-            </a:r>
-          </a:p>
-          <a:p>
-            <a:pPr lvl="1"/>
-            <a:r>
-              <a:t>L1 support for user issues</a:t>
-            </a:r>
-          </a:p>
-          <a:p>
-            <a:pPr lvl="1"/>
-            <a:r>
-              <a:t>L2 support for technical issues</a:t>
-            </a:r>
-          </a:p>
-          <a:p>
-            <a:pPr lvl="1"/>
-            <a:r>
-              <a:t>L3 escalation to development team</a:t>
-            </a:r>
-          </a:p>
-          <a:p>
-            <a:pPr/>
-            <a:r>
-              <a:rPr b="1"/>
-              <a:t>Monitoring and Maintenance:</a:t>
-            </a:r>
-          </a:p>
-          <a:p>
-            <a:pPr lvl="1"/>
-            <a:r>
-              <a:t>CloudWatch dashboards and alerts configured</a:t>
-            </a:r>
-          </a:p>
-          <a:p>
-            <a:pPr lvl="1"/>
-            <a:r>
-              <a:t>Weekly performance review meetings scheduled</a:t>
-            </a:r>
-          </a:p>
-          <a:p>
-            <a:pPr/>
-            <a:r>
-              <a:rPr b="1"/>
-              <a:t>Continuous Improvement:</a:t>
-            </a:r>
-          </a:p>
-          <a:p>
-            <a:pPr lvl="1"/>
-            <a:r>
-              <a:t>Monthly model performance reviews</a:t>
-            </a:r>
-          </a:p>
-          <a:p>
-            <a:pPr lvl="1"/>
-            <a:r>
-              <a:t>Quarterly enhancement planning sessions</a:t>
-            </a:r>
-          </a:p>
-        </p:txBody>
-      </p:sp>
-    </p:spTree>
-  </p:cSld>
-  <p:clrMapOvr>
-    <a:masterClrMapping/>
-  </p:clrMapOvr>
-</p:sld>
-</file>
-
-<file path=ppt/slides/slide23.xml><?xml version="1.0" encoding="utf-8"?>
-<p:sld xmlns:a="http://schemas.openxmlformats.org/drawingml/2006/main" xmlns:p="http://schemas.openxmlformats.org/presentationml/2006/main" xmlns:r="http://schemas.openxmlformats.org/officeDocument/2006/relationships">
-  <p:cSld>
-    <p:spTree>
-      <p:nvGrpSpPr>
-        <p:cNvPr id="1" name=""/>
-        <p:cNvGrpSpPr/>
-        <p:nvPr/>
-      </p:nvGrpSpPr>
-      <p:grpSpPr/>
-      <p:sp>
-        <p:nvSpPr>
-          <p:cNvPr id="2" name="Text Placeholder 1"/>
-          <p:cNvSpPr>
-            <a:spLocks noGrp="1"/>
-          </p:cNvSpPr>
-          <p:nvPr>
-            <p:ph type="body" idx="10" sz="quarter"/>
-          </p:nvPr>
-        </p:nvSpPr>
-        <p:spPr/>
-        <p:txBody>
-          <a:bodyPr/>
-          <a:lstStyle/>
-          <a:p>
-            <a:r>
-              <a:t>**Slide 23: Core Team Appreciation**</a:t>
-            </a:r>
-          </a:p>
-        </p:txBody>
-      </p:sp>
-      <p:sp>
-        <p:nvSpPr>
-          <p:cNvPr id="3" name="Picture Placeholder 2"/>
-          <p:cNvSpPr>
-            <a:spLocks noGrp="1"/>
-          </p:cNvSpPr>
-          <p:nvPr>
-            <p:ph type="pic" idx="13" sz="quarter"/>
-          </p:nvPr>
-        </p:nvSpPr>
-        <p:spPr/>
-      </p:sp>
-      <p:sp>
-        <p:nvSpPr>
-          <p:cNvPr id="4" name="Text Placeholder 3"/>
-          <p:cNvSpPr>
-            <a:spLocks noGrp="1"/>
-          </p:cNvSpPr>
-          <p:nvPr>
-            <p:ph type="body" idx="14" sz="quarter"/>
-          </p:nvPr>
-        </p:nvSpPr>
-        <p:spPr/>
-        <p:txBody>
-          <a:bodyPr/>
-          <a:lstStyle/>
-          <a:p>
-            <a:pPr/>
-            <a:r>
-              <a:rPr b="1"/>
-              <a:t>Project Manager:</a:t>
-            </a:r>
-            <a:r>
-              <a:t> [Name] - Outstanding project coordination and stakeholder management</a:t>
-            </a:r>
-          </a:p>
-          <a:p>
-            <a:pPr/>
-            <a:r>
-              <a:rPr b="1"/>
-              <a:t>AI/ML Architect:</a:t>
-            </a:r>
-            <a:r>
-              <a:t> [Name] - Innovative model design and performance optimization</a:t>
-            </a:r>
-          </a:p>
-          <a:p>
-            <a:pPr/>
-            <a:r>
-              <a:rPr b="1"/>
-              <a:t>AWS Solutions Architect:</a:t>
-            </a:r>
-            <a:r>
-              <a:t> [Name] - Robust cloud architecture and security implementation</a:t>
-            </a:r>
-          </a:p>
-          <a:p>
-            <a:pPr/>
-            <a:r>
-              <a:rPr b="1"/>
-              <a:t>Data Scientist:</a:t>
-            </a:r>
-            <a:r>
-              <a:t> [Name] - Exceptional model development and accuracy achievements</a:t>
-            </a:r>
-          </a:p>
-          <a:p>
-            <a:pPr/>
-            <a:r>
-              <a:rPr b="1"/>
-              <a:t>DevOps Engineer:</a:t>
-            </a:r>
-            <a:r>
-              <a:t> [Name] - Seamless deployment and operational excellence</a:t>
-            </a:r>
-          </a:p>
-          <a:p>
-            <a:pPr/>
-            <a:r>
-              <a:rPr b="1"/>
-              <a:t>Business Analyst:</a:t>
-            </a:r>
-            <a:r>
-              <a:t> [Name] - Requirements clarity and user adoption success</a:t>
-            </a:r>
-          </a:p>
-        </p:txBody>
-      </p:sp>
-    </p:spTree>
-  </p:cSld>
-  <p:clrMapOvr>
-    <a:masterClrMapping/>
-  </p:clrMapOvr>
-</p:sld>
-</file>
-
-<file path=ppt/slides/slide24.xml><?xml version="1.0" encoding="utf-8"?>
-<p:sld xmlns:a="http://schemas.openxmlformats.org/drawingml/2006/main" xmlns:p="http://schemas.openxmlformats.org/presentationml/2006/main" xmlns:r="http://schemas.openxmlformats.org/officeDocument/2006/relationships">
-  <p:cSld>
-    <p:spTree>
-      <p:nvGrpSpPr>
-        <p:cNvPr id="1" name=""/>
-        <p:cNvGrpSpPr/>
-        <p:nvPr/>
-      </p:nvGrpSpPr>
-      <p:grpSpPr/>
-      <p:sp>
-        <p:nvSpPr>
-          <p:cNvPr id="2" name="Text Placeholder 1"/>
-          <p:cNvSpPr>
-            <a:spLocks noGrp="1"/>
-          </p:cNvSpPr>
-          <p:nvPr>
-            <p:ph type="body" idx="10" sz="quarter"/>
-          </p:nvPr>
-        </p:nvSpPr>
-        <p:spPr/>
-        <p:txBody>
-          <a:bodyPr/>
-          <a:lstStyle/>
-          <a:p>
-            <a:r>
-              <a:t>**Slide 24: Extended Team Recognition**</a:t>
-            </a:r>
-          </a:p>
-        </p:txBody>
-      </p:sp>
-      <p:sp>
-        <p:nvSpPr>
-          <p:cNvPr id="3" name="Picture Placeholder 2"/>
-          <p:cNvSpPr>
-            <a:spLocks noGrp="1"/>
-          </p:cNvSpPr>
-          <p:nvPr>
-            <p:ph type="pic" idx="13" sz="quarter"/>
-          </p:nvPr>
-        </p:nvSpPr>
-        <p:spPr/>
-      </p:sp>
-      <p:sp>
-        <p:nvSpPr>
-          <p:cNvPr id="4" name="Text Placeholder 3"/>
-          <p:cNvSpPr>
-            <a:spLocks noGrp="1"/>
-          </p:cNvSpPr>
-          <p:nvPr>
-            <p:ph type="body" idx="14" sz="quarter"/>
-          </p:nvPr>
-        </p:nvSpPr>
-        <p:spPr/>
-        <p:txBody>
-          <a:bodyPr/>
-          <a:lstStyle/>
-          <a:p>
-            <a:pPr/>
-            <a:r>
-              <a:rPr b="1"/>
-              <a:t>Development Team:</a:t>
-            </a:r>
-            <a:r>
-              <a:t> Backend developers, frontend developers, integration specialists</a:t>
-            </a:r>
-          </a:p>
-          <a:p>
-            <a:pPr/>
-            <a:r>
-              <a:rPr b="1"/>
-              <a:t>Business Stakeholders:</a:t>
-            </a:r>
-            <a:r>
-              <a:t> Document processing experts, compliance team, end users</a:t>
-            </a:r>
-          </a:p>
-          <a:p>
-            <a:pPr/>
-            <a:r>
-              <a:rPr b="1"/>
-              <a:t>AWS Support Team:</a:t>
-            </a:r>
-            <a:r>
-              <a:t> Technical account management and service optimization</a:t>
-            </a:r>
-          </a:p>
-          <a:p>
-            <a:pPr/>
-            <a:r>
-              <a:rPr b="1"/>
-              <a:t>Security Team:</a:t>
-            </a:r>
-            <a:r>
-              <a:t> Data protection guidance and compliance validation</a:t>
-            </a:r>
-          </a:p>
-          <a:p>
-            <a:pPr/>
-            <a:r>
-              <a:rPr b="1"/>
-              <a:t>Executive Sponsors:</a:t>
-            </a:r>
-            <a:r>
-              <a:t> Leadership support and strategic vision</a:t>
-            </a:r>
-          </a:p>
-        </p:txBody>
-      </p:sp>
-    </p:spTree>
-  </p:cSld>
-  <p:clrMapOvr>
-    <a:masterClrMapping/>
-  </p:clrMapOvr>
-</p:sld>
-</file>
-
-<file path=ppt/slides/slide25.xml><?xml version="1.0" encoding="utf-8"?>
-<p:sld xmlns:a="http://schemas.openxmlformats.org/drawingml/2006/main" xmlns:p="http://schemas.openxmlformats.org/presentationml/2006/main" xmlns:r="http://schemas.openxmlformats.org/officeDocument/2006/relationships">
-  <p:cSld>
-    <p:spTree>
-      <p:nvGrpSpPr>
-        <p:cNvPr id="1" name=""/>
-        <p:cNvGrpSpPr/>
-        <p:nvPr/>
-      </p:nvGrpSpPr>
-      <p:grpSpPr/>
-      <p:sp>
-        <p:nvSpPr>
-          <p:cNvPr id="2" name="Text Placeholder 1"/>
-          <p:cNvSpPr>
-            <a:spLocks noGrp="1"/>
-          </p:cNvSpPr>
-          <p:nvPr>
-            <p:ph type="body" idx="10" sz="quarter"/>
-          </p:nvPr>
-        </p:nvSpPr>
-        <p:spPr/>
-        <p:txBody>
-          <a:bodyPr/>
-          <a:lstStyle/>
-          <a:p>
-            <a:r>
-              <a:t>**Slide 25: Team Success Factors**</a:t>
-            </a:r>
-          </a:p>
-        </p:txBody>
-      </p:sp>
-      <p:sp>
-        <p:nvSpPr>
-          <p:cNvPr id="3" name="Picture Placeholder 2"/>
-          <p:cNvSpPr>
-            <a:spLocks noGrp="1"/>
-          </p:cNvSpPr>
-          <p:nvPr>
-            <p:ph type="pic" idx="13" sz="quarter"/>
-          </p:nvPr>
-        </p:nvSpPr>
-        <p:spPr/>
-      </p:sp>
-      <p:sp>
-        <p:nvSpPr>
-          <p:cNvPr id="4" name="Text Placeholder 3"/>
-          <p:cNvSpPr>
-            <a:spLocks noGrp="1"/>
-          </p:cNvSpPr>
-          <p:nvPr>
-            <p:ph type="body" idx="14" sz="quarter"/>
-          </p:nvPr>
-        </p:nvSpPr>
-        <p:spPr/>
-        <p:txBody>
-          <a:bodyPr/>
-          <a:lstStyle/>
-          <a:p>
-            <a:pPr/>
-            <a:r>
-              <a:rPr b="1"/>
-              <a:t>Innovation:</a:t>
-            </a:r>
-            <a:r>
-              <a:t> Creative problem-solving for complex AI/ML challenges</a:t>
-            </a:r>
-          </a:p>
-          <a:p>
-            <a:pPr/>
-            <a:r>
-              <a:rPr b="1"/>
-              <a:t>Collaboration:</a:t>
-            </a:r>
-            <a:r>
-              <a:t> Seamless integration between business and technical teams</a:t>
-            </a:r>
-          </a:p>
-          <a:p>
-            <a:pPr/>
-            <a:r>
-              <a:rPr b="1"/>
-              <a:t>Dedication:</a:t>
-            </a:r>
-            <a:r>
-              <a:t> Commitment to achieving challenging accuracy and performance targets</a:t>
-            </a:r>
-          </a:p>
-          <a:p>
-            <a:pPr/>
-            <a:r>
-              <a:rPr b="1"/>
-              <a:t>Adaptability:</a:t>
-            </a:r>
-            <a:r>
-              <a:t> Flexibility in model refinement and approach optimization</a:t>
-            </a:r>
-          </a:p>
-          <a:p>
-            <a:pPr/>
-            <a:r>
-              <a:rPr b="1"/>
-              <a:t>Knowledge Sharing:</a:t>
-            </a:r>
-            <a:r>
-              <a:t> Continuous learning and skill development</a:t>
-            </a:r>
-          </a:p>
-        </p:txBody>
-      </p:sp>
-    </p:spTree>
-  </p:cSld>
-  <p:clrMapOvr>
-    <a:masterClrMapping/>
-  </p:clrMapOvr>
-</p:sld>
-</file>
-
-<file path=ppt/slides/slide26.xml><?xml version="1.0" encoding="utf-8"?>
-<p:sld xmlns:a="http://schemas.openxmlformats.org/drawingml/2006/main" xmlns:p="http://schemas.openxmlformats.org/presentationml/2006/main" xmlns:r="http://schemas.openxmlformats.org/officeDocument/2006/relationships">
-  <p:cSld>
-    <p:spTree>
-      <p:nvGrpSpPr>
-        <p:cNvPr id="1" name=""/>
-        <p:cNvGrpSpPr/>
-        <p:nvPr/>
-      </p:nvGrpSpPr>
-      <p:grpSpPr/>
-      <p:sp>
-        <p:nvSpPr>
-          <p:cNvPr id="2" name="Text Placeholder 1"/>
-          <p:cNvSpPr>
-            <a:spLocks noGrp="1"/>
-          </p:cNvSpPr>
-          <p:nvPr>
-            <p:ph type="body" idx="10" sz="quarter"/>
-          </p:nvPr>
-        </p:nvSpPr>
-        <p:spPr/>
-        <p:txBody>
-          <a:bodyPr/>
-          <a:lstStyle/>
-          <a:p>
-            <a:r>
-              <a:t>**Slide 26: IDP Project Success Declaration**</a:t>
-            </a:r>
-          </a:p>
-        </p:txBody>
-      </p:sp>
-      <p:sp>
-        <p:nvSpPr>
-          <p:cNvPr id="3" name="Picture Placeholder 2"/>
-          <p:cNvSpPr>
-            <a:spLocks noGrp="1"/>
-          </p:cNvSpPr>
-          <p:nvPr>
-            <p:ph type="pic" idx="13" sz="quarter"/>
-          </p:nvPr>
-        </p:nvSpPr>
-        <p:spPr/>
-      </p:sp>
-      <p:sp>
-        <p:nvSpPr>
-          <p:cNvPr id="4" name="Text Placeholder 3"/>
-          <p:cNvSpPr>
-            <a:spLocks noGrp="1"/>
-          </p:cNvSpPr>
-          <p:nvPr>
-            <p:ph type="body" idx="14" sz="quarter"/>
-          </p:nvPr>
-        </p:nvSpPr>
-        <p:spPr/>
-        <p:txBody>
-          <a:bodyPr/>
-          <a:lstStyle/>
-          <a:p>
-            <a:pPr/>
-            <a:r>
-              <a:rPr b="1"/>
-              <a:t>Objectives Achieved:</a:t>
-            </a:r>
-            <a:r>
-              <a:t> All primary objectives met or exceeded</a:t>
-            </a:r>
-          </a:p>
-          <a:p>
-            <a:pPr/>
-            <a:r>
-              <a:rPr b="1"/>
-              <a:t>Value Delivered:</a:t>
-            </a:r>
-            <a:r>
-              <a:t> $10.2M NPV with 1,958% ROI over 3 years</a:t>
-            </a:r>
-          </a:p>
-          <a:p>
-            <a:pPr/>
-            <a:r>
-              <a:rPr b="1"/>
-              <a:t>Quality Standards:</a:t>
-            </a:r>
-            <a:r>
-              <a:t> 95.2% accuracy target achieved</a:t>
-            </a:r>
-          </a:p>
-          <a:p>
-            <a:pPr/>
-            <a:r>
-              <a:rPr b="1"/>
-              <a:t>Stakeholder Satisfaction:</a:t>
-            </a:r>
-            <a:r>
-              <a:t> 94% user satisfaction score</a:t>
-            </a:r>
-          </a:p>
-          <a:p>
-            <a:pPr/>
-            <a:r>
-              <a:rPr b="1"/>
-              <a:t>On-Time/Budget Delivery:</a:t>
-            </a:r>
-            <a:r>
-              <a:t> Delivered within 5% of original timeline and budget</a:t>
-            </a:r>
-          </a:p>
-        </p:txBody>
-      </p:sp>
-    </p:spTree>
-  </p:cSld>
-  <p:clrMapOvr>
-    <a:masterClrMapping/>
-  </p:clrMapOvr>
-</p:sld>
-</file>
-
-<file path=ppt/slides/slide27.xml><?xml version="1.0" encoding="utf-8"?>
-<p:sld xmlns:a="http://schemas.openxmlformats.org/drawingml/2006/main" xmlns:p="http://schemas.openxmlformats.org/presentationml/2006/main" xmlns:r="http://schemas.openxmlformats.org/officeDocument/2006/relationships">
-  <p:cSld>
-    <p:spTree>
-      <p:nvGrpSpPr>
-        <p:cNvPr id="1" name=""/>
-        <p:cNvGrpSpPr/>
-        <p:nvPr/>
-      </p:nvGrpSpPr>
-      <p:grpSpPr/>
-      <p:sp>
-        <p:nvSpPr>
-          <p:cNvPr id="2" name="Text Placeholder 1"/>
-          <p:cNvSpPr>
-            <a:spLocks noGrp="1"/>
-          </p:cNvSpPr>
-          <p:nvPr>
-            <p:ph type="body" idx="10" sz="quarter"/>
-          </p:nvPr>
-        </p:nvSpPr>
-        <p:spPr/>
-        <p:txBody>
-          <a:bodyPr/>
-          <a:lstStyle/>
-          <a:p>
-            <a:r>
-              <a:t>**Slide 27: Formal Project Closure**</a:t>
-            </a:r>
-          </a:p>
-        </p:txBody>
-      </p:sp>
-      <p:sp>
-        <p:nvSpPr>
-          <p:cNvPr id="3" name="Picture Placeholder 2"/>
-          <p:cNvSpPr>
-            <a:spLocks noGrp="1"/>
-          </p:cNvSpPr>
-          <p:nvPr>
-            <p:ph type="pic" idx="13" sz="quarter"/>
-          </p:nvPr>
-        </p:nvSpPr>
-        <p:spPr/>
-      </p:sp>
-      <p:sp>
-        <p:nvSpPr>
-          <p:cNvPr id="4" name="Text Placeholder 3"/>
-          <p:cNvSpPr>
-            <a:spLocks noGrp="1"/>
-          </p:cNvSpPr>
-          <p:nvPr>
-            <p:ph type="body" idx="14" sz="quarter"/>
-          </p:nvPr>
-        </p:nvSpPr>
-        <p:spPr/>
-        <p:txBody>
-          <a:bodyPr/>
-          <a:lstStyle/>
-          <a:p>
-            <a:pPr/>
-            <a:r>
-              <a:rPr b="1"/>
-              <a:t>Project Charter Fulfilled:</a:t>
-            </a:r>
-            <a:r>
-              <a:t> All IDP objectives and success criteria met</a:t>
-            </a:r>
-          </a:p>
-          <a:p>
-            <a:pPr/>
-            <a:r>
-              <a:rPr b="1"/>
-              <a:t>Deliverables Accepted:</a:t>
-            </a:r>
-            <a:r>
-              <a:t> Stakeholder sign-off on all project deliverables</a:t>
-            </a:r>
-          </a:p>
-          <a:p>
-            <a:pPr/>
-            <a:r>
-              <a:rPr b="1"/>
-              <a:t>Resources Released:</a:t>
-            </a:r>
-            <a:r>
-              <a:t> Project team transitioned to new initiatives</a:t>
-            </a:r>
-          </a:p>
-          <a:p>
-            <a:pPr/>
-            <a:r>
-              <a:rPr b="1"/>
-              <a:t>Documentation Complete:</a:t>
-            </a:r>
-            <a:r>
-              <a:t> All technical and user documentation delivered</a:t>
-            </a:r>
-          </a:p>
-          <a:p>
-            <a:pPr/>
-            <a:r>
-              <a:rPr b="1"/>
-              <a:t>Lessons Captured:</a:t>
-            </a:r>
-            <a:r>
-              <a:t> Best practices documented for future AI/ML projects</a:t>
-            </a:r>
-          </a:p>
-        </p:txBody>
-      </p:sp>
-    </p:spTree>
-  </p:cSld>
-  <p:clrMapOvr>
-    <a:masterClrMapping/>
-  </p:clrMapOvr>
-</p:sld>
-</file>
-
-<file path=ppt/slides/slide28.xml><?xml version="1.0" encoding="utf-8"?>
-<p:sld xmlns:a="http://schemas.openxmlformats.org/drawingml/2006/main" xmlns:p="http://schemas.openxmlformats.org/presentationml/2006/main" xmlns:r="http://schemas.openxmlformats.org/officeDocument/2006/relationships">
-  <p:cSld>
-    <p:spTree>
-      <p:nvGrpSpPr>
-        <p:cNvPr id="1" name=""/>
-        <p:cNvGrpSpPr/>
-        <p:nvPr/>
-      </p:nvGrpSpPr>
-      <p:grpSpPr/>
-      <p:sp>
-        <p:nvSpPr>
-          <p:cNvPr id="2" name="Picture Placeholder 1"/>
-          <p:cNvSpPr>
-            <a:spLocks noGrp="1"/>
-          </p:cNvSpPr>
-          <p:nvPr>
-            <p:ph type="pic" idx="10" sz="quarter"/>
-          </p:nvPr>
-        </p:nvSpPr>
-        <p:spPr/>
-      </p:sp>
-      <p:sp>
-        <p:nvSpPr>
-          <p:cNvPr id="3" name="Text Placeholder 2"/>
-          <p:cNvSpPr>
-            <a:spLocks noGrp="1"/>
-          </p:cNvSpPr>
-          <p:nvPr>
-            <p:ph type="body" idx="12" sz="quarter"/>
-          </p:nvPr>
-        </p:nvSpPr>
-        <p:spPr/>
-        <p:txBody>
-          <a:bodyPr/>
-          <a:lstStyle/>
-          <a:p>
-            <a:r>
-              <a:t>**Slide 28: Thank You and Q&amp;A**</a:t>
-            </a:r>
-          </a:p>
-        </p:txBody>
-      </p:sp>
-      <p:sp>
-        <p:nvSpPr>
-          <p:cNvPr id="4" name="Picture Placeholder 3"/>
-          <p:cNvSpPr>
-            <a:spLocks noGrp="1"/>
-          </p:cNvSpPr>
-          <p:nvPr>
-            <p:ph type="pic" idx="13" sz="quarter"/>
-          </p:nvPr>
-        </p:nvSpPr>
-        <p:spPr/>
-      </p:sp>
-      <p:sp>
-        <p:nvSpPr>
-          <p:cNvPr id="5" name="Text Placeholder 4"/>
-          <p:cNvSpPr>
-            <a:spLocks noGrp="1"/>
-          </p:cNvSpPr>
-          <p:nvPr>
-            <p:ph type="body" idx="14" sz="quarter"/>
-          </p:nvPr>
-        </p:nvSpPr>
-        <p:spPr/>
-        <p:txBody>
-          <a:bodyPr/>
-          <a:lstStyle/>
-          <a:p/>
-        </p:txBody>
-      </p:sp>
-      <p:sp>
-        <p:nvSpPr>
-          <p:cNvPr id="6" name="Text Placeholder 5"/>
-          <p:cNvSpPr>
-            <a:spLocks noGrp="1"/>
-          </p:cNvSpPr>
-          <p:nvPr>
-            <p:ph type="body" idx="15" sz="quarter"/>
-          </p:nvPr>
-        </p:nvSpPr>
-        <p:spPr/>
-        <p:txBody>
-          <a:bodyPr/>
-          <a:lstStyle/>
-          <a:p>
-            <a:pPr/>
-            <a:r>
-              <a:rPr b="1"/>
-              <a:t>Appreciation:</a:t>
-            </a:r>
-            <a:r>
-              <a:t> Thank you to all stakeholders, sponsors, and team members</a:t>
-            </a:r>
-          </a:p>
-          <a:p>
-            <a:pPr/>
-            <a:r>
-              <a:rPr b="1"/>
-              <a:t>Contact Information:</a:t>
-            </a:r>
-            <a:r>
-              <a:t> [Project manager and technical lead contact details]</a:t>
-            </a:r>
-          </a:p>
-          <a:p>
-            <a:pPr/>
-            <a:r>
-              <a:rPr b="1"/>
-              <a:t>Q&amp;A Session:</a:t>
-            </a:r>
-            <a:r>
-              <a:t> Questions about IDP solution and implementation</a:t>
-            </a:r>
-          </a:p>
-          <a:p>
-            <a:pPr/>
-            <a:r>
-              <a:rPr b="1"/>
-              <a:t>Next Steps:</a:t>
-            </a:r>
-            <a:r>
-              <a:t> Operational support transition and enhancement planning</a:t>
-            </a:r>
-          </a:p>
-        </p:txBody>
-      </p:sp>
-    </p:spTree>
-  </p:cSld>
-  <p:clrMapOvr>
-    <a:masterClrMapping/>
-  </p:clrMapOvr>
-</p:sld>
-</file>
-
-<file path=ppt/slides/slide29.xml><?xml version="1.0" encoding="utf-8"?>
-<p:sld xmlns:a="http://schemas.openxmlformats.org/drawingml/2006/main" xmlns:p="http://schemas.openxmlformats.org/presentationml/2006/main" xmlns:r="http://schemas.openxmlformats.org/officeDocument/2006/relationships">
-  <p:cSld>
-    <p:spTree>
-      <p:nvGrpSpPr>
-        <p:cNvPr id="1" name=""/>
-        <p:cNvGrpSpPr/>
-        <p:nvPr/>
-      </p:nvGrpSpPr>
-      <p:grpSpPr/>
-      <p:sp>
-        <p:nvSpPr>
-          <p:cNvPr id="2" name="Text Placeholder 1"/>
-          <p:cNvSpPr>
-            <a:spLocks noGrp="1"/>
-          </p:cNvSpPr>
-          <p:nvPr>
-            <p:ph type="body" idx="10" sz="quarter"/>
-          </p:nvPr>
-        </p:nvSpPr>
-        <p:spPr/>
-        <p:txBody>
-          <a:bodyPr/>
-          <a:lstStyle/>
-          <a:p>
-            <a:r>
-              <a:t>**Preparation Checklist**</a:t>
-            </a:r>
-          </a:p>
-        </p:txBody>
-      </p:sp>
-      <p:sp>
-        <p:nvSpPr>
-          <p:cNvPr id="3" name="Picture Placeholder 2"/>
-          <p:cNvSpPr>
-            <a:spLocks noGrp="1"/>
-          </p:cNvSpPr>
-          <p:nvPr>
-            <p:ph type="pic" idx="13" sz="quarter"/>
-          </p:nvPr>
-        </p:nvSpPr>
-        <p:spPr/>
-      </p:sp>
-      <p:sp>
-        <p:nvSpPr>
-          <p:cNvPr id="4" name="Text Placeholder 3"/>
-          <p:cNvSpPr>
-            <a:spLocks noGrp="1"/>
-          </p:cNvSpPr>
-          <p:nvPr>
-            <p:ph type="body" idx="14" sz="quarter"/>
-          </p:nvPr>
-        </p:nvSpPr>
-        <p:spPr/>
-        <p:txBody>
-          <a:bodyPr/>
-          <a:lstStyle/>
-          <a:p>
-            <a:pPr/>
-            <a:r>
-              <a:t>[ ] Gather all AI/ML model performance metrics and accuracy data</a:t>
-            </a:r>
-          </a:p>
-          <a:p>
-            <a:pPr/>
-            <a:r>
-              <a:t>[ ] Collect user feedback and adoption statistics</a:t>
-            </a:r>
-          </a:p>
-          <a:p>
-            <a:pPr/>
-            <a:r>
-              <a:t>[ ] Prepare ROI analysis and financial benefit calculations</a:t>
-            </a:r>
-          </a:p>
-          <a:p>
-            <a:pPr/>
-            <a:r>
-              <a:t>[ ] Create visual aids showing document processing workflows</a:t>
-            </a:r>
-          </a:p>
-          <a:p>
-            <a:pPr/>
-            <a:r>
-              <a:t>[ ] Practice live demo of IDP system functionality</a:t>
-            </a:r>
-          </a:p>
-          <a:p>
-            <a:pPr/>
-            <a:r>
-              <a:t>[ ] Prepare for technical questions about AI/ML models</a:t>
-            </a:r>
-          </a:p>
-          <a:p>
-            <a:pPr/>
-            <a:r>
-              <a:t>[ ] Coordinate with technical team for detailed Q&amp;A support</a:t>
-            </a:r>
-          </a:p>
-        </p:txBody>
-      </p:sp>
-    </p:spTree>
-  </p:cSld>
-  <p:clrMapOvr>
-    <a:masterClrMapping/>
-  </p:clrMapOvr>
-</p:sld>
-</file>
-
-<file path=ppt/slides/slide3.xml><?xml version="1.0" encoding="utf-8"?>
-<p:sld xmlns:a="http://schemas.openxmlformats.org/drawingml/2006/main" xmlns:p="http://schemas.openxmlformats.org/presentationml/2006/main" xmlns:r="http://schemas.openxmlformats.org/officeDocument/2006/relationships">
-  <p:cSld>
-    <p:spTree>
-      <p:nvGrpSpPr>
-        <p:cNvPr id="1" name=""/>
-        <p:cNvGrpSpPr/>
-        <p:nvPr/>
-      </p:nvGrpSpPr>
-      <p:grpSpPr/>
-      <p:sp>
-        <p:nvSpPr>
-          <p:cNvPr id="2" name="Text Placeholder 1"/>
-          <p:cNvSpPr>
-            <a:spLocks noGrp="1"/>
-          </p:cNvSpPr>
-          <p:nvPr>
-            <p:ph type="body" idx="10" sz="quarter"/>
-          </p:nvPr>
-        </p:nvSpPr>
-        <p:spPr/>
-        <p:txBody>
-          <a:bodyPr/>
-          <a:lstStyle/>
-          <a:p>
-            <a:r>
-              <a:t>**Slide 3: IDP Project Charter Recap**</a:t>
-            </a:r>
-          </a:p>
-        </p:txBody>
-      </p:sp>
-      <p:sp>
-        <p:nvSpPr>
-          <p:cNvPr id="3" name="Picture Placeholder 2"/>
-          <p:cNvSpPr>
-            <a:spLocks noGrp="1"/>
-          </p:cNvSpPr>
-          <p:nvPr>
-            <p:ph type="pic" idx="13" sz="quarter"/>
-          </p:nvPr>
-        </p:nvSpPr>
-        <p:spPr/>
-      </p:sp>
-      <p:sp>
-        <p:nvSpPr>
-          <p:cNvPr id="4" name="Text Placeholder 3"/>
-          <p:cNvSpPr>
-            <a:spLocks noGrp="1"/>
-          </p:cNvSpPr>
-          <p:nvPr>
-            <p:ph type="body" idx="14" sz="quarter"/>
-          </p:nvPr>
-        </p:nvSpPr>
-        <p:spPr/>
-        <p:txBody>
-          <a:bodyPr/>
-          <a:lstStyle/>
-          <a:p>
-            <a:pPr/>
-            <a:r>
-              <a:rPr b="1"/>
-              <a:t>Original Business Problem:</a:t>
-            </a:r>
-            <a:r>
-              <a:t> Manual document processing causing delays, errors, and high operational costs</a:t>
-            </a:r>
-          </a:p>
-          <a:p>
-            <a:pPr/>
-            <a:r>
-              <a:rPr b="1"/>
-              <a:t>Project Objectives:</a:t>
-            </a:r>
-            <a:r>
-              <a:t> Automate document processing with 95%+ accuracy and 80% cost reduction</a:t>
-            </a:r>
-          </a:p>
-          <a:p>
-            <a:pPr/>
-            <a:r>
-              <a:rPr b="1"/>
-              <a:t>Success Criteria:</a:t>
-            </a:r>
-            <a:r>
-              <a:t> Processing speed improvement, accuracy targets, user adoption rates</a:t>
-            </a:r>
-          </a:p>
-          <a:p>
-            <a:pPr/>
-            <a:r>
-              <a:rPr b="1"/>
-              <a:t>Project Scope:</a:t>
-            </a:r>
-            <a:r>
-              <a:t> Document types, extraction fields, integration systems</a:t>
-            </a:r>
-          </a:p>
-          <a:p>
-            <a:pPr/>
-            <a:r>
-              <a:rPr b="1"/>
-              <a:t>Initial Timeline:</a:t>
-            </a:r>
-            <a:r>
-              <a:t> [Original vs. actual timeline]</a:t>
-            </a:r>
-          </a:p>
-        </p:txBody>
-      </p:sp>
-    </p:spTree>
-  </p:cSld>
-  <p:clrMapOvr>
-    <a:masterClrMapping/>
-  </p:clrMapOvr>
-</p:sld>
-</file>
-
-<file path=ppt/slides/slide30.xml><?xml version="1.0" encoding="utf-8"?>
-<p:sld xmlns:a="http://schemas.openxmlformats.org/drawingml/2006/main" xmlns:p="http://schemas.openxmlformats.org/presentationml/2006/main" xmlns:r="http://schemas.openxmlformats.org/officeDocument/2006/relationships">
-  <p:cSld>
-    <p:spTree>
-      <p:nvGrpSpPr>
-        <p:cNvPr id="1" name=""/>
-        <p:cNvGrpSpPr/>
-        <p:nvPr/>
-      </p:nvGrpSpPr>
-      <p:grpSpPr/>
-      <p:sp>
-        <p:nvSpPr>
-          <p:cNvPr id="2" name="Text Placeholder 1"/>
-          <p:cNvSpPr>
-            <a:spLocks noGrp="1"/>
-          </p:cNvSpPr>
-          <p:nvPr>
-            <p:ph type="body" idx="10" sz="quarter"/>
-          </p:nvPr>
-        </p:nvSpPr>
-        <p:spPr/>
-        <p:txBody>
-          <a:bodyPr/>
-          <a:lstStyle/>
-          <a:p>
-            <a:r>
-              <a:t>**Presentation Best Practices**</a:t>
-            </a:r>
-          </a:p>
-        </p:txBody>
-      </p:sp>
-      <p:sp>
-        <p:nvSpPr>
-          <p:cNvPr id="3" name="Picture Placeholder 2"/>
-          <p:cNvSpPr>
-            <a:spLocks noGrp="1"/>
-          </p:cNvSpPr>
-          <p:nvPr>
-            <p:ph type="pic" idx="13" sz="quarter"/>
-          </p:nvPr>
-        </p:nvSpPr>
-        <p:spPr/>
-      </p:sp>
-      <p:sp>
-        <p:nvSpPr>
-          <p:cNvPr id="4" name="Text Placeholder 3"/>
-          <p:cNvSpPr>
-            <a:spLocks noGrp="1"/>
-          </p:cNvSpPr>
-          <p:nvPr>
-            <p:ph type="body" idx="14" sz="quarter"/>
-          </p:nvPr>
-        </p:nvSpPr>
-        <p:spPr/>
-        <p:txBody>
-          <a:bodyPr/>
-          <a:lstStyle/>
-          <a:p>
-            <a:pPr/>
-            <a:r>
-              <a:rPr b="1"/>
-              <a:t>Executive Summary:</a:t>
-            </a:r>
-            <a:r>
-              <a:t> Lead with business value and ROI achievements</a:t>
-            </a:r>
-          </a:p>
-          <a:p>
-            <a:pPr/>
-            <a:r>
-              <a:rPr b="1"/>
-              <a:t>Data-Driven:</a:t>
-            </a:r>
-            <a:r>
-              <a:t> Use metrics and facts to demonstrate AI/ML success</a:t>
-            </a:r>
-          </a:p>
-          <a:p>
-            <a:pPr/>
-            <a:r>
-              <a:rPr b="1"/>
-              <a:t>Visual Appeal:</a:t>
-            </a:r>
-            <a:r>
-              <a:t> Include before/after processing examples</a:t>
-            </a:r>
-          </a:p>
-          <a:p>
-            <a:pPr/>
-            <a:r>
-              <a:rPr b="1"/>
-              <a:t>Technical Balance:</a:t>
-            </a:r>
-            <a:r>
-              <a:t> Explain AI/ML concepts in business terms</a:t>
-            </a:r>
-          </a:p>
-          <a:p>
-            <a:pPr/>
-            <a:r>
-              <a:rPr b="1"/>
-              <a:t>Success Stories:</a:t>
-            </a:r>
-            <a:r>
-              <a:t> Share specific document processing improvements</a:t>
-            </a:r>
-          </a:p>
-          <a:p>
-            <a:pPr/>
-            <a:r>
-              <a:rPr b="1"/>
-              <a:t>Future Vision:</a:t>
-            </a:r>
-            <a:r>
-              <a:t> Connect to broader digital transformation strategy</a:t>
-            </a:r>
-          </a:p>
-        </p:txBody>
-      </p:sp>
-    </p:spTree>
-  </p:cSld>
-  <p:clrMapOvr>
-    <a:masterClrMapping/>
-  </p:clrMapOvr>
-</p:sld>
-</file>
-
-<file path=ppt/slides/slide31.xml><?xml version="1.0" encoding="utf-8"?>
-<p:sld xmlns:a="http://schemas.openxmlformats.org/drawingml/2006/main" xmlns:p="http://schemas.openxmlformats.org/presentationml/2006/main" xmlns:r="http://schemas.openxmlformats.org/officeDocument/2006/relationships">
-  <p:cSld>
-    <p:spTree>
-      <p:nvGrpSpPr>
-        <p:cNvPr id="1" name=""/>
-        <p:cNvGrpSpPr/>
-        <p:nvPr/>
-      </p:nvGrpSpPr>
-      <p:grpSpPr/>
-      <p:sp>
-        <p:nvSpPr>
-          <p:cNvPr id="2" name="Text Placeholder 1"/>
-          <p:cNvSpPr>
-            <a:spLocks noGrp="1"/>
-          </p:cNvSpPr>
-          <p:nvPr>
-            <p:ph type="body" idx="10" sz="quarter"/>
-          </p:nvPr>
-        </p:nvSpPr>
-        <p:spPr/>
-        <p:txBody>
-          <a:bodyPr/>
-          <a:lstStyle/>
-          <a:p>
-            <a:r>
-              <a:t>**Audience Engagement**</a:t>
-            </a:r>
-          </a:p>
-        </p:txBody>
-      </p:sp>
-      <p:sp>
-        <p:nvSpPr>
-          <p:cNvPr id="3" name="Picture Placeholder 2"/>
-          <p:cNvSpPr>
-            <a:spLocks noGrp="1"/>
-          </p:cNvSpPr>
-          <p:nvPr>
-            <p:ph type="pic" idx="13" sz="quarter"/>
-          </p:nvPr>
-        </p:nvSpPr>
-        <p:spPr/>
-      </p:sp>
-      <p:sp>
-        <p:nvSpPr>
-          <p:cNvPr id="4" name="Text Placeholder 3"/>
-          <p:cNvSpPr>
-            <a:spLocks noGrp="1"/>
-          </p:cNvSpPr>
-          <p:nvPr>
-            <p:ph type="body" idx="14" sz="quarter"/>
-          </p:nvPr>
-        </p:nvSpPr>
-        <p:spPr/>
-        <p:txBody>
-          <a:bodyPr/>
-          <a:lstStyle/>
-          <a:p>
-            <a:pPr/>
-            <a:r>
-              <a:rPr b="1"/>
-              <a:t>Live Demo:</a:t>
-            </a:r>
-            <a:r>
-              <a:t> Show document processing in real-time</a:t>
-            </a:r>
-          </a:p>
-          <a:p>
-            <a:pPr/>
-            <a:r>
-              <a:rPr b="1"/>
-              <a:t>Success Metrics:</a:t>
-            </a:r>
-            <a:r>
-              <a:t> Present compelling accuracy and speed improvements</a:t>
-            </a:r>
-          </a:p>
-          <a:p>
-            <a:pPr/>
-            <a:r>
-              <a:rPr b="1"/>
-              <a:t>User Testimonials:</a:t>
-            </a:r>
-            <a:r>
-              <a:t> Share feedback from document processing staff</a:t>
-            </a:r>
-          </a:p>
-          <a:p>
-            <a:pPr/>
-            <a:r>
-              <a:rPr b="1"/>
-              <a:t>Interactive Elements:</a:t>
-            </a:r>
-            <a:r>
-              <a:t> Q&amp;A about specific use cases</a:t>
-            </a:r>
-          </a:p>
-          <a:p>
-            <a:pPr/>
-            <a:r>
-              <a:rPr b="1"/>
-              <a:t>Clear Value Proposition:</a:t>
-            </a:r>
-            <a:r>
-              <a:t> Quantify business impact and ROI</a:t>
-            </a:r>
-          </a:p>
-        </p:txBody>
-      </p:sp>
-    </p:spTree>
-  </p:cSld>
-  <p:clrMapOvr>
-    <a:masterClrMapping/>
-  </p:clrMapOvr>
-</p:sld>
-</file>
-
-<file path=ppt/slides/slide32.xml><?xml version="1.0" encoding="utf-8"?>
-<p:sld xmlns:a="http://schemas.openxmlformats.org/drawingml/2006/main" xmlns:p="http://schemas.openxmlformats.org/presentationml/2006/main" xmlns:r="http://schemas.openxmlformats.org/officeDocument/2006/relationships">
-  <p:cSld>
-    <p:spTree>
-      <p:nvGrpSpPr>
-        <p:cNvPr id="1" name=""/>
-        <p:cNvGrpSpPr/>
-        <p:nvPr/>
-      </p:nvGrpSpPr>
-      <p:grpSpPr/>
-      <p:sp>
-        <p:nvSpPr>
-          <p:cNvPr id="2" name="Text Placeholder 1"/>
-          <p:cNvSpPr>
-            <a:spLocks noGrp="1"/>
-          </p:cNvSpPr>
-          <p:nvPr>
-            <p:ph type="body" idx="10" sz="quarter"/>
-          </p:nvPr>
-        </p:nvSpPr>
-        <p:spPr/>
-        <p:txBody>
-          <a:bodyPr/>
-          <a:lstStyle/>
-          <a:p>
-            <a:r>
-              <a:t>**Follow-Up Actions**</a:t>
-            </a:r>
-          </a:p>
-        </p:txBody>
-      </p:sp>
-      <p:sp>
-        <p:nvSpPr>
-          <p:cNvPr id="3" name="Picture Placeholder 2"/>
-          <p:cNvSpPr>
-            <a:spLocks noGrp="1"/>
-          </p:cNvSpPr>
-          <p:nvPr>
-            <p:ph type="pic" idx="13" sz="quarter"/>
-          </p:nvPr>
-        </p:nvSpPr>
-        <p:spPr/>
-      </p:sp>
-      <p:sp>
-        <p:nvSpPr>
-          <p:cNvPr id="4" name="Text Placeholder 3"/>
-          <p:cNvSpPr>
-            <a:spLocks noGrp="1"/>
-          </p:cNvSpPr>
-          <p:nvPr>
-            <p:ph type="body" idx="14" sz="quarter"/>
-          </p:nvPr>
-        </p:nvSpPr>
-        <p:spPr/>
-        <p:txBody>
-          <a:bodyPr/>
-          <a:lstStyle/>
-          <a:p>
-            <a:pPr/>
-            <a:r>
-              <a:t>[ ] Distribute presentation slides and technical appendices</a:t>
-            </a:r>
-          </a:p>
-          <a:p>
-            <a:pPr/>
-            <a:r>
-              <a:t>[ ] Send detailed AI/ML model performance report</a:t>
-            </a:r>
-          </a:p>
-          <a:p>
-            <a:pPr/>
-            <a:r>
-              <a:t>[ ] Schedule operational handover meetings</a:t>
-            </a:r>
-          </a:p>
-          <a:p>
-            <a:pPr/>
-            <a:r>
-              <a:t>[ ] Document enhancement requests and future roadmap</a:t>
-            </a:r>
-          </a:p>
-          <a:p>
-            <a:pPr/>
-            <a:r>
-              <a:t>[ ] Archive all project documentation and model artifacts</a:t>
-            </a:r>
-          </a:p>
-          <a:p>
-            <a:pPr/>
-            <a:r>
-              <a:t>[ ] Conduct final team celebration and recognition event</a:t>
-            </a:r>
-          </a:p>
-        </p:txBody>
-      </p:sp>
-    </p:spTree>
-  </p:cSld>
-  <p:clrMapOvr>
-    <a:masterClrMapping/>
-  </p:clrMapOvr>
-</p:sld>
-</file>
-
-<file path=ppt/slides/slide33.xml><?xml version="1.0" encoding="utf-8"?>
-<p:sld xmlns:a="http://schemas.openxmlformats.org/drawingml/2006/main" xmlns:p="http://schemas.openxmlformats.org/presentationml/2006/main" xmlns:r="http://schemas.openxmlformats.org/officeDocument/2006/relationships">
-  <p:cSld>
-    <p:spTree>
-      <p:nvGrpSpPr>
-        <p:cNvPr id="1" name=""/>
-        <p:cNvGrpSpPr/>
-        <p:nvPr/>
-      </p:nvGrpSpPr>
-      <p:grpSpPr/>
-      <p:sp>
-        <p:nvSpPr>
-          <p:cNvPr id="2" name="Text Placeholder 1"/>
-          <p:cNvSpPr>
-            <a:spLocks noGrp="1"/>
-          </p:cNvSpPr>
-          <p:nvPr>
-            <p:ph type="body" idx="10" sz="quarter"/>
-          </p:nvPr>
-        </p:nvSpPr>
-        <p:spPr/>
-        <p:txBody>
-          <a:bodyPr/>
-          <a:lstStyle/>
-          <a:p>
-            <a:r>
-              <a:t>**A. AI/ML Model Performance Dashboard**</a:t>
-            </a:r>
-          </a:p>
-        </p:txBody>
-      </p:sp>
-      <p:sp>
-        <p:nvSpPr>
-          <p:cNvPr id="3" name="Picture Placeholder 2"/>
-          <p:cNvSpPr>
-            <a:spLocks noGrp="1"/>
-          </p:cNvSpPr>
-          <p:nvPr>
-            <p:ph type="pic" idx="13" sz="quarter"/>
-          </p:nvPr>
-        </p:nvSpPr>
-        <p:spPr/>
-      </p:sp>
-      <p:sp>
-        <p:nvSpPr>
-          <p:cNvPr id="4" name="Text Placeholder 3"/>
-          <p:cNvSpPr>
-            <a:spLocks noGrp="1"/>
-          </p:cNvSpPr>
-          <p:nvPr>
-            <p:ph type="body" idx="14" sz="quarter"/>
-          </p:nvPr>
-        </p:nvSpPr>
-        <p:spPr/>
-        <p:txBody>
-          <a:bodyPr/>
-          <a:lstStyle/>
-          <a:p>
-            <a:pPr/>
-            <a:r>
-              <a:t>[Document classification accuracy by type]</a:t>
-            </a:r>
-          </a:p>
-          <a:p>
-            <a:pPr/>
-            <a:r>
-              <a:t>[Data extraction accuracy by field]</a:t>
-            </a:r>
-          </a:p>
-          <a:p>
-            <a:pPr/>
-            <a:r>
-              <a:t>[Processing speed and throughput metrics]</a:t>
-            </a:r>
-          </a:p>
-          <a:p>
-            <a:pPr/>
-            <a:r>
-              <a:t>[Confidence score distributions]</a:t>
-            </a:r>
-          </a:p>
-        </p:txBody>
-      </p:sp>
-    </p:spTree>
-  </p:cSld>
-  <p:clrMapOvr>
-    <a:masterClrMapping/>
-  </p:clrMapOvr>
-</p:sld>
-</file>
-
-<file path=ppt/slides/slide34.xml><?xml version="1.0" encoding="utf-8"?>
-<p:sld xmlns:a="http://schemas.openxmlformats.org/drawingml/2006/main" xmlns:p="http://schemas.openxmlformats.org/presentationml/2006/main" xmlns:r="http://schemas.openxmlformats.org/officeDocument/2006/relationships">
-  <p:cSld>
-    <p:spTree>
-      <p:nvGrpSpPr>
-        <p:cNvPr id="1" name=""/>
-        <p:cNvGrpSpPr/>
-        <p:nvPr/>
-      </p:nvGrpSpPr>
-      <p:grpSpPr/>
-      <p:sp>
-        <p:nvSpPr>
-          <p:cNvPr id="2" name="Text Placeholder 1"/>
-          <p:cNvSpPr>
-            <a:spLocks noGrp="1"/>
-          </p:cNvSpPr>
-          <p:nvPr>
-            <p:ph type="body" idx="10" sz="quarter"/>
-          </p:nvPr>
-        </p:nvSpPr>
-        <p:spPr/>
-        <p:txBody>
-          <a:bodyPr/>
-          <a:lstStyle/>
-          <a:p>
-            <a:r>
-              <a:t>**B. Stakeholder Feedback Summary**</a:t>
-            </a:r>
-          </a:p>
-        </p:txBody>
-      </p:sp>
-      <p:sp>
-        <p:nvSpPr>
-          <p:cNvPr id="3" name="Picture Placeholder 2"/>
-          <p:cNvSpPr>
-            <a:spLocks noGrp="1"/>
-          </p:cNvSpPr>
-          <p:nvPr>
-            <p:ph type="pic" idx="13" sz="quarter"/>
-          </p:nvPr>
-        </p:nvSpPr>
-        <p:spPr/>
-      </p:sp>
-      <p:sp>
-        <p:nvSpPr>
-          <p:cNvPr id="4" name="Text Placeholder 3"/>
-          <p:cNvSpPr>
-            <a:spLocks noGrp="1"/>
-          </p:cNvSpPr>
-          <p:nvPr>
-            <p:ph type="body" idx="14" sz="quarter"/>
-          </p:nvPr>
-        </p:nvSpPr>
-        <p:spPr/>
-        <p:txBody>
-          <a:bodyPr/>
-          <a:lstStyle/>
-          <a:p>
-            <a:pPr/>
-            <a:r>
-              <a:t>[User satisfaction survey results]</a:t>
-            </a:r>
-          </a:p>
-          <a:p>
-            <a:pPr/>
-            <a:r>
-              <a:t>[Business stakeholder feedback]</a:t>
-            </a:r>
-          </a:p>
-          <a:p>
-            <a:pPr/>
-            <a:r>
-              <a:t>[Technical team assessment]</a:t>
-            </a:r>
-          </a:p>
-          <a:p>
-            <a:pPr/>
-            <a:r>
-              <a:t>[Executive sponsor evaluation]</a:t>
-            </a:r>
-          </a:p>
-        </p:txBody>
-      </p:sp>
-    </p:spTree>
-  </p:cSld>
-  <p:clrMapOvr>
-    <a:masterClrMapping/>
-  </p:clrMapOvr>
-</p:sld>
-</file>
-
-<file path=ppt/slides/slide35.xml><?xml version="1.0" encoding="utf-8"?>
-<p:sld xmlns:a="http://schemas.openxmlformats.org/drawingml/2006/main" xmlns:p="http://schemas.openxmlformats.org/presentationml/2006/main" xmlns:r="http://schemas.openxmlformats.org/officeDocument/2006/relationships">
-  <p:cSld>
-    <p:spTree>
-      <p:nvGrpSpPr>
-        <p:cNvPr id="1" name=""/>
-        <p:cNvGrpSpPr/>
-        <p:nvPr/>
-      </p:nvGrpSpPr>
-      <p:grpSpPr/>
-      <p:sp>
-        <p:nvSpPr>
-          <p:cNvPr id="2" name="Text Placeholder 1"/>
-          <p:cNvSpPr>
-            <a:spLocks noGrp="1"/>
-          </p:cNvSpPr>
-          <p:nvPr>
-            <p:ph type="body" idx="10" sz="quarter"/>
-          </p:nvPr>
-        </p:nvSpPr>
-        <p:spPr/>
-        <p:txBody>
-          <a:bodyPr/>
-          <a:lstStyle/>
-          <a:p>
-            <a:r>
-              <a:t>**C. Technical Artifacts**</a:t>
-            </a:r>
-          </a:p>
-        </p:txBody>
-      </p:sp>
-      <p:sp>
-        <p:nvSpPr>
-          <p:cNvPr id="3" name="Picture Placeholder 2"/>
-          <p:cNvSpPr>
-            <a:spLocks noGrp="1"/>
-          </p:cNvSpPr>
-          <p:nvPr>
-            <p:ph type="pic" idx="13" sz="quarter"/>
-          </p:nvPr>
-        </p:nvSpPr>
-        <p:spPr/>
-      </p:sp>
-      <p:sp>
-        <p:nvSpPr>
-          <p:cNvPr id="4" name="Text Placeholder 3"/>
-          <p:cNvSpPr>
-            <a:spLocks noGrp="1"/>
-          </p:cNvSpPr>
-          <p:nvPr>
-            <p:ph type="body" idx="14" sz="quarter"/>
-          </p:nvPr>
-        </p:nvSpPr>
-        <p:spPr/>
-        <p:txBody>
-          <a:bodyPr/>
-          <a:lstStyle/>
-          <a:p>
-            <a:pPr/>
-            <a:r>
-              <a:t>[AI/ML model specifications and parameters]</a:t>
-            </a:r>
-          </a:p>
-          <a:p>
-            <a:pPr/>
-            <a:r>
-              <a:t>[AWS architecture diagrams and configurations]</a:t>
-            </a:r>
-          </a:p>
-          <a:p>
-            <a:pPr/>
-            <a:r>
-              <a:t>[API documentation and integration guides]</a:t>
-            </a:r>
-          </a:p>
-          <a:p>
-            <a:pPr/>
-            <a:r>
-              <a:t>[Training materials and video tutorials]</a:t>
-            </a:r>
-          </a:p>
-        </p:txBody>
-      </p:sp>
-    </p:spTree>
-  </p:cSld>
-  <p:clrMapOvr>
-    <a:masterClrMapping/>
-  </p:clrMapOvr>
-</p:sld>
-</file>
-
-<file path=ppt/slides/slide36.xml><?xml version="1.0" encoding="utf-8"?>
-<p:sld xmlns:a="http://schemas.openxmlformats.org/drawingml/2006/main" xmlns:p="http://schemas.openxmlformats.org/presentationml/2006/main" xmlns:r="http://schemas.openxmlformats.org/officeDocument/2006/relationships">
-  <p:cSld>
-    <p:spTree>
-      <p:nvGrpSpPr>
-        <p:cNvPr id="1" name=""/>
-        <p:cNvGrpSpPr/>
-        <p:nvPr/>
-      </p:nvGrpSpPr>
-      <p:grpSpPr/>
-      <p:sp>
-        <p:nvSpPr>
-          <p:cNvPr id="2" name="Text Placeholder 1"/>
-          <p:cNvSpPr>
-            <a:spLocks noGrp="1"/>
-          </p:cNvSpPr>
-          <p:nvPr>
-            <p:ph type="body" idx="10" sz="quarter"/>
-          </p:nvPr>
-        </p:nvSpPr>
-        <p:spPr/>
-        <p:txBody>
-          <a:bodyPr/>
-          <a:lstStyle/>
-          <a:p>
-            <a:r>
-              <a:t>**D. Operational Transition Documentation**</a:t>
-            </a:r>
-          </a:p>
-        </p:txBody>
-      </p:sp>
-      <p:sp>
-        <p:nvSpPr>
-          <p:cNvPr id="3" name="Picture Placeholder 2"/>
-          <p:cNvSpPr>
-            <a:spLocks noGrp="1"/>
-          </p:cNvSpPr>
-          <p:nvPr>
-            <p:ph type="pic" idx="13" sz="quarter"/>
-          </p:nvPr>
-        </p:nvSpPr>
-        <p:spPr/>
-      </p:sp>
-      <p:sp>
-        <p:nvSpPr>
-          <p:cNvPr id="4" name="Text Placeholder 3"/>
-          <p:cNvSpPr>
-            <a:spLocks noGrp="1"/>
-          </p:cNvSpPr>
-          <p:nvPr>
-            <p:ph type="body" idx="14" sz="quarter"/>
-          </p:nvPr>
-        </p:nvSpPr>
-        <p:spPr/>
-        <p:txBody>
-          <a:bodyPr/>
-          <a:lstStyle/>
-          <a:p>
-            <a:pPr/>
-            <a:r>
-              <a:t>[System administration runbooks]</a:t>
-            </a:r>
-          </a:p>
-          <a:p>
-            <a:pPr/>
-            <a:r>
-              <a:t>[Model monitoring and maintenance procedures]</a:t>
-            </a:r>
-          </a:p>
-          <a:p>
-            <a:pPr/>
-            <a:r>
-              <a:t>[Support escalation contacts and procedures]</a:t>
-            </a:r>
-          </a:p>
-          <a:p>
-            <a:pPr/>
-            <a:r>
-              <a:t>[Enhancement request and change management process]</a:t>
-            </a:r>
-          </a:p>
-        </p:txBody>
-      </p:sp>
-    </p:spTree>
-  </p:cSld>
-  <p:clrMapOvr>
-    <a:masterClrMapping/>
-  </p:clrMapOvr>
-</p:sld>
-</file>
-
-<file path=ppt/slides/slide4.xml><?xml version="1.0" encoding="utf-8"?>
-<p:sld xmlns:a="http://schemas.openxmlformats.org/drawingml/2006/main" xmlns:p="http://schemas.openxmlformats.org/presentationml/2006/main" xmlns:r="http://schemas.openxmlformats.org/officeDocument/2006/relationships">
-  <p:cSld>
-    <p:spTree>
-      <p:nvGrpSpPr>
-        <p:cNvPr id="1" name=""/>
-        <p:cNvGrpSpPr/>
-        <p:nvPr/>
-      </p:nvGrpSpPr>
-      <p:grpSpPr/>
-      <p:sp>
-        <p:nvSpPr>
-          <p:cNvPr id="2" name="Text Placeholder 1"/>
-          <p:cNvSpPr>
-            <a:spLocks noGrp="1"/>
-          </p:cNvSpPr>
-          <p:nvPr>
-            <p:ph type="body" idx="10" sz="quarter"/>
-          </p:nvPr>
-        </p:nvSpPr>
-        <p:spPr/>
-        <p:txBody>
-          <a:bodyPr/>
-          <a:lstStyle/>
-          <a:p>
-            <a:pPr algn="l"/>
-            <a:r>
-              <a:rPr b="1"/>
-              <a:t>**Slide 4: IDP Solution Scope Delivered**</a:t>
-            </a:r>
-          </a:p>
-        </p:txBody>
-      </p:sp>
-      <p:sp>
-        <p:nvSpPr>
-          <p:cNvPr id="3" name="Picture Placeholder 2"/>
-          <p:cNvSpPr>
-            <a:spLocks noGrp="1"/>
-          </p:cNvSpPr>
-          <p:nvPr>
-            <p:ph type="pic" idx="13" sz="quarter"/>
-          </p:nvPr>
-        </p:nvSpPr>
-        <p:spPr/>
-      </p:sp>
-      <p:graphicFrame>
-        <p:nvGraphicFramePr>
-          <p:cNvPr id="4" name="Table Placeholder 3"/>
-          <p:cNvGraphicFramePr>
-            <a:graphicFrameLocks noGrp="1"/>
-          </p:cNvGraphicFramePr>
-          <p:nvPr>
-            <p:ph type="tbl" idx="14" sz="quarter"/>
-          </p:nvPr>
-        </p:nvGraphicFramePr>
-        <p:xfrm>
-          <a:off x="256855" y="677011"/>
-          <a:ext cx="8710929" cy="2225040"/>
-        </p:xfrm>
-        <a:graphic>
-          <a:graphicData uri="http://schemas.openxmlformats.org/drawingml/2006/table">
-            <a:tbl>
-              <a:tblPr firstRow="1" bandRow="1">
-                <a:tableStyleId>{5C22544A-7EE6-4342-B048-85BDC9FD1C3A}</a:tableStyleId>
-              </a:tblPr>
-              <a:tblGrid>
-                <a:gridCol w="2177733"/>
-                <a:gridCol w="1306639"/>
-                <a:gridCol w="1045311"/>
-                <a:gridCol w="1567967"/>
-                <a:gridCol w="2613279"/>
-              </a:tblGrid>
-              <a:tr h="370840">
-                <a:tc>
-                  <a:txBody>
-                    <a:bodyPr/>
-                    <a:lstStyle/>
-                    <a:p>
-                      <a:r>
-                        <a:rPr b="1" sz="1400">
-                          <a:solidFill>
-                            <a:srgbClr val="FFFFFF"/>
-                          </a:solidFill>
-                        </a:rPr>
-                        <a:t>Scope Element</a:t>
-                      </a:r>
-                    </a:p>
-                  </a:txBody>
-                  <a:tcPr>
-                    <a:solidFill>
-                      <a:srgbClr val="A01C02"/>
-                    </a:solidFill>
-                  </a:tcPr>
-                </a:tc>
-                <a:tc>
-                  <a:txBody>
-                    <a:bodyPr/>
-                    <a:lstStyle/>
-                    <a:p>
-                      <a:r>
-                        <a:rPr b="1" sz="1400">
-                          <a:solidFill>
-                            <a:srgbClr val="FFFFFF"/>
-                          </a:solidFill>
-                        </a:rPr>
-                        <a:t>Planned</a:t>
-                      </a:r>
-                    </a:p>
-                  </a:txBody>
-                  <a:tcPr>
-                    <a:solidFill>
-                      <a:srgbClr val="A01C02"/>
-                    </a:solidFill>
-                  </a:tcPr>
-                </a:tc>
-                <a:tc>
-                  <a:txBody>
-                    <a:bodyPr/>
-                    <a:lstStyle/>
-                    <a:p>
-                      <a:r>
-                        <a:rPr b="1" sz="1400">
-                          <a:solidFill>
-                            <a:srgbClr val="FFFFFF"/>
-                          </a:solidFill>
-                        </a:rPr>
-                        <a:t>Delivered</a:t>
-                      </a:r>
-                    </a:p>
-                  </a:txBody>
-                  <a:tcPr>
-                    <a:solidFill>
-                      <a:srgbClr val="A01C02"/>
-                    </a:solidFill>
-                  </a:tcPr>
-                </a:tc>
-                <a:tc>
-                  <a:txBody>
-                    <a:bodyPr/>
-                    <a:lstStyle/>
-                    <a:p>
-                      <a:r>
-                        <a:rPr b="1" sz="1400">
-                          <a:solidFill>
-                            <a:srgbClr val="FFFFFF"/>
-                          </a:solidFill>
-                        </a:rPr>
-                        <a:t>Status</a:t>
-                      </a:r>
-                    </a:p>
-                  </a:txBody>
-                  <a:tcPr>
-                    <a:solidFill>
-                      <a:srgbClr val="A01C02"/>
-                    </a:solidFill>
-                  </a:tcPr>
-                </a:tc>
-                <a:tc>
-                  <a:txBody>
-                    <a:bodyPr/>
-                    <a:lstStyle/>
-                    <a:p>
-                      <a:r>
-                        <a:rPr b="1" sz="1400">
-                          <a:solidFill>
-                            <a:srgbClr val="FFFFFF"/>
-                          </a:solidFill>
-                        </a:rPr>
-                        <a:t>Notes</a:t>
-                      </a:r>
-                    </a:p>
-                  </a:txBody>
-                  <a:tcPr>
-                    <a:solidFill>
-                      <a:srgbClr val="A01C02"/>
-                    </a:solidFill>
-                  </a:tcPr>
-                </a:tc>
-              </a:tr>
-              <a:tr h="370840">
-                <a:tc>
-                  <a:txBody>
-                    <a:bodyPr/>
-                    <a:lstStyle/>
-                    <a:p>
-                      <a:r>
-                        <a:rPr sz="1100"/>
-                        <a:t>Document Classification</a:t>
-                      </a:r>
-                    </a:p>
-                  </a:txBody>
-                  <a:tcPr>
-                    <a:solidFill>
-                      <a:srgbClr val="E7E6E6"/>
-                    </a:solidFill>
-                  </a:tcPr>
-                </a:tc>
-                <a:tc>
-                  <a:txBody>
-                    <a:bodyPr/>
-                    <a:lstStyle/>
-                    <a:p>
-                      <a:r>
-                        <a:rPr sz="1100"/>
-                        <a:t>AWS Textract + Custom Models</a:t>
-                      </a:r>
-                    </a:p>
-                  </a:txBody>
-                  <a:tcPr>
-                    <a:solidFill>
-                      <a:srgbClr val="E7E6E6"/>
-                    </a:solidFill>
-                  </a:tcPr>
-                </a:tc>
-                <a:tc>
-                  <a:txBody>
-                    <a:bodyPr/>
-                    <a:lstStyle/>
-                    <a:p>
-                      <a:r>
-                        <a:rPr sz="1100"/>
-                        <a:t>Multi-format classification system</a:t>
-                      </a:r>
-                    </a:p>
-                  </a:txBody>
-                  <a:tcPr>
-                    <a:solidFill>
-                      <a:srgbClr val="E7E6E6"/>
-                    </a:solidFill>
-                  </a:tcPr>
-                </a:tc>
-                <a:tc>
-                  <a:txBody>
-                    <a:bodyPr/>
-                    <a:lstStyle/>
-                    <a:p>
-                      <a:r>
-                        <a:rPr sz="1100"/>
-                        <a:t>✅ Complete</a:t>
-                      </a:r>
-                    </a:p>
-                  </a:txBody>
-                  <a:tcPr>
-                    <a:solidFill>
-                      <a:srgbClr val="E7E6E6"/>
-                    </a:solidFill>
-                  </a:tcPr>
-                </a:tc>
-                <a:tc>
-                  <a:txBody>
-                    <a:bodyPr/>
-                    <a:lstStyle/>
-                    <a:p>
-                      <a:r>
-                        <a:rPr sz="1100"/>
-                        <a:t>Handles 15+ document types</a:t>
-                      </a:r>
-                    </a:p>
-                  </a:txBody>
-                  <a:tcPr>
-                    <a:solidFill>
-                      <a:srgbClr val="E7E6E6"/>
-                    </a:solidFill>
-                  </a:tcPr>
-                </a:tc>
-              </a:tr>
-              <a:tr h="370840">
-                <a:tc>
-                  <a:txBody>
-                    <a:bodyPr/>
-                    <a:lstStyle/>
-                    <a:p>
-                      <a:r>
-                        <a:rPr sz="1100"/>
-                        <a:t>Data Extraction</a:t>
-                      </a:r>
-                    </a:p>
-                  </a:txBody>
-                  <a:tcPr>
-                    <a:solidFill>
-                      <a:srgbClr val="E7E6E6"/>
-                    </a:solidFill>
-                  </a:tcPr>
-                </a:tc>
-                <a:tc>
-                  <a:txBody>
-                    <a:bodyPr/>
-                    <a:lstStyle/>
-                    <a:p>
-                      <a:r>
-                        <a:rPr sz="1100"/>
-                        <a:t>Field-level extraction</a:t>
-                      </a:r>
-                    </a:p>
-                  </a:txBody>
-                  <a:tcPr>
-                    <a:solidFill>
-                      <a:srgbClr val="E7E6E6"/>
-                    </a:solidFill>
-                  </a:tcPr>
-                </a:tc>
-                <a:tc>
-                  <a:txBody>
-                    <a:bodyPr/>
-                    <a:lstStyle/>
-                    <a:p>
-                      <a:r>
-                        <a:rPr sz="1100"/>
-                        <a:t>Intelligent field detection and extraction</a:t>
-                      </a:r>
-                    </a:p>
-                  </a:txBody>
-                  <a:tcPr>
-                    <a:solidFill>
-                      <a:srgbClr val="E7E6E6"/>
-                    </a:solidFill>
-                  </a:tcPr>
-                </a:tc>
-                <a:tc>
-                  <a:txBody>
-                    <a:bodyPr/>
-                    <a:lstStyle/>
-                    <a:p>
-                      <a:r>
-                        <a:rPr sz="1100"/>
-                        <a:t>✅ Complete</a:t>
-                      </a:r>
-                    </a:p>
-                  </a:txBody>
-                  <a:tcPr>
-                    <a:solidFill>
-                      <a:srgbClr val="E7E6E6"/>
-                    </a:solidFill>
-                  </a:tcPr>
-                </a:tc>
-                <a:tc>
-                  <a:txBody>
-                    <a:bodyPr/>
-                    <a:lstStyle/>
-                    <a:p>
-                      <a:r>
-                        <a:rPr sz="1100"/>
-                        <a:t>95.2% accuracy achieved</a:t>
-                      </a:r>
-                    </a:p>
-                  </a:txBody>
-                  <a:tcPr>
-                    <a:solidFill>
-                      <a:srgbClr val="E7E6E6"/>
-                    </a:solidFill>
-                  </a:tcPr>
-                </a:tc>
-              </a:tr>
-              <a:tr h="370840">
-                <a:tc>
-                  <a:txBody>
-                    <a:bodyPr/>
-                    <a:lstStyle/>
-                    <a:p>
-                      <a:r>
-                        <a:rPr sz="1100"/>
-                        <a:t>API Integration</a:t>
-                      </a:r>
-                    </a:p>
-                  </a:txBody>
-                  <a:tcPr>
-                    <a:solidFill>
-                      <a:srgbClr val="E7E6E6"/>
-                    </a:solidFill>
-                  </a:tcPr>
-                </a:tc>
-                <a:tc>
-                  <a:txBody>
-                    <a:bodyPr/>
-                    <a:lstStyle/>
-                    <a:p>
-                      <a:r>
-                        <a:rPr sz="1100"/>
-                        <a:t>REST APIs</a:t>
-                      </a:r>
-                    </a:p>
-                  </a:txBody>
-                  <a:tcPr>
-                    <a:solidFill>
-                      <a:srgbClr val="E7E6E6"/>
-                    </a:solidFill>
-                  </a:tcPr>
-                </a:tc>
-                <a:tc>
-                  <a:txBody>
-                    <a:bodyPr/>
-                    <a:lstStyle/>
-                    <a:p>
-                      <a:r>
-                        <a:rPr sz="1100"/>
-                        <a:t>Full API suite with authentication</a:t>
-                      </a:r>
-                    </a:p>
-                  </a:txBody>
-                  <a:tcPr>
-                    <a:solidFill>
-                      <a:srgbClr val="E7E6E6"/>
-                    </a:solidFill>
-                  </a:tcPr>
-                </a:tc>
-                <a:tc>
-                  <a:txBody>
-                    <a:bodyPr/>
-                    <a:lstStyle/>
-                    <a:p>
-                      <a:r>
-                        <a:rPr sz="1100"/>
-                        <a:t>✅ Complete</a:t>
-                      </a:r>
-                    </a:p>
-                  </a:txBody>
-                  <a:tcPr>
-                    <a:solidFill>
-                      <a:srgbClr val="E7E6E6"/>
-                    </a:solidFill>
-                  </a:tcPr>
-                </a:tc>
-                <a:tc>
-                  <a:txBody>
-                    <a:bodyPr/>
-                    <a:lstStyle/>
-                    <a:p>
-                      <a:r>
-                        <a:rPr sz="1100"/>
-                        <a:t>Real-time and batch processing</a:t>
-                      </a:r>
-                    </a:p>
-                  </a:txBody>
-                  <a:tcPr>
-                    <a:solidFill>
-                      <a:srgbClr val="E7E6E6"/>
-                    </a:solidFill>
-                  </a:tcPr>
-                </a:tc>
-              </a:tr>
-              <a:tr h="370840">
-                <a:tc>
-                  <a:txBody>
-                    <a:bodyPr/>
-                    <a:lstStyle/>
-                    <a:p>
-                      <a:r>
-                        <a:rPr sz="1100"/>
-                        <a:t>Web Interface</a:t>
-                      </a:r>
-                    </a:p>
-                  </a:txBody>
-                  <a:tcPr>
-                    <a:solidFill>
-                      <a:srgbClr val="E7E6E6"/>
-                    </a:solidFill>
-                  </a:tcPr>
-                </a:tc>
-                <a:tc>
-                  <a:txBody>
-                    <a:bodyPr/>
-                    <a:lstStyle/>
-                    <a:p>
-                      <a:r>
-                        <a:rPr sz="1100"/>
-                        <a:t>Document upload/review</a:t>
-                      </a:r>
-                    </a:p>
-                  </a:txBody>
-                  <a:tcPr>
-                    <a:solidFill>
-                      <a:srgbClr val="E7E6E6"/>
-                    </a:solidFill>
-                  </a:tcPr>
-                </a:tc>
-                <a:tc>
-                  <a:txBody>
-                    <a:bodyPr/>
-                    <a:lstStyle/>
-                    <a:p>
-                      <a:r>
-                        <a:rPr sz="1100"/>
-                        <a:t>User-friendly processing interface</a:t>
-                      </a:r>
-                    </a:p>
-                  </a:txBody>
-                  <a:tcPr>
-                    <a:solidFill>
-                      <a:srgbClr val="E7E6E6"/>
-                    </a:solidFill>
-                  </a:tcPr>
-                </a:tc>
-                <a:tc>
-                  <a:txBody>
-                    <a:bodyPr/>
-                    <a:lstStyle/>
-                    <a:p>
-                      <a:r>
-                        <a:rPr sz="1100"/>
-                        <a:t>✅ Complete</a:t>
-                      </a:r>
-                    </a:p>
-                  </a:txBody>
-                  <a:tcPr>
-                    <a:solidFill>
-                      <a:srgbClr val="E7E6E6"/>
-                    </a:solidFill>
-                  </a:tcPr>
-                </a:tc>
-                <a:tc>
-                  <a:txBody>
-                    <a:bodyPr/>
-                    <a:lstStyle/>
-                    <a:p>
-                      <a:r>
-                        <a:rPr sz="1100"/>
-                        <a:t>Mobile-responsive design</a:t>
-                      </a:r>
-                    </a:p>
-                  </a:txBody>
-                  <a:tcPr>
-                    <a:solidFill>
-                      <a:srgbClr val="E7E6E6"/>
-                    </a:solidFill>
-                  </a:tcPr>
-                </a:tc>
-              </a:tr>
-              <a:tr h="370840">
-                <a:tc>
-                  <a:txBody>
-                    <a:bodyPr/>
-                    <a:lstStyle/>
-                    <a:p>
-                      <a:r>
-                        <a:rPr b="1" sz="1100"/>
-                        <a:t>ML Model Training</a:t>
-                      </a:r>
-                    </a:p>
-                  </a:txBody>
-                  <a:tcPr>
-                    <a:solidFill>
-                      <a:srgbClr val="E7E6E6"/>
-                    </a:solidFill>
-                  </a:tcPr>
-                </a:tc>
-                <a:tc>
-                  <a:txBody>
-                    <a:bodyPr/>
-                    <a:lstStyle/>
-                    <a:p>
-                      <a:r>
-                        <a:rPr b="1" sz="1100"/>
-                        <a:t>Custom models</a:t>
-                      </a:r>
-                    </a:p>
-                  </a:txBody>
-                  <a:tcPr>
-                    <a:solidFill>
-                      <a:srgbClr val="E7E6E6"/>
-                    </a:solidFill>
-                  </a:tcPr>
-                </a:tc>
-                <a:tc>
-                  <a:txBody>
-                    <a:bodyPr/>
-                    <a:lstStyle/>
-                    <a:p>
-                      <a:r>
-                        <a:rPr b="1" sz="1100"/>
-                        <a:t>Production-ready classification models</a:t>
-                      </a:r>
-                    </a:p>
-                  </a:txBody>
-                  <a:tcPr>
-                    <a:solidFill>
-                      <a:srgbClr val="E7E6E6"/>
-                    </a:solidFill>
-                  </a:tcPr>
-                </a:tc>
-                <a:tc>
-                  <a:txBody>
-                    <a:bodyPr/>
-                    <a:lstStyle/>
-                    <a:p>
-                      <a:r>
-                        <a:rPr b="1" sz="1100"/>
-                        <a:t>✅ Complete</a:t>
-                      </a:r>
-                    </a:p>
-                  </a:txBody>
-                  <a:tcPr>
-                    <a:solidFill>
-                      <a:srgbClr val="E7E6E6"/>
-                    </a:solidFill>
-                  </a:tcPr>
-                </a:tc>
-                <a:tc>
-                  <a:txBody>
-                    <a:bodyPr/>
-                    <a:lstStyle/>
-                    <a:p>
-                      <a:r>
-                        <a:rPr b="1" sz="1100"/>
-                        <a:t>Continuous learning capability</a:t>
-                      </a:r>
-                    </a:p>
-                  </a:txBody>
-                  <a:tcPr>
-                    <a:solidFill>
-                      <a:srgbClr val="E7E6E6"/>
-                    </a:solidFill>
-                  </a:tcPr>
-                </a:tc>
-              </a:tr>
-            </a:tbl>
-          </a:graphicData>
-        </a:graphic>
-      </p:graphicFrame>
-    </p:spTree>
-  </p:cSld>
-  <p:clrMapOvr>
-    <a:masterClrMapping/>
-  </p:clrMapOvr>
-</p:sld>
-</file>
-
-<file path=ppt/slides/slide5.xml><?xml version="1.0" encoding="utf-8"?>
-<p:sld xmlns:a="http://schemas.openxmlformats.org/drawingml/2006/main" xmlns:p="http://schemas.openxmlformats.org/presentationml/2006/main" xmlns:r="http://schemas.openxmlformats.org/officeDocument/2006/relationships">
-  <p:cSld>
-    <p:spTree>
-      <p:nvGrpSpPr>
-        <p:cNvPr id="1" name=""/>
-        <p:cNvGrpSpPr/>
-        <p:nvPr/>
-      </p:nvGrpSpPr>
-      <p:grpSpPr/>
-      <p:sp>
-        <p:nvSpPr>
-          <p:cNvPr id="2" name="Text Placeholder 1"/>
-          <p:cNvSpPr>
-            <a:spLocks noGrp="1"/>
-          </p:cNvSpPr>
-          <p:nvPr>
-            <p:ph type="body" idx="10" sz="quarter"/>
-          </p:nvPr>
-        </p:nvSpPr>
-        <p:spPr/>
-        <p:txBody>
-          <a:bodyPr/>
-          <a:lstStyle/>
-          <a:p>
-            <a:pPr algn="l"/>
-            <a:r>
-              <a:rPr b="1"/>
-              <a:t>**Slide 5: IDP Project Timeline Summary**</a:t>
-            </a:r>
-          </a:p>
-        </p:txBody>
-      </p:sp>
-      <p:sp>
-        <p:nvSpPr>
-          <p:cNvPr id="3" name="Picture Placeholder 2"/>
-          <p:cNvSpPr>
-            <a:spLocks noGrp="1"/>
-          </p:cNvSpPr>
-          <p:nvPr>
-            <p:ph type="pic" idx="13" sz="quarter"/>
-          </p:nvPr>
-        </p:nvSpPr>
-        <p:spPr/>
-      </p:sp>
-      <p:sp>
-        <p:nvSpPr>
-          <p:cNvPr id="4" name="Table Placeholder 3"/>
-          <p:cNvSpPr>
-            <a:spLocks noGrp="1"/>
-          </p:cNvSpPr>
-          <p:nvPr>
-            <p:ph type="tbl" idx="14" sz="quarter"/>
-          </p:nvPr>
-        </p:nvSpPr>
-        <p:spPr/>
-      </p:sp>
-    </p:spTree>
-  </p:cSld>
-  <p:clrMapOvr>
-    <a:masterClrMapping/>
-  </p:clrMapOvr>
-</p:sld>
-</file>
-
-<file path=ppt/slides/slide6.xml><?xml version="1.0" encoding="utf-8"?>
-<p:sld xmlns:a="http://schemas.openxmlformats.org/drawingml/2006/main" xmlns:p="http://schemas.openxmlformats.org/presentationml/2006/main" xmlns:r="http://schemas.openxmlformats.org/officeDocument/2006/relationships">
-  <p:cSld>
-    <p:spTree>
-      <p:nvGrpSpPr>
-        <p:cNvPr id="1" name=""/>
-        <p:cNvGrpSpPr/>
-        <p:nvPr/>
-      </p:nvGrpSpPr>
-      <p:grpSpPr/>
-      <p:sp>
-        <p:nvSpPr>
-          <p:cNvPr id="2" name="Text Placeholder 1"/>
-          <p:cNvSpPr>
-            <a:spLocks noGrp="1"/>
-          </p:cNvSpPr>
-          <p:nvPr>
-            <p:ph type="body" idx="10" sz="quarter"/>
-          </p:nvPr>
-        </p:nvSpPr>
-        <p:spPr/>
-        <p:txBody>
-          <a:bodyPr/>
-          <a:lstStyle/>
-          <a:p>
-            <a:r>
-              <a:t>**Slide 6: Budget and Resource Summary**</a:t>
-            </a:r>
-          </a:p>
-        </p:txBody>
-      </p:sp>
-      <p:sp>
-        <p:nvSpPr>
-          <p:cNvPr id="3" name="Picture Placeholder 2"/>
-          <p:cNvSpPr>
-            <a:spLocks noGrp="1"/>
-          </p:cNvSpPr>
-          <p:nvPr>
-            <p:ph type="pic" idx="13" sz="quarter"/>
-          </p:nvPr>
-        </p:nvSpPr>
-        <p:spPr/>
-      </p:sp>
-      <p:sp>
-        <p:nvSpPr>
-          <p:cNvPr id="4" name="Text Placeholder 3"/>
-          <p:cNvSpPr>
-            <a:spLocks noGrp="1"/>
-          </p:cNvSpPr>
-          <p:nvPr>
-            <p:ph type="body" idx="14" sz="quarter"/>
-          </p:nvPr>
-        </p:nvSpPr>
-        <p:spPr/>
-        <p:txBody>
-          <a:bodyPr/>
-          <a:lstStyle/>
-          <a:p>
-            <a:pPr/>
-            <a:r>
-              <a:rPr b="1"/>
-              <a:t>Total Project Budget:</a:t>
-            </a:r>
-            <a:r>
-              <a:t> [Approved budget]</a:t>
-            </a:r>
-          </a:p>
-          <a:p>
-            <a:pPr/>
-            <a:r>
-              <a:rPr b="1"/>
-              <a:t>Actual Expenditure:</a:t>
-            </a:r>
-            <a:r>
-              <a:t> [Final cost including AWS services]</a:t>
-            </a:r>
-          </a:p>
-          <a:p>
-            <a:pPr/>
-            <a:r>
-              <a:rPr b="1"/>
-              <a:t>Budget Variance:</a:t>
-            </a:r>
-            <a:r>
-              <a:t> [Over/under budget with AI/ML development explanation]</a:t>
-            </a:r>
-          </a:p>
-          <a:p>
-            <a:pPr/>
-            <a:r>
-              <a:rPr b="1"/>
-              <a:t>Resource Utilization:</a:t>
-            </a:r>
-            <a:r>
-              <a:t> [Data scientists, ML engineers, developers]</a:t>
-            </a:r>
-          </a:p>
-          <a:p>
-            <a:pPr/>
-            <a:r>
-              <a:rPr b="1"/>
-              <a:t>AWS Service Costs:</a:t>
-            </a:r>
-            <a:r>
-              <a:t> [Ongoing operational costs for Textract, Comprehend, etc.]</a:t>
-            </a:r>
-          </a:p>
-        </p:txBody>
-      </p:sp>
-    </p:spTree>
-  </p:cSld>
-  <p:clrMapOvr>
-    <a:masterClrMapping/>
-  </p:clrMapOvr>
-</p:sld>
-</file>
-
-<file path=ppt/slides/slide7.xml><?xml version="1.0" encoding="utf-8"?>
-<p:sld xmlns:a="http://schemas.openxmlformats.org/drawingml/2006/main" xmlns:p="http://schemas.openxmlformats.org/presentationml/2006/main" xmlns:r="http://schemas.openxmlformats.org/officeDocument/2006/relationships">
-  <p:cSld>
-    <p:spTree>
-      <p:nvGrpSpPr>
-        <p:cNvPr id="1" name=""/>
-        <p:cNvGrpSpPr/>
-        <p:nvPr/>
-      </p:nvGrpSpPr>
-      <p:grpSpPr/>
-      <p:sp>
-        <p:nvSpPr>
-          <p:cNvPr id="2" name="Text Placeholder 1"/>
-          <p:cNvSpPr>
-            <a:spLocks noGrp="1"/>
-          </p:cNvSpPr>
-          <p:nvPr>
-            <p:ph type="body" idx="10" sz="quarter"/>
-          </p:nvPr>
-        </p:nvSpPr>
-        <p:spPr/>
-        <p:txBody>
-          <a:bodyPr/>
-          <a:lstStyle/>
-          <a:p>
-            <a:r>
-              <a:t>**Slide 7: AWS IDP Solution Architecture Overview**</a:t>
-            </a:r>
-          </a:p>
-        </p:txBody>
-      </p:sp>
-      <p:sp>
-        <p:nvSpPr>
-          <p:cNvPr id="3" name="Picture Placeholder 2"/>
-          <p:cNvSpPr>
-            <a:spLocks noGrp="1"/>
-          </p:cNvSpPr>
-          <p:nvPr>
-            <p:ph type="pic" idx="14" sz="quarter"/>
-          </p:nvPr>
-        </p:nvSpPr>
-        <p:spPr/>
-      </p:sp>
-      <p:sp>
-        <p:nvSpPr>
-          <p:cNvPr id="4" name="Picture Placeholder 3"/>
-          <p:cNvSpPr>
-            <a:spLocks noGrp="1"/>
-          </p:cNvSpPr>
-          <p:nvPr>
-            <p:ph type="pic" idx="15" sz="quarter"/>
-          </p:nvPr>
-        </p:nvSpPr>
-        <p:spPr/>
-      </p:sp>
-      <p:sp>
-        <p:nvSpPr>
-          <p:cNvPr id="5" name="Text Placeholder 4"/>
-          <p:cNvSpPr>
-            <a:spLocks noGrp="1"/>
-          </p:cNvSpPr>
-          <p:nvPr>
-            <p:ph type="body" idx="16" sz="quarter"/>
-          </p:nvPr>
-        </p:nvSpPr>
-        <p:spPr/>
-        <p:txBody>
-          <a:bodyPr/>
-          <a:lstStyle/>
-          <a:p>
-            <a:pPr/>
-            <a:r>
-              <a:t>AWS AI/ML services architecture diagram (Textract, Comprehend, SageMaker)</a:t>
-            </a:r>
-          </a:p>
-          <a:p>
-            <a:pPr/>
-            <a:r>
-              <a:t>Document processing pipeline and data flow</a:t>
-            </a:r>
-          </a:p>
-          <a:p>
-            <a:pPr/>
-            <a:r>
-              <a:t>S3 storage, Lambda functions, API Gateway integration</a:t>
-            </a:r>
-          </a:p>
-          <a:p>
-            <a:pPr/>
-            <a:r>
-              <a:t>Security and compliance features (encryption, IAM, logging)</a:t>
-            </a:r>
-          </a:p>
-          <a:p>
-            <a:pPr/>
-            <a:r>
-              <a:t>Scalability and performance characteristics</a:t>
-            </a:r>
-          </a:p>
-        </p:txBody>
-      </p:sp>
-    </p:spTree>
-  </p:cSld>
-  <p:clrMapOvr>
-    <a:masterClrMapping/>
-  </p:clrMapOvr>
-</p:sld>
-</file>
-
-<file path=ppt/slides/slide8.xml><?xml version="1.0" encoding="utf-8"?>
-<p:sld xmlns:a="http://schemas.openxmlformats.org/drawingml/2006/main" xmlns:p="http://schemas.openxmlformats.org/presentationml/2006/main" xmlns:r="http://schemas.openxmlformats.org/officeDocument/2006/relationships">
-  <p:cSld>
-    <p:spTree>
-      <p:nvGrpSpPr>
-        <p:cNvPr id="1" name=""/>
-        <p:cNvGrpSpPr/>
-        <p:nvPr/>
-      </p:nvGrpSpPr>
-      <p:grpSpPr/>
-      <p:sp>
-        <p:nvSpPr>
-          <p:cNvPr id="2" name="Text Placeholder 1"/>
-          <p:cNvSpPr>
-            <a:spLocks noGrp="1"/>
-          </p:cNvSpPr>
-          <p:nvPr>
-            <p:ph type="body" idx="10" sz="quarter"/>
-          </p:nvPr>
-        </p:nvSpPr>
-        <p:spPr/>
-        <p:txBody>
-          <a:bodyPr/>
-          <a:lstStyle/>
-          <a:p>
-            <a:pPr algn="l"/>
-            <a:r>
-              <a:rPr b="1"/>
-              <a:t>**Slide 8: Key IDP Features Delivered**</a:t>
-            </a:r>
-          </a:p>
-        </p:txBody>
-      </p:sp>
-      <p:sp>
-        <p:nvSpPr>
-          <p:cNvPr id="3" name="Picture Placeholder 2"/>
-          <p:cNvSpPr>
-            <a:spLocks noGrp="1"/>
-          </p:cNvSpPr>
-          <p:nvPr>
-            <p:ph type="pic" idx="13" sz="quarter"/>
-          </p:nvPr>
-        </p:nvSpPr>
-        <p:spPr/>
-      </p:sp>
-      <p:graphicFrame>
-        <p:nvGraphicFramePr>
-          <p:cNvPr id="4" name="Table Placeholder 3"/>
-          <p:cNvGraphicFramePr>
-            <a:graphicFrameLocks noGrp="1"/>
-          </p:cNvGraphicFramePr>
-          <p:nvPr>
-            <p:ph type="tbl" idx="14" sz="quarter"/>
-          </p:nvPr>
-        </p:nvGraphicFramePr>
-        <p:xfrm>
-          <a:off x="256855" y="677011"/>
-          <a:ext cx="8710929" cy="2595880"/>
-        </p:xfrm>
-        <a:graphic>
-          <a:graphicData uri="http://schemas.openxmlformats.org/drawingml/2006/table">
-            <a:tbl>
-              <a:tblPr firstRow="1" bandRow="1">
-                <a:tableStyleId>{5C22544A-7EE6-4342-B048-85BDC9FD1C3A}</a:tableStyleId>
-              </a:tblPr>
-              <a:tblGrid>
-                <a:gridCol w="2177733"/>
-                <a:gridCol w="1306639"/>
-                <a:gridCol w="1045311"/>
-                <a:gridCol w="1567967"/>
-                <a:gridCol w="2613279"/>
-              </a:tblGrid>
-              <a:tr h="370840">
-                <a:tc>
-                  <a:txBody>
-                    <a:bodyPr/>
-                    <a:lstStyle/>
-                    <a:p>
-                      <a:r>
-                        <a:rPr b="1" sz="1400">
-                          <a:solidFill>
-                            <a:srgbClr val="FFFFFF"/>
-                          </a:solidFill>
-                        </a:rPr>
-                        <a:t>Feature</a:t>
-                      </a:r>
-                    </a:p>
-                  </a:txBody>
-                  <a:tcPr>
-                    <a:solidFill>
-                      <a:srgbClr val="A01C02"/>
-                    </a:solidFill>
-                  </a:tcPr>
-                </a:tc>
-                <a:tc>
-                  <a:txBody>
-                    <a:bodyPr/>
-                    <a:lstStyle/>
-                    <a:p>
-                      <a:r>
-                        <a:rPr b="1" sz="1400">
-                          <a:solidFill>
-                            <a:srgbClr val="FFFFFF"/>
-                          </a:solidFill>
-                        </a:rPr>
-                        <a:t>Business Value</a:t>
-                      </a:r>
-                    </a:p>
-                  </a:txBody>
-                  <a:tcPr>
-                    <a:solidFill>
-                      <a:srgbClr val="A01C02"/>
-                    </a:solidFill>
-                  </a:tcPr>
-                </a:tc>
-                <a:tc>
-                  <a:txBody>
-                    <a:bodyPr/>
-                    <a:lstStyle/>
-                    <a:p>
-                      <a:r>
-                        <a:rPr b="1" sz="1400">
-                          <a:solidFill>
-                            <a:srgbClr val="FFFFFF"/>
-                          </a:solidFill>
-                        </a:rPr>
-                        <a:t>User Impact</a:t>
-                      </a:r>
-                    </a:p>
-                  </a:txBody>
-                  <a:tcPr>
-                    <a:solidFill>
-                      <a:srgbClr val="A01C02"/>
-                    </a:solidFill>
-                  </a:tcPr>
-                </a:tc>
-                <a:tc>
-                  <a:txBody>
-                    <a:bodyPr/>
-                    <a:lstStyle/>
-                    <a:p>
-                      <a:r>
-                        <a:rPr b="1" sz="1400">
-                          <a:solidFill>
-                            <a:srgbClr val="FFFFFF"/>
-                          </a:solidFill>
-                        </a:rPr>
-                        <a:t>Technical Complexity</a:t>
-                      </a:r>
-                    </a:p>
-                  </a:txBody>
-                  <a:tcPr>
-                    <a:solidFill>
-                      <a:srgbClr val="A01C02"/>
-                    </a:solidFill>
-                  </a:tcPr>
-                </a:tc>
-                <a:tc>
-                  <a:txBody>
-                    <a:bodyPr/>
-                    <a:lstStyle/>
-                    <a:p>
-                      <a:r>
-                        <a:rPr b="1" sz="1400">
-                          <a:solidFill>
-                            <a:srgbClr val="FFFFFF"/>
-                          </a:solidFill>
-                        </a:rPr>
-                        <a:t>Status</a:t>
-                      </a:r>
-                    </a:p>
-                  </a:txBody>
-                  <a:tcPr>
-                    <a:solidFill>
-                      <a:srgbClr val="A01C02"/>
-                    </a:solidFill>
-                  </a:tcPr>
-                </a:tc>
-              </a:tr>
-              <a:tr h="370840">
-                <a:tc>
-                  <a:txBody>
-                    <a:bodyPr/>
-                    <a:lstStyle/>
-                    <a:p>
-                      <a:r>
-                        <a:rPr sz="1100"/>
-                        <a:t>Multi-format Document Processing</a:t>
-                      </a:r>
-                    </a:p>
-                  </a:txBody>
-                  <a:tcPr>
-                    <a:solidFill>
-                      <a:srgbClr val="E7E6E6"/>
-                    </a:solidFill>
-                  </a:tcPr>
-                </a:tc>
-                <a:tc>
-                  <a:txBody>
-                    <a:bodyPr/>
-                    <a:lstStyle/>
-                    <a:p>
-                      <a:r>
-                        <a:rPr sz="1100"/>
-                        <a:t>Handles PDFs, images, scanned docs</a:t>
-                      </a:r>
-                    </a:p>
-                  </a:txBody>
-                  <a:tcPr>
-                    <a:solidFill>
-                      <a:srgbClr val="E7E6E6"/>
-                    </a:solidFill>
-                  </a:tcPr>
-                </a:tc>
-                <a:tc>
-                  <a:txBody>
-                    <a:bodyPr/>
-                    <a:lstStyle/>
-                    <a:p>
-                      <a:r>
-                        <a:rPr sz="1100"/>
-                        <a:t>Universal document support</a:t>
-                      </a:r>
-                    </a:p>
-                  </a:txBody>
-                  <a:tcPr>
-                    <a:solidFill>
-                      <a:srgbClr val="E7E6E6"/>
-                    </a:solidFill>
-                  </a:tcPr>
-                </a:tc>
-                <a:tc>
-                  <a:txBody>
-                    <a:bodyPr/>
-                    <a:lstStyle/>
-                    <a:p>
-                      <a:r>
-                        <a:rPr sz="1100"/>
-                        <a:t>High</a:t>
-                      </a:r>
-                    </a:p>
-                  </a:txBody>
-                  <a:tcPr>
-                    <a:solidFill>
-                      <a:srgbClr val="E7E6E6"/>
-                    </a:solidFill>
-                  </a:tcPr>
-                </a:tc>
-                <a:tc>
-                  <a:txBody>
-                    <a:bodyPr/>
-                    <a:lstStyle/>
-                    <a:p>
-                      <a:r>
-                        <a:rPr sz="1100"/>
-                        <a:t>✅ Delivered</a:t>
-                      </a:r>
-                    </a:p>
-                  </a:txBody>
-                  <a:tcPr>
-                    <a:solidFill>
-                      <a:srgbClr val="E7E6E6"/>
-                    </a:solidFill>
-                  </a:tcPr>
-                </a:tc>
-              </a:tr>
-              <a:tr h="370840">
-                <a:tc>
-                  <a:txBody>
-                    <a:bodyPr/>
-                    <a:lstStyle/>
-                    <a:p>
-                      <a:r>
-                        <a:rPr sz="1100"/>
-                        <a:t>Intelligent Data Extraction</a:t>
-                      </a:r>
-                    </a:p>
-                  </a:txBody>
-                  <a:tcPr>
-                    <a:solidFill>
-                      <a:srgbClr val="E7E6E6"/>
-                    </a:solidFill>
-                  </a:tcPr>
-                </a:tc>
-                <a:tc>
-                  <a:txBody>
-                    <a:bodyPr/>
-                    <a:lstStyle/>
-                    <a:p>
-                      <a:r>
-                        <a:rPr sz="1100"/>
-                        <a:t>Automated field recognition</a:t>
-                      </a:r>
-                    </a:p>
-                  </a:txBody>
-                  <a:tcPr>
-                    <a:solidFill>
-                      <a:srgbClr val="E7E6E6"/>
-                    </a:solidFill>
-                  </a:tcPr>
-                </a:tc>
-                <a:tc>
-                  <a:txBody>
-                    <a:bodyPr/>
-                    <a:lstStyle/>
-                    <a:p>
-                      <a:r>
-                        <a:rPr sz="1100"/>
-                        <a:t>No manual data entry required</a:t>
-                      </a:r>
-                    </a:p>
-                  </a:txBody>
-                  <a:tcPr>
-                    <a:solidFill>
-                      <a:srgbClr val="E7E6E6"/>
-                    </a:solidFill>
-                  </a:tcPr>
-                </a:tc>
-                <a:tc>
-                  <a:txBody>
-                    <a:bodyPr/>
-                    <a:lstStyle/>
-                    <a:p>
-                      <a:r>
-                        <a:rPr sz="1100"/>
-                        <a:t>High</a:t>
-                      </a:r>
-                    </a:p>
-                  </a:txBody>
-                  <a:tcPr>
-                    <a:solidFill>
-                      <a:srgbClr val="E7E6E6"/>
-                    </a:solidFill>
-                  </a:tcPr>
-                </a:tc>
-                <a:tc>
-                  <a:txBody>
-                    <a:bodyPr/>
-                    <a:lstStyle/>
-                    <a:p>
-                      <a:r>
-                        <a:rPr sz="1100"/>
-                        <a:t>✅ Delivered</a:t>
-                      </a:r>
-                    </a:p>
-                  </a:txBody>
-                  <a:tcPr>
-                    <a:solidFill>
-                      <a:srgbClr val="E7E6E6"/>
-                    </a:solidFill>
-                  </a:tcPr>
-                </a:tc>
-              </a:tr>
-              <a:tr h="370840">
-                <a:tc>
-                  <a:txBody>
-                    <a:bodyPr/>
-                    <a:lstStyle/>
-                    <a:p>
-                      <a:r>
-                        <a:rPr sz="1100"/>
-                        <a:t>Real-time Processing API</a:t>
-                      </a:r>
-                    </a:p>
-                  </a:txBody>
-                  <a:tcPr>
-                    <a:solidFill>
-                      <a:srgbClr val="E7E6E6"/>
-                    </a:solidFill>
-                  </a:tcPr>
-                </a:tc>
-                <a:tc>
-                  <a:txBody>
-                    <a:bodyPr/>
-                    <a:lstStyle/>
-                    <a:p>
-                      <a:r>
-                        <a:rPr sz="1100"/>
-                        <a:t>Instant document processing</a:t>
-                      </a:r>
-                    </a:p>
-                  </a:txBody>
-                  <a:tcPr>
-                    <a:solidFill>
-                      <a:srgbClr val="E7E6E6"/>
-                    </a:solidFill>
-                  </a:tcPr>
-                </a:tc>
-                <a:tc>
-                  <a:txBody>
-                    <a:bodyPr/>
-                    <a:lstStyle/>
-                    <a:p>
-                      <a:r>
-                        <a:rPr sz="1100"/>
-                        <a:t>Immediate results available</a:t>
-                      </a:r>
-                    </a:p>
-                  </a:txBody>
-                  <a:tcPr>
-                    <a:solidFill>
-                      <a:srgbClr val="E7E6E6"/>
-                    </a:solidFill>
-                  </a:tcPr>
-                </a:tc>
-                <a:tc>
-                  <a:txBody>
-                    <a:bodyPr/>
-                    <a:lstStyle/>
-                    <a:p>
-                      <a:r>
-                        <a:rPr sz="1100"/>
-                        <a:t>Medium</a:t>
-                      </a:r>
-                    </a:p>
-                  </a:txBody>
-                  <a:tcPr>
-                    <a:solidFill>
-                      <a:srgbClr val="E7E6E6"/>
-                    </a:solidFill>
-                  </a:tcPr>
-                </a:tc>
-                <a:tc>
-                  <a:txBody>
-                    <a:bodyPr/>
-                    <a:lstStyle/>
-                    <a:p>
-                      <a:r>
-                        <a:rPr sz="1100"/>
-                        <a:t>✅ Delivered</a:t>
-                      </a:r>
-                    </a:p>
-                  </a:txBody>
-                  <a:tcPr>
-                    <a:solidFill>
-                      <a:srgbClr val="E7E6E6"/>
-                    </a:solidFill>
-                  </a:tcPr>
-                </a:tc>
-              </a:tr>
-              <a:tr h="370840">
-                <a:tc>
-                  <a:txBody>
-                    <a:bodyPr/>
-                    <a:lstStyle/>
-                    <a:p>
-                      <a:r>
-                        <a:rPr sz="1100"/>
-                        <a:t>Custom Classification Models</a:t>
-                      </a:r>
-                    </a:p>
-                  </a:txBody>
-                  <a:tcPr>
-                    <a:solidFill>
-                      <a:srgbClr val="E7E6E6"/>
-                    </a:solidFill>
-                  </a:tcPr>
-                </a:tc>
-                <a:tc>
-                  <a:txBody>
-                    <a:bodyPr/>
-                    <a:lstStyle/>
-                    <a:p>
-                      <a:r>
-                        <a:rPr sz="1100"/>
-                        <a:t>Document type auto-detection</a:t>
-                      </a:r>
-                    </a:p>
-                  </a:txBody>
-                  <a:tcPr>
-                    <a:solidFill>
-                      <a:srgbClr val="E7E6E6"/>
-                    </a:solidFill>
-                  </a:tcPr>
-                </a:tc>
-                <a:tc>
-                  <a:txBody>
-                    <a:bodyPr/>
-                    <a:lstStyle/>
-                    <a:p>
-                      <a:r>
-                        <a:rPr sz="1100"/>
-                        <a:t>Accurate routing and processing</a:t>
-                      </a:r>
-                    </a:p>
-                  </a:txBody>
-                  <a:tcPr>
-                    <a:solidFill>
-                      <a:srgbClr val="E7E6E6"/>
-                    </a:solidFill>
-                  </a:tcPr>
-                </a:tc>
-                <a:tc>
-                  <a:txBody>
-                    <a:bodyPr/>
-                    <a:lstStyle/>
-                    <a:p>
-                      <a:r>
-                        <a:rPr sz="1100"/>
-                        <a:t>High</a:t>
-                      </a:r>
-                    </a:p>
-                  </a:txBody>
-                  <a:tcPr>
-                    <a:solidFill>
-                      <a:srgbClr val="E7E6E6"/>
-                    </a:solidFill>
-                  </a:tcPr>
-                </a:tc>
-                <a:tc>
-                  <a:txBody>
-                    <a:bodyPr/>
-                    <a:lstStyle/>
-                    <a:p>
-                      <a:r>
-                        <a:rPr sz="1100"/>
-                        <a:t>✅ Delivered</a:t>
-                      </a:r>
-                    </a:p>
-                  </a:txBody>
-                  <a:tcPr>
-                    <a:solidFill>
-                      <a:srgbClr val="E7E6E6"/>
-                    </a:solidFill>
-                  </a:tcPr>
-                </a:tc>
-              </a:tr>
-              <a:tr h="370840">
-                <a:tc>
-                  <a:txBody>
-                    <a:bodyPr/>
-                    <a:lstStyle/>
-                    <a:p>
-                      <a:r>
-                        <a:rPr sz="1100"/>
-                        <a:t>Confidence Scoring</a:t>
-                      </a:r>
-                    </a:p>
-                  </a:txBody>
-                  <a:tcPr>
-                    <a:solidFill>
-                      <a:srgbClr val="E7E6E6"/>
-                    </a:solidFill>
-                  </a:tcPr>
-                </a:tc>
-                <a:tc>
-                  <a:txBody>
-                    <a:bodyPr/>
-                    <a:lstStyle/>
-                    <a:p>
-                      <a:r>
-                        <a:rPr sz="1100"/>
-                        <a:t>Quality assurance metrics</a:t>
-                      </a:r>
-                    </a:p>
-                  </a:txBody>
-                  <a:tcPr>
-                    <a:solidFill>
-                      <a:srgbClr val="E7E6E6"/>
-                    </a:solidFill>
-                  </a:tcPr>
-                </a:tc>
-                <a:tc>
-                  <a:txBody>
-                    <a:bodyPr/>
-                    <a:lstStyle/>
-                    <a:p>
-                      <a:r>
-                        <a:rPr sz="1100"/>
-                        <a:t>Human review for low confidence</a:t>
-                      </a:r>
-                    </a:p>
-                  </a:txBody>
-                  <a:tcPr>
-                    <a:solidFill>
-                      <a:srgbClr val="E7E6E6"/>
-                    </a:solidFill>
-                  </a:tcPr>
-                </a:tc>
-                <a:tc>
-                  <a:txBody>
-                    <a:bodyPr/>
-                    <a:lstStyle/>
-                    <a:p>
-                      <a:r>
-                        <a:rPr sz="1100"/>
-                        <a:t>Medium</a:t>
-                      </a:r>
-                    </a:p>
-                  </a:txBody>
-                  <a:tcPr>
-                    <a:solidFill>
-                      <a:srgbClr val="E7E6E6"/>
-                    </a:solidFill>
-                  </a:tcPr>
-                </a:tc>
-                <a:tc>
-                  <a:txBody>
-                    <a:bodyPr/>
-                    <a:lstStyle/>
-                    <a:p>
-                      <a:r>
-                        <a:rPr sz="1100"/>
-                        <a:t>✅ Delivered</a:t>
-                      </a:r>
-                    </a:p>
-                  </a:txBody>
-                  <a:tcPr>
-                    <a:solidFill>
-                      <a:srgbClr val="E7E6E6"/>
-                    </a:solidFill>
-                  </a:tcPr>
-                </a:tc>
-              </a:tr>
-              <a:tr h="370840">
-                <a:tc>
-                  <a:txBody>
-                    <a:bodyPr/>
-                    <a:lstStyle/>
-                    <a:p>
-                      <a:r>
-                        <a:rPr b="1" sz="1100"/>
-                        <a:t>Batch Processing</a:t>
-                      </a:r>
-                    </a:p>
-                  </a:txBody>
-                  <a:tcPr>
-                    <a:solidFill>
-                      <a:srgbClr val="E7E6E6"/>
-                    </a:solidFill>
-                  </a:tcPr>
-                </a:tc>
-                <a:tc>
-                  <a:txBody>
-                    <a:bodyPr/>
-                    <a:lstStyle/>
-                    <a:p>
-                      <a:r>
-                        <a:rPr b="1" sz="1100"/>
-                        <a:t>High-volume document handling</a:t>
-                      </a:r>
-                    </a:p>
-                  </a:txBody>
-                  <a:tcPr>
-                    <a:solidFill>
-                      <a:srgbClr val="E7E6E6"/>
-                    </a:solidFill>
-                  </a:tcPr>
-                </a:tc>
-                <a:tc>
-                  <a:txBody>
-                    <a:bodyPr/>
-                    <a:lstStyle/>
-                    <a:p>
-                      <a:r>
-                        <a:rPr b="1" sz="1100"/>
-                        <a:t>Efficient bulk processing</a:t>
-                      </a:r>
-                    </a:p>
-                  </a:txBody>
-                  <a:tcPr>
-                    <a:solidFill>
-                      <a:srgbClr val="E7E6E6"/>
-                    </a:solidFill>
-                  </a:tcPr>
-                </a:tc>
-                <a:tc>
-                  <a:txBody>
-                    <a:bodyPr/>
-                    <a:lstStyle/>
-                    <a:p>
-                      <a:r>
-                        <a:rPr b="1" sz="1100"/>
-                        <a:t>Medium</a:t>
-                      </a:r>
-                    </a:p>
-                  </a:txBody>
-                  <a:tcPr>
-                    <a:solidFill>
-                      <a:srgbClr val="E7E6E6"/>
-                    </a:solidFill>
-                  </a:tcPr>
-                </a:tc>
-                <a:tc>
-                  <a:txBody>
-                    <a:bodyPr/>
-                    <a:lstStyle/>
-                    <a:p>
-                      <a:r>
-                        <a:rPr b="1" sz="1100"/>
-                        <a:t>✅ Delivered</a:t>
-                      </a:r>
-                    </a:p>
-                  </a:txBody>
-                  <a:tcPr>
-                    <a:solidFill>
-                      <a:srgbClr val="E7E6E6"/>
-                    </a:solidFill>
-                  </a:tcPr>
-                </a:tc>
-              </a:tr>
-            </a:tbl>
-          </a:graphicData>
-        </a:graphic>
-      </p:graphicFrame>
-    </p:spTree>
-  </p:cSld>
-  <p:clrMapOvr>
-    <a:masterClrMapping/>
-  </p:clrMapOvr>
-</p:sld>
-</file>
-
-<file path=ppt/slides/slide9.xml><?xml version="1.0" encoding="utf-8"?>
-<p:sld xmlns:a="http://schemas.openxmlformats.org/drawingml/2006/main" xmlns:p="http://schemas.openxmlformats.org/presentationml/2006/main" xmlns:r="http://schemas.openxmlformats.org/officeDocument/2006/relationships">
-  <p:cSld>
-    <p:spTree>
-      <p:nvGrpSpPr>
-        <p:cNvPr id="1" name=""/>
-        <p:cNvGrpSpPr/>
-        <p:nvPr/>
-      </p:nvGrpSpPr>
-      <p:grpSpPr/>
-      <p:sp>
-        <p:nvSpPr>
-          <p:cNvPr id="2" name="Text Placeholder 1"/>
-          <p:cNvSpPr>
-            <a:spLocks noGrp="1"/>
-          </p:cNvSpPr>
-          <p:nvPr>
-            <p:ph type="body" idx="10" sz="quarter"/>
-          </p:nvPr>
-        </p:nvSpPr>
-        <p:spPr/>
-        <p:txBody>
-          <a:bodyPr/>
-          <a:lstStyle/>
-          <a:p>
-            <a:r>
-              <a:t>**Slide 9: AI/ML Model Performance Metrics**</a:t>
-            </a:r>
-          </a:p>
-        </p:txBody>
-      </p:sp>
-      <p:sp>
-        <p:nvSpPr>
-          <p:cNvPr id="3" name="Picture Placeholder 2"/>
-          <p:cNvSpPr>
-            <a:spLocks noGrp="1"/>
-          </p:cNvSpPr>
-          <p:nvPr>
-            <p:ph type="pic" idx="14" sz="quarter"/>
-          </p:nvPr>
-        </p:nvSpPr>
-        <p:spPr/>
-      </p:sp>
-      <p:sp>
-        <p:nvSpPr>
-          <p:cNvPr id="4" name="Chart Placeholder 3"/>
-          <p:cNvSpPr>
-            <a:spLocks noGrp="1"/>
-          </p:cNvSpPr>
-          <p:nvPr>
-            <p:ph type="chart" idx="15" sz="quarter"/>
-          </p:nvPr>
-        </p:nvSpPr>
-        <p:spPr/>
-      </p:sp>
-      <p:sp>
-        <p:nvSpPr>
-          <p:cNvPr id="5" name="Content Placeholder 4"/>
-          <p:cNvSpPr>
-            <a:spLocks noGrp="1"/>
-          </p:cNvSpPr>
-          <p:nvPr>
-            <p:ph idx="16" sz="quarter"/>
-          </p:nvPr>
-        </p:nvSpPr>
-        <p:spPr/>
-        <p:txBody>
-          <a:bodyPr/>
-          <a:lstStyle/>
-          <a:p/>
-        </p:txBody>
-      </p:sp>
     </p:spTree>
   </p:cSld>
   <p:clrMapOvr>

--- a/solutions/aws/ai/intelligent-document-processing/delivery/closeout-presentation.pptx
+++ b/solutions/aws/ai/intelligent-document-processing/delivery/closeout-presentation.pptx
@@ -7475,7 +7475,7 @@
           <a:lstStyle/>
           <a:p>
             <a:r>
-              <a:t>Project Manager | November 27, 2025</a:t>
+              <a:t>Project Manager | December 02, 2025</a:t>
             </a:r>
           </a:p>
         </p:txBody>
